--- a/Nuclear_Fuel_Performance/NE533_Spring2022/section3/Lec14_swelling.pptx
+++ b/Nuclear_Fuel_Performance/NE533_Spring2022/section3/Lec14_swelling.pptx
@@ -7,27 +7,28 @@
   <p:sldIdLst>
     <p:sldId id="537" r:id="rId2"/>
     <p:sldId id="328" r:id="rId3"/>
-    <p:sldId id="282" r:id="rId4"/>
-    <p:sldId id="306" r:id="rId5"/>
-    <p:sldId id="307" r:id="rId6"/>
-    <p:sldId id="308" r:id="rId7"/>
-    <p:sldId id="310" r:id="rId8"/>
-    <p:sldId id="311" r:id="rId9"/>
-    <p:sldId id="312" r:id="rId10"/>
-    <p:sldId id="313" r:id="rId11"/>
-    <p:sldId id="309" r:id="rId12"/>
-    <p:sldId id="314" r:id="rId13"/>
-    <p:sldId id="316" r:id="rId14"/>
-    <p:sldId id="317" r:id="rId15"/>
-    <p:sldId id="315" r:id="rId16"/>
-    <p:sldId id="318" r:id="rId17"/>
-    <p:sldId id="319" r:id="rId18"/>
-    <p:sldId id="320" r:id="rId19"/>
-    <p:sldId id="321" r:id="rId20"/>
-    <p:sldId id="322" r:id="rId21"/>
-    <p:sldId id="323" r:id="rId22"/>
-    <p:sldId id="538" r:id="rId23"/>
-    <p:sldId id="539" r:id="rId24"/>
+    <p:sldId id="546" r:id="rId4"/>
+    <p:sldId id="278" r:id="rId5"/>
+    <p:sldId id="545" r:id="rId6"/>
+    <p:sldId id="306" r:id="rId7"/>
+    <p:sldId id="307" r:id="rId8"/>
+    <p:sldId id="308" r:id="rId9"/>
+    <p:sldId id="310" r:id="rId10"/>
+    <p:sldId id="311" r:id="rId11"/>
+    <p:sldId id="312" r:id="rId12"/>
+    <p:sldId id="313" r:id="rId13"/>
+    <p:sldId id="309" r:id="rId14"/>
+    <p:sldId id="314" r:id="rId15"/>
+    <p:sldId id="316" r:id="rId16"/>
+    <p:sldId id="317" r:id="rId17"/>
+    <p:sldId id="315" r:id="rId18"/>
+    <p:sldId id="318" r:id="rId19"/>
+    <p:sldId id="319" r:id="rId20"/>
+    <p:sldId id="320" r:id="rId21"/>
+    <p:sldId id="321" r:id="rId22"/>
+    <p:sldId id="322" r:id="rId23"/>
+    <p:sldId id="323" r:id="rId24"/>
+    <p:sldId id="539" r:id="rId25"/>
   </p:sldIdLst>
   <p:sldSz cx="12192000" cy="6858000"/>
   <p:notesSz cx="6858000" cy="9144000"/>
@@ -322,7 +323,7 @@
             </a:pPr>
             <a:fld id="{D6F3A803-A045-354B-887A-01433CE46FC2}" type="datetime1">
               <a:rPr lang="en-US" smtClean="0"/>
-              <a:t>2/22/22</a:t>
+              <a:t>3/3/22</a:t>
             </a:fld>
             <a:endParaRPr lang="en-US"/>
           </a:p>
@@ -515,7 +516,7 @@
             </a:pPr>
             <a:fld id="{A8B33C1D-C2E2-1049-AA3F-CD6E91052752}" type="datetime1">
               <a:rPr lang="en-US" smtClean="0"/>
-              <a:t>2/22/22</a:t>
+              <a:t>3/3/22</a:t>
             </a:fld>
             <a:endParaRPr lang="en-US"/>
           </a:p>
@@ -717,7 +718,7 @@
             </a:pPr>
             <a:fld id="{2791AD68-B60C-4542-BDDD-2074DE6DE828}" type="datetime1">
               <a:rPr lang="en-US" smtClean="0"/>
-              <a:t>2/22/22</a:t>
+              <a:t>3/3/22</a:t>
             </a:fld>
             <a:endParaRPr lang="en-US"/>
           </a:p>
@@ -916,7 +917,7 @@
             </a:pPr>
             <a:fld id="{C5BD04BF-9DC2-6341-92B2-BD109A2EF3B1}" type="datetime1">
               <a:rPr lang="en-US" smtClean="0"/>
-              <a:t>2/22/22</a:t>
+              <a:t>3/3/22</a:t>
             </a:fld>
             <a:endParaRPr lang="en-US"/>
           </a:p>
@@ -1186,7 +1187,7 @@
             </a:pPr>
             <a:fld id="{FB0FFBC7-3028-644D-986B-D9855CB74B38}" type="datetime1">
               <a:rPr lang="en-US" smtClean="0"/>
-              <a:t>2/22/22</a:t>
+              <a:t>3/3/22</a:t>
             </a:fld>
             <a:endParaRPr lang="en-US"/>
           </a:p>
@@ -1497,7 +1498,7 @@
             </a:pPr>
             <a:fld id="{2C3B8AE4-01F5-CC42-9C62-61BC6528368B}" type="datetime1">
               <a:rPr lang="en-US" smtClean="0"/>
-              <a:t>2/22/22</a:t>
+              <a:t>3/3/22</a:t>
             </a:fld>
             <a:endParaRPr lang="en-US"/>
           </a:p>
@@ -1940,7 +1941,7 @@
             </a:pPr>
             <a:fld id="{77E49314-4A78-2444-9569-44EB70168344}" type="datetime1">
               <a:rPr lang="en-US" smtClean="0"/>
-              <a:t>2/22/22</a:t>
+              <a:t>3/3/22</a:t>
             </a:fld>
             <a:endParaRPr lang="en-US"/>
           </a:p>
@@ -2081,7 +2082,7 @@
             </a:pPr>
             <a:fld id="{5BC22837-4683-B242-B000-BCEE30621787}" type="datetime1">
               <a:rPr lang="en-US" smtClean="0"/>
-              <a:t>2/22/22</a:t>
+              <a:t>3/3/22</a:t>
             </a:fld>
             <a:endParaRPr lang="en-US"/>
           </a:p>
@@ -2200,7 +2201,7 @@
             </a:pPr>
             <a:fld id="{DCDAE926-7EF1-0B40-B57E-417D188A609C}" type="datetime1">
               <a:rPr lang="en-US" smtClean="0"/>
-              <a:t>2/22/22</a:t>
+              <a:t>3/3/22</a:t>
             </a:fld>
             <a:endParaRPr lang="en-US"/>
           </a:p>
@@ -2499,7 +2500,7 @@
             </a:pPr>
             <a:fld id="{518D107B-B9C7-5B41-A168-55258AB95F52}" type="datetime1">
               <a:rPr lang="en-US" smtClean="0"/>
-              <a:t>2/22/22</a:t>
+              <a:t>3/3/22</a:t>
             </a:fld>
             <a:endParaRPr lang="en-US"/>
           </a:p>
@@ -2783,7 +2784,7 @@
             </a:pPr>
             <a:fld id="{3AD92D36-EE82-3142-B011-9831FB5E702F}" type="datetime1">
               <a:rPr lang="en-US" smtClean="0"/>
-              <a:t>2/22/22</a:t>
+              <a:t>3/3/22</a:t>
             </a:fld>
             <a:endParaRPr lang="en-US"/>
           </a:p>
@@ -2924,7 +2925,7 @@
               </a14:hiddenLine>
             </a:ext>
             <a:ext uri="{FAA26D3D-D897-4be2-8F04-BA451C77F1D7}">
-              <ma14:placeholderFlag xmlns:ma14="http://schemas.microsoft.com/office/mac/drawingml/2011/main" xmlns="" val="1"/>
+              <ma14:placeholderFlag xmlns="" xmlns:ma14="http://schemas.microsoft.com/office/mac/drawingml/2011/main" val="1"/>
             </a:ext>
           </a:extLst>
         </p:spPr>
@@ -2992,7 +2993,7 @@
               </a14:hiddenLine>
             </a:ext>
             <a:ext uri="{FAA26D3D-D897-4be2-8F04-BA451C77F1D7}">
-              <ma14:placeholderFlag xmlns:ma14="http://schemas.microsoft.com/office/mac/drawingml/2011/main" xmlns="" val="1"/>
+              <ma14:placeholderFlag xmlns="" xmlns:ma14="http://schemas.microsoft.com/office/mac/drawingml/2011/main" val="1"/>
             </a:ext>
           </a:extLst>
         </p:spPr>
@@ -3088,7 +3089,7 @@
             </a:pPr>
             <a:fld id="{3EE08B4B-7256-494F-A90D-3891BD685F4A}" type="datetime1">
               <a:rPr lang="en-US" smtClean="0"/>
-              <a:t>2/22/22</a:t>
+              <a:t>3/3/22</a:t>
             </a:fld>
             <a:endParaRPr lang="en-US" dirty="0"/>
           </a:p>
@@ -3709,13 +3710,13 @@
           <a:p>
             <a:r>
               <a:rPr lang="en-US" dirty="0"/>
-              <a:t>NE-591-010</a:t>
-            </a:r>
-          </a:p>
-          <a:p>
-            <a:r>
-              <a:rPr lang="en-US" dirty="0"/>
-              <a:t>Spring 2021</a:t>
+              <a:t>NE-533</a:t>
+            </a:r>
+          </a:p>
+          <a:p>
+            <a:r>
+              <a:rPr lang="en-US" dirty="0"/>
+              <a:t>Spring 2022</a:t>
             </a:r>
           </a:p>
         </p:txBody>
@@ -3790,7 +3791,7 @@
           <p:cNvPr id="2" name="Title 1">
             <a:extLst>
               <a:ext uri="{FF2B5EF4-FFF2-40B4-BE49-F238E27FC236}">
-                <a16:creationId xmlns:a16="http://schemas.microsoft.com/office/drawing/2014/main" id="{43F26D1A-AF93-AE41-A783-0FDED671E642}"/>
+                <a16:creationId xmlns:a16="http://schemas.microsoft.com/office/drawing/2014/main" id="{D5E58D87-1841-BA4C-AF81-D5A04583D727}"/>
               </a:ext>
             </a:extLst>
           </p:cNvPr>
@@ -3808,7 +3809,7 @@
           <a:p>
             <a:r>
               <a:rPr lang="en-US" dirty="0"/>
-              <a:t>Change in Volume Example</a:t>
+              <a:t>Gaseous fission product swelling</a:t>
             </a:r>
           </a:p>
         </p:txBody>
@@ -3818,7 +3819,7 @@
           <p:cNvPr id="3" name="Content Placeholder 2">
             <a:extLst>
               <a:ext uri="{FF2B5EF4-FFF2-40B4-BE49-F238E27FC236}">
-                <a16:creationId xmlns:a16="http://schemas.microsoft.com/office/drawing/2014/main" id="{FF410B28-4AE7-094C-9C7F-F147D0D33945}"/>
+                <a16:creationId xmlns:a16="http://schemas.microsoft.com/office/drawing/2014/main" id="{A29A34F9-4FFB-A145-A3F7-D2E75D9EF8DA}"/>
               </a:ext>
             </a:extLst>
           </p:cNvPr>
@@ -3829,200 +3830,149 @@
             <p:ph idx="1"/>
           </p:nvPr>
         </p:nvSpPr>
-        <p:spPr/>
+        <p:spPr>
+          <a:xfrm>
+            <a:off x="609600" y="2160495"/>
+            <a:ext cx="6239435" cy="3965670"/>
+          </a:xfrm>
+        </p:spPr>
         <p:txBody>
           <a:bodyPr>
-            <a:normAutofit fontScale="92500" lnSpcReduction="10000"/>
+            <a:normAutofit fontScale="77500" lnSpcReduction="20000"/>
           </a:bodyPr>
           <a:lstStyle/>
           <a:p>
-            <a:r>
-              <a:rPr lang="en-US" dirty="0"/>
-              <a:t>First, we need to calculate the burnup, enrich 5%,</a:t>
-            </a:r>
-          </a:p>
-          <a:p>
-            <a:pPr lvl="1"/>
-            <a:r>
-              <a:rPr lang="en-US" dirty="0"/>
-              <a:t>M</a:t>
-            </a:r>
-            <a:r>
-              <a:rPr lang="en-US" baseline="-25000" dirty="0"/>
-              <a:t>UO2</a:t>
-            </a:r>
-            <a:r>
-              <a:rPr lang="en-US" dirty="0"/>
-              <a:t>=16*2+238*0.95+235*0.05=269.9 g/</a:t>
-            </a:r>
-            <a:r>
-              <a:rPr lang="en-US" dirty="0" err="1"/>
-              <a:t>mol</a:t>
-            </a:r>
+            <a:pPr>
+              <a:spcBef>
+                <a:spcPts val="800"/>
+              </a:spcBef>
+            </a:pPr>
+            <a:r>
+              <a:rPr lang="en-US" sz="2000" dirty="0"/>
+              <a:t>Gaseous swelling varies strongly with temperature, fission rate and stress</a:t>
+            </a:r>
+          </a:p>
+          <a:p>
+            <a:pPr>
+              <a:spcBef>
+                <a:spcPts val="800"/>
+              </a:spcBef>
+            </a:pPr>
+            <a:r>
+              <a:rPr lang="en-US" sz="2000" dirty="0"/>
+              <a:t>T &lt; 1000K</a:t>
+            </a:r>
+          </a:p>
+          <a:p>
+            <a:pPr lvl="1">
+              <a:spcBef>
+                <a:spcPts val="800"/>
+              </a:spcBef>
+            </a:pPr>
+            <a:r>
+              <a:rPr lang="en-US" sz="1600" dirty="0"/>
+              <a:t>Fission gas atoms remain in fuel matrix or collect in small, isolated, intragranular pores (&lt;1 nm)</a:t>
+            </a:r>
+          </a:p>
+          <a:p>
+            <a:pPr lvl="1">
+              <a:spcBef>
+                <a:spcPts val="800"/>
+              </a:spcBef>
+            </a:pPr>
+            <a:r>
+              <a:rPr lang="en-US" sz="1600" dirty="0"/>
+              <a:t>Intragranular pore size limited by fission spikes that drive gas back into fuel matrix </a:t>
+            </a:r>
+          </a:p>
+          <a:p>
+            <a:pPr lvl="1">
+              <a:spcBef>
+                <a:spcPts val="800"/>
+              </a:spcBef>
+            </a:pPr>
+            <a:r>
+              <a:rPr lang="en-US" sz="1600" dirty="0"/>
+              <a:t>Gaseous swelling constrained by fission gas release</a:t>
+            </a:r>
+          </a:p>
+          <a:p>
+            <a:pPr>
+              <a:spcBef>
+                <a:spcPts val="800"/>
+              </a:spcBef>
+            </a:pPr>
+            <a:r>
+              <a:rPr lang="en-US" sz="2000" dirty="0"/>
+              <a:t>T = 1000 to 1700 K</a:t>
+            </a:r>
+          </a:p>
+          <a:p>
+            <a:pPr lvl="1">
+              <a:spcBef>
+                <a:spcPts val="800"/>
+              </a:spcBef>
+            </a:pPr>
+            <a:r>
+              <a:rPr lang="en-US" sz="1600" dirty="0"/>
+              <a:t>Swelling takes place at hot interior of pellet</a:t>
+            </a:r>
+          </a:p>
+          <a:p>
+            <a:pPr lvl="1">
+              <a:spcBef>
+                <a:spcPts val="800"/>
+              </a:spcBef>
+            </a:pPr>
+            <a:r>
+              <a:rPr lang="en-US" sz="1600" dirty="0"/>
+              <a:t>Gas atoms in fuel matrix diffuse to grain boundaries and collect in pores</a:t>
+            </a:r>
+          </a:p>
+          <a:p>
+            <a:pPr lvl="1">
+              <a:spcBef>
+                <a:spcPts val="800"/>
+              </a:spcBef>
+            </a:pPr>
+            <a:r>
+              <a:rPr lang="en-US" sz="1600" dirty="0"/>
+              <a:t>Gas pressure causes bubbles to increase in size and to coalesce into larger pores </a:t>
+            </a:r>
+          </a:p>
+          <a:p>
+            <a:pPr lvl="1">
+              <a:spcBef>
+                <a:spcPts val="800"/>
+              </a:spcBef>
+            </a:pPr>
+            <a:r>
+              <a:rPr lang="en-US" sz="1600" dirty="0"/>
+              <a:t>Gaseous swelling opposed by applied stress</a:t>
+            </a:r>
+          </a:p>
+          <a:p>
+            <a:pPr lvl="1">
+              <a:spcBef>
+                <a:spcPts val="800"/>
+              </a:spcBef>
+            </a:pPr>
+            <a:r>
+              <a:rPr lang="en-US" sz="1600" dirty="0"/>
+              <a:t>Gaseous swelling also constrained by fission gas release</a:t>
+            </a:r>
+          </a:p>
+          <a:p>
+            <a:pPr>
+              <a:spcBef>
+                <a:spcPts val="800"/>
+              </a:spcBef>
+            </a:pPr>
+            <a:endParaRPr lang="en-US" sz="1600" dirty="0"/>
+          </a:p>
+          <a:p>
             <a:endParaRPr lang="en-US" dirty="0"/>
           </a:p>
-          <a:p>
-            <a:pPr lvl="1"/>
-            <a:r>
-              <a:rPr lang="en-US" dirty="0"/>
-              <a:t>N</a:t>
-            </a:r>
-            <a:r>
-              <a:rPr lang="en-US" baseline="-25000" dirty="0"/>
-              <a:t>U</a:t>
-            </a:r>
-            <a:r>
-              <a:rPr lang="en-US" dirty="0"/>
-              <a:t> = N</a:t>
-            </a:r>
-            <a:r>
-              <a:rPr lang="en-US" baseline="-25000" dirty="0"/>
-              <a:t>a</a:t>
-            </a:r>
-            <a:r>
-              <a:rPr lang="en-US" dirty="0"/>
-              <a:t> </a:t>
-            </a:r>
-            <a:r>
-              <a:rPr lang="en-US" dirty="0" err="1">
-                <a:latin typeface="Symbol" pitchFamily="2" charset="2"/>
-              </a:rPr>
-              <a:t>r</a:t>
-            </a:r>
-            <a:r>
-              <a:rPr lang="en-US" baseline="-25000" dirty="0" err="1"/>
-              <a:t>U</a:t>
-            </a:r>
-            <a:r>
-              <a:rPr lang="en-US" dirty="0"/>
-              <a:t>/M</a:t>
-            </a:r>
-            <a:r>
-              <a:rPr lang="en-US" baseline="-25000" dirty="0"/>
-              <a:t>U </a:t>
-            </a:r>
-            <a:r>
-              <a:rPr lang="en-US" dirty="0"/>
-              <a:t>= 6.022e23*10.97/269.9 = </a:t>
-            </a:r>
-            <a:r>
-              <a:rPr lang="hr-HR" dirty="0"/>
-              <a:t>2.45e22</a:t>
-            </a:r>
-            <a:r>
-              <a:rPr lang="en-US" dirty="0"/>
-              <a:t> atoms of U/cm</a:t>
-            </a:r>
-            <a:r>
-              <a:rPr lang="en-US" baseline="30000" dirty="0"/>
-              <a:t>3</a:t>
-            </a:r>
-            <a:endParaRPr lang="en-US" baseline="-25000" dirty="0"/>
-          </a:p>
-          <a:p>
-            <a:pPr lvl="1"/>
-            <a:r>
-              <a:rPr lang="en-US" dirty="0"/>
-              <a:t>β = 2.5e13*3600*24*7*2/2.45e22 = 0.0012 FIMA</a:t>
-            </a:r>
-          </a:p>
-          <a:p>
-            <a:r>
-              <a:rPr lang="en-US" dirty="0"/>
-              <a:t>Next, we need to determine the strain from thermal expansion</a:t>
-            </a:r>
-          </a:p>
-          <a:p>
-            <a:pPr lvl="1"/>
-            <a:r>
-              <a:rPr lang="en-US" dirty="0" err="1"/>
-              <a:t>ε</a:t>
-            </a:r>
-            <a:r>
-              <a:rPr lang="en-US" baseline="-25000" dirty="0" err="1"/>
-              <a:t>th</a:t>
-            </a:r>
-            <a:r>
-              <a:rPr lang="en-US" dirty="0"/>
-              <a:t> = αΔT = 11e-6*(1400 – 300) = 0.0121</a:t>
-            </a:r>
-          </a:p>
-          <a:p>
-            <a:r>
-              <a:rPr lang="en-US" dirty="0"/>
-              <a:t>Then, we consider densification,</a:t>
-            </a:r>
-          </a:p>
-          <a:p>
-            <a:pPr lvl="1"/>
-            <a:r>
-              <a:rPr lang="en-US" dirty="0"/>
-              <a:t>We need to calculate C</a:t>
-            </a:r>
-            <a:r>
-              <a:rPr lang="en-US" baseline="-25000" dirty="0"/>
-              <a:t>D</a:t>
-            </a:r>
-            <a:r>
-              <a:rPr lang="en-US" dirty="0"/>
-              <a:t>, but because we are higher than 750C, C</a:t>
-            </a:r>
-            <a:r>
-              <a:rPr lang="en-US" baseline="-25000" dirty="0"/>
-              <a:t>D</a:t>
-            </a:r>
-            <a:r>
-              <a:rPr lang="en-US" dirty="0"/>
-              <a:t> = 1</a:t>
-            </a:r>
-            <a:endParaRPr lang="en-US" baseline="-25000" dirty="0"/>
-          </a:p>
-          <a:p>
-            <a:pPr lvl="1"/>
-            <a:r>
-              <a:rPr lang="en-US" dirty="0"/>
-              <a:t>We need to convert the burnup to FIMA, β</a:t>
-            </a:r>
-            <a:r>
-              <a:rPr lang="en-US" baseline="-25000" dirty="0"/>
-              <a:t>D</a:t>
-            </a:r>
-            <a:r>
-              <a:rPr lang="en-US" dirty="0"/>
-              <a:t> = 5 MWD/</a:t>
-            </a:r>
-            <a:r>
-              <a:rPr lang="en-US" dirty="0" err="1"/>
-              <a:t>kgU</a:t>
-            </a:r>
-            <a:r>
-              <a:rPr lang="en-US" dirty="0"/>
-              <a:t>/950 = 0.0053 FIMA</a:t>
-            </a:r>
-          </a:p>
-          <a:p>
-            <a:pPr lvl="1"/>
-            <a:r>
-              <a:rPr lang="en-US" dirty="0" err="1"/>
-              <a:t>ε</a:t>
-            </a:r>
-            <a:r>
-              <a:rPr lang="en-US" baseline="-25000" dirty="0" err="1"/>
-              <a:t>D</a:t>
-            </a:r>
-            <a:r>
-              <a:rPr lang="en-US" dirty="0"/>
-              <a:t> = 0.01*(</a:t>
-            </a:r>
-            <a:r>
-              <a:rPr lang="en-US" dirty="0" err="1"/>
-              <a:t>exp</a:t>
-            </a:r>
-            <a:r>
-              <a:rPr lang="en-US" dirty="0"/>
-              <a:t>(0.0012*log(0.01)/(1*0.0053)) – 1) = -0.0065</a:t>
-            </a:r>
-          </a:p>
         </p:txBody>
       </p:sp>
       <p:sp>
@@ -4030,7 +3980,7 @@
           <p:cNvPr id="4" name="Slide Number Placeholder 3">
             <a:extLst>
               <a:ext uri="{FF2B5EF4-FFF2-40B4-BE49-F238E27FC236}">
-                <a16:creationId xmlns:a16="http://schemas.microsoft.com/office/drawing/2014/main" id="{1D564612-4D0B-6E49-AE99-86B95A7B5F79}"/>
+                <a16:creationId xmlns:a16="http://schemas.microsoft.com/office/drawing/2014/main" id="{03117967-2B2D-7B41-9E76-1DD1F351BF6B}"/>
               </a:ext>
             </a:extLst>
           </p:cNvPr>
@@ -4055,6 +4005,676 @@
                 <a:defRPr/>
               </a:pPr>
               <a:t>10</a:t>
+            </a:fld>
+            <a:endParaRPr lang="en-US"/>
+          </a:p>
+        </p:txBody>
+      </p:sp>
+      <p:pic>
+        <p:nvPicPr>
+          <p:cNvPr id="5" name="Picture 4" descr="latex-image-1.pdf">
+            <a:extLst>
+              <a:ext uri="{FF2B5EF4-FFF2-40B4-BE49-F238E27FC236}">
+                <a16:creationId xmlns:a16="http://schemas.microsoft.com/office/drawing/2014/main" id="{FC4F523B-2E5B-6A41-8FE2-85E081EE6838}"/>
+              </a:ext>
+            </a:extLst>
+          </p:cNvPr>
+          <p:cNvPicPr>
+            <a:picLocks noChangeAspect="1"/>
+          </p:cNvPicPr>
+          <p:nvPr/>
+        </p:nvPicPr>
+        <p:blipFill>
+          <a:blip r:embed="rId2">
+            <a:extLst>
+              <a:ext uri="{28A0092B-C50C-407E-A947-70E740481C1C}">
+                <a14:useLocalDpi xmlns:a14="http://schemas.microsoft.com/office/drawing/2010/main"/>
+              </a:ext>
+            </a:extLst>
+          </a:blip>
+          <a:stretch>
+            <a:fillRect/>
+          </a:stretch>
+        </p:blipFill>
+        <p:spPr>
+          <a:xfrm>
+            <a:off x="974762" y="6026059"/>
+            <a:ext cx="6070600" cy="292100"/>
+          </a:xfrm>
+          <a:prstGeom prst="rect">
+            <a:avLst/>
+          </a:prstGeom>
+        </p:spPr>
+      </p:pic>
+      <p:pic>
+        <p:nvPicPr>
+          <p:cNvPr id="6" name="Picture 5">
+            <a:extLst>
+              <a:ext uri="{FF2B5EF4-FFF2-40B4-BE49-F238E27FC236}">
+                <a16:creationId xmlns:a16="http://schemas.microsoft.com/office/drawing/2014/main" id="{21990D7C-0B0C-8D43-A3B6-46528A6E33E7}"/>
+              </a:ext>
+            </a:extLst>
+          </p:cNvPr>
+          <p:cNvPicPr>
+            <a:picLocks noChangeAspect="1"/>
+          </p:cNvPicPr>
+          <p:nvPr/>
+        </p:nvPicPr>
+        <p:blipFill>
+          <a:blip r:embed="rId3" cstate="screen">
+            <a:extLst>
+              <a:ext uri="{28A0092B-C50C-407E-A947-70E740481C1C}">
+                <a14:useLocalDpi xmlns:a14="http://schemas.microsoft.com/office/drawing/2010/main"/>
+              </a:ext>
+            </a:extLst>
+          </a:blip>
+          <a:stretch>
+            <a:fillRect/>
+          </a:stretch>
+        </p:blipFill>
+        <p:spPr>
+          <a:xfrm>
+            <a:off x="7799294" y="1637142"/>
+            <a:ext cx="3316942" cy="2487707"/>
+          </a:xfrm>
+          <a:prstGeom prst="rect">
+            <a:avLst/>
+          </a:prstGeom>
+        </p:spPr>
+      </p:pic>
+      <p:pic>
+        <p:nvPicPr>
+          <p:cNvPr id="7" name="Picture 6">
+            <a:extLst>
+              <a:ext uri="{FF2B5EF4-FFF2-40B4-BE49-F238E27FC236}">
+                <a16:creationId xmlns:a16="http://schemas.microsoft.com/office/drawing/2014/main" id="{3085BBD9-15DE-4D4C-B9F7-BA1919B255E3}"/>
+              </a:ext>
+            </a:extLst>
+          </p:cNvPr>
+          <p:cNvPicPr>
+            <a:picLocks noChangeAspect="1"/>
+          </p:cNvPicPr>
+          <p:nvPr/>
+        </p:nvPicPr>
+        <p:blipFill>
+          <a:blip r:embed="rId4"/>
+          <a:stretch>
+            <a:fillRect/>
+          </a:stretch>
+        </p:blipFill>
+        <p:spPr>
+          <a:xfrm>
+            <a:off x="7654067" y="4143330"/>
+            <a:ext cx="3462169" cy="2596627"/>
+          </a:xfrm>
+          <a:prstGeom prst="rect">
+            <a:avLst/>
+          </a:prstGeom>
+        </p:spPr>
+      </p:pic>
+    </p:spTree>
+    <p:extLst>
+      <p:ext uri="{BB962C8B-B14F-4D97-AF65-F5344CB8AC3E}">
+        <p14:creationId xmlns:p14="http://schemas.microsoft.com/office/powerpoint/2010/main" val="816141224"/>
+      </p:ext>
+    </p:extLst>
+  </p:cSld>
+  <p:clrMapOvr>
+    <a:masterClrMapping/>
+  </p:clrMapOvr>
+</p:sld>
+</file>
+
+<file path=ppt/slides/slide11.xml><?xml version="1.0" encoding="utf-8"?>
+<p:sld xmlns:a="http://schemas.openxmlformats.org/drawingml/2006/main" xmlns:r="http://schemas.openxmlformats.org/officeDocument/2006/relationships" xmlns:p="http://schemas.openxmlformats.org/presentationml/2006/main">
+  <p:cSld>
+    <p:spTree>
+      <p:nvGrpSpPr>
+        <p:cNvPr id="1" name=""/>
+        <p:cNvGrpSpPr/>
+        <p:nvPr/>
+      </p:nvGrpSpPr>
+      <p:grpSpPr>
+        <a:xfrm>
+          <a:off x="0" y="0"/>
+          <a:ext cx="0" cy="0"/>
+          <a:chOff x="0" y="0"/>
+          <a:chExt cx="0" cy="0"/>
+        </a:xfrm>
+      </p:grpSpPr>
+      <p:sp>
+        <p:nvSpPr>
+          <p:cNvPr id="2" name="Title 1">
+            <a:extLst>
+              <a:ext uri="{FF2B5EF4-FFF2-40B4-BE49-F238E27FC236}">
+                <a16:creationId xmlns:a16="http://schemas.microsoft.com/office/drawing/2014/main" id="{14DBDC1B-84C4-BB45-8C59-921D3678D09D}"/>
+              </a:ext>
+            </a:extLst>
+          </p:cNvPr>
+          <p:cNvSpPr>
+            <a:spLocks noGrp="1"/>
+          </p:cNvSpPr>
+          <p:nvPr>
+            <p:ph type="title"/>
+          </p:nvPr>
+        </p:nvSpPr>
+        <p:spPr/>
+        <p:txBody>
+          <a:bodyPr/>
+          <a:lstStyle/>
+          <a:p>
+            <a:r>
+              <a:rPr lang="en-US" dirty="0"/>
+              <a:t>Total change in volume</a:t>
+            </a:r>
+          </a:p>
+        </p:txBody>
+      </p:sp>
+      <p:sp>
+        <p:nvSpPr>
+          <p:cNvPr id="3" name="Content Placeholder 2">
+            <a:extLst>
+              <a:ext uri="{FF2B5EF4-FFF2-40B4-BE49-F238E27FC236}">
+                <a16:creationId xmlns:a16="http://schemas.microsoft.com/office/drawing/2014/main" id="{BF21818A-3240-DC4C-8E62-363E90E738C0}"/>
+              </a:ext>
+            </a:extLst>
+          </p:cNvPr>
+          <p:cNvSpPr>
+            <a:spLocks noGrp="1"/>
+          </p:cNvSpPr>
+          <p:nvPr>
+            <p:ph idx="1"/>
+          </p:nvPr>
+        </p:nvSpPr>
+        <p:spPr/>
+        <p:txBody>
+          <a:bodyPr/>
+          <a:lstStyle/>
+          <a:p>
+            <a:r>
+              <a:rPr lang="en-US" dirty="0"/>
+              <a:t>The total change in volume is found by adding all components of dimensional change</a:t>
+            </a:r>
+          </a:p>
+          <a:p>
+            <a:pPr lvl="1"/>
+            <a:r>
+              <a:rPr lang="en-US" dirty="0" err="1"/>
+              <a:t>ε</a:t>
+            </a:r>
+            <a:r>
+              <a:rPr lang="en-US" baseline="-25000" dirty="0" err="1"/>
+              <a:t>tot</a:t>
+            </a:r>
+            <a:r>
+              <a:rPr lang="en-US" dirty="0"/>
+              <a:t> = </a:t>
+            </a:r>
+            <a:r>
+              <a:rPr lang="en-US" dirty="0" err="1"/>
+              <a:t>ε</a:t>
+            </a:r>
+            <a:r>
+              <a:rPr lang="en-US" baseline="-25000" dirty="0" err="1"/>
+              <a:t>th</a:t>
+            </a:r>
+            <a:r>
+              <a:rPr lang="en-US" dirty="0"/>
+              <a:t> + </a:t>
+            </a:r>
+            <a:r>
+              <a:rPr lang="en-US" dirty="0" err="1"/>
+              <a:t>ε</a:t>
+            </a:r>
+            <a:r>
+              <a:rPr lang="en-US" baseline="-25000" dirty="0" err="1"/>
+              <a:t>D</a:t>
+            </a:r>
+            <a:r>
+              <a:rPr lang="en-US" dirty="0"/>
+              <a:t> + </a:t>
+            </a:r>
+            <a:r>
+              <a:rPr lang="en-US" dirty="0" err="1"/>
+              <a:t>ε</a:t>
+            </a:r>
+            <a:r>
+              <a:rPr lang="en-US" baseline="-25000" dirty="0" err="1"/>
+              <a:t>sfp</a:t>
+            </a:r>
+            <a:r>
+              <a:rPr lang="en-US" dirty="0"/>
+              <a:t> + </a:t>
+            </a:r>
+            <a:r>
+              <a:rPr lang="en-US" dirty="0" err="1"/>
+              <a:t>ε</a:t>
+            </a:r>
+            <a:r>
+              <a:rPr lang="en-US" baseline="-25000" dirty="0" err="1"/>
+              <a:t>gfp</a:t>
+            </a:r>
+            <a:endParaRPr lang="en-US" baseline="-25000" dirty="0"/>
+          </a:p>
+          <a:p>
+            <a:r>
+              <a:rPr lang="en-US" dirty="0"/>
+              <a:t>Example:</a:t>
+            </a:r>
+          </a:p>
+          <a:p>
+            <a:pPr lvl="1"/>
+            <a:r>
+              <a:rPr lang="en-US" dirty="0"/>
+              <a:t>fission rate = 2.5e13 f/(cm</a:t>
+            </a:r>
+            <a:r>
+              <a:rPr lang="en-US" baseline="30000" dirty="0"/>
+              <a:t>3 </a:t>
+            </a:r>
+            <a:r>
+              <a:rPr lang="en-US" dirty="0"/>
+              <a:t>s) </a:t>
+            </a:r>
+          </a:p>
+          <a:p>
+            <a:pPr lvl="1"/>
+            <a:r>
+              <a:rPr lang="en-US" dirty="0"/>
+              <a:t>T(fuel) = 1400 K</a:t>
+            </a:r>
+          </a:p>
+          <a:p>
+            <a:pPr lvl="1"/>
+            <a:r>
+              <a:rPr lang="en-US" dirty="0" err="1"/>
+              <a:t>T</a:t>
+            </a:r>
+            <a:r>
+              <a:rPr lang="en-US" baseline="-25000" dirty="0" err="1"/>
+              <a:t>ref</a:t>
+            </a:r>
+            <a:r>
+              <a:rPr lang="en-US" baseline="-25000" dirty="0"/>
+              <a:t> </a:t>
+            </a:r>
+            <a:r>
+              <a:rPr lang="en-US" dirty="0"/>
+              <a:t>= 300 K</a:t>
+            </a:r>
+          </a:p>
+          <a:p>
+            <a:pPr lvl="1"/>
+            <a:r>
+              <a:rPr lang="en-US" dirty="0"/>
+              <a:t>For densification: Δρ</a:t>
+            </a:r>
+            <a:r>
+              <a:rPr lang="en-US" baseline="-25000" dirty="0"/>
+              <a:t>0</a:t>
+            </a:r>
+            <a:r>
+              <a:rPr lang="en-US" dirty="0"/>
+              <a:t> = 0.01 and β</a:t>
+            </a:r>
+            <a:r>
+              <a:rPr lang="en-US" baseline="-25000" dirty="0"/>
+              <a:t>D</a:t>
+            </a:r>
+            <a:r>
+              <a:rPr lang="en-US" dirty="0"/>
+              <a:t> = 5 MWD/</a:t>
+            </a:r>
+            <a:r>
+              <a:rPr lang="en-US" dirty="0" err="1"/>
+              <a:t>kgU</a:t>
+            </a:r>
+            <a:endParaRPr lang="en-US" dirty="0"/>
+          </a:p>
+          <a:p>
+            <a:pPr lvl="1"/>
+            <a:r>
+              <a:rPr lang="en-US" dirty="0"/>
+              <a:t>Total time: 2 weeks</a:t>
+            </a:r>
+          </a:p>
+        </p:txBody>
+      </p:sp>
+      <p:sp>
+        <p:nvSpPr>
+          <p:cNvPr id="4" name="Slide Number Placeholder 3">
+            <a:extLst>
+              <a:ext uri="{FF2B5EF4-FFF2-40B4-BE49-F238E27FC236}">
+                <a16:creationId xmlns:a16="http://schemas.microsoft.com/office/drawing/2014/main" id="{6C2FC51A-63B1-C24F-ACE9-D05FD828F1AD}"/>
+              </a:ext>
+            </a:extLst>
+          </p:cNvPr>
+          <p:cNvSpPr>
+            <a:spLocks noGrp="1"/>
+          </p:cNvSpPr>
+          <p:nvPr>
+            <p:ph type="sldNum" sz="quarter" idx="12"/>
+          </p:nvPr>
+        </p:nvSpPr>
+        <p:spPr/>
+        <p:txBody>
+          <a:bodyPr/>
+          <a:lstStyle/>
+          <a:p>
+            <a:pPr>
+              <a:defRPr/>
+            </a:pPr>
+            <a:fld id="{3FF2C605-4958-CF43-AA48-80339EFDB0AF}" type="slidenum">
+              <a:rPr lang="en-US" smtClean="0"/>
+              <a:pPr>
+                <a:defRPr/>
+              </a:pPr>
+              <a:t>11</a:t>
+            </a:fld>
+            <a:endParaRPr lang="en-US"/>
+          </a:p>
+        </p:txBody>
+      </p:sp>
+    </p:spTree>
+    <p:extLst>
+      <p:ext uri="{BB962C8B-B14F-4D97-AF65-F5344CB8AC3E}">
+        <p14:creationId xmlns:p14="http://schemas.microsoft.com/office/powerpoint/2010/main" val="3799386309"/>
+      </p:ext>
+    </p:extLst>
+  </p:cSld>
+  <p:clrMapOvr>
+    <a:masterClrMapping/>
+  </p:clrMapOvr>
+</p:sld>
+</file>
+
+<file path=ppt/slides/slide12.xml><?xml version="1.0" encoding="utf-8"?>
+<p:sld xmlns:a="http://schemas.openxmlformats.org/drawingml/2006/main" xmlns:r="http://schemas.openxmlformats.org/officeDocument/2006/relationships" xmlns:p="http://schemas.openxmlformats.org/presentationml/2006/main">
+  <p:cSld>
+    <p:spTree>
+      <p:nvGrpSpPr>
+        <p:cNvPr id="1" name=""/>
+        <p:cNvGrpSpPr/>
+        <p:nvPr/>
+      </p:nvGrpSpPr>
+      <p:grpSpPr>
+        <a:xfrm>
+          <a:off x="0" y="0"/>
+          <a:ext cx="0" cy="0"/>
+          <a:chOff x="0" y="0"/>
+          <a:chExt cx="0" cy="0"/>
+        </a:xfrm>
+      </p:grpSpPr>
+      <p:sp>
+        <p:nvSpPr>
+          <p:cNvPr id="2" name="Title 1">
+            <a:extLst>
+              <a:ext uri="{FF2B5EF4-FFF2-40B4-BE49-F238E27FC236}">
+                <a16:creationId xmlns:a16="http://schemas.microsoft.com/office/drawing/2014/main" id="{43F26D1A-AF93-AE41-A783-0FDED671E642}"/>
+              </a:ext>
+            </a:extLst>
+          </p:cNvPr>
+          <p:cNvSpPr>
+            <a:spLocks noGrp="1"/>
+          </p:cNvSpPr>
+          <p:nvPr>
+            <p:ph type="title"/>
+          </p:nvPr>
+        </p:nvSpPr>
+        <p:spPr/>
+        <p:txBody>
+          <a:bodyPr/>
+          <a:lstStyle/>
+          <a:p>
+            <a:r>
+              <a:rPr lang="en-US" dirty="0"/>
+              <a:t>Change in Volume Example</a:t>
+            </a:r>
+          </a:p>
+        </p:txBody>
+      </p:sp>
+      <p:sp>
+        <p:nvSpPr>
+          <p:cNvPr id="3" name="Content Placeholder 2">
+            <a:extLst>
+              <a:ext uri="{FF2B5EF4-FFF2-40B4-BE49-F238E27FC236}">
+                <a16:creationId xmlns:a16="http://schemas.microsoft.com/office/drawing/2014/main" id="{FF410B28-4AE7-094C-9C7F-F147D0D33945}"/>
+              </a:ext>
+            </a:extLst>
+          </p:cNvPr>
+          <p:cNvSpPr>
+            <a:spLocks noGrp="1"/>
+          </p:cNvSpPr>
+          <p:nvPr>
+            <p:ph idx="1"/>
+          </p:nvPr>
+        </p:nvSpPr>
+        <p:spPr/>
+        <p:txBody>
+          <a:bodyPr>
+            <a:normAutofit fontScale="92500" lnSpcReduction="10000"/>
+          </a:bodyPr>
+          <a:lstStyle/>
+          <a:p>
+            <a:r>
+              <a:rPr lang="en-US" dirty="0"/>
+              <a:t>First, we need to calculate the burnup, enrich 5%,</a:t>
+            </a:r>
+          </a:p>
+          <a:p>
+            <a:pPr lvl="1"/>
+            <a:r>
+              <a:rPr lang="en-US" dirty="0"/>
+              <a:t>M</a:t>
+            </a:r>
+            <a:r>
+              <a:rPr lang="en-US" baseline="-25000" dirty="0"/>
+              <a:t>UO2</a:t>
+            </a:r>
+            <a:r>
+              <a:rPr lang="en-US" dirty="0"/>
+              <a:t>=16*2+238*0.95+235*0.05=269.9 g/</a:t>
+            </a:r>
+            <a:r>
+              <a:rPr lang="en-US" dirty="0" err="1"/>
+              <a:t>mol</a:t>
+            </a:r>
+            <a:endParaRPr lang="en-US" dirty="0"/>
+          </a:p>
+          <a:p>
+            <a:pPr lvl="1"/>
+            <a:r>
+              <a:rPr lang="en-US" dirty="0"/>
+              <a:t>N</a:t>
+            </a:r>
+            <a:r>
+              <a:rPr lang="en-US" baseline="-25000" dirty="0"/>
+              <a:t>U</a:t>
+            </a:r>
+            <a:r>
+              <a:rPr lang="en-US" dirty="0"/>
+              <a:t> = N</a:t>
+            </a:r>
+            <a:r>
+              <a:rPr lang="en-US" baseline="-25000" dirty="0"/>
+              <a:t>a</a:t>
+            </a:r>
+            <a:r>
+              <a:rPr lang="en-US" dirty="0"/>
+              <a:t> </a:t>
+            </a:r>
+            <a:r>
+              <a:rPr lang="en-US" dirty="0" err="1">
+                <a:latin typeface="Symbol" pitchFamily="2" charset="2"/>
+              </a:rPr>
+              <a:t>r</a:t>
+            </a:r>
+            <a:r>
+              <a:rPr lang="en-US" baseline="-25000" dirty="0" err="1"/>
+              <a:t>U</a:t>
+            </a:r>
+            <a:r>
+              <a:rPr lang="en-US" dirty="0"/>
+              <a:t>/M</a:t>
+            </a:r>
+            <a:r>
+              <a:rPr lang="en-US" baseline="-25000" dirty="0"/>
+              <a:t>U </a:t>
+            </a:r>
+            <a:r>
+              <a:rPr lang="en-US" dirty="0"/>
+              <a:t>= 6.022e23*10.97/269.9 = </a:t>
+            </a:r>
+            <a:r>
+              <a:rPr lang="hr-HR" dirty="0"/>
+              <a:t>2.45e22</a:t>
+            </a:r>
+            <a:r>
+              <a:rPr lang="en-US" dirty="0"/>
+              <a:t> atoms of U/cm</a:t>
+            </a:r>
+            <a:r>
+              <a:rPr lang="en-US" baseline="30000" dirty="0"/>
+              <a:t>3</a:t>
+            </a:r>
+            <a:endParaRPr lang="en-US" baseline="-25000" dirty="0"/>
+          </a:p>
+          <a:p>
+            <a:pPr lvl="1"/>
+            <a:r>
+              <a:rPr lang="en-US" dirty="0"/>
+              <a:t>β = 2.5e13*3600*24*7*2/2.45e22 = 0.0012 FIMA</a:t>
+            </a:r>
+          </a:p>
+          <a:p>
+            <a:r>
+              <a:rPr lang="en-US" dirty="0"/>
+              <a:t>Next, we need to determine the strain from thermal expansion</a:t>
+            </a:r>
+          </a:p>
+          <a:p>
+            <a:pPr lvl="1"/>
+            <a:r>
+              <a:rPr lang="en-US" dirty="0" err="1"/>
+              <a:t>ε</a:t>
+            </a:r>
+            <a:r>
+              <a:rPr lang="en-US" baseline="-25000" dirty="0" err="1"/>
+              <a:t>th</a:t>
+            </a:r>
+            <a:r>
+              <a:rPr lang="en-US" dirty="0"/>
+              <a:t> = αΔT = 11e-6*(1400 – 300) = 0.0121</a:t>
+            </a:r>
+          </a:p>
+          <a:p>
+            <a:r>
+              <a:rPr lang="en-US" dirty="0"/>
+              <a:t>Then, we consider densification,</a:t>
+            </a:r>
+          </a:p>
+          <a:p>
+            <a:pPr lvl="1"/>
+            <a:r>
+              <a:rPr lang="en-US" dirty="0"/>
+              <a:t>We need to calculate C</a:t>
+            </a:r>
+            <a:r>
+              <a:rPr lang="en-US" baseline="-25000" dirty="0"/>
+              <a:t>D</a:t>
+            </a:r>
+            <a:r>
+              <a:rPr lang="en-US" dirty="0"/>
+              <a:t>, but because we are higher than 750C, C</a:t>
+            </a:r>
+            <a:r>
+              <a:rPr lang="en-US" baseline="-25000" dirty="0"/>
+              <a:t>D</a:t>
+            </a:r>
+            <a:r>
+              <a:rPr lang="en-US" dirty="0"/>
+              <a:t> = 1</a:t>
+            </a:r>
+            <a:endParaRPr lang="en-US" baseline="-25000" dirty="0"/>
+          </a:p>
+          <a:p>
+            <a:pPr lvl="1"/>
+            <a:r>
+              <a:rPr lang="en-US" dirty="0"/>
+              <a:t>We need to convert the burnup to FIMA, β</a:t>
+            </a:r>
+            <a:r>
+              <a:rPr lang="en-US" baseline="-25000" dirty="0"/>
+              <a:t>D</a:t>
+            </a:r>
+            <a:r>
+              <a:rPr lang="en-US" dirty="0"/>
+              <a:t> = 5 MWD/</a:t>
+            </a:r>
+            <a:r>
+              <a:rPr lang="en-US" dirty="0" err="1"/>
+              <a:t>kgU</a:t>
+            </a:r>
+            <a:r>
+              <a:rPr lang="en-US" dirty="0"/>
+              <a:t>/950 = 0.0053 FIMA</a:t>
+            </a:r>
+          </a:p>
+          <a:p>
+            <a:pPr lvl="1"/>
+            <a:r>
+              <a:rPr lang="en-US" dirty="0" err="1"/>
+              <a:t>ε</a:t>
+            </a:r>
+            <a:r>
+              <a:rPr lang="en-US" baseline="-25000" dirty="0" err="1"/>
+              <a:t>D</a:t>
+            </a:r>
+            <a:r>
+              <a:rPr lang="en-US" dirty="0"/>
+              <a:t> = 0.01*(</a:t>
+            </a:r>
+            <a:r>
+              <a:rPr lang="en-US" dirty="0" err="1"/>
+              <a:t>exp</a:t>
+            </a:r>
+            <a:r>
+              <a:rPr lang="en-US" dirty="0"/>
+              <a:t>(0.0012*log(0.01)/(1*0.0053)) – 1) = -0.0065</a:t>
+            </a:r>
+          </a:p>
+        </p:txBody>
+      </p:sp>
+      <p:sp>
+        <p:nvSpPr>
+          <p:cNvPr id="4" name="Slide Number Placeholder 3">
+            <a:extLst>
+              <a:ext uri="{FF2B5EF4-FFF2-40B4-BE49-F238E27FC236}">
+                <a16:creationId xmlns:a16="http://schemas.microsoft.com/office/drawing/2014/main" id="{1D564612-4D0B-6E49-AE99-86B95A7B5F79}"/>
+              </a:ext>
+            </a:extLst>
+          </p:cNvPr>
+          <p:cNvSpPr>
+            <a:spLocks noGrp="1"/>
+          </p:cNvSpPr>
+          <p:nvPr>
+            <p:ph type="sldNum" sz="quarter" idx="12"/>
+          </p:nvPr>
+        </p:nvSpPr>
+        <p:spPr/>
+        <p:txBody>
+          <a:bodyPr/>
+          <a:lstStyle/>
+          <a:p>
+            <a:pPr>
+              <a:defRPr/>
+            </a:pPr>
+            <a:fld id="{3FF2C605-4958-CF43-AA48-80339EFDB0AF}" type="slidenum">
+              <a:rPr lang="en-US" smtClean="0"/>
+              <a:pPr>
+                <a:defRPr/>
+              </a:pPr>
+              <a:t>12</a:t>
             </a:fld>
             <a:endParaRPr lang="en-US"/>
           </a:p>
@@ -4145,7 +4765,7 @@
 </p:sld>
 </file>
 
-<file path=ppt/slides/slide11.xml><?xml version="1.0" encoding="utf-8"?>
+<file path=ppt/slides/slide13.xml><?xml version="1.0" encoding="utf-8"?>
 <p:sld xmlns:a="http://schemas.openxmlformats.org/drawingml/2006/main" xmlns:r="http://schemas.openxmlformats.org/officeDocument/2006/relationships" xmlns:p="http://schemas.openxmlformats.org/presentationml/2006/main">
   <p:cSld>
     <p:spTree>
@@ -4419,7 +5039,7 @@
               <a:pPr>
                 <a:defRPr/>
               </a:pPr>
-              <a:t>11</a:t>
+              <a:t>13</a:t>
             </a:fld>
             <a:endParaRPr lang="en-US"/>
           </a:p>
@@ -4510,7 +5130,7 @@
 </p:sld>
 </file>
 
-<file path=ppt/slides/slide12.xml><?xml version="1.0" encoding="utf-8"?>
+<file path=ppt/slides/slide14.xml><?xml version="1.0" encoding="utf-8"?>
 <p:sld xmlns:a="http://schemas.openxmlformats.org/drawingml/2006/main" xmlns:r="http://schemas.openxmlformats.org/officeDocument/2006/relationships" xmlns:p="http://schemas.openxmlformats.org/presentationml/2006/main">
   <p:cSld>
     <p:spTree>
@@ -4584,7 +5204,7 @@
               <a:pPr>
                 <a:defRPr/>
               </a:pPr>
-              <a:t>12</a:t>
+              <a:t>14</a:t>
             </a:fld>
             <a:endParaRPr lang="en-US"/>
           </a:p>
@@ -4668,7 +5288,7 @@
 </p:sld>
 </file>
 
-<file path=ppt/slides/slide13.xml><?xml version="1.0" encoding="utf-8"?>
+<file path=ppt/slides/slide15.xml><?xml version="1.0" encoding="utf-8"?>
 <p:sld xmlns:a="http://schemas.openxmlformats.org/drawingml/2006/main" xmlns:r="http://schemas.openxmlformats.org/officeDocument/2006/relationships" xmlns:p="http://schemas.openxmlformats.org/presentationml/2006/main">
   <p:cSld>
     <p:spTree>
@@ -4897,7 +5517,7 @@
               <a:pPr>
                 <a:defRPr/>
               </a:pPr>
-              <a:t>13</a:t>
+              <a:t>15</a:t>
             </a:fld>
             <a:endParaRPr lang="en-US"/>
           </a:p>
@@ -5433,7 +6053,7 @@
 </p:sld>
 </file>
 
-<file path=ppt/slides/slide14.xml><?xml version="1.0" encoding="utf-8"?>
+<file path=ppt/slides/slide16.xml><?xml version="1.0" encoding="utf-8"?>
 <p:sld xmlns:a="http://schemas.openxmlformats.org/drawingml/2006/main" xmlns:r="http://schemas.openxmlformats.org/officeDocument/2006/relationships" xmlns:p="http://schemas.openxmlformats.org/presentationml/2006/main">
   <p:cSld>
     <p:spTree>
@@ -5616,7 +6236,7 @@
               <a:pPr>
                 <a:defRPr/>
               </a:pPr>
-              <a:t>14</a:t>
+              <a:t>16</a:t>
             </a:fld>
             <a:endParaRPr lang="en-US"/>
           </a:p>
@@ -5671,7 +6291,7 @@
 </p:sld>
 </file>
 
-<file path=ppt/slides/slide15.xml><?xml version="1.0" encoding="utf-8"?>
+<file path=ppt/slides/slide17.xml><?xml version="1.0" encoding="utf-8"?>
 <p:sld xmlns:a="http://schemas.openxmlformats.org/drawingml/2006/main" xmlns:r="http://schemas.openxmlformats.org/officeDocument/2006/relationships" xmlns:p="http://schemas.openxmlformats.org/presentationml/2006/main">
   <p:cSld>
     <p:spTree>
@@ -5745,7 +6365,7 @@
               <a:pPr>
                 <a:defRPr/>
               </a:pPr>
-              <a:t>15</a:t>
+              <a:t>17</a:t>
             </a:fld>
             <a:endParaRPr lang="en-US"/>
           </a:p>
@@ -5794,7 +6414,7 @@
 </p:sld>
 </file>
 
-<file path=ppt/slides/slide16.xml><?xml version="1.0" encoding="utf-8"?>
+<file path=ppt/slides/slide18.xml><?xml version="1.0" encoding="utf-8"?>
 <p:sld xmlns:a="http://schemas.openxmlformats.org/drawingml/2006/main" xmlns:r="http://schemas.openxmlformats.org/officeDocument/2006/relationships" xmlns:p="http://schemas.openxmlformats.org/presentationml/2006/main">
   <p:cSld>
     <p:spTree>
@@ -5868,7 +6488,7 @@
               <a:pPr>
                 <a:defRPr/>
               </a:pPr>
-              <a:t>16</a:t>
+              <a:t>18</a:t>
             </a:fld>
             <a:endParaRPr lang="en-US"/>
           </a:p>
@@ -5917,7 +6537,7 @@
 </p:sld>
 </file>
 
-<file path=ppt/slides/slide17.xml><?xml version="1.0" encoding="utf-8"?>
+<file path=ppt/slides/slide19.xml><?xml version="1.0" encoding="utf-8"?>
 <p:sld xmlns:a="http://schemas.openxmlformats.org/drawingml/2006/main" xmlns:r="http://schemas.openxmlformats.org/officeDocument/2006/relationships" xmlns:p="http://schemas.openxmlformats.org/presentationml/2006/main">
   <p:cSld>
     <p:spTree>
@@ -6104,7 +6724,7 @@
               <a:pPr>
                 <a:defRPr/>
               </a:pPr>
-              <a:t>17</a:t>
+              <a:t>19</a:t>
             </a:fld>
             <a:endParaRPr lang="en-US"/>
           </a:p>
@@ -6159,7 +6779,7 @@
 </p:sld>
 </file>
 
-<file path=ppt/slides/slide18.xml><?xml version="1.0" encoding="utf-8"?>
+<file path=ppt/slides/slide2.xml><?xml version="1.0" encoding="utf-8"?>
 <p:sld xmlns:a="http://schemas.openxmlformats.org/drawingml/2006/main" xmlns:r="http://schemas.openxmlformats.org/officeDocument/2006/relationships" xmlns:p="http://schemas.openxmlformats.org/presentationml/2006/main">
   <p:cSld>
     <p:spTree>
@@ -6181,7 +6801,7 @@
           <p:cNvPr id="2" name="Title 1">
             <a:extLst>
               <a:ext uri="{FF2B5EF4-FFF2-40B4-BE49-F238E27FC236}">
-                <a16:creationId xmlns:a16="http://schemas.microsoft.com/office/drawing/2014/main" id="{62778E19-1A07-DA4C-A477-9D5CEAF7A94B}"/>
+                <a16:creationId xmlns:a16="http://schemas.microsoft.com/office/drawing/2014/main" id="{29AAAB87-1D92-7645-B8CE-36D4DD37B8FA}"/>
               </a:ext>
             </a:extLst>
           </p:cNvPr>
@@ -6199,7 +6819,7 @@
           <a:p>
             <a:r>
               <a:rPr lang="en-US" dirty="0"/>
-              <a:t>Fuel Creep</a:t>
+              <a:t>Last time</a:t>
             </a:r>
           </a:p>
         </p:txBody>
@@ -6209,7 +6829,7 @@
           <p:cNvPr id="3" name="Content Placeholder 2">
             <a:extLst>
               <a:ext uri="{FF2B5EF4-FFF2-40B4-BE49-F238E27FC236}">
-                <a16:creationId xmlns:a16="http://schemas.microsoft.com/office/drawing/2014/main" id="{7F64138B-8E6D-1A4E-882D-3C99C7829472}"/>
+                <a16:creationId xmlns:a16="http://schemas.microsoft.com/office/drawing/2014/main" id="{90C7012D-6392-BE43-B942-890937DA67D3}"/>
               </a:ext>
             </a:extLst>
           </p:cNvPr>
@@ -6220,31 +6840,28 @@
             <p:ph idx="1"/>
           </p:nvPr>
         </p:nvSpPr>
-        <p:spPr>
-          <a:xfrm>
-            <a:off x="609600" y="2160495"/>
-            <a:ext cx="5513408" cy="3965670"/>
-          </a:xfrm>
-        </p:spPr>
-        <p:txBody>
-          <a:bodyPr/>
+        <p:spPr/>
+        <p:txBody>
+          <a:bodyPr>
+            <a:normAutofit/>
+          </a:bodyPr>
           <a:lstStyle/>
           <a:p>
             <a:r>
               <a:rPr lang="en-US" dirty="0"/>
-              <a:t>Like other materials, the fuel also undergoes creep</a:t>
-            </a:r>
-          </a:p>
-          <a:p>
-            <a:r>
-              <a:rPr lang="en-US" dirty="0"/>
-              <a:t>The fuel creep (In UO2) is a combination of diffusion creep and irradiation creep</a:t>
-            </a:r>
-          </a:p>
-          <a:p>
-            <a:r>
-              <a:rPr lang="en-US" dirty="0"/>
-              <a:t>It is expected that fuel creep plays a major role in dimensional change in metallic fuels, largely via N-H and Coble creep, but still unproven experimentally and no good creep models exist for metallic fuels</a:t>
+              <a:t>Fission gas release models are used to understand fission gas experiments and to predict gas release for fuel performance codes</a:t>
+            </a:r>
+          </a:p>
+          <a:p>
+            <a:r>
+              <a:rPr lang="en-US" dirty="0"/>
+              <a:t>Spherical grain models predict a fraction of gas release for post-irradiation annealing or for in-pile gas release</a:t>
+            </a:r>
+          </a:p>
+          <a:p>
+            <a:r>
+              <a:rPr lang="en-US" dirty="0"/>
+              <a:t>Fission gas diffusivity behavior changes with temperature and fission rate</a:t>
             </a:r>
           </a:p>
           <a:p>
@@ -6257,7 +6874,7 @@
           <p:cNvPr id="4" name="Slide Number Placeholder 3">
             <a:extLst>
               <a:ext uri="{FF2B5EF4-FFF2-40B4-BE49-F238E27FC236}">
-                <a16:creationId xmlns:a16="http://schemas.microsoft.com/office/drawing/2014/main" id="{C863DC62-EE45-7C4D-BD47-47095C4F4731}"/>
+                <a16:creationId xmlns:a16="http://schemas.microsoft.com/office/drawing/2014/main" id="{2997F1BE-BD11-314B-BEBC-9290C0B364D7}"/>
               </a:ext>
             </a:extLst>
           </p:cNvPr>
@@ -6281,7 +6898,148 @@
               <a:pPr>
                 <a:defRPr/>
               </a:pPr>
-              <a:t>18</a:t>
+              <a:t>2</a:t>
+            </a:fld>
+            <a:endParaRPr lang="en-US"/>
+          </a:p>
+        </p:txBody>
+      </p:sp>
+    </p:spTree>
+    <p:extLst>
+      <p:ext uri="{BB962C8B-B14F-4D97-AF65-F5344CB8AC3E}">
+        <p14:creationId xmlns:p14="http://schemas.microsoft.com/office/powerpoint/2010/main" val="1090678195"/>
+      </p:ext>
+    </p:extLst>
+  </p:cSld>
+  <p:clrMapOvr>
+    <a:masterClrMapping/>
+  </p:clrMapOvr>
+</p:sld>
+</file>
+
+<file path=ppt/slides/slide20.xml><?xml version="1.0" encoding="utf-8"?>
+<p:sld xmlns:a="http://schemas.openxmlformats.org/drawingml/2006/main" xmlns:r="http://schemas.openxmlformats.org/officeDocument/2006/relationships" xmlns:p="http://schemas.openxmlformats.org/presentationml/2006/main">
+  <p:cSld>
+    <p:spTree>
+      <p:nvGrpSpPr>
+        <p:cNvPr id="1" name=""/>
+        <p:cNvGrpSpPr/>
+        <p:nvPr/>
+      </p:nvGrpSpPr>
+      <p:grpSpPr>
+        <a:xfrm>
+          <a:off x="0" y="0"/>
+          <a:ext cx="0" cy="0"/>
+          <a:chOff x="0" y="0"/>
+          <a:chExt cx="0" cy="0"/>
+        </a:xfrm>
+      </p:grpSpPr>
+      <p:sp>
+        <p:nvSpPr>
+          <p:cNvPr id="2" name="Title 1">
+            <a:extLst>
+              <a:ext uri="{FF2B5EF4-FFF2-40B4-BE49-F238E27FC236}">
+                <a16:creationId xmlns:a16="http://schemas.microsoft.com/office/drawing/2014/main" id="{62778E19-1A07-DA4C-A477-9D5CEAF7A94B}"/>
+              </a:ext>
+            </a:extLst>
+          </p:cNvPr>
+          <p:cNvSpPr>
+            <a:spLocks noGrp="1"/>
+          </p:cNvSpPr>
+          <p:nvPr>
+            <p:ph type="title"/>
+          </p:nvPr>
+        </p:nvSpPr>
+        <p:spPr/>
+        <p:txBody>
+          <a:bodyPr/>
+          <a:lstStyle/>
+          <a:p>
+            <a:r>
+              <a:rPr lang="en-US" dirty="0"/>
+              <a:t>Fuel Creep</a:t>
+            </a:r>
+          </a:p>
+        </p:txBody>
+      </p:sp>
+      <p:sp>
+        <p:nvSpPr>
+          <p:cNvPr id="3" name="Content Placeholder 2">
+            <a:extLst>
+              <a:ext uri="{FF2B5EF4-FFF2-40B4-BE49-F238E27FC236}">
+                <a16:creationId xmlns:a16="http://schemas.microsoft.com/office/drawing/2014/main" id="{7F64138B-8E6D-1A4E-882D-3C99C7829472}"/>
+              </a:ext>
+            </a:extLst>
+          </p:cNvPr>
+          <p:cNvSpPr>
+            <a:spLocks noGrp="1"/>
+          </p:cNvSpPr>
+          <p:nvPr>
+            <p:ph idx="1"/>
+          </p:nvPr>
+        </p:nvSpPr>
+        <p:spPr>
+          <a:xfrm>
+            <a:off x="609600" y="2160495"/>
+            <a:ext cx="5513408" cy="3965670"/>
+          </a:xfrm>
+        </p:spPr>
+        <p:txBody>
+          <a:bodyPr/>
+          <a:lstStyle/>
+          <a:p>
+            <a:r>
+              <a:rPr lang="en-US" dirty="0"/>
+              <a:t>Like other materials, the fuel also undergoes creep</a:t>
+            </a:r>
+          </a:p>
+          <a:p>
+            <a:r>
+              <a:rPr lang="en-US" dirty="0"/>
+              <a:t>The fuel creep (In UO2) is a combination of diffusion creep and irradiation creep</a:t>
+            </a:r>
+          </a:p>
+          <a:p>
+            <a:r>
+              <a:rPr lang="en-US" dirty="0"/>
+              <a:t>It is expected that fuel creep plays a major role in dimensional change in metallic fuels, largely via N-H and Coble creep, but still unproven experimentally and no good creep models exist for metallic fuels</a:t>
+            </a:r>
+          </a:p>
+          <a:p>
+            <a:endParaRPr lang="en-US" dirty="0"/>
+          </a:p>
+        </p:txBody>
+      </p:sp>
+      <p:sp>
+        <p:nvSpPr>
+          <p:cNvPr id="4" name="Slide Number Placeholder 3">
+            <a:extLst>
+              <a:ext uri="{FF2B5EF4-FFF2-40B4-BE49-F238E27FC236}">
+                <a16:creationId xmlns:a16="http://schemas.microsoft.com/office/drawing/2014/main" id="{C863DC62-EE45-7C4D-BD47-47095C4F4731}"/>
+              </a:ext>
+            </a:extLst>
+          </p:cNvPr>
+          <p:cNvSpPr>
+            <a:spLocks noGrp="1"/>
+          </p:cNvSpPr>
+          <p:nvPr>
+            <p:ph type="sldNum" sz="quarter" idx="12"/>
+          </p:nvPr>
+        </p:nvSpPr>
+        <p:spPr/>
+        <p:txBody>
+          <a:bodyPr/>
+          <a:lstStyle/>
+          <a:p>
+            <a:pPr>
+              <a:defRPr/>
+            </a:pPr>
+            <a:fld id="{3FF2C605-4958-CF43-AA48-80339EFDB0AF}" type="slidenum">
+              <a:rPr lang="en-US" smtClean="0"/>
+              <a:pPr>
+                <a:defRPr/>
+              </a:pPr>
+              <a:t>20</a:t>
             </a:fld>
             <a:endParaRPr lang="en-US"/>
           </a:p>
@@ -6346,7 +7104,7 @@
 </p:sld>
 </file>
 
-<file path=ppt/slides/slide19.xml><?xml version="1.0" encoding="utf-8"?>
+<file path=ppt/slides/slide21.xml><?xml version="1.0" encoding="utf-8"?>
 <p:sld xmlns:a="http://schemas.openxmlformats.org/drawingml/2006/main" xmlns:r="http://schemas.openxmlformats.org/officeDocument/2006/relationships" xmlns:p="http://schemas.openxmlformats.org/presentationml/2006/main">
   <p:cSld>
     <p:spTree>
@@ -6519,7 +7277,7 @@
               <a:pPr>
                 <a:defRPr/>
               </a:pPr>
-              <a:t>19</a:t>
+              <a:t>21</a:t>
             </a:fld>
             <a:endParaRPr lang="en-US"/>
           </a:p>
@@ -6699,7 +7457,7 @@
 </p:sld>
 </file>
 
-<file path=ppt/slides/slide2.xml><?xml version="1.0" encoding="utf-8"?>
+<file path=ppt/slides/slide22.xml><?xml version="1.0" encoding="utf-8"?>
 <p:sld xmlns:a="http://schemas.openxmlformats.org/drawingml/2006/main" xmlns:r="http://schemas.openxmlformats.org/officeDocument/2006/relationships" xmlns:p="http://schemas.openxmlformats.org/presentationml/2006/main">
   <p:cSld>
     <p:spTree>
@@ -6721,7 +7479,7 @@
           <p:cNvPr id="2" name="Title 1">
             <a:extLst>
               <a:ext uri="{FF2B5EF4-FFF2-40B4-BE49-F238E27FC236}">
-                <a16:creationId xmlns:a16="http://schemas.microsoft.com/office/drawing/2014/main" id="{29AAAB87-1D92-7645-B8CE-36D4DD37B8FA}"/>
+                <a16:creationId xmlns:a16="http://schemas.microsoft.com/office/drawing/2014/main" id="{74333761-84F2-1140-8F52-A5E952D4B385}"/>
               </a:ext>
             </a:extLst>
           </p:cNvPr>
@@ -6739,7 +7497,7 @@
           <a:p>
             <a:r>
               <a:rPr lang="en-US" dirty="0"/>
-              <a:t>Last time</a:t>
+              <a:t>Fracture</a:t>
             </a:r>
           </a:p>
         </p:txBody>
@@ -6749,7 +7507,7 @@
           <p:cNvPr id="3" name="Content Placeholder 2">
             <a:extLst>
               <a:ext uri="{FF2B5EF4-FFF2-40B4-BE49-F238E27FC236}">
-                <a16:creationId xmlns:a16="http://schemas.microsoft.com/office/drawing/2014/main" id="{90C7012D-6392-BE43-B942-890937DA67D3}"/>
+                <a16:creationId xmlns:a16="http://schemas.microsoft.com/office/drawing/2014/main" id="{68B01DE5-4A63-6A49-B94B-1ECE56206E41}"/>
               </a:ext>
             </a:extLst>
           </p:cNvPr>
@@ -6760,77 +7518,153 @@
             <p:ph idx="1"/>
           </p:nvPr>
         </p:nvSpPr>
-        <p:spPr/>
+        <p:spPr>
+          <a:xfrm>
+            <a:off x="609600" y="2160495"/>
+            <a:ext cx="6300486" cy="4195856"/>
+          </a:xfrm>
+        </p:spPr>
         <p:txBody>
           <a:bodyPr>
-            <a:normAutofit fontScale="92500" lnSpcReduction="20000"/>
+            <a:normAutofit fontScale="92500" lnSpcReduction="10000"/>
           </a:bodyPr>
           <a:lstStyle/>
           <a:p>
             <a:r>
               <a:rPr lang="en-US" dirty="0"/>
-              <a:t>Fission products change the fuel behavior</a:t>
-            </a:r>
-          </a:p>
-          <a:p>
-            <a:r>
-              <a:rPr lang="en-US" dirty="0"/>
-              <a:t>Fission gas is released in three stages</a:t>
-            </a:r>
-          </a:p>
-          <a:p>
-            <a:pPr marL="800100" lvl="1" indent="-342900">
-              <a:buFont typeface="+mj-lt"/>
-              <a:buAutoNum type="arabicPeriod"/>
+              <a:t>The fracture behavior of the fuel is fairly complicated</a:t>
+            </a:r>
+          </a:p>
+          <a:p>
+            <a:pPr>
+              <a:spcBef>
+                <a:spcPts val="800"/>
+              </a:spcBef>
             </a:pPr>
             <a:r>
               <a:rPr lang="en-US" dirty="0"/>
-              <a:t>Fission gas production and diffusion to grain boundaries</a:t>
-            </a:r>
-          </a:p>
-          <a:p>
-            <a:pPr marL="800100" lvl="1" indent="-342900">
-              <a:buFont typeface="+mj-lt"/>
-              <a:buAutoNum type="arabicPeriod"/>
+              <a:t>Fracture strength varies with grain size (G)</a:t>
+            </a:r>
+          </a:p>
+          <a:p>
+            <a:pPr lvl="1">
+              <a:spcBef>
+                <a:spcPts val="800"/>
+              </a:spcBef>
             </a:pPr>
             <a:r>
-              <a:rPr lang="en-US" dirty="0"/>
-              <a:t>Grain boundary bubble nucleation, growth, and interconnection</a:t>
-            </a:r>
-          </a:p>
-          <a:p>
-            <a:pPr marL="800100" lvl="1" indent="-342900">
-              <a:buFont typeface="+mj-lt"/>
-              <a:buAutoNum type="arabicPeriod"/>
+              <a:rPr lang="en-US" sz="1800" dirty="0">
+                <a:sym typeface="Symbol"/>
+              </a:rPr>
+              <a:t></a:t>
+            </a:r>
+            <a:r>
+              <a:rPr lang="en-US" sz="1800" baseline="-25000" dirty="0" err="1">
+                <a:sym typeface="Symbol"/>
+              </a:rPr>
+              <a:t>frac</a:t>
+            </a:r>
+            <a:r>
+              <a:rPr lang="en-US" sz="1800" dirty="0">
+                <a:sym typeface="Symbol"/>
+              </a:rPr>
+              <a:t> = </a:t>
+            </a:r>
+            <a:r>
+              <a:rPr lang="en-US" sz="1800" dirty="0" err="1">
+                <a:sym typeface="Symbol"/>
+              </a:rPr>
+              <a:t>G</a:t>
+            </a:r>
+            <a:r>
+              <a:rPr lang="en-US" sz="1800" baseline="30000" dirty="0" err="1">
+                <a:sym typeface="Symbol"/>
+              </a:rPr>
+              <a:t>-m</a:t>
+            </a:r>
+            <a:r>
+              <a:rPr lang="en-US" sz="1800" dirty="0" err="1">
+                <a:sym typeface="Symbol"/>
+              </a:rPr>
+              <a:t></a:t>
+            </a:r>
+            <a:r>
+              <a:rPr lang="en-US" sz="1800" baseline="-25000" dirty="0" err="1">
+                <a:sym typeface="Symbol"/>
+              </a:rPr>
+              <a:t>frac</a:t>
+            </a:r>
+            <a:r>
+              <a:rPr lang="en-US" sz="1800" baseline="-25000" dirty="0">
+                <a:sym typeface="Symbol"/>
+              </a:rPr>
+              <a:t>, ref</a:t>
+            </a:r>
+            <a:r>
+              <a:rPr lang="en-US" sz="1800" dirty="0">
+                <a:sym typeface="Symbol"/>
+              </a:rPr>
+              <a:t>, m = 0.04 – 0.05 (vs. m ~ 0.5 for metal)</a:t>
+            </a:r>
+          </a:p>
+          <a:p>
+            <a:pPr lvl="1">
+              <a:spcBef>
+                <a:spcPts val="800"/>
+              </a:spcBef>
             </a:pPr>
             <a:r>
-              <a:rPr lang="en-US" dirty="0"/>
-              <a:t>Gas transport through interconnected bubbles to free surfaces</a:t>
-            </a:r>
-          </a:p>
-          <a:p>
-            <a:r>
-              <a:rPr lang="en-US" dirty="0"/>
-              <a:t>Fission gas release is measured using post-irradiation annealing and in pile experiments</a:t>
-            </a:r>
-          </a:p>
-          <a:p>
-            <a:r>
-              <a:rPr lang="en-US" dirty="0"/>
-              <a:t>Fission gas release models are used to understand fission gas experiments and to predict gas release for fuel performance codes</a:t>
-            </a:r>
-          </a:p>
-          <a:p>
-            <a:r>
-              <a:rPr lang="en-US" dirty="0"/>
-              <a:t>Spherical grain models predict a fraction of gas release for post-irradiation annealing or for in-pile gas release</a:t>
-            </a:r>
-          </a:p>
-          <a:p>
-            <a:r>
-              <a:rPr lang="en-US" dirty="0"/>
-              <a:t>Fission gas diffusivity behavior changes with temperature and fission rate</a:t>
-            </a:r>
+              <a:rPr lang="en-US" sz="1800" dirty="0">
+                <a:sym typeface="Symbol"/>
+              </a:rPr>
+              <a:t>Increasing grain size from 10 m to 100 m reduces </a:t>
+            </a:r>
+            <a:r>
+              <a:rPr lang="en-US" sz="1800" baseline="-25000" dirty="0" err="1">
+                <a:sym typeface="Symbol"/>
+              </a:rPr>
+              <a:t>frac</a:t>
+            </a:r>
+            <a:r>
+              <a:rPr lang="en-US" sz="1800" dirty="0">
+                <a:sym typeface="Symbol"/>
+              </a:rPr>
+              <a:t> by ~10%</a:t>
+            </a:r>
+          </a:p>
+          <a:p>
+            <a:pPr>
+              <a:spcBef>
+                <a:spcPts val="800"/>
+              </a:spcBef>
+            </a:pPr>
+            <a:r>
+              <a:rPr lang="en-US" dirty="0"/>
+              <a:t>Ductility transition temperature is lower in-reactor than in thermal tests</a:t>
+            </a:r>
+          </a:p>
+          <a:p>
+            <a:pPr>
+              <a:spcBef>
+                <a:spcPts val="800"/>
+              </a:spcBef>
+            </a:pPr>
+            <a:r>
+              <a:rPr lang="en-US" dirty="0"/>
+              <a:t>Fracture strength is ~10× higher in compression than in tension</a:t>
+            </a:r>
+          </a:p>
+          <a:p>
+            <a:pPr>
+              <a:spcBef>
+                <a:spcPts val="800"/>
+              </a:spcBef>
+            </a:pPr>
+            <a:r>
+              <a:rPr lang="en-US" dirty="0"/>
+              <a:t>Load-deformation behavior strongly affected by creep under in-reactor conditions</a:t>
+            </a:r>
+            <a:endParaRPr lang="en-US" sz="1800" dirty="0"/>
           </a:p>
           <a:p>
             <a:endParaRPr lang="en-US" dirty="0"/>
@@ -6842,7 +7676,7 @@
           <p:cNvPr id="4" name="Slide Number Placeholder 3">
             <a:extLst>
               <a:ext uri="{FF2B5EF4-FFF2-40B4-BE49-F238E27FC236}">
-                <a16:creationId xmlns:a16="http://schemas.microsoft.com/office/drawing/2014/main" id="{2997F1BE-BD11-314B-BEBC-9290C0B364D7}"/>
+                <a16:creationId xmlns:a16="http://schemas.microsoft.com/office/drawing/2014/main" id="{C1F1CFEB-4EEB-2644-9FDB-620A9323A851}"/>
               </a:ext>
             </a:extLst>
           </p:cNvPr>
@@ -6866,269 +7700,7 @@
               <a:pPr>
                 <a:defRPr/>
               </a:pPr>
-              <a:t>2</a:t>
-            </a:fld>
-            <a:endParaRPr lang="en-US"/>
-          </a:p>
-        </p:txBody>
-      </p:sp>
-    </p:spTree>
-    <p:extLst>
-      <p:ext uri="{BB962C8B-B14F-4D97-AF65-F5344CB8AC3E}">
-        <p14:creationId xmlns:p14="http://schemas.microsoft.com/office/powerpoint/2010/main" val="1090678195"/>
-      </p:ext>
-    </p:extLst>
-  </p:cSld>
-  <p:clrMapOvr>
-    <a:masterClrMapping/>
-  </p:clrMapOvr>
-</p:sld>
-</file>
-
-<file path=ppt/slides/slide20.xml><?xml version="1.0" encoding="utf-8"?>
-<p:sld xmlns:a="http://schemas.openxmlformats.org/drawingml/2006/main" xmlns:r="http://schemas.openxmlformats.org/officeDocument/2006/relationships" xmlns:p="http://schemas.openxmlformats.org/presentationml/2006/main">
-  <p:cSld>
-    <p:spTree>
-      <p:nvGrpSpPr>
-        <p:cNvPr id="1" name=""/>
-        <p:cNvGrpSpPr/>
-        <p:nvPr/>
-      </p:nvGrpSpPr>
-      <p:grpSpPr>
-        <a:xfrm>
-          <a:off x="0" y="0"/>
-          <a:ext cx="0" cy="0"/>
-          <a:chOff x="0" y="0"/>
-          <a:chExt cx="0" cy="0"/>
-        </a:xfrm>
-      </p:grpSpPr>
-      <p:sp>
-        <p:nvSpPr>
-          <p:cNvPr id="2" name="Title 1">
-            <a:extLst>
-              <a:ext uri="{FF2B5EF4-FFF2-40B4-BE49-F238E27FC236}">
-                <a16:creationId xmlns:a16="http://schemas.microsoft.com/office/drawing/2014/main" id="{74333761-84F2-1140-8F52-A5E952D4B385}"/>
-              </a:ext>
-            </a:extLst>
-          </p:cNvPr>
-          <p:cNvSpPr>
-            <a:spLocks noGrp="1"/>
-          </p:cNvSpPr>
-          <p:nvPr>
-            <p:ph type="title"/>
-          </p:nvPr>
-        </p:nvSpPr>
-        <p:spPr/>
-        <p:txBody>
-          <a:bodyPr/>
-          <a:lstStyle/>
-          <a:p>
-            <a:r>
-              <a:rPr lang="en-US" dirty="0"/>
-              <a:t>Fracture</a:t>
-            </a:r>
-          </a:p>
-        </p:txBody>
-      </p:sp>
-      <p:sp>
-        <p:nvSpPr>
-          <p:cNvPr id="3" name="Content Placeholder 2">
-            <a:extLst>
-              <a:ext uri="{FF2B5EF4-FFF2-40B4-BE49-F238E27FC236}">
-                <a16:creationId xmlns:a16="http://schemas.microsoft.com/office/drawing/2014/main" id="{68B01DE5-4A63-6A49-B94B-1ECE56206E41}"/>
-              </a:ext>
-            </a:extLst>
-          </p:cNvPr>
-          <p:cNvSpPr>
-            <a:spLocks noGrp="1"/>
-          </p:cNvSpPr>
-          <p:nvPr>
-            <p:ph idx="1"/>
-          </p:nvPr>
-        </p:nvSpPr>
-        <p:spPr>
-          <a:xfrm>
-            <a:off x="609600" y="2160495"/>
-            <a:ext cx="6300486" cy="4195856"/>
-          </a:xfrm>
-        </p:spPr>
-        <p:txBody>
-          <a:bodyPr>
-            <a:normAutofit fontScale="92500" lnSpcReduction="10000"/>
-          </a:bodyPr>
-          <a:lstStyle/>
-          <a:p>
-            <a:r>
-              <a:rPr lang="en-US" dirty="0"/>
-              <a:t>The fracture behavior of the fuel is fairly complicated</a:t>
-            </a:r>
-          </a:p>
-          <a:p>
-            <a:pPr>
-              <a:spcBef>
-                <a:spcPts val="800"/>
-              </a:spcBef>
-            </a:pPr>
-            <a:r>
-              <a:rPr lang="en-US" dirty="0"/>
-              <a:t>Fracture strength varies with grain size (G)</a:t>
-            </a:r>
-          </a:p>
-          <a:p>
-            <a:pPr lvl="1">
-              <a:spcBef>
-                <a:spcPts val="800"/>
-              </a:spcBef>
-            </a:pPr>
-            <a:r>
-              <a:rPr lang="en-US" sz="1800" dirty="0">
-                <a:sym typeface="Symbol"/>
-              </a:rPr>
-              <a:t></a:t>
-            </a:r>
-            <a:r>
-              <a:rPr lang="en-US" sz="1800" baseline="-25000" dirty="0" err="1">
-                <a:sym typeface="Symbol"/>
-              </a:rPr>
-              <a:t>frac</a:t>
-            </a:r>
-            <a:r>
-              <a:rPr lang="en-US" sz="1800" dirty="0">
-                <a:sym typeface="Symbol"/>
-              </a:rPr>
-              <a:t> = </a:t>
-            </a:r>
-            <a:r>
-              <a:rPr lang="en-US" sz="1800" dirty="0" err="1">
-                <a:sym typeface="Symbol"/>
-              </a:rPr>
-              <a:t>G</a:t>
-            </a:r>
-            <a:r>
-              <a:rPr lang="en-US" sz="1800" baseline="30000" dirty="0" err="1">
-                <a:sym typeface="Symbol"/>
-              </a:rPr>
-              <a:t>-m</a:t>
-            </a:r>
-            <a:r>
-              <a:rPr lang="en-US" sz="1800" dirty="0" err="1">
-                <a:sym typeface="Symbol"/>
-              </a:rPr>
-              <a:t></a:t>
-            </a:r>
-            <a:r>
-              <a:rPr lang="en-US" sz="1800" baseline="-25000" dirty="0" err="1">
-                <a:sym typeface="Symbol"/>
-              </a:rPr>
-              <a:t>frac</a:t>
-            </a:r>
-            <a:r>
-              <a:rPr lang="en-US" sz="1800" baseline="-25000" dirty="0">
-                <a:sym typeface="Symbol"/>
-              </a:rPr>
-              <a:t>, ref</a:t>
-            </a:r>
-            <a:r>
-              <a:rPr lang="en-US" sz="1800" dirty="0">
-                <a:sym typeface="Symbol"/>
-              </a:rPr>
-              <a:t>, m = 0.04 – 0.05 (vs. m ~ 0.5 for metal)</a:t>
-            </a:r>
-          </a:p>
-          <a:p>
-            <a:pPr lvl="1">
-              <a:spcBef>
-                <a:spcPts val="800"/>
-              </a:spcBef>
-            </a:pPr>
-            <a:r>
-              <a:rPr lang="en-US" sz="1800" dirty="0">
-                <a:sym typeface="Symbol"/>
-              </a:rPr>
-              <a:t>Increasing grain size from 10 m to 100 m reduces </a:t>
-            </a:r>
-            <a:r>
-              <a:rPr lang="en-US" sz="1800" baseline="-25000" dirty="0" err="1">
-                <a:sym typeface="Symbol"/>
-              </a:rPr>
-              <a:t>frac</a:t>
-            </a:r>
-            <a:r>
-              <a:rPr lang="en-US" sz="1800" dirty="0">
-                <a:sym typeface="Symbol"/>
-              </a:rPr>
-              <a:t> by ~10%</a:t>
-            </a:r>
-          </a:p>
-          <a:p>
-            <a:pPr>
-              <a:spcBef>
-                <a:spcPts val="800"/>
-              </a:spcBef>
-            </a:pPr>
-            <a:r>
-              <a:rPr lang="en-US" dirty="0"/>
-              <a:t>Ductility transition temperature is lower in-reactor than in thermal tests</a:t>
-            </a:r>
-          </a:p>
-          <a:p>
-            <a:pPr>
-              <a:spcBef>
-                <a:spcPts val="800"/>
-              </a:spcBef>
-            </a:pPr>
-            <a:r>
-              <a:rPr lang="en-US" dirty="0"/>
-              <a:t>Fracture strength is ~10× higher in compression than in tension</a:t>
-            </a:r>
-          </a:p>
-          <a:p>
-            <a:pPr>
-              <a:spcBef>
-                <a:spcPts val="800"/>
-              </a:spcBef>
-            </a:pPr>
-            <a:r>
-              <a:rPr lang="en-US" dirty="0"/>
-              <a:t>Load-deformation behavior strongly affected by creep under in-reactor conditions</a:t>
-            </a:r>
-            <a:endParaRPr lang="en-US" sz="1800" dirty="0"/>
-          </a:p>
-          <a:p>
-            <a:endParaRPr lang="en-US" dirty="0"/>
-          </a:p>
-        </p:txBody>
-      </p:sp>
-      <p:sp>
-        <p:nvSpPr>
-          <p:cNvPr id="4" name="Slide Number Placeholder 3">
-            <a:extLst>
-              <a:ext uri="{FF2B5EF4-FFF2-40B4-BE49-F238E27FC236}">
-                <a16:creationId xmlns:a16="http://schemas.microsoft.com/office/drawing/2014/main" id="{C1F1CFEB-4EEB-2644-9FDB-620A9323A851}"/>
-              </a:ext>
-            </a:extLst>
-          </p:cNvPr>
-          <p:cNvSpPr>
-            <a:spLocks noGrp="1"/>
-          </p:cNvSpPr>
-          <p:nvPr>
-            <p:ph type="sldNum" sz="quarter" idx="12"/>
-          </p:nvPr>
-        </p:nvSpPr>
-        <p:spPr/>
-        <p:txBody>
-          <a:bodyPr/>
-          <a:lstStyle/>
-          <a:p>
-            <a:pPr>
-              <a:defRPr/>
-            </a:pPr>
-            <a:fld id="{3FF2C605-4958-CF43-AA48-80339EFDB0AF}" type="slidenum">
-              <a:rPr lang="en-US" smtClean="0"/>
-              <a:pPr>
-                <a:defRPr/>
-              </a:pPr>
-              <a:t>20</a:t>
+              <a:t>22</a:t>
             </a:fld>
             <a:endParaRPr lang="en-US"/>
           </a:p>
@@ -7193,7 +7765,7 @@
 </p:sld>
 </file>
 
-<file path=ppt/slides/slide21.xml><?xml version="1.0" encoding="utf-8"?>
+<file path=ppt/slides/slide23.xml><?xml version="1.0" encoding="utf-8"?>
 <p:sld xmlns:a="http://schemas.openxmlformats.org/drawingml/2006/main" xmlns:r="http://schemas.openxmlformats.org/officeDocument/2006/relationships" xmlns:p="http://schemas.openxmlformats.org/presentationml/2006/main">
   <p:cSld>
     <p:spTree>
@@ -7337,7 +7909,7 @@
               <a:pPr>
                 <a:defRPr/>
               </a:pPr>
-              <a:t>21</a:t>
+              <a:t>23</a:t>
             </a:fld>
             <a:endParaRPr lang="en-US"/>
           </a:p>
@@ -7356,7 +7928,7 @@
 </p:sld>
 </file>
 
-<file path=ppt/slides/slide22.xml><?xml version="1.0" encoding="utf-8"?>
+<file path=ppt/slides/slide24.xml><?xml version="1.0" encoding="utf-8"?>
 <p:sld xmlns:a="http://schemas.openxmlformats.org/drawingml/2006/main" xmlns:r="http://schemas.openxmlformats.org/officeDocument/2006/relationships" xmlns:p="http://schemas.openxmlformats.org/presentationml/2006/main">
   <p:cSld>
     <p:spTree>
@@ -7378,7 +7950,7 @@
           <p:cNvPr id="2" name="Title 1">
             <a:extLst>
               <a:ext uri="{FF2B5EF4-FFF2-40B4-BE49-F238E27FC236}">
-                <a16:creationId xmlns:a16="http://schemas.microsoft.com/office/drawing/2014/main" id="{441CEBA0-F4FB-0048-8F3D-BD218463FF20}"/>
+                <a16:creationId xmlns:a16="http://schemas.microsoft.com/office/drawing/2014/main" id="{602DCCAD-BE05-A94F-B66A-EA2D3ABF07EF}"/>
               </a:ext>
             </a:extLst>
           </p:cNvPr>
@@ -7386,7 +7958,7 @@
             <a:spLocks noGrp="1"/>
           </p:cNvSpPr>
           <p:nvPr>
-            <p:ph type="ctrTitle"/>
+            <p:ph type="title"/>
           </p:nvPr>
         </p:nvSpPr>
         <p:spPr/>
@@ -7396,17 +7968,17 @@
           <a:p>
             <a:r>
               <a:rPr lang="en-US" dirty="0"/>
-              <a:t>Fuel Thermal Conductivity</a:t>
-            </a:r>
-          </a:p>
-        </p:txBody>
-      </p:sp>
-      <p:sp>
-        <p:nvSpPr>
-          <p:cNvPr id="3" name="Subtitle 2">
+              <a:t>Summary</a:t>
+            </a:r>
+          </a:p>
+        </p:txBody>
+      </p:sp>
+      <p:sp>
+        <p:nvSpPr>
+          <p:cNvPr id="3" name="Content Placeholder 2">
             <a:extLst>
               <a:ext uri="{FF2B5EF4-FFF2-40B4-BE49-F238E27FC236}">
-                <a16:creationId xmlns:a16="http://schemas.microsoft.com/office/drawing/2014/main" id="{768DE25D-10FF-1D41-9E49-CCD029714F59}"/>
+                <a16:creationId xmlns:a16="http://schemas.microsoft.com/office/drawing/2014/main" id="{C7C9A290-33D4-8D48-BEAB-3A09AD15C127}"/>
               </a:ext>
             </a:extLst>
           </p:cNvPr>
@@ -7414,7 +7986,7 @@
             <a:spLocks noGrp="1"/>
           </p:cNvSpPr>
           <p:nvPr>
-            <p:ph type="subTitle" idx="1"/>
+            <p:ph idx="1"/>
           </p:nvPr>
         </p:nvSpPr>
         <p:spPr/>
@@ -7424,8 +7996,29 @@
           <a:p>
             <a:r>
               <a:rPr lang="en-US" dirty="0"/>
-              <a:t>NE 591</a:t>
-            </a:r>
+              <a:t>The fuel thermal conductivity decreases with burnup</a:t>
+            </a:r>
+          </a:p>
+          <a:p>
+            <a:r>
+              <a:rPr lang="en-US" dirty="0"/>
+              <a:t>Empirical models take into account both phonon and electron based thermal transport</a:t>
+            </a:r>
+          </a:p>
+          <a:p>
+            <a:r>
+              <a:rPr lang="en-US" dirty="0"/>
+              <a:t>BISON primarily utilizes the NFIR model to describe thermal conductivity</a:t>
+            </a:r>
+          </a:p>
+          <a:p>
+            <a:r>
+              <a:rPr lang="en-US" dirty="0"/>
+              <a:t>The NFIR model is a fairly accurate empirical model of the fuel thermal conductivity</a:t>
+            </a:r>
+          </a:p>
+          <a:p>
+            <a:endParaRPr lang="en-US" dirty="0"/>
           </a:p>
         </p:txBody>
       </p:sp>
@@ -7434,7 +8027,251 @@
           <p:cNvPr id="4" name="Slide Number Placeholder 3">
             <a:extLst>
               <a:ext uri="{FF2B5EF4-FFF2-40B4-BE49-F238E27FC236}">
-                <a16:creationId xmlns:a16="http://schemas.microsoft.com/office/drawing/2014/main" id="{128EED92-2B94-B04B-ACF3-199640B45F0F}"/>
+                <a16:creationId xmlns:a16="http://schemas.microsoft.com/office/drawing/2014/main" id="{C5080A65-7384-FF4F-94B0-F4C3AB1A3F9F}"/>
+              </a:ext>
+            </a:extLst>
+          </p:cNvPr>
+          <p:cNvSpPr>
+            <a:spLocks noGrp="1"/>
+          </p:cNvSpPr>
+          <p:nvPr>
+            <p:ph type="sldNum" sz="quarter" idx="12"/>
+          </p:nvPr>
+        </p:nvSpPr>
+        <p:spPr/>
+        <p:txBody>
+          <a:bodyPr/>
+          <a:lstStyle/>
+          <a:p>
+            <a:pPr>
+              <a:defRPr/>
+            </a:pPr>
+            <a:fld id="{3FF2C605-4958-CF43-AA48-80339EFDB0AF}" type="slidenum">
+              <a:rPr lang="en-US" smtClean="0"/>
+              <a:pPr>
+                <a:defRPr/>
+              </a:pPr>
+              <a:t>24</a:t>
+            </a:fld>
+            <a:endParaRPr lang="en-US"/>
+          </a:p>
+        </p:txBody>
+      </p:sp>
+    </p:spTree>
+    <p:extLst>
+      <p:ext uri="{BB962C8B-B14F-4D97-AF65-F5344CB8AC3E}">
+        <p14:creationId xmlns:p14="http://schemas.microsoft.com/office/powerpoint/2010/main" val="3706124868"/>
+      </p:ext>
+    </p:extLst>
+  </p:cSld>
+  <p:clrMapOvr>
+    <a:masterClrMapping/>
+  </p:clrMapOvr>
+</p:sld>
+</file>
+
+<file path=ppt/slides/slide3.xml><?xml version="1.0" encoding="utf-8"?>
+<p:sld xmlns:a="http://schemas.openxmlformats.org/drawingml/2006/main" xmlns:r="http://schemas.openxmlformats.org/officeDocument/2006/relationships" xmlns:p="http://schemas.openxmlformats.org/presentationml/2006/main">
+  <p:cSld>
+    <p:spTree>
+      <p:nvGrpSpPr>
+        <p:cNvPr id="1" name=""/>
+        <p:cNvGrpSpPr/>
+        <p:nvPr/>
+      </p:nvGrpSpPr>
+      <p:grpSpPr>
+        <a:xfrm>
+          <a:off x="0" y="0"/>
+          <a:ext cx="0" cy="0"/>
+          <a:chOff x="0" y="0"/>
+          <a:chExt cx="0" cy="0"/>
+        </a:xfrm>
+      </p:grpSpPr>
+      <p:sp>
+        <p:nvSpPr>
+          <p:cNvPr id="2" name="Title 1">
+            <a:extLst>
+              <a:ext uri="{FF2B5EF4-FFF2-40B4-BE49-F238E27FC236}">
+                <a16:creationId xmlns:a16="http://schemas.microsoft.com/office/drawing/2014/main" id="{48ADC604-4386-4943-9B5F-4D17386AE734}"/>
+              </a:ext>
+            </a:extLst>
+          </p:cNvPr>
+          <p:cNvSpPr>
+            <a:spLocks noGrp="1"/>
+          </p:cNvSpPr>
+          <p:nvPr>
+            <p:ph type="title"/>
+          </p:nvPr>
+        </p:nvSpPr>
+        <p:spPr/>
+        <p:txBody>
+          <a:bodyPr/>
+          <a:lstStyle/>
+          <a:p>
+            <a:r>
+              <a:rPr lang="en-US" dirty="0"/>
+              <a:t>MOOSE Project</a:t>
+            </a:r>
+          </a:p>
+        </p:txBody>
+      </p:sp>
+      <p:sp>
+        <p:nvSpPr>
+          <p:cNvPr id="3" name="Content Placeholder 2">
+            <a:extLst>
+              <a:ext uri="{FF2B5EF4-FFF2-40B4-BE49-F238E27FC236}">
+                <a16:creationId xmlns:a16="http://schemas.microsoft.com/office/drawing/2014/main" id="{D819C496-CDC5-FA47-B04E-529D21FE7C02}"/>
+              </a:ext>
+            </a:extLst>
+          </p:cNvPr>
+          <p:cNvSpPr>
+            <a:spLocks noGrp="1"/>
+          </p:cNvSpPr>
+          <p:nvPr>
+            <p:ph idx="1"/>
+          </p:nvPr>
+        </p:nvSpPr>
+        <p:spPr/>
+        <p:txBody>
+          <a:bodyPr/>
+          <a:lstStyle/>
+          <a:p>
+            <a:r>
+              <a:rPr lang="en-US" dirty="0"/>
+              <a:t>Three-part project</a:t>
+            </a:r>
+          </a:p>
+          <a:p>
+            <a:r>
+              <a:rPr lang="en-US" dirty="0"/>
+              <a:t>Will upload input and output files to Moodle</a:t>
+            </a:r>
+          </a:p>
+          <a:p>
+            <a:r>
+              <a:rPr lang="en-US" dirty="0"/>
+              <a:t>Will upload a final written report, 5-10 pages (including figures), times new roman, 12pt, 1.5 space, pdf</a:t>
+            </a:r>
+          </a:p>
+          <a:p>
+            <a:r>
+              <a:rPr lang="en-US" dirty="0"/>
+              <a:t>Due April 26</a:t>
+            </a:r>
+          </a:p>
+          <a:p>
+            <a:r>
+              <a:rPr lang="en-US" dirty="0"/>
+              <a:t>This is an individual project, but some collaboration is encouraged</a:t>
+            </a:r>
+          </a:p>
+          <a:p>
+            <a:endParaRPr lang="en-US" dirty="0"/>
+          </a:p>
+          <a:p>
+            <a:endParaRPr lang="en-US" dirty="0"/>
+          </a:p>
+        </p:txBody>
+      </p:sp>
+      <p:sp>
+        <p:nvSpPr>
+          <p:cNvPr id="4" name="Slide Number Placeholder 3">
+            <a:extLst>
+              <a:ext uri="{FF2B5EF4-FFF2-40B4-BE49-F238E27FC236}">
+                <a16:creationId xmlns:a16="http://schemas.microsoft.com/office/drawing/2014/main" id="{1DC029A3-92C6-3F47-920B-435588AB7AFE}"/>
+              </a:ext>
+            </a:extLst>
+          </p:cNvPr>
+          <p:cNvSpPr>
+            <a:spLocks noGrp="1"/>
+          </p:cNvSpPr>
+          <p:nvPr>
+            <p:ph type="sldNum" sz="quarter" idx="12"/>
+          </p:nvPr>
+        </p:nvSpPr>
+        <p:spPr/>
+        <p:txBody>
+          <a:bodyPr/>
+          <a:lstStyle/>
+          <a:p>
+            <a:pPr>
+              <a:defRPr/>
+            </a:pPr>
+            <a:fld id="{3FF2C605-4958-CF43-AA48-80339EFDB0AF}" type="slidenum">
+              <a:rPr lang="en-US" smtClean="0"/>
+              <a:pPr>
+                <a:defRPr/>
+              </a:pPr>
+              <a:t>3</a:t>
+            </a:fld>
+            <a:endParaRPr lang="en-US"/>
+          </a:p>
+        </p:txBody>
+      </p:sp>
+    </p:spTree>
+    <p:extLst>
+      <p:ext uri="{BB962C8B-B14F-4D97-AF65-F5344CB8AC3E}">
+        <p14:creationId xmlns:p14="http://schemas.microsoft.com/office/powerpoint/2010/main" val="4079713112"/>
+      </p:ext>
+    </p:extLst>
+  </p:cSld>
+  <p:clrMapOvr>
+    <a:masterClrMapping/>
+  </p:clrMapOvr>
+</p:sld>
+</file>
+
+<file path=ppt/slides/slide4.xml><?xml version="1.0" encoding="utf-8"?>
+<p:sld xmlns:a="http://schemas.openxmlformats.org/drawingml/2006/main" xmlns:r="http://schemas.openxmlformats.org/officeDocument/2006/relationships" xmlns:p="http://schemas.openxmlformats.org/presentationml/2006/main">
+  <p:cSld>
+    <p:spTree>
+      <p:nvGrpSpPr>
+        <p:cNvPr id="1" name=""/>
+        <p:cNvGrpSpPr/>
+        <p:nvPr/>
+      </p:nvGrpSpPr>
+      <p:grpSpPr>
+        <a:xfrm>
+          <a:off x="0" y="0"/>
+          <a:ext cx="0" cy="0"/>
+          <a:chOff x="0" y="0"/>
+          <a:chExt cx="0" cy="0"/>
+        </a:xfrm>
+      </p:grpSpPr>
+      <p:sp>
+        <p:nvSpPr>
+          <p:cNvPr id="2" name="Title 1">
+            <a:extLst>
+              <a:ext uri="{FF2B5EF4-FFF2-40B4-BE49-F238E27FC236}">
+                <a16:creationId xmlns:a16="http://schemas.microsoft.com/office/drawing/2014/main" id="{E6A26517-7A8C-6D44-8A80-103F9AD20C90}"/>
+              </a:ext>
+            </a:extLst>
+          </p:cNvPr>
+          <p:cNvSpPr>
+            <a:spLocks noGrp="1"/>
+          </p:cNvSpPr>
+          <p:nvPr>
+            <p:ph type="title"/>
+          </p:nvPr>
+        </p:nvSpPr>
+        <p:spPr/>
+        <p:txBody>
+          <a:bodyPr/>
+          <a:lstStyle/>
+          <a:p>
+            <a:r>
+              <a:rPr lang="en-US" dirty="0"/>
+              <a:t>MOOSE Project Part 1</a:t>
+            </a:r>
+          </a:p>
+        </p:txBody>
+      </p:sp>
+      <p:sp>
+        <p:nvSpPr>
+          <p:cNvPr id="4" name="Slide Number Placeholder 3">
+            <a:extLst>
+              <a:ext uri="{FF2B5EF4-FFF2-40B4-BE49-F238E27FC236}">
+                <a16:creationId xmlns:a16="http://schemas.microsoft.com/office/drawing/2014/main" id="{8AF4B4B8-A41F-4142-861A-4CEFCF7BBA69}"/>
               </a:ext>
             </a:extLst>
           </p:cNvPr>
@@ -7467,7 +8304,7 @@
               <a:tabLst/>
               <a:defRPr/>
             </a:pPr>
-            <a:fld id="{01E82176-A547-F94B-AC51-D6E9C882CB88}" type="slidenum">
+            <a:fld id="{3FF2C605-4958-CF43-AA48-80339EFDB0AF}" type="slidenum">
               <a:rPr kumimoji="0" lang="en-US" sz="1200" b="0" i="0" u="none" strike="noStrike" kern="1200" cap="none" spc="0" normalizeH="0" baseline="0" noProof="0" smtClean="0">
                 <a:ln>
                   <a:noFill/>
@@ -7501,7 +8338,7 @@
                 <a:tabLst/>
                 <a:defRPr/>
               </a:pPr>
-              <a:t>22</a:t>
+              <a:t>4</a:t>
             </a:fld>
             <a:endParaRPr kumimoji="0" lang="en-US" sz="1200" b="0" i="0" u="none" strike="noStrike" kern="1200" cap="none" spc="0" normalizeH="0" baseline="0" noProof="0">
               <a:ln>
@@ -7522,10 +8359,1384 @@
           </a:p>
         </p:txBody>
       </p:sp>
+      <p:sp>
+        <p:nvSpPr>
+          <p:cNvPr id="5" name="Rectangle 4">
+            <a:extLst>
+              <a:ext uri="{FF2B5EF4-FFF2-40B4-BE49-F238E27FC236}">
+                <a16:creationId xmlns:a16="http://schemas.microsoft.com/office/drawing/2014/main" id="{6A14A53C-B601-344D-BB6C-C144C19C902A}"/>
+              </a:ext>
+            </a:extLst>
+          </p:cNvPr>
+          <p:cNvSpPr/>
+          <p:nvPr/>
+        </p:nvSpPr>
+        <p:spPr>
+          <a:xfrm>
+            <a:off x="6651811" y="2122956"/>
+            <a:ext cx="2877672" cy="4078940"/>
+          </a:xfrm>
+          <a:prstGeom prst="rect">
+            <a:avLst/>
+          </a:prstGeom>
+          <a:solidFill>
+            <a:schemeClr val="accent1"/>
+          </a:solidFill>
+        </p:spPr>
+        <p:style>
+          <a:lnRef idx="1">
+            <a:schemeClr val="accent1"/>
+          </a:lnRef>
+          <a:fillRef idx="3">
+            <a:schemeClr val="accent1"/>
+          </a:fillRef>
+          <a:effectRef idx="2">
+            <a:schemeClr val="accent1"/>
+          </a:effectRef>
+          <a:fontRef idx="minor">
+            <a:schemeClr val="lt1"/>
+          </a:fontRef>
+        </p:style>
+        <p:txBody>
+          <a:bodyPr rtlCol="0" anchor="ctr"/>
+          <a:lstStyle/>
+          <a:p>
+            <a:pPr marL="0" marR="0" lvl="0" indent="0" algn="ctr" defTabSz="914400" rtl="0" eaLnBrk="1" fontAlgn="auto" latinLnBrk="0" hangingPunct="1">
+              <a:lnSpc>
+                <a:spcPct val="100000"/>
+              </a:lnSpc>
+              <a:spcBef>
+                <a:spcPts val="0"/>
+              </a:spcBef>
+              <a:spcAft>
+                <a:spcPts val="0"/>
+              </a:spcAft>
+              <a:buClrTx/>
+              <a:buSzTx/>
+              <a:buFontTx/>
+              <a:buNone/>
+              <a:tabLst/>
+              <a:defRPr/>
+            </a:pPr>
+            <a:endParaRPr kumimoji="0" lang="en-US" sz="1800" b="0" i="0" u="none" strike="noStrike" kern="1200" cap="none" spc="0" normalizeH="0" baseline="0" noProof="0">
+              <a:ln>
+                <a:noFill/>
+              </a:ln>
+              <a:solidFill>
+                <a:prstClr val="white"/>
+              </a:solidFill>
+              <a:effectLst/>
+              <a:uLnTx/>
+              <a:uFillTx/>
+              <a:latin typeface="Calibri"/>
+              <a:ea typeface="+mn-ea"/>
+              <a:cs typeface="+mn-cs"/>
+            </a:endParaRPr>
+          </a:p>
+        </p:txBody>
+      </p:sp>
+      <p:sp>
+        <p:nvSpPr>
+          <p:cNvPr id="6" name="Rectangle 5">
+            <a:extLst>
+              <a:ext uri="{FF2B5EF4-FFF2-40B4-BE49-F238E27FC236}">
+                <a16:creationId xmlns:a16="http://schemas.microsoft.com/office/drawing/2014/main" id="{B24263C4-2011-2F4C-9640-AC5B4D2FFF98}"/>
+              </a:ext>
+            </a:extLst>
+          </p:cNvPr>
+          <p:cNvSpPr/>
+          <p:nvPr/>
+        </p:nvSpPr>
+        <p:spPr>
+          <a:xfrm>
+            <a:off x="9529483" y="2122956"/>
+            <a:ext cx="797858" cy="4078940"/>
+          </a:xfrm>
+          <a:prstGeom prst="rect">
+            <a:avLst/>
+          </a:prstGeom>
+          <a:solidFill>
+            <a:srgbClr val="FFC000"/>
+          </a:solidFill>
+        </p:spPr>
+        <p:style>
+          <a:lnRef idx="1">
+            <a:schemeClr val="accent1"/>
+          </a:lnRef>
+          <a:fillRef idx="3">
+            <a:schemeClr val="accent1"/>
+          </a:fillRef>
+          <a:effectRef idx="2">
+            <a:schemeClr val="accent1"/>
+          </a:effectRef>
+          <a:fontRef idx="minor">
+            <a:schemeClr val="lt1"/>
+          </a:fontRef>
+        </p:style>
+        <p:txBody>
+          <a:bodyPr rtlCol="0" anchor="ctr"/>
+          <a:lstStyle/>
+          <a:p>
+            <a:pPr marL="0" marR="0" lvl="0" indent="0" algn="ctr" defTabSz="914400" rtl="0" eaLnBrk="1" fontAlgn="auto" latinLnBrk="0" hangingPunct="1">
+              <a:lnSpc>
+                <a:spcPct val="100000"/>
+              </a:lnSpc>
+              <a:spcBef>
+                <a:spcPts val="0"/>
+              </a:spcBef>
+              <a:spcAft>
+                <a:spcPts val="0"/>
+              </a:spcAft>
+              <a:buClrTx/>
+              <a:buSzTx/>
+              <a:buFontTx/>
+              <a:buNone/>
+              <a:tabLst/>
+              <a:defRPr/>
+            </a:pPr>
+            <a:endParaRPr kumimoji="0" lang="en-US" sz="1800" b="0" i="0" u="none" strike="noStrike" kern="1200" cap="none" spc="0" normalizeH="0" baseline="0" noProof="0">
+              <a:ln>
+                <a:noFill/>
+              </a:ln>
+              <a:solidFill>
+                <a:prstClr val="white"/>
+              </a:solidFill>
+              <a:effectLst/>
+              <a:uLnTx/>
+              <a:uFillTx/>
+              <a:latin typeface="Calibri"/>
+              <a:ea typeface="+mn-ea"/>
+              <a:cs typeface="+mn-cs"/>
+            </a:endParaRPr>
+          </a:p>
+        </p:txBody>
+      </p:sp>
+      <p:sp>
+        <p:nvSpPr>
+          <p:cNvPr id="7" name="Rectangle 6">
+            <a:extLst>
+              <a:ext uri="{FF2B5EF4-FFF2-40B4-BE49-F238E27FC236}">
+                <a16:creationId xmlns:a16="http://schemas.microsoft.com/office/drawing/2014/main" id="{6E1977BC-41AE-5748-982F-B0B0A7CF4573}"/>
+              </a:ext>
+            </a:extLst>
+          </p:cNvPr>
+          <p:cNvSpPr/>
+          <p:nvPr/>
+        </p:nvSpPr>
+        <p:spPr>
+          <a:xfrm>
+            <a:off x="10327341" y="2122956"/>
+            <a:ext cx="797858" cy="4078940"/>
+          </a:xfrm>
+          <a:prstGeom prst="rect">
+            <a:avLst/>
+          </a:prstGeom>
+          <a:solidFill>
+            <a:srgbClr val="92D050"/>
+          </a:solidFill>
+        </p:spPr>
+        <p:style>
+          <a:lnRef idx="1">
+            <a:schemeClr val="accent1"/>
+          </a:lnRef>
+          <a:fillRef idx="3">
+            <a:schemeClr val="accent1"/>
+          </a:fillRef>
+          <a:effectRef idx="2">
+            <a:schemeClr val="accent1"/>
+          </a:effectRef>
+          <a:fontRef idx="minor">
+            <a:schemeClr val="lt1"/>
+          </a:fontRef>
+        </p:style>
+        <p:txBody>
+          <a:bodyPr rtlCol="0" anchor="ctr"/>
+          <a:lstStyle/>
+          <a:p>
+            <a:pPr marL="0" marR="0" lvl="0" indent="0" algn="ctr" defTabSz="914400" rtl="0" eaLnBrk="1" fontAlgn="auto" latinLnBrk="0" hangingPunct="1">
+              <a:lnSpc>
+                <a:spcPct val="100000"/>
+              </a:lnSpc>
+              <a:spcBef>
+                <a:spcPts val="0"/>
+              </a:spcBef>
+              <a:spcAft>
+                <a:spcPts val="0"/>
+              </a:spcAft>
+              <a:buClrTx/>
+              <a:buSzTx/>
+              <a:buFontTx/>
+              <a:buNone/>
+              <a:tabLst/>
+              <a:defRPr/>
+            </a:pPr>
+            <a:endParaRPr kumimoji="0" lang="en-US" sz="1800" b="0" i="0" u="none" strike="noStrike" kern="1200" cap="none" spc="0" normalizeH="0" baseline="0" noProof="0">
+              <a:ln>
+                <a:noFill/>
+              </a:ln>
+              <a:solidFill>
+                <a:prstClr val="white"/>
+              </a:solidFill>
+              <a:effectLst/>
+              <a:uLnTx/>
+              <a:uFillTx/>
+              <a:latin typeface="Calibri"/>
+              <a:ea typeface="+mn-ea"/>
+              <a:cs typeface="+mn-cs"/>
+            </a:endParaRPr>
+          </a:p>
+        </p:txBody>
+      </p:sp>
+      <p:cxnSp>
+        <p:nvCxnSpPr>
+          <p:cNvPr id="9" name="Straight Arrow Connector 8">
+            <a:extLst>
+              <a:ext uri="{FF2B5EF4-FFF2-40B4-BE49-F238E27FC236}">
+                <a16:creationId xmlns:a16="http://schemas.microsoft.com/office/drawing/2014/main" id="{B4CE7341-0281-C44A-9030-313AEB440CB7}"/>
+              </a:ext>
+            </a:extLst>
+          </p:cNvPr>
+          <p:cNvCxnSpPr/>
+          <p:nvPr/>
+        </p:nvCxnSpPr>
+        <p:spPr>
+          <a:xfrm>
+            <a:off x="6651811" y="2024343"/>
+            <a:ext cx="2877672" cy="0"/>
+          </a:xfrm>
+          <a:prstGeom prst="straightConnector1">
+            <a:avLst/>
+          </a:prstGeom>
+          <a:ln>
+            <a:headEnd type="triangle"/>
+            <a:tailEnd type="triangle"/>
+          </a:ln>
+        </p:spPr>
+        <p:style>
+          <a:lnRef idx="2">
+            <a:schemeClr val="accent1"/>
+          </a:lnRef>
+          <a:fillRef idx="0">
+            <a:schemeClr val="accent1"/>
+          </a:fillRef>
+          <a:effectRef idx="1">
+            <a:schemeClr val="accent1"/>
+          </a:effectRef>
+          <a:fontRef idx="minor">
+            <a:schemeClr val="tx1"/>
+          </a:fontRef>
+        </p:style>
+      </p:cxnSp>
+      <p:cxnSp>
+        <p:nvCxnSpPr>
+          <p:cNvPr id="11" name="Straight Arrow Connector 10">
+            <a:extLst>
+              <a:ext uri="{FF2B5EF4-FFF2-40B4-BE49-F238E27FC236}">
+                <a16:creationId xmlns:a16="http://schemas.microsoft.com/office/drawing/2014/main" id="{591A5C7E-91BA-4440-B271-E3AF08120135}"/>
+              </a:ext>
+            </a:extLst>
+          </p:cNvPr>
+          <p:cNvCxnSpPr>
+            <a:cxnSpLocks/>
+          </p:cNvCxnSpPr>
+          <p:nvPr/>
+        </p:nvCxnSpPr>
+        <p:spPr>
+          <a:xfrm>
+            <a:off x="9529483" y="2024343"/>
+            <a:ext cx="797858" cy="0"/>
+          </a:xfrm>
+          <a:prstGeom prst="straightConnector1">
+            <a:avLst/>
+          </a:prstGeom>
+          <a:ln>
+            <a:headEnd type="triangle"/>
+            <a:tailEnd type="triangle"/>
+          </a:ln>
+        </p:spPr>
+        <p:style>
+          <a:lnRef idx="2">
+            <a:schemeClr val="accent1"/>
+          </a:lnRef>
+          <a:fillRef idx="0">
+            <a:schemeClr val="accent1"/>
+          </a:fillRef>
+          <a:effectRef idx="1">
+            <a:schemeClr val="accent1"/>
+          </a:effectRef>
+          <a:fontRef idx="minor">
+            <a:schemeClr val="tx1"/>
+          </a:fontRef>
+        </p:style>
+      </p:cxnSp>
+      <p:cxnSp>
+        <p:nvCxnSpPr>
+          <p:cNvPr id="13" name="Straight Arrow Connector 12">
+            <a:extLst>
+              <a:ext uri="{FF2B5EF4-FFF2-40B4-BE49-F238E27FC236}">
+                <a16:creationId xmlns:a16="http://schemas.microsoft.com/office/drawing/2014/main" id="{E7AD19DE-FBC8-8A45-B373-70FA74B6224B}"/>
+              </a:ext>
+            </a:extLst>
+          </p:cNvPr>
+          <p:cNvCxnSpPr>
+            <a:cxnSpLocks/>
+          </p:cNvCxnSpPr>
+          <p:nvPr/>
+        </p:nvCxnSpPr>
+        <p:spPr>
+          <a:xfrm>
+            <a:off x="10327341" y="2024343"/>
+            <a:ext cx="797858" cy="0"/>
+          </a:xfrm>
+          <a:prstGeom prst="straightConnector1">
+            <a:avLst/>
+          </a:prstGeom>
+          <a:ln>
+            <a:headEnd type="triangle"/>
+            <a:tailEnd type="triangle"/>
+          </a:ln>
+        </p:spPr>
+        <p:style>
+          <a:lnRef idx="2">
+            <a:schemeClr val="accent1"/>
+          </a:lnRef>
+          <a:fillRef idx="0">
+            <a:schemeClr val="accent1"/>
+          </a:fillRef>
+          <a:effectRef idx="1">
+            <a:schemeClr val="accent1"/>
+          </a:effectRef>
+          <a:fontRef idx="minor">
+            <a:schemeClr val="tx1"/>
+          </a:fontRef>
+        </p:style>
+      </p:cxnSp>
+      <p:cxnSp>
+        <p:nvCxnSpPr>
+          <p:cNvPr id="14" name="Straight Arrow Connector 13">
+            <a:extLst>
+              <a:ext uri="{FF2B5EF4-FFF2-40B4-BE49-F238E27FC236}">
+                <a16:creationId xmlns:a16="http://schemas.microsoft.com/office/drawing/2014/main" id="{B8F40A3F-E5AC-AA42-BFC3-19A6A409A2EB}"/>
+              </a:ext>
+            </a:extLst>
+          </p:cNvPr>
+          <p:cNvCxnSpPr>
+            <a:cxnSpLocks/>
+          </p:cNvCxnSpPr>
+          <p:nvPr/>
+        </p:nvCxnSpPr>
+        <p:spPr>
+          <a:xfrm flipV="1">
+            <a:off x="6571130" y="2122956"/>
+            <a:ext cx="0" cy="4078940"/>
+          </a:xfrm>
+          <a:prstGeom prst="straightConnector1">
+            <a:avLst/>
+          </a:prstGeom>
+          <a:ln>
+            <a:headEnd type="triangle"/>
+            <a:tailEnd type="triangle"/>
+          </a:ln>
+        </p:spPr>
+        <p:style>
+          <a:lnRef idx="2">
+            <a:schemeClr val="accent1"/>
+          </a:lnRef>
+          <a:fillRef idx="0">
+            <a:schemeClr val="accent1"/>
+          </a:fillRef>
+          <a:effectRef idx="1">
+            <a:schemeClr val="accent1"/>
+          </a:effectRef>
+          <a:fontRef idx="minor">
+            <a:schemeClr val="tx1"/>
+          </a:fontRef>
+        </p:style>
+      </p:cxnSp>
+      <p:sp>
+        <p:nvSpPr>
+          <p:cNvPr id="16" name="TextBox 15">
+            <a:extLst>
+              <a:ext uri="{FF2B5EF4-FFF2-40B4-BE49-F238E27FC236}">
+                <a16:creationId xmlns:a16="http://schemas.microsoft.com/office/drawing/2014/main" id="{7FC4C34D-9F6B-3A44-A4E8-FDD2910214C5}"/>
+              </a:ext>
+            </a:extLst>
+          </p:cNvPr>
+          <p:cNvSpPr txBox="1"/>
+          <p:nvPr/>
+        </p:nvSpPr>
+        <p:spPr>
+          <a:xfrm>
+            <a:off x="667872" y="1968501"/>
+            <a:ext cx="5257797" cy="3970318"/>
+          </a:xfrm>
+          <a:prstGeom prst="rect">
+            <a:avLst/>
+          </a:prstGeom>
+          <a:noFill/>
+        </p:spPr>
+        <p:txBody>
+          <a:bodyPr wrap="square" rtlCol="0">
+            <a:spAutoFit/>
+          </a:bodyPr>
+          <a:lstStyle/>
+          <a:p>
+            <a:pPr marL="285750" marR="0" lvl="0" indent="-285750" algn="l" defTabSz="914400" rtl="0" eaLnBrk="1" fontAlgn="auto" latinLnBrk="0" hangingPunct="1">
+              <a:lnSpc>
+                <a:spcPct val="100000"/>
+              </a:lnSpc>
+              <a:spcBef>
+                <a:spcPts val="0"/>
+              </a:spcBef>
+              <a:spcAft>
+                <a:spcPts val="0"/>
+              </a:spcAft>
+              <a:buClrTx/>
+              <a:buSzTx/>
+              <a:buFont typeface="Arial" panose="020B0604020202020204" pitchFamily="34" charset="0"/>
+              <a:buChar char="•"/>
+              <a:tabLst/>
+              <a:defRPr/>
+            </a:pPr>
+            <a:r>
+              <a:rPr kumimoji="0" lang="en-US" sz="1800" b="0" i="0" u="none" strike="noStrike" kern="1200" cap="none" spc="0" normalizeH="0" baseline="0" noProof="0" dirty="0">
+                <a:ln>
+                  <a:noFill/>
+                </a:ln>
+                <a:solidFill>
+                  <a:prstClr val="black"/>
+                </a:solidFill>
+                <a:effectLst/>
+                <a:uLnTx/>
+                <a:uFillTx/>
+                <a:latin typeface="Calibri"/>
+                <a:ea typeface="+mn-ea"/>
+                <a:cs typeface="+mn-cs"/>
+              </a:rPr>
+              <a:t>Fuel pin dimensions listed</a:t>
+            </a:r>
+          </a:p>
+          <a:p>
+            <a:pPr marL="285750" marR="0" lvl="0" indent="-285750" algn="l" defTabSz="914400" rtl="0" eaLnBrk="1" fontAlgn="auto" latinLnBrk="0" hangingPunct="1">
+              <a:lnSpc>
+                <a:spcPct val="100000"/>
+              </a:lnSpc>
+              <a:spcBef>
+                <a:spcPts val="0"/>
+              </a:spcBef>
+              <a:spcAft>
+                <a:spcPts val="0"/>
+              </a:spcAft>
+              <a:buClrTx/>
+              <a:buSzTx/>
+              <a:buFont typeface="Arial" panose="020B0604020202020204" pitchFamily="34" charset="0"/>
+              <a:buChar char="•"/>
+              <a:tabLst/>
+              <a:defRPr/>
+            </a:pPr>
+            <a:r>
+              <a:rPr lang="en-US" dirty="0">
+                <a:solidFill>
+                  <a:prstClr val="black"/>
+                </a:solidFill>
+                <a:latin typeface="Calibri"/>
+              </a:rPr>
+              <a:t>This is a 1-D problem, but I want your geometry to be set up in 2-D RZ</a:t>
+            </a:r>
+            <a:endParaRPr kumimoji="0" lang="en-US" sz="1800" b="0" i="0" u="none" strike="noStrike" kern="1200" cap="none" spc="0" normalizeH="0" baseline="0" noProof="0" dirty="0">
+              <a:ln>
+                <a:noFill/>
+              </a:ln>
+              <a:solidFill>
+                <a:prstClr val="black"/>
+              </a:solidFill>
+              <a:effectLst/>
+              <a:uLnTx/>
+              <a:uFillTx/>
+              <a:latin typeface="Calibri"/>
+              <a:ea typeface="+mn-ea"/>
+              <a:cs typeface="+mn-cs"/>
+            </a:endParaRPr>
+          </a:p>
+          <a:p>
+            <a:pPr marL="285750" marR="0" lvl="0" indent="-285750" algn="l" defTabSz="914400" rtl="0" eaLnBrk="1" fontAlgn="auto" latinLnBrk="0" hangingPunct="1">
+              <a:lnSpc>
+                <a:spcPct val="100000"/>
+              </a:lnSpc>
+              <a:spcBef>
+                <a:spcPts val="0"/>
+              </a:spcBef>
+              <a:spcAft>
+                <a:spcPts val="0"/>
+              </a:spcAft>
+              <a:buClrTx/>
+              <a:buSzTx/>
+              <a:buFont typeface="Arial" panose="020B0604020202020204" pitchFamily="34" charset="0"/>
+              <a:buChar char="•"/>
+              <a:tabLst/>
+              <a:defRPr/>
+            </a:pPr>
+            <a:r>
+              <a:rPr kumimoji="0" lang="en-US" sz="1800" b="0" i="0" u="none" strike="noStrike" kern="1200" cap="none" spc="0" normalizeH="0" baseline="0" noProof="0" dirty="0">
+                <a:ln>
+                  <a:noFill/>
+                </a:ln>
+                <a:solidFill>
+                  <a:prstClr val="black"/>
+                </a:solidFill>
+                <a:effectLst/>
+                <a:uLnTx/>
+                <a:uFillTx/>
+                <a:latin typeface="Calibri"/>
+                <a:ea typeface="+mn-ea"/>
+                <a:cs typeface="+mn-cs"/>
+              </a:rPr>
+              <a:t>Assume reasonable values for thermal conductivities, c</a:t>
+            </a:r>
+            <a:r>
+              <a:rPr lang="en-US" dirty="0">
+                <a:solidFill>
+                  <a:prstClr val="black"/>
+                </a:solidFill>
+                <a:latin typeface="Calibri"/>
+              </a:rPr>
+              <a:t>an assume constant k</a:t>
+            </a:r>
+            <a:endParaRPr kumimoji="0" lang="en-US" b="0" i="0" u="none" strike="noStrike" kern="1200" cap="none" spc="0" normalizeH="0" baseline="0" noProof="0" dirty="0">
+              <a:ln>
+                <a:noFill/>
+              </a:ln>
+              <a:solidFill>
+                <a:prstClr val="black"/>
+              </a:solidFill>
+              <a:effectLst/>
+              <a:uLnTx/>
+              <a:uFillTx/>
+              <a:latin typeface="Calibri"/>
+              <a:ea typeface="+mn-ea"/>
+              <a:cs typeface="+mn-cs"/>
+            </a:endParaRPr>
+          </a:p>
+          <a:p>
+            <a:pPr marL="285750" marR="0" lvl="0" indent="-285750" algn="l" defTabSz="914400" rtl="0" eaLnBrk="1" fontAlgn="auto" latinLnBrk="0" hangingPunct="1">
+              <a:lnSpc>
+                <a:spcPct val="100000"/>
+              </a:lnSpc>
+              <a:spcBef>
+                <a:spcPts val="0"/>
+              </a:spcBef>
+              <a:spcAft>
+                <a:spcPts val="0"/>
+              </a:spcAft>
+              <a:buClrTx/>
+              <a:buSzTx/>
+              <a:buFont typeface="Arial" panose="020B0604020202020204" pitchFamily="34" charset="0"/>
+              <a:buChar char="•"/>
+              <a:tabLst/>
+              <a:defRPr/>
+            </a:pPr>
+            <a:r>
+              <a:rPr kumimoji="0" lang="en-US" sz="1800" b="0" i="0" u="none" strike="noStrike" kern="1200" cap="none" spc="0" normalizeH="0" baseline="0" noProof="0" dirty="0">
+                <a:ln>
+                  <a:noFill/>
+                </a:ln>
+                <a:solidFill>
+                  <a:prstClr val="black"/>
+                </a:solidFill>
+                <a:effectLst/>
+                <a:uLnTx/>
+                <a:uFillTx/>
+                <a:latin typeface="Calibri"/>
+                <a:ea typeface="+mn-ea"/>
+                <a:cs typeface="+mn-cs"/>
+              </a:rPr>
+              <a:t>Outer cladding temperature: 500 K</a:t>
+            </a:r>
+          </a:p>
+          <a:p>
+            <a:pPr marL="285750" marR="0" lvl="0" indent="-285750" algn="l" defTabSz="914400" rtl="0" eaLnBrk="1" fontAlgn="auto" latinLnBrk="0" hangingPunct="1">
+              <a:lnSpc>
+                <a:spcPct val="100000"/>
+              </a:lnSpc>
+              <a:spcBef>
+                <a:spcPts val="0"/>
+              </a:spcBef>
+              <a:spcAft>
+                <a:spcPts val="0"/>
+              </a:spcAft>
+              <a:buClrTx/>
+              <a:buSzTx/>
+              <a:buFont typeface="Arial" panose="020B0604020202020204" pitchFamily="34" charset="0"/>
+              <a:buChar char="•"/>
+              <a:tabLst/>
+              <a:defRPr/>
+            </a:pPr>
+            <a:r>
+              <a:rPr kumimoji="0" lang="en-US" sz="1800" b="0" i="0" u="none" strike="noStrike" kern="1200" cap="none" spc="0" normalizeH="0" baseline="0" noProof="0" dirty="0">
+                <a:ln>
+                  <a:noFill/>
+                </a:ln>
+                <a:solidFill>
+                  <a:prstClr val="black"/>
+                </a:solidFill>
+                <a:effectLst/>
+                <a:uLnTx/>
+                <a:uFillTx/>
+                <a:latin typeface="Calibri"/>
+                <a:ea typeface="+mn-ea"/>
+                <a:cs typeface="+mn-cs"/>
+              </a:rPr>
+              <a:t>Mesh: </a:t>
+            </a:r>
+            <a:r>
+              <a:rPr lang="en-US" dirty="0">
+                <a:solidFill>
+                  <a:prstClr val="black"/>
+                </a:solidFill>
+                <a:latin typeface="Calibri"/>
+              </a:rPr>
+              <a:t>10</a:t>
+            </a:r>
+            <a:r>
+              <a:rPr kumimoji="0" lang="en-US" sz="1800" b="0" i="0" u="none" strike="noStrike" kern="1200" cap="none" spc="0" normalizeH="0" baseline="0" noProof="0" dirty="0">
+                <a:ln>
+                  <a:noFill/>
+                </a:ln>
+                <a:solidFill>
+                  <a:prstClr val="black"/>
+                </a:solidFill>
+                <a:effectLst/>
+                <a:uLnTx/>
+                <a:uFillTx/>
+                <a:latin typeface="Calibri"/>
+                <a:ea typeface="+mn-ea"/>
+                <a:cs typeface="+mn-cs"/>
+              </a:rPr>
+              <a:t>0x100; or something sufficiently converged</a:t>
+            </a:r>
+          </a:p>
+          <a:p>
+            <a:pPr marL="285750" marR="0" lvl="0" indent="-285750" algn="l" defTabSz="914400" rtl="0" eaLnBrk="1" fontAlgn="auto" latinLnBrk="0" hangingPunct="1">
+              <a:lnSpc>
+                <a:spcPct val="100000"/>
+              </a:lnSpc>
+              <a:spcBef>
+                <a:spcPts val="0"/>
+              </a:spcBef>
+              <a:spcAft>
+                <a:spcPts val="0"/>
+              </a:spcAft>
+              <a:buClrTx/>
+              <a:buSzTx/>
+              <a:buFont typeface="Arial" panose="020B0604020202020204" pitchFamily="34" charset="0"/>
+              <a:buChar char="•"/>
+              <a:tabLst/>
+              <a:defRPr/>
+            </a:pPr>
+            <a:r>
+              <a:rPr kumimoji="0" lang="en-US" sz="1800" b="0" i="0" u="none" strike="noStrike" kern="1200" cap="none" spc="0" normalizeH="0" baseline="0" noProof="0" dirty="0">
+                <a:ln>
+                  <a:noFill/>
+                </a:ln>
+                <a:solidFill>
+                  <a:prstClr val="black"/>
+                </a:solidFill>
+                <a:effectLst/>
+                <a:uLnTx/>
+                <a:uFillTx/>
+                <a:latin typeface="Calibri"/>
+                <a:ea typeface="+mn-ea"/>
+                <a:cs typeface="+mn-cs"/>
+              </a:rPr>
+              <a:t>Solve temperature profile for: </a:t>
+            </a:r>
+          </a:p>
+          <a:p>
+            <a:pPr marL="742950" marR="0" lvl="1" indent="-285750" algn="l" defTabSz="914400" rtl="0" eaLnBrk="1" fontAlgn="auto" latinLnBrk="0" hangingPunct="1">
+              <a:lnSpc>
+                <a:spcPct val="100000"/>
+              </a:lnSpc>
+              <a:spcBef>
+                <a:spcPts val="0"/>
+              </a:spcBef>
+              <a:spcAft>
+                <a:spcPts val="0"/>
+              </a:spcAft>
+              <a:buClrTx/>
+              <a:buSzTx/>
+              <a:buFont typeface="Arial" panose="020B0604020202020204" pitchFamily="34" charset="0"/>
+              <a:buChar char="•"/>
+              <a:tabLst/>
+              <a:defRPr/>
+            </a:pPr>
+            <a:r>
+              <a:rPr kumimoji="0" lang="en-US" sz="1800" b="0" i="0" u="none" strike="noStrike" kern="1200" cap="none" spc="0" normalizeH="0" baseline="0" noProof="0" dirty="0">
+                <a:ln>
+                  <a:noFill/>
+                </a:ln>
+                <a:solidFill>
+                  <a:prstClr val="black"/>
+                </a:solidFill>
+                <a:effectLst/>
+                <a:uLnTx/>
+                <a:uFillTx/>
+                <a:latin typeface="Calibri"/>
+                <a:ea typeface="+mn-ea"/>
+                <a:cs typeface="+mn-cs"/>
+              </a:rPr>
+              <a:t>Steady-state: </a:t>
+            </a:r>
+            <a:r>
+              <a:rPr lang="en-US" dirty="0">
+                <a:solidFill>
+                  <a:prstClr val="black"/>
+                </a:solidFill>
+              </a:rPr>
+              <a:t>LHR </a:t>
+            </a:r>
+            <a:r>
+              <a:rPr kumimoji="0" lang="en-US" sz="1800" b="0" i="0" u="none" strike="noStrike" kern="1200" cap="none" spc="0" normalizeH="0" baseline="0" noProof="0" dirty="0">
+                <a:ln>
+                  <a:noFill/>
+                </a:ln>
+                <a:solidFill>
+                  <a:prstClr val="black"/>
+                </a:solidFill>
+                <a:effectLst/>
+                <a:uLnTx/>
+                <a:uFillTx/>
+                <a:latin typeface="Calibri"/>
+                <a:ea typeface="+mn-ea"/>
+                <a:cs typeface="+mn-cs"/>
+              </a:rPr>
+              <a:t>= 150 W/cm</a:t>
+            </a:r>
+            <a:r>
+              <a:rPr kumimoji="0" lang="en-US" sz="1800" b="0" i="0" u="none" strike="noStrike" kern="1200" cap="none" spc="0" normalizeH="0" baseline="30000" noProof="0" dirty="0">
+                <a:ln>
+                  <a:noFill/>
+                </a:ln>
+                <a:solidFill>
+                  <a:prstClr val="black"/>
+                </a:solidFill>
+                <a:effectLst/>
+                <a:uLnTx/>
+                <a:uFillTx/>
+                <a:latin typeface="Calibri"/>
+                <a:ea typeface="+mn-ea"/>
+                <a:cs typeface="+mn-cs"/>
+              </a:rPr>
+              <a:t>2</a:t>
+            </a:r>
+          </a:p>
+          <a:p>
+            <a:pPr marL="742950" marR="0" lvl="1" indent="-285750" algn="l" defTabSz="914400" rtl="0" eaLnBrk="1" fontAlgn="auto" latinLnBrk="0" hangingPunct="1">
+              <a:lnSpc>
+                <a:spcPct val="100000"/>
+              </a:lnSpc>
+              <a:spcBef>
+                <a:spcPts val="0"/>
+              </a:spcBef>
+              <a:spcAft>
+                <a:spcPts val="0"/>
+              </a:spcAft>
+              <a:buClrTx/>
+              <a:buSzTx/>
+              <a:buFont typeface="Arial" panose="020B0604020202020204" pitchFamily="34" charset="0"/>
+              <a:buChar char="•"/>
+              <a:tabLst/>
+              <a:defRPr/>
+            </a:pPr>
+            <a:r>
+              <a:rPr kumimoji="0" lang="en-US" sz="1800" b="0" i="0" u="none" strike="noStrike" kern="1200" cap="none" spc="0" normalizeH="0" noProof="0" dirty="0">
+                <a:ln>
+                  <a:noFill/>
+                </a:ln>
+                <a:solidFill>
+                  <a:prstClr val="black"/>
+                </a:solidFill>
+                <a:effectLst/>
+                <a:uLnTx/>
+                <a:uFillTx/>
+                <a:latin typeface="Calibri"/>
+                <a:ea typeface="+mn-ea"/>
+                <a:cs typeface="+mn-cs"/>
+              </a:rPr>
+              <a:t>Compare against analytical solution</a:t>
+            </a:r>
+          </a:p>
+          <a:p>
+            <a:pPr marL="285750" marR="0" lvl="0" indent="-285750" algn="l" defTabSz="914400" rtl="0" eaLnBrk="1" fontAlgn="auto" latinLnBrk="0" hangingPunct="1">
+              <a:lnSpc>
+                <a:spcPct val="100000"/>
+              </a:lnSpc>
+              <a:spcBef>
+                <a:spcPts val="0"/>
+              </a:spcBef>
+              <a:spcAft>
+                <a:spcPts val="0"/>
+              </a:spcAft>
+              <a:buClrTx/>
+              <a:buSzTx/>
+              <a:buFont typeface="Arial" panose="020B0604020202020204" pitchFamily="34" charset="0"/>
+              <a:buChar char="•"/>
+              <a:tabLst/>
+              <a:defRPr/>
+            </a:pPr>
+            <a:r>
+              <a:rPr kumimoji="0" lang="en-US" sz="1800" b="0" i="0" u="none" strike="noStrike" kern="1200" cap="none" spc="0" normalizeH="0" baseline="0" noProof="0" dirty="0">
+                <a:ln>
+                  <a:noFill/>
+                </a:ln>
+                <a:solidFill>
+                  <a:prstClr val="black"/>
+                </a:solidFill>
+                <a:effectLst/>
+                <a:uLnTx/>
+                <a:uFillTx/>
+                <a:latin typeface="Calibri"/>
+                <a:ea typeface="+mn-ea"/>
+                <a:cs typeface="+mn-cs"/>
+              </a:rPr>
+              <a:t>Solve for centerline temperature vs time</a:t>
+            </a:r>
+          </a:p>
+          <a:p>
+            <a:pPr marL="742950" marR="0" lvl="1" indent="-285750" algn="l" defTabSz="914400" rtl="0" eaLnBrk="1" fontAlgn="auto" latinLnBrk="0" hangingPunct="1">
+              <a:lnSpc>
+                <a:spcPct val="100000"/>
+              </a:lnSpc>
+              <a:spcBef>
+                <a:spcPts val="0"/>
+              </a:spcBef>
+              <a:spcAft>
+                <a:spcPts val="0"/>
+              </a:spcAft>
+              <a:buClrTx/>
+              <a:buSzTx/>
+              <a:buFont typeface="Arial" panose="020B0604020202020204" pitchFamily="34" charset="0"/>
+              <a:buChar char="•"/>
+              <a:tabLst/>
+              <a:defRPr/>
+            </a:pPr>
+            <a:r>
+              <a:rPr kumimoji="0" lang="en-US" sz="1800" b="0" i="0" u="none" strike="noStrike" kern="1200" cap="none" spc="0" normalizeH="0" baseline="0" noProof="0" dirty="0">
+                <a:ln>
+                  <a:noFill/>
+                </a:ln>
+                <a:solidFill>
+                  <a:prstClr val="black"/>
+                </a:solidFill>
+                <a:effectLst/>
+                <a:uLnTx/>
+                <a:uFillTx/>
+                <a:latin typeface="Calibri"/>
+                <a:ea typeface="+mn-ea"/>
+                <a:cs typeface="+mn-cs"/>
+              </a:rPr>
+              <a:t>Transient: </a:t>
+            </a:r>
+            <a:r>
+              <a:rPr lang="en-US" dirty="0">
+                <a:solidFill>
+                  <a:prstClr val="black"/>
+                </a:solidFill>
+              </a:rPr>
+              <a:t>LHR</a:t>
+            </a:r>
+            <a:r>
+              <a:rPr kumimoji="0" lang="en-US" b="0" i="0" u="none" strike="noStrike" kern="1200" cap="none" spc="0" normalizeH="0" baseline="0" noProof="0" dirty="0">
+                <a:ln>
+                  <a:noFill/>
+                </a:ln>
+                <a:solidFill>
+                  <a:prstClr val="black"/>
+                </a:solidFill>
+                <a:effectLst/>
+                <a:uLnTx/>
+                <a:uFillTx/>
+                <a:latin typeface="Calibri"/>
+                <a:ea typeface="+mn-ea"/>
+                <a:cs typeface="+mn-cs"/>
+              </a:rPr>
+              <a:t> = 150*(1-EXP(-0.05*time))+150 for up to t=100</a:t>
+            </a:r>
+            <a:endParaRPr kumimoji="0" lang="en-US" sz="1800" b="0" i="0" u="none" strike="noStrike" kern="1200" cap="none" spc="0" normalizeH="0" baseline="0" noProof="0" dirty="0">
+              <a:ln>
+                <a:noFill/>
+              </a:ln>
+              <a:solidFill>
+                <a:prstClr val="black"/>
+              </a:solidFill>
+              <a:effectLst/>
+              <a:uLnTx/>
+              <a:uFillTx/>
+              <a:latin typeface="Calibri"/>
+              <a:ea typeface="+mn-ea"/>
+              <a:cs typeface="+mn-cs"/>
+            </a:endParaRPr>
+          </a:p>
+        </p:txBody>
+      </p:sp>
+      <p:sp>
+        <p:nvSpPr>
+          <p:cNvPr id="17" name="TextBox 16">
+            <a:extLst>
+              <a:ext uri="{FF2B5EF4-FFF2-40B4-BE49-F238E27FC236}">
+                <a16:creationId xmlns:a16="http://schemas.microsoft.com/office/drawing/2014/main" id="{BF1AC033-6409-0C4A-AA93-30785D045B24}"/>
+              </a:ext>
+            </a:extLst>
+          </p:cNvPr>
+          <p:cNvSpPr txBox="1"/>
+          <p:nvPr/>
+        </p:nvSpPr>
+        <p:spPr>
+          <a:xfrm>
+            <a:off x="7270377" y="3893485"/>
+            <a:ext cx="1640540" cy="369332"/>
+          </a:xfrm>
+          <a:prstGeom prst="rect">
+            <a:avLst/>
+          </a:prstGeom>
+          <a:noFill/>
+        </p:spPr>
+        <p:txBody>
+          <a:bodyPr wrap="square" rtlCol="0">
+            <a:spAutoFit/>
+          </a:bodyPr>
+          <a:lstStyle/>
+          <a:p>
+            <a:pPr marL="0" marR="0" lvl="0" indent="0" algn="ctr" defTabSz="914400" rtl="0" eaLnBrk="1" fontAlgn="auto" latinLnBrk="0" hangingPunct="1">
+              <a:lnSpc>
+                <a:spcPct val="100000"/>
+              </a:lnSpc>
+              <a:spcBef>
+                <a:spcPts val="0"/>
+              </a:spcBef>
+              <a:spcAft>
+                <a:spcPts val="0"/>
+              </a:spcAft>
+              <a:buClrTx/>
+              <a:buSzTx/>
+              <a:buFontTx/>
+              <a:buNone/>
+              <a:tabLst/>
+              <a:defRPr/>
+            </a:pPr>
+            <a:r>
+              <a:rPr kumimoji="0" lang="en-US" sz="1800" b="0" i="0" u="none" strike="noStrike" kern="1200" cap="none" spc="0" normalizeH="0" baseline="0" noProof="0" dirty="0">
+                <a:ln>
+                  <a:noFill/>
+                </a:ln>
+                <a:solidFill>
+                  <a:prstClr val="black"/>
+                </a:solidFill>
+                <a:effectLst/>
+                <a:uLnTx/>
+                <a:uFillTx/>
+                <a:latin typeface="Calibri"/>
+                <a:ea typeface="+mn-ea"/>
+                <a:cs typeface="+mn-cs"/>
+              </a:rPr>
+              <a:t>Fuel</a:t>
+            </a:r>
+          </a:p>
+        </p:txBody>
+      </p:sp>
+      <p:sp>
+        <p:nvSpPr>
+          <p:cNvPr id="18" name="TextBox 17">
+            <a:extLst>
+              <a:ext uri="{FF2B5EF4-FFF2-40B4-BE49-F238E27FC236}">
+                <a16:creationId xmlns:a16="http://schemas.microsoft.com/office/drawing/2014/main" id="{140AB814-5772-5A48-AA51-C140D737CD00}"/>
+              </a:ext>
+            </a:extLst>
+          </p:cNvPr>
+          <p:cNvSpPr txBox="1"/>
+          <p:nvPr/>
+        </p:nvSpPr>
+        <p:spPr>
+          <a:xfrm rot="16200000">
+            <a:off x="9108142" y="3893485"/>
+            <a:ext cx="1640540" cy="369332"/>
+          </a:xfrm>
+          <a:prstGeom prst="rect">
+            <a:avLst/>
+          </a:prstGeom>
+          <a:noFill/>
+        </p:spPr>
+        <p:txBody>
+          <a:bodyPr wrap="square" rtlCol="0">
+            <a:spAutoFit/>
+          </a:bodyPr>
+          <a:lstStyle/>
+          <a:p>
+            <a:pPr marL="0" marR="0" lvl="0" indent="0" algn="ctr" defTabSz="914400" rtl="0" eaLnBrk="1" fontAlgn="auto" latinLnBrk="0" hangingPunct="1">
+              <a:lnSpc>
+                <a:spcPct val="100000"/>
+              </a:lnSpc>
+              <a:spcBef>
+                <a:spcPts val="0"/>
+              </a:spcBef>
+              <a:spcAft>
+                <a:spcPts val="0"/>
+              </a:spcAft>
+              <a:buClrTx/>
+              <a:buSzTx/>
+              <a:buFontTx/>
+              <a:buNone/>
+              <a:tabLst/>
+              <a:defRPr/>
+            </a:pPr>
+            <a:r>
+              <a:rPr kumimoji="0" lang="en-US" sz="1800" b="0" i="0" u="none" strike="noStrike" kern="1200" cap="none" spc="0" normalizeH="0" baseline="0" noProof="0" dirty="0">
+                <a:ln>
+                  <a:noFill/>
+                </a:ln>
+                <a:solidFill>
+                  <a:prstClr val="black"/>
+                </a:solidFill>
+                <a:effectLst/>
+                <a:uLnTx/>
+                <a:uFillTx/>
+                <a:latin typeface="Calibri"/>
+                <a:ea typeface="+mn-ea"/>
+                <a:cs typeface="+mn-cs"/>
+              </a:rPr>
+              <a:t>Gap</a:t>
+            </a:r>
+          </a:p>
+        </p:txBody>
+      </p:sp>
+      <p:sp>
+        <p:nvSpPr>
+          <p:cNvPr id="19" name="TextBox 18">
+            <a:extLst>
+              <a:ext uri="{FF2B5EF4-FFF2-40B4-BE49-F238E27FC236}">
+                <a16:creationId xmlns:a16="http://schemas.microsoft.com/office/drawing/2014/main" id="{5120E950-52CE-184A-96FC-2D43E51B266F}"/>
+              </a:ext>
+            </a:extLst>
+          </p:cNvPr>
+          <p:cNvSpPr txBox="1"/>
+          <p:nvPr/>
+        </p:nvSpPr>
+        <p:spPr>
+          <a:xfrm rot="16200000">
+            <a:off x="9906000" y="3845859"/>
+            <a:ext cx="1640540" cy="369332"/>
+          </a:xfrm>
+          <a:prstGeom prst="rect">
+            <a:avLst/>
+          </a:prstGeom>
+          <a:noFill/>
+        </p:spPr>
+        <p:txBody>
+          <a:bodyPr wrap="square" rtlCol="0">
+            <a:spAutoFit/>
+          </a:bodyPr>
+          <a:lstStyle/>
+          <a:p>
+            <a:pPr marL="0" marR="0" lvl="0" indent="0" algn="ctr" defTabSz="914400" rtl="0" eaLnBrk="1" fontAlgn="auto" latinLnBrk="0" hangingPunct="1">
+              <a:lnSpc>
+                <a:spcPct val="100000"/>
+              </a:lnSpc>
+              <a:spcBef>
+                <a:spcPts val="0"/>
+              </a:spcBef>
+              <a:spcAft>
+                <a:spcPts val="0"/>
+              </a:spcAft>
+              <a:buClrTx/>
+              <a:buSzTx/>
+              <a:buFontTx/>
+              <a:buNone/>
+              <a:tabLst/>
+              <a:defRPr/>
+            </a:pPr>
+            <a:r>
+              <a:rPr kumimoji="0" lang="en-US" sz="1800" b="0" i="0" u="none" strike="noStrike" kern="1200" cap="none" spc="0" normalizeH="0" baseline="0" noProof="0" dirty="0">
+                <a:ln>
+                  <a:noFill/>
+                </a:ln>
+                <a:solidFill>
+                  <a:prstClr val="black"/>
+                </a:solidFill>
+                <a:effectLst/>
+                <a:uLnTx/>
+                <a:uFillTx/>
+                <a:latin typeface="Calibri"/>
+                <a:ea typeface="+mn-ea"/>
+                <a:cs typeface="+mn-cs"/>
+              </a:rPr>
+              <a:t>Cladding</a:t>
+            </a:r>
+          </a:p>
+        </p:txBody>
+      </p:sp>
+      <p:sp>
+        <p:nvSpPr>
+          <p:cNvPr id="20" name="TextBox 19">
+            <a:extLst>
+              <a:ext uri="{FF2B5EF4-FFF2-40B4-BE49-F238E27FC236}">
+                <a16:creationId xmlns:a16="http://schemas.microsoft.com/office/drawing/2014/main" id="{500D7D2B-ACB3-E84C-8015-B6D0EFA467D3}"/>
+              </a:ext>
+            </a:extLst>
+          </p:cNvPr>
+          <p:cNvSpPr txBox="1"/>
+          <p:nvPr/>
+        </p:nvSpPr>
+        <p:spPr>
+          <a:xfrm>
+            <a:off x="7270377" y="1655011"/>
+            <a:ext cx="1640540" cy="369332"/>
+          </a:xfrm>
+          <a:prstGeom prst="rect">
+            <a:avLst/>
+          </a:prstGeom>
+          <a:noFill/>
+        </p:spPr>
+        <p:txBody>
+          <a:bodyPr wrap="square" rtlCol="0">
+            <a:spAutoFit/>
+          </a:bodyPr>
+          <a:lstStyle/>
+          <a:p>
+            <a:pPr marL="0" marR="0" lvl="0" indent="0" algn="ctr" defTabSz="914400" rtl="0" eaLnBrk="1" fontAlgn="auto" latinLnBrk="0" hangingPunct="1">
+              <a:lnSpc>
+                <a:spcPct val="100000"/>
+              </a:lnSpc>
+              <a:spcBef>
+                <a:spcPts val="0"/>
+              </a:spcBef>
+              <a:spcAft>
+                <a:spcPts val="0"/>
+              </a:spcAft>
+              <a:buClrTx/>
+              <a:buSzTx/>
+              <a:buFontTx/>
+              <a:buNone/>
+              <a:tabLst/>
+              <a:defRPr/>
+            </a:pPr>
+            <a:r>
+              <a:rPr kumimoji="0" lang="en-US" sz="1800" b="0" i="0" u="none" strike="noStrike" kern="1200" cap="none" spc="0" normalizeH="0" baseline="0" noProof="0" dirty="0">
+                <a:ln>
+                  <a:noFill/>
+                </a:ln>
+                <a:solidFill>
+                  <a:prstClr val="black"/>
+                </a:solidFill>
+                <a:effectLst/>
+                <a:uLnTx/>
+                <a:uFillTx/>
+                <a:latin typeface="Calibri"/>
+                <a:ea typeface="+mn-ea"/>
+                <a:cs typeface="+mn-cs"/>
+              </a:rPr>
+              <a:t>0.5 cm</a:t>
+            </a:r>
+          </a:p>
+        </p:txBody>
+      </p:sp>
+      <p:sp>
+        <p:nvSpPr>
+          <p:cNvPr id="21" name="TextBox 20">
+            <a:extLst>
+              <a:ext uri="{FF2B5EF4-FFF2-40B4-BE49-F238E27FC236}">
+                <a16:creationId xmlns:a16="http://schemas.microsoft.com/office/drawing/2014/main" id="{B5933A57-5260-6845-8485-AD035242A637}"/>
+              </a:ext>
+            </a:extLst>
+          </p:cNvPr>
+          <p:cNvSpPr txBox="1"/>
+          <p:nvPr/>
+        </p:nvSpPr>
+        <p:spPr>
+          <a:xfrm>
+            <a:off x="9085730" y="1641751"/>
+            <a:ext cx="1640540" cy="369332"/>
+          </a:xfrm>
+          <a:prstGeom prst="rect">
+            <a:avLst/>
+          </a:prstGeom>
+          <a:noFill/>
+        </p:spPr>
+        <p:txBody>
+          <a:bodyPr wrap="square" rtlCol="0">
+            <a:spAutoFit/>
+          </a:bodyPr>
+          <a:lstStyle/>
+          <a:p>
+            <a:pPr marL="0" marR="0" lvl="0" indent="0" algn="ctr" defTabSz="914400" rtl="0" eaLnBrk="1" fontAlgn="auto" latinLnBrk="0" hangingPunct="1">
+              <a:lnSpc>
+                <a:spcPct val="100000"/>
+              </a:lnSpc>
+              <a:spcBef>
+                <a:spcPts val="0"/>
+              </a:spcBef>
+              <a:spcAft>
+                <a:spcPts val="0"/>
+              </a:spcAft>
+              <a:buClrTx/>
+              <a:buSzTx/>
+              <a:buFontTx/>
+              <a:buNone/>
+              <a:tabLst/>
+              <a:defRPr/>
+            </a:pPr>
+            <a:r>
+              <a:rPr kumimoji="0" lang="en-US" sz="1800" b="0" i="0" u="none" strike="noStrike" kern="1200" cap="none" spc="0" normalizeH="0" baseline="0" noProof="0" dirty="0">
+                <a:ln>
+                  <a:noFill/>
+                </a:ln>
+                <a:solidFill>
+                  <a:prstClr val="black"/>
+                </a:solidFill>
+                <a:effectLst/>
+                <a:uLnTx/>
+                <a:uFillTx/>
+                <a:latin typeface="Calibri"/>
+                <a:ea typeface="+mn-ea"/>
+                <a:cs typeface="+mn-cs"/>
+              </a:rPr>
+              <a:t>0.002 cm</a:t>
+            </a:r>
+          </a:p>
+        </p:txBody>
+      </p:sp>
+      <p:sp>
+        <p:nvSpPr>
+          <p:cNvPr id="22" name="TextBox 21">
+            <a:extLst>
+              <a:ext uri="{FF2B5EF4-FFF2-40B4-BE49-F238E27FC236}">
+                <a16:creationId xmlns:a16="http://schemas.microsoft.com/office/drawing/2014/main" id="{94BB60B0-6BC9-B948-BD66-42B123FD7F61}"/>
+              </a:ext>
+            </a:extLst>
+          </p:cNvPr>
+          <p:cNvSpPr txBox="1"/>
+          <p:nvPr/>
+        </p:nvSpPr>
+        <p:spPr>
+          <a:xfrm>
+            <a:off x="9941860" y="1640210"/>
+            <a:ext cx="1640540" cy="369332"/>
+          </a:xfrm>
+          <a:prstGeom prst="rect">
+            <a:avLst/>
+          </a:prstGeom>
+          <a:noFill/>
+        </p:spPr>
+        <p:txBody>
+          <a:bodyPr wrap="square" rtlCol="0">
+            <a:spAutoFit/>
+          </a:bodyPr>
+          <a:lstStyle/>
+          <a:p>
+            <a:pPr marL="0" marR="0" lvl="0" indent="0" algn="ctr" defTabSz="914400" rtl="0" eaLnBrk="1" fontAlgn="auto" latinLnBrk="0" hangingPunct="1">
+              <a:lnSpc>
+                <a:spcPct val="100000"/>
+              </a:lnSpc>
+              <a:spcBef>
+                <a:spcPts val="0"/>
+              </a:spcBef>
+              <a:spcAft>
+                <a:spcPts val="0"/>
+              </a:spcAft>
+              <a:buClrTx/>
+              <a:buSzTx/>
+              <a:buFontTx/>
+              <a:buNone/>
+              <a:tabLst/>
+              <a:defRPr/>
+            </a:pPr>
+            <a:r>
+              <a:rPr kumimoji="0" lang="en-US" sz="1800" b="0" i="0" u="none" strike="noStrike" kern="1200" cap="none" spc="0" normalizeH="0" baseline="0" noProof="0" dirty="0">
+                <a:ln>
+                  <a:noFill/>
+                </a:ln>
+                <a:solidFill>
+                  <a:prstClr val="black"/>
+                </a:solidFill>
+                <a:effectLst/>
+                <a:uLnTx/>
+                <a:uFillTx/>
+                <a:latin typeface="Calibri"/>
+                <a:ea typeface="+mn-ea"/>
+                <a:cs typeface="+mn-cs"/>
+              </a:rPr>
+              <a:t>0.1 cm</a:t>
+            </a:r>
+          </a:p>
+        </p:txBody>
+      </p:sp>
+      <p:sp>
+        <p:nvSpPr>
+          <p:cNvPr id="23" name="TextBox 22">
+            <a:extLst>
+              <a:ext uri="{FF2B5EF4-FFF2-40B4-BE49-F238E27FC236}">
+                <a16:creationId xmlns:a16="http://schemas.microsoft.com/office/drawing/2014/main" id="{9585D5CD-26F8-1C40-B55C-D9B4F132CE15}"/>
+              </a:ext>
+            </a:extLst>
+          </p:cNvPr>
+          <p:cNvSpPr txBox="1"/>
+          <p:nvPr/>
+        </p:nvSpPr>
+        <p:spPr>
+          <a:xfrm rot="16200000">
+            <a:off x="5504329" y="3893485"/>
+            <a:ext cx="1640540" cy="369332"/>
+          </a:xfrm>
+          <a:prstGeom prst="rect">
+            <a:avLst/>
+          </a:prstGeom>
+          <a:noFill/>
+        </p:spPr>
+        <p:txBody>
+          <a:bodyPr wrap="square" rtlCol="0">
+            <a:spAutoFit/>
+          </a:bodyPr>
+          <a:lstStyle/>
+          <a:p>
+            <a:pPr marL="0" marR="0" lvl="0" indent="0" algn="ctr" defTabSz="914400" rtl="0" eaLnBrk="1" fontAlgn="auto" latinLnBrk="0" hangingPunct="1">
+              <a:lnSpc>
+                <a:spcPct val="100000"/>
+              </a:lnSpc>
+              <a:spcBef>
+                <a:spcPts val="0"/>
+              </a:spcBef>
+              <a:spcAft>
+                <a:spcPts val="0"/>
+              </a:spcAft>
+              <a:buClrTx/>
+              <a:buSzTx/>
+              <a:buFontTx/>
+              <a:buNone/>
+              <a:tabLst/>
+              <a:defRPr/>
+            </a:pPr>
+            <a:r>
+              <a:rPr kumimoji="0" lang="en-US" sz="1800" b="0" i="0" u="none" strike="noStrike" kern="1200" cap="none" spc="0" normalizeH="0" baseline="0" noProof="0" dirty="0">
+                <a:ln>
+                  <a:noFill/>
+                </a:ln>
+                <a:solidFill>
+                  <a:prstClr val="black"/>
+                </a:solidFill>
+                <a:effectLst/>
+                <a:uLnTx/>
+                <a:uFillTx/>
+                <a:latin typeface="Calibri"/>
+                <a:ea typeface="+mn-ea"/>
+                <a:cs typeface="+mn-cs"/>
+              </a:rPr>
+              <a:t>1 cm</a:t>
+            </a:r>
+          </a:p>
+        </p:txBody>
+      </p:sp>
     </p:spTree>
     <p:extLst>
       <p:ext uri="{BB962C8B-B14F-4D97-AF65-F5344CB8AC3E}">
-        <p14:creationId xmlns:p14="http://schemas.microsoft.com/office/powerpoint/2010/main" val="2032448145"/>
+        <p14:creationId xmlns:p14="http://schemas.microsoft.com/office/powerpoint/2010/main" val="2517924237"/>
       </p:ext>
     </p:extLst>
   </p:cSld>
@@ -7535,7 +9746,7 @@
 </p:sld>
 </file>
 
-<file path=ppt/slides/slide23.xml><?xml version="1.0" encoding="utf-8"?>
+<file path=ppt/slides/slide5.xml><?xml version="1.0" encoding="utf-8"?>
 <p:sld xmlns:a="http://schemas.openxmlformats.org/drawingml/2006/main" xmlns:r="http://schemas.openxmlformats.org/officeDocument/2006/relationships" xmlns:p="http://schemas.openxmlformats.org/presentationml/2006/main">
   <p:cSld>
     <p:spTree>
@@ -7557,7 +9768,7 @@
           <p:cNvPr id="2" name="Title 1">
             <a:extLst>
               <a:ext uri="{FF2B5EF4-FFF2-40B4-BE49-F238E27FC236}">
-                <a16:creationId xmlns:a16="http://schemas.microsoft.com/office/drawing/2014/main" id="{602DCCAD-BE05-A94F-B66A-EA2D3ABF07EF}"/>
+                <a16:creationId xmlns:a16="http://schemas.microsoft.com/office/drawing/2014/main" id="{96329CC1-34E4-A34F-8621-801D8886CE7C}"/>
               </a:ext>
             </a:extLst>
           </p:cNvPr>
@@ -7568,73 +9779,29 @@
             <p:ph type="title"/>
           </p:nvPr>
         </p:nvSpPr>
-        <p:spPr/>
+        <p:spPr>
+          <a:xfrm>
+            <a:off x="963084" y="1234721"/>
+            <a:ext cx="10363200" cy="1362075"/>
+          </a:xfrm>
+        </p:spPr>
         <p:txBody>
           <a:bodyPr/>
           <a:lstStyle/>
           <a:p>
             <a:r>
               <a:rPr lang="en-US" dirty="0"/>
-              <a:t>Summary</a:t>
-            </a:r>
-          </a:p>
-        </p:txBody>
-      </p:sp>
-      <p:sp>
-        <p:nvSpPr>
-          <p:cNvPr id="3" name="Content Placeholder 2">
+              <a:t>Fuel Swelling/Dimensional Change</a:t>
+            </a:r>
+          </a:p>
+        </p:txBody>
+      </p:sp>
+      <p:sp>
+        <p:nvSpPr>
+          <p:cNvPr id="4" name="Slide Number Placeholder 3">
             <a:extLst>
               <a:ext uri="{FF2B5EF4-FFF2-40B4-BE49-F238E27FC236}">
-                <a16:creationId xmlns:a16="http://schemas.microsoft.com/office/drawing/2014/main" id="{C7C9A290-33D4-8D48-BEAB-3A09AD15C127}"/>
-              </a:ext>
-            </a:extLst>
-          </p:cNvPr>
-          <p:cNvSpPr>
-            <a:spLocks noGrp="1"/>
-          </p:cNvSpPr>
-          <p:nvPr>
-            <p:ph idx="1"/>
-          </p:nvPr>
-        </p:nvSpPr>
-        <p:spPr/>
-        <p:txBody>
-          <a:bodyPr/>
-          <a:lstStyle/>
-          <a:p>
-            <a:r>
-              <a:rPr lang="en-US" dirty="0"/>
-              <a:t>The fuel thermal conductivity decreases with burnup</a:t>
-            </a:r>
-          </a:p>
-          <a:p>
-            <a:r>
-              <a:rPr lang="en-US" dirty="0"/>
-              <a:t>Empirical models take into account both phonon and electron based thermal transport</a:t>
-            </a:r>
-          </a:p>
-          <a:p>
-            <a:r>
-              <a:rPr lang="en-US" dirty="0"/>
-              <a:t>BISON primarily utilizes the NFIR model to describe thermal conductivity</a:t>
-            </a:r>
-          </a:p>
-          <a:p>
-            <a:r>
-              <a:rPr lang="en-US" dirty="0"/>
-              <a:t>The NFIR model is a fairly accurate empirical model of the fuel thermal conductivity</a:t>
-            </a:r>
-          </a:p>
-          <a:p>
-            <a:endParaRPr lang="en-US" dirty="0"/>
-          </a:p>
-        </p:txBody>
-      </p:sp>
-      <p:sp>
-        <p:nvSpPr>
-          <p:cNvPr id="4" name="Slide Number Placeholder 3">
-            <a:extLst>
-              <a:ext uri="{FF2B5EF4-FFF2-40B4-BE49-F238E27FC236}">
-                <a16:creationId xmlns:a16="http://schemas.microsoft.com/office/drawing/2014/main" id="{C5080A65-7384-FF4F-94B0-F4C3AB1A3F9F}"/>
+                <a16:creationId xmlns:a16="http://schemas.microsoft.com/office/drawing/2014/main" id="{2BFF06B0-02C9-F34D-82A4-D2D5BBAF6842}"/>
               </a:ext>
             </a:extLst>
           </p:cNvPr>
@@ -7653,12 +9820,12 @@
             <a:pPr>
               <a:defRPr/>
             </a:pPr>
-            <a:fld id="{3FF2C605-4958-CF43-AA48-80339EFDB0AF}" type="slidenum">
+            <a:fld id="{0DA6BD0F-ABBC-C14D-BC96-77BE126A748B}" type="slidenum">
               <a:rPr lang="en-US" smtClean="0"/>
               <a:pPr>
                 <a:defRPr/>
               </a:pPr>
-              <a:t>23</a:t>
+              <a:t>5</a:t>
             </a:fld>
             <a:endParaRPr lang="en-US"/>
           </a:p>
@@ -7667,7 +9834,7 @@
     </p:spTree>
     <p:extLst>
       <p:ext uri="{BB962C8B-B14F-4D97-AF65-F5344CB8AC3E}">
-        <p14:creationId xmlns:p14="http://schemas.microsoft.com/office/powerpoint/2010/main" val="3706124868"/>
+        <p14:creationId xmlns:p14="http://schemas.microsoft.com/office/powerpoint/2010/main" val="1704851804"/>
       </p:ext>
     </p:extLst>
   </p:cSld>
@@ -7677,7 +9844,7 @@
 </p:sld>
 </file>
 
-<file path=ppt/slides/slide3.xml><?xml version="1.0" encoding="utf-8"?>
+<file path=ppt/slides/slide6.xml><?xml version="1.0" encoding="utf-8"?>
 <p:sld xmlns:a="http://schemas.openxmlformats.org/drawingml/2006/main" xmlns:r="http://schemas.openxmlformats.org/officeDocument/2006/relationships" xmlns:p="http://schemas.openxmlformats.org/presentationml/2006/main">
   <p:cSld>
     <p:spTree>
@@ -7699,185 +9866,6 @@
           <p:cNvPr id="2" name="Title 1">
             <a:extLst>
               <a:ext uri="{FF2B5EF4-FFF2-40B4-BE49-F238E27FC236}">
-                <a16:creationId xmlns:a16="http://schemas.microsoft.com/office/drawing/2014/main" id="{441CEBA0-F4FB-0048-8F3D-BD218463FF20}"/>
-              </a:ext>
-            </a:extLst>
-          </p:cNvPr>
-          <p:cNvSpPr>
-            <a:spLocks noGrp="1"/>
-          </p:cNvSpPr>
-          <p:nvPr>
-            <p:ph type="ctrTitle"/>
-          </p:nvPr>
-        </p:nvSpPr>
-        <p:spPr/>
-        <p:txBody>
-          <a:bodyPr/>
-          <a:lstStyle/>
-          <a:p>
-            <a:r>
-              <a:rPr lang="en-US" dirty="0"/>
-              <a:t>Fuel Swelling/Dimensional Change</a:t>
-            </a:r>
-          </a:p>
-        </p:txBody>
-      </p:sp>
-      <p:sp>
-        <p:nvSpPr>
-          <p:cNvPr id="3" name="Subtitle 2">
-            <a:extLst>
-              <a:ext uri="{FF2B5EF4-FFF2-40B4-BE49-F238E27FC236}">
-                <a16:creationId xmlns:a16="http://schemas.microsoft.com/office/drawing/2014/main" id="{768DE25D-10FF-1D41-9E49-CCD029714F59}"/>
-              </a:ext>
-            </a:extLst>
-          </p:cNvPr>
-          <p:cNvSpPr>
-            <a:spLocks noGrp="1"/>
-          </p:cNvSpPr>
-          <p:nvPr>
-            <p:ph type="subTitle" idx="1"/>
-          </p:nvPr>
-        </p:nvSpPr>
-        <p:spPr/>
-        <p:txBody>
-          <a:bodyPr/>
-          <a:lstStyle/>
-          <a:p>
-            <a:r>
-              <a:rPr lang="en-US" dirty="0"/>
-              <a:t>NE 591</a:t>
-            </a:r>
-          </a:p>
-        </p:txBody>
-      </p:sp>
-      <p:sp>
-        <p:nvSpPr>
-          <p:cNvPr id="4" name="Slide Number Placeholder 3">
-            <a:extLst>
-              <a:ext uri="{FF2B5EF4-FFF2-40B4-BE49-F238E27FC236}">
-                <a16:creationId xmlns:a16="http://schemas.microsoft.com/office/drawing/2014/main" id="{128EED92-2B94-B04B-ACF3-199640B45F0F}"/>
-              </a:ext>
-            </a:extLst>
-          </p:cNvPr>
-          <p:cNvSpPr>
-            <a:spLocks noGrp="1"/>
-          </p:cNvSpPr>
-          <p:nvPr>
-            <p:ph type="sldNum" sz="quarter" idx="12"/>
-          </p:nvPr>
-        </p:nvSpPr>
-        <p:spPr/>
-        <p:txBody>
-          <a:bodyPr/>
-          <a:lstStyle/>
-          <a:p>
-            <a:pPr marL="0" marR="0" lvl="0" indent="0" algn="r" defTabSz="914400" rtl="0" eaLnBrk="1" fontAlgn="auto" latinLnBrk="0" hangingPunct="1">
-              <a:lnSpc>
-                <a:spcPct val="100000"/>
-              </a:lnSpc>
-              <a:spcBef>
-                <a:spcPts val="0"/>
-              </a:spcBef>
-              <a:spcAft>
-                <a:spcPts val="0"/>
-              </a:spcAft>
-              <a:buClrTx/>
-              <a:buSzTx/>
-              <a:buFontTx/>
-              <a:buNone/>
-              <a:tabLst/>
-              <a:defRPr/>
-            </a:pPr>
-            <a:fld id="{01E82176-A547-F94B-AC51-D6E9C882CB88}" type="slidenum">
-              <a:rPr kumimoji="0" lang="en-US" sz="1200" b="0" i="0" u="none" strike="noStrike" kern="1200" cap="none" spc="0" normalizeH="0" baseline="0" noProof="0" smtClean="0">
-                <a:ln>
-                  <a:noFill/>
-                </a:ln>
-                <a:solidFill>
-                  <a:prstClr val="black">
-                    <a:tint val="75000"/>
-                  </a:prstClr>
-                </a:solidFill>
-                <a:effectLst/>
-                <a:uLnTx/>
-                <a:uFillTx/>
-                <a:latin typeface="Calibri"/>
-                <a:ea typeface="+mn-ea"/>
-                <a:cs typeface="+mn-cs"/>
-              </a:rPr>
-              <a:pPr marL="0" marR="0" lvl="0" indent="0" algn="r" defTabSz="914400" rtl="0" eaLnBrk="1" fontAlgn="auto" latinLnBrk="0" hangingPunct="1">
-                <a:lnSpc>
-                  <a:spcPct val="100000"/>
-                </a:lnSpc>
-                <a:spcBef>
-                  <a:spcPts val="0"/>
-                </a:spcBef>
-                <a:spcAft>
-                  <a:spcPts val="0"/>
-                </a:spcAft>
-                <a:buClrTx/>
-                <a:buSzTx/>
-                <a:buFontTx/>
-                <a:buNone/>
-                <a:tabLst/>
-                <a:defRPr/>
-              </a:pPr>
-              <a:t>3</a:t>
-            </a:fld>
-            <a:endParaRPr kumimoji="0" lang="en-US" sz="1200" b="0" i="0" u="none" strike="noStrike" kern="1200" cap="none" spc="0" normalizeH="0" baseline="0" noProof="0">
-              <a:ln>
-                <a:noFill/>
-              </a:ln>
-              <a:solidFill>
-                <a:prstClr val="black">
-                  <a:tint val="75000"/>
-                </a:prstClr>
-              </a:solidFill>
-              <a:effectLst/>
-              <a:uLnTx/>
-              <a:uFillTx/>
-              <a:latin typeface="Calibri"/>
-              <a:ea typeface="+mn-ea"/>
-              <a:cs typeface="+mn-cs"/>
-            </a:endParaRPr>
-          </a:p>
-        </p:txBody>
-      </p:sp>
-    </p:spTree>
-    <p:extLst>
-      <p:ext uri="{BB962C8B-B14F-4D97-AF65-F5344CB8AC3E}">
-        <p14:creationId xmlns:p14="http://schemas.microsoft.com/office/powerpoint/2010/main" val="3780909871"/>
-      </p:ext>
-    </p:extLst>
-  </p:cSld>
-  <p:clrMapOvr>
-    <a:masterClrMapping/>
-  </p:clrMapOvr>
-</p:sld>
-</file>
-
-<file path=ppt/slides/slide4.xml><?xml version="1.0" encoding="utf-8"?>
-<p:sld xmlns:a="http://schemas.openxmlformats.org/drawingml/2006/main" xmlns:r="http://schemas.openxmlformats.org/officeDocument/2006/relationships" xmlns:p="http://schemas.openxmlformats.org/presentationml/2006/main">
-  <p:cSld>
-    <p:spTree>
-      <p:nvGrpSpPr>
-        <p:cNvPr id="1" name=""/>
-        <p:cNvGrpSpPr/>
-        <p:nvPr/>
-      </p:nvGrpSpPr>
-      <p:grpSpPr>
-        <a:xfrm>
-          <a:off x="0" y="0"/>
-          <a:ext cx="0" cy="0"/>
-          <a:chOff x="0" y="0"/>
-          <a:chExt cx="0" cy="0"/>
-        </a:xfrm>
-      </p:grpSpPr>
-      <p:sp>
-        <p:nvSpPr>
-          <p:cNvPr id="2" name="Title 1">
-            <a:extLst>
-              <a:ext uri="{FF2B5EF4-FFF2-40B4-BE49-F238E27FC236}">
                 <a16:creationId xmlns:a16="http://schemas.microsoft.com/office/drawing/2014/main" id="{2C221306-1998-BA45-A870-95ADBDD5A19C}"/>
               </a:ext>
             </a:extLst>
@@ -7930,7 +9918,7 @@
               <a:pPr>
                 <a:defRPr/>
               </a:pPr>
-              <a:t>4</a:t>
+              <a:t>6</a:t>
             </a:fld>
             <a:endParaRPr lang="en-US"/>
           </a:p>
@@ -8069,7 +10057,7 @@
 </p:sld>
 </file>
 
-<file path=ppt/slides/slide5.xml><?xml version="1.0" encoding="utf-8"?>
+<file path=ppt/slides/slide7.xml><?xml version="1.0" encoding="utf-8"?>
 <p:sld xmlns:a="http://schemas.openxmlformats.org/drawingml/2006/main" xmlns:r="http://schemas.openxmlformats.org/officeDocument/2006/relationships" xmlns:p="http://schemas.openxmlformats.org/presentationml/2006/main">
   <p:cSld>
     <p:spTree>
@@ -8284,7 +10272,7 @@
               <a:pPr>
                 <a:defRPr/>
               </a:pPr>
-              <a:t>5</a:t>
+              <a:t>7</a:t>
             </a:fld>
             <a:endParaRPr lang="en-US"/>
           </a:p>
@@ -8481,7 +10469,7 @@
 </p:sld>
 </file>
 
-<file path=ppt/slides/slide6.xml><?xml version="1.0" encoding="utf-8"?>
+<file path=ppt/slides/slide8.xml><?xml version="1.0" encoding="utf-8"?>
 <p:sld xmlns:a="http://schemas.openxmlformats.org/drawingml/2006/main" xmlns:r="http://schemas.openxmlformats.org/officeDocument/2006/relationships" xmlns:p="http://schemas.openxmlformats.org/presentationml/2006/main">
   <p:cSld>
     <p:spTree>
@@ -8624,7 +10612,7 @@
               <a:pPr>
                 <a:defRPr/>
               </a:pPr>
-              <a:t>6</a:t>
+              <a:t>8</a:t>
             </a:fld>
             <a:endParaRPr lang="en-US"/>
           </a:p>
@@ -8761,7 +10749,7 @@
 </p:sld>
 </file>
 
-<file path=ppt/slides/slide7.xml><?xml version="1.0" encoding="utf-8"?>
+<file path=ppt/slides/slide9.xml><?xml version="1.0" encoding="utf-8"?>
 <p:sld xmlns:a="http://schemas.openxmlformats.org/drawingml/2006/main" xmlns:r="http://schemas.openxmlformats.org/officeDocument/2006/relationships" xmlns:p="http://schemas.openxmlformats.org/presentationml/2006/main">
   <p:cSld>
     <p:spTree>
@@ -8916,7 +10904,7 @@
               <a:pPr>
                 <a:defRPr/>
               </a:pPr>
-              <a:t>7</a:t>
+              <a:t>9</a:t>
             </a:fld>
             <a:endParaRPr lang="en-US"/>
           </a:p>
@@ -8992,625 +10980,6 @@
     <p:extLst>
       <p:ext uri="{BB962C8B-B14F-4D97-AF65-F5344CB8AC3E}">
         <p14:creationId xmlns:p14="http://schemas.microsoft.com/office/powerpoint/2010/main" val="4247769928"/>
-      </p:ext>
-    </p:extLst>
-  </p:cSld>
-  <p:clrMapOvr>
-    <a:masterClrMapping/>
-  </p:clrMapOvr>
-</p:sld>
-</file>
-
-<file path=ppt/slides/slide8.xml><?xml version="1.0" encoding="utf-8"?>
-<p:sld xmlns:a="http://schemas.openxmlformats.org/drawingml/2006/main" xmlns:r="http://schemas.openxmlformats.org/officeDocument/2006/relationships" xmlns:p="http://schemas.openxmlformats.org/presentationml/2006/main">
-  <p:cSld>
-    <p:spTree>
-      <p:nvGrpSpPr>
-        <p:cNvPr id="1" name=""/>
-        <p:cNvGrpSpPr/>
-        <p:nvPr/>
-      </p:nvGrpSpPr>
-      <p:grpSpPr>
-        <a:xfrm>
-          <a:off x="0" y="0"/>
-          <a:ext cx="0" cy="0"/>
-          <a:chOff x="0" y="0"/>
-          <a:chExt cx="0" cy="0"/>
-        </a:xfrm>
-      </p:grpSpPr>
-      <p:sp>
-        <p:nvSpPr>
-          <p:cNvPr id="2" name="Title 1">
-            <a:extLst>
-              <a:ext uri="{FF2B5EF4-FFF2-40B4-BE49-F238E27FC236}">
-                <a16:creationId xmlns:a16="http://schemas.microsoft.com/office/drawing/2014/main" id="{D5E58D87-1841-BA4C-AF81-D5A04583D727}"/>
-              </a:ext>
-            </a:extLst>
-          </p:cNvPr>
-          <p:cNvSpPr>
-            <a:spLocks noGrp="1"/>
-          </p:cNvSpPr>
-          <p:nvPr>
-            <p:ph type="title"/>
-          </p:nvPr>
-        </p:nvSpPr>
-        <p:spPr/>
-        <p:txBody>
-          <a:bodyPr/>
-          <a:lstStyle/>
-          <a:p>
-            <a:r>
-              <a:rPr lang="en-US" dirty="0"/>
-              <a:t>Gaseous fission product swelling</a:t>
-            </a:r>
-          </a:p>
-        </p:txBody>
-      </p:sp>
-      <p:sp>
-        <p:nvSpPr>
-          <p:cNvPr id="3" name="Content Placeholder 2">
-            <a:extLst>
-              <a:ext uri="{FF2B5EF4-FFF2-40B4-BE49-F238E27FC236}">
-                <a16:creationId xmlns:a16="http://schemas.microsoft.com/office/drawing/2014/main" id="{A29A34F9-4FFB-A145-A3F7-D2E75D9EF8DA}"/>
-              </a:ext>
-            </a:extLst>
-          </p:cNvPr>
-          <p:cNvSpPr>
-            <a:spLocks noGrp="1"/>
-          </p:cNvSpPr>
-          <p:nvPr>
-            <p:ph idx="1"/>
-          </p:nvPr>
-        </p:nvSpPr>
-        <p:spPr>
-          <a:xfrm>
-            <a:off x="609600" y="2160495"/>
-            <a:ext cx="6239435" cy="3965670"/>
-          </a:xfrm>
-        </p:spPr>
-        <p:txBody>
-          <a:bodyPr>
-            <a:normAutofit fontScale="77500" lnSpcReduction="20000"/>
-          </a:bodyPr>
-          <a:lstStyle/>
-          <a:p>
-            <a:pPr>
-              <a:spcBef>
-                <a:spcPts val="800"/>
-              </a:spcBef>
-            </a:pPr>
-            <a:r>
-              <a:rPr lang="en-US" sz="2000" dirty="0"/>
-              <a:t>Gaseous swelling varies strongly with temperature, fission rate and stress</a:t>
-            </a:r>
-          </a:p>
-          <a:p>
-            <a:pPr>
-              <a:spcBef>
-                <a:spcPts val="800"/>
-              </a:spcBef>
-            </a:pPr>
-            <a:r>
-              <a:rPr lang="en-US" sz="2000" dirty="0"/>
-              <a:t>T &lt; 1000K</a:t>
-            </a:r>
-          </a:p>
-          <a:p>
-            <a:pPr lvl="1">
-              <a:spcBef>
-                <a:spcPts val="800"/>
-              </a:spcBef>
-            </a:pPr>
-            <a:r>
-              <a:rPr lang="en-US" sz="1600" dirty="0"/>
-              <a:t>Fission gas atoms remain in fuel matrix or collect in small, isolated, intragranular pores (&lt;1 nm)</a:t>
-            </a:r>
-          </a:p>
-          <a:p>
-            <a:pPr lvl="1">
-              <a:spcBef>
-                <a:spcPts val="800"/>
-              </a:spcBef>
-            </a:pPr>
-            <a:r>
-              <a:rPr lang="en-US" sz="1600" dirty="0"/>
-              <a:t>Intragranular pore size limited by fission spikes that drive gas back into fuel matrix </a:t>
-            </a:r>
-          </a:p>
-          <a:p>
-            <a:pPr lvl="1">
-              <a:spcBef>
-                <a:spcPts val="800"/>
-              </a:spcBef>
-            </a:pPr>
-            <a:r>
-              <a:rPr lang="en-US" sz="1600" dirty="0"/>
-              <a:t>Gaseous swelling constrained by fission gas release</a:t>
-            </a:r>
-          </a:p>
-          <a:p>
-            <a:pPr>
-              <a:spcBef>
-                <a:spcPts val="800"/>
-              </a:spcBef>
-            </a:pPr>
-            <a:r>
-              <a:rPr lang="en-US" sz="2000" dirty="0"/>
-              <a:t>T = 1000 to 1700 K</a:t>
-            </a:r>
-          </a:p>
-          <a:p>
-            <a:pPr lvl="1">
-              <a:spcBef>
-                <a:spcPts val="800"/>
-              </a:spcBef>
-            </a:pPr>
-            <a:r>
-              <a:rPr lang="en-US" sz="1600" dirty="0"/>
-              <a:t>Swelling takes place at hot interior of pellet</a:t>
-            </a:r>
-          </a:p>
-          <a:p>
-            <a:pPr lvl="1">
-              <a:spcBef>
-                <a:spcPts val="800"/>
-              </a:spcBef>
-            </a:pPr>
-            <a:r>
-              <a:rPr lang="en-US" sz="1600" dirty="0"/>
-              <a:t>Gas atoms in fuel matrix diffuse to grain boundaries and collect in pores</a:t>
-            </a:r>
-          </a:p>
-          <a:p>
-            <a:pPr lvl="1">
-              <a:spcBef>
-                <a:spcPts val="800"/>
-              </a:spcBef>
-            </a:pPr>
-            <a:r>
-              <a:rPr lang="en-US" sz="1600" dirty="0"/>
-              <a:t>Gas pressure causes bubbles to increase in size and to coalesce into larger pores </a:t>
-            </a:r>
-          </a:p>
-          <a:p>
-            <a:pPr lvl="1">
-              <a:spcBef>
-                <a:spcPts val="800"/>
-              </a:spcBef>
-            </a:pPr>
-            <a:r>
-              <a:rPr lang="en-US" sz="1600" dirty="0"/>
-              <a:t>Gaseous swelling opposed by applied stress</a:t>
-            </a:r>
-          </a:p>
-          <a:p>
-            <a:pPr lvl="1">
-              <a:spcBef>
-                <a:spcPts val="800"/>
-              </a:spcBef>
-            </a:pPr>
-            <a:r>
-              <a:rPr lang="en-US" sz="1600" dirty="0"/>
-              <a:t>Gaseous swelling also constrained by fission gas release</a:t>
-            </a:r>
-          </a:p>
-          <a:p>
-            <a:pPr>
-              <a:spcBef>
-                <a:spcPts val="800"/>
-              </a:spcBef>
-            </a:pPr>
-            <a:endParaRPr lang="en-US" sz="1600" dirty="0"/>
-          </a:p>
-          <a:p>
-            <a:endParaRPr lang="en-US" dirty="0"/>
-          </a:p>
-        </p:txBody>
-      </p:sp>
-      <p:sp>
-        <p:nvSpPr>
-          <p:cNvPr id="4" name="Slide Number Placeholder 3">
-            <a:extLst>
-              <a:ext uri="{FF2B5EF4-FFF2-40B4-BE49-F238E27FC236}">
-                <a16:creationId xmlns:a16="http://schemas.microsoft.com/office/drawing/2014/main" id="{03117967-2B2D-7B41-9E76-1DD1F351BF6B}"/>
-              </a:ext>
-            </a:extLst>
-          </p:cNvPr>
-          <p:cNvSpPr>
-            <a:spLocks noGrp="1"/>
-          </p:cNvSpPr>
-          <p:nvPr>
-            <p:ph type="sldNum" sz="quarter" idx="12"/>
-          </p:nvPr>
-        </p:nvSpPr>
-        <p:spPr/>
-        <p:txBody>
-          <a:bodyPr/>
-          <a:lstStyle/>
-          <a:p>
-            <a:pPr>
-              <a:defRPr/>
-            </a:pPr>
-            <a:fld id="{3FF2C605-4958-CF43-AA48-80339EFDB0AF}" type="slidenum">
-              <a:rPr lang="en-US" smtClean="0"/>
-              <a:pPr>
-                <a:defRPr/>
-              </a:pPr>
-              <a:t>8</a:t>
-            </a:fld>
-            <a:endParaRPr lang="en-US"/>
-          </a:p>
-        </p:txBody>
-      </p:sp>
-      <p:pic>
-        <p:nvPicPr>
-          <p:cNvPr id="5" name="Picture 4" descr="latex-image-1.pdf">
-            <a:extLst>
-              <a:ext uri="{FF2B5EF4-FFF2-40B4-BE49-F238E27FC236}">
-                <a16:creationId xmlns:a16="http://schemas.microsoft.com/office/drawing/2014/main" id="{FC4F523B-2E5B-6A41-8FE2-85E081EE6838}"/>
-              </a:ext>
-            </a:extLst>
-          </p:cNvPr>
-          <p:cNvPicPr>
-            <a:picLocks noChangeAspect="1"/>
-          </p:cNvPicPr>
-          <p:nvPr/>
-        </p:nvPicPr>
-        <p:blipFill>
-          <a:blip r:embed="rId2">
-            <a:extLst>
-              <a:ext uri="{28A0092B-C50C-407E-A947-70E740481C1C}">
-                <a14:useLocalDpi xmlns:a14="http://schemas.microsoft.com/office/drawing/2010/main"/>
-              </a:ext>
-            </a:extLst>
-          </a:blip>
-          <a:stretch>
-            <a:fillRect/>
-          </a:stretch>
-        </p:blipFill>
-        <p:spPr>
-          <a:xfrm>
-            <a:off x="974762" y="6026059"/>
-            <a:ext cx="6070600" cy="292100"/>
-          </a:xfrm>
-          <a:prstGeom prst="rect">
-            <a:avLst/>
-          </a:prstGeom>
-        </p:spPr>
-      </p:pic>
-      <p:pic>
-        <p:nvPicPr>
-          <p:cNvPr id="6" name="Picture 5">
-            <a:extLst>
-              <a:ext uri="{FF2B5EF4-FFF2-40B4-BE49-F238E27FC236}">
-                <a16:creationId xmlns:a16="http://schemas.microsoft.com/office/drawing/2014/main" id="{21990D7C-0B0C-8D43-A3B6-46528A6E33E7}"/>
-              </a:ext>
-            </a:extLst>
-          </p:cNvPr>
-          <p:cNvPicPr>
-            <a:picLocks noChangeAspect="1"/>
-          </p:cNvPicPr>
-          <p:nvPr/>
-        </p:nvPicPr>
-        <p:blipFill>
-          <a:blip r:embed="rId3" cstate="screen">
-            <a:extLst>
-              <a:ext uri="{28A0092B-C50C-407E-A947-70E740481C1C}">
-                <a14:useLocalDpi xmlns:a14="http://schemas.microsoft.com/office/drawing/2010/main"/>
-              </a:ext>
-            </a:extLst>
-          </a:blip>
-          <a:stretch>
-            <a:fillRect/>
-          </a:stretch>
-        </p:blipFill>
-        <p:spPr>
-          <a:xfrm>
-            <a:off x="7799294" y="1637142"/>
-            <a:ext cx="3316942" cy="2487707"/>
-          </a:xfrm>
-          <a:prstGeom prst="rect">
-            <a:avLst/>
-          </a:prstGeom>
-        </p:spPr>
-      </p:pic>
-      <p:pic>
-        <p:nvPicPr>
-          <p:cNvPr id="7" name="Picture 6">
-            <a:extLst>
-              <a:ext uri="{FF2B5EF4-FFF2-40B4-BE49-F238E27FC236}">
-                <a16:creationId xmlns:a16="http://schemas.microsoft.com/office/drawing/2014/main" id="{3085BBD9-15DE-4D4C-B9F7-BA1919B255E3}"/>
-              </a:ext>
-            </a:extLst>
-          </p:cNvPr>
-          <p:cNvPicPr>
-            <a:picLocks noChangeAspect="1"/>
-          </p:cNvPicPr>
-          <p:nvPr/>
-        </p:nvPicPr>
-        <p:blipFill>
-          <a:blip r:embed="rId4"/>
-          <a:stretch>
-            <a:fillRect/>
-          </a:stretch>
-        </p:blipFill>
-        <p:spPr>
-          <a:xfrm>
-            <a:off x="7654067" y="4143330"/>
-            <a:ext cx="3462169" cy="2596627"/>
-          </a:xfrm>
-          <a:prstGeom prst="rect">
-            <a:avLst/>
-          </a:prstGeom>
-        </p:spPr>
-      </p:pic>
-    </p:spTree>
-    <p:extLst>
-      <p:ext uri="{BB962C8B-B14F-4D97-AF65-F5344CB8AC3E}">
-        <p14:creationId xmlns:p14="http://schemas.microsoft.com/office/powerpoint/2010/main" val="816141224"/>
-      </p:ext>
-    </p:extLst>
-  </p:cSld>
-  <p:clrMapOvr>
-    <a:masterClrMapping/>
-  </p:clrMapOvr>
-</p:sld>
-</file>
-
-<file path=ppt/slides/slide9.xml><?xml version="1.0" encoding="utf-8"?>
-<p:sld xmlns:a="http://schemas.openxmlformats.org/drawingml/2006/main" xmlns:r="http://schemas.openxmlformats.org/officeDocument/2006/relationships" xmlns:p="http://schemas.openxmlformats.org/presentationml/2006/main">
-  <p:cSld>
-    <p:spTree>
-      <p:nvGrpSpPr>
-        <p:cNvPr id="1" name=""/>
-        <p:cNvGrpSpPr/>
-        <p:nvPr/>
-      </p:nvGrpSpPr>
-      <p:grpSpPr>
-        <a:xfrm>
-          <a:off x="0" y="0"/>
-          <a:ext cx="0" cy="0"/>
-          <a:chOff x="0" y="0"/>
-          <a:chExt cx="0" cy="0"/>
-        </a:xfrm>
-      </p:grpSpPr>
-      <p:sp>
-        <p:nvSpPr>
-          <p:cNvPr id="2" name="Title 1">
-            <a:extLst>
-              <a:ext uri="{FF2B5EF4-FFF2-40B4-BE49-F238E27FC236}">
-                <a16:creationId xmlns:a16="http://schemas.microsoft.com/office/drawing/2014/main" id="{14DBDC1B-84C4-BB45-8C59-921D3678D09D}"/>
-              </a:ext>
-            </a:extLst>
-          </p:cNvPr>
-          <p:cNvSpPr>
-            <a:spLocks noGrp="1"/>
-          </p:cNvSpPr>
-          <p:nvPr>
-            <p:ph type="title"/>
-          </p:nvPr>
-        </p:nvSpPr>
-        <p:spPr/>
-        <p:txBody>
-          <a:bodyPr/>
-          <a:lstStyle/>
-          <a:p>
-            <a:r>
-              <a:rPr lang="en-US" dirty="0"/>
-              <a:t>Total change in volume</a:t>
-            </a:r>
-          </a:p>
-        </p:txBody>
-      </p:sp>
-      <p:sp>
-        <p:nvSpPr>
-          <p:cNvPr id="3" name="Content Placeholder 2">
-            <a:extLst>
-              <a:ext uri="{FF2B5EF4-FFF2-40B4-BE49-F238E27FC236}">
-                <a16:creationId xmlns:a16="http://schemas.microsoft.com/office/drawing/2014/main" id="{BF21818A-3240-DC4C-8E62-363E90E738C0}"/>
-              </a:ext>
-            </a:extLst>
-          </p:cNvPr>
-          <p:cNvSpPr>
-            <a:spLocks noGrp="1"/>
-          </p:cNvSpPr>
-          <p:nvPr>
-            <p:ph idx="1"/>
-          </p:nvPr>
-        </p:nvSpPr>
-        <p:spPr/>
-        <p:txBody>
-          <a:bodyPr/>
-          <a:lstStyle/>
-          <a:p>
-            <a:r>
-              <a:rPr lang="en-US" dirty="0"/>
-              <a:t>The total change in volume is found by adding all components of dimensional change</a:t>
-            </a:r>
-          </a:p>
-          <a:p>
-            <a:pPr lvl="1"/>
-            <a:r>
-              <a:rPr lang="en-US" dirty="0" err="1"/>
-              <a:t>ε</a:t>
-            </a:r>
-            <a:r>
-              <a:rPr lang="en-US" baseline="-25000" dirty="0" err="1"/>
-              <a:t>tot</a:t>
-            </a:r>
-            <a:r>
-              <a:rPr lang="en-US" dirty="0"/>
-              <a:t> = </a:t>
-            </a:r>
-            <a:r>
-              <a:rPr lang="en-US" dirty="0" err="1"/>
-              <a:t>ε</a:t>
-            </a:r>
-            <a:r>
-              <a:rPr lang="en-US" baseline="-25000" dirty="0" err="1"/>
-              <a:t>th</a:t>
-            </a:r>
-            <a:r>
-              <a:rPr lang="en-US" dirty="0"/>
-              <a:t> + </a:t>
-            </a:r>
-            <a:r>
-              <a:rPr lang="en-US" dirty="0" err="1"/>
-              <a:t>ε</a:t>
-            </a:r>
-            <a:r>
-              <a:rPr lang="en-US" baseline="-25000" dirty="0" err="1"/>
-              <a:t>D</a:t>
-            </a:r>
-            <a:r>
-              <a:rPr lang="en-US" dirty="0"/>
-              <a:t> + </a:t>
-            </a:r>
-            <a:r>
-              <a:rPr lang="en-US" dirty="0" err="1"/>
-              <a:t>ε</a:t>
-            </a:r>
-            <a:r>
-              <a:rPr lang="en-US" baseline="-25000" dirty="0" err="1"/>
-              <a:t>sfp</a:t>
-            </a:r>
-            <a:r>
-              <a:rPr lang="en-US" dirty="0"/>
-              <a:t> + </a:t>
-            </a:r>
-            <a:r>
-              <a:rPr lang="en-US" dirty="0" err="1"/>
-              <a:t>ε</a:t>
-            </a:r>
-            <a:r>
-              <a:rPr lang="en-US" baseline="-25000" dirty="0" err="1"/>
-              <a:t>gfp</a:t>
-            </a:r>
-            <a:endParaRPr lang="en-US" baseline="-25000" dirty="0"/>
-          </a:p>
-          <a:p>
-            <a:r>
-              <a:rPr lang="en-US" dirty="0"/>
-              <a:t>Example:</a:t>
-            </a:r>
-          </a:p>
-          <a:p>
-            <a:pPr lvl="1"/>
-            <a:r>
-              <a:rPr lang="en-US" dirty="0"/>
-              <a:t>fission rate = 2.5e13 f/(cm</a:t>
-            </a:r>
-            <a:r>
-              <a:rPr lang="en-US" baseline="30000" dirty="0"/>
-              <a:t>3 </a:t>
-            </a:r>
-            <a:r>
-              <a:rPr lang="en-US" dirty="0"/>
-              <a:t>s) </a:t>
-            </a:r>
-          </a:p>
-          <a:p>
-            <a:pPr lvl="1"/>
-            <a:r>
-              <a:rPr lang="en-US" dirty="0"/>
-              <a:t>T(fuel) = 1400 K</a:t>
-            </a:r>
-          </a:p>
-          <a:p>
-            <a:pPr lvl="1"/>
-            <a:r>
-              <a:rPr lang="en-US" dirty="0" err="1"/>
-              <a:t>T</a:t>
-            </a:r>
-            <a:r>
-              <a:rPr lang="en-US" baseline="-25000" dirty="0" err="1"/>
-              <a:t>ref</a:t>
-            </a:r>
-            <a:r>
-              <a:rPr lang="en-US" baseline="-25000" dirty="0"/>
-              <a:t> </a:t>
-            </a:r>
-            <a:r>
-              <a:rPr lang="en-US" dirty="0"/>
-              <a:t>= 300 K</a:t>
-            </a:r>
-          </a:p>
-          <a:p>
-            <a:pPr lvl="1"/>
-            <a:r>
-              <a:rPr lang="en-US" dirty="0"/>
-              <a:t>For densification: Δρ</a:t>
-            </a:r>
-            <a:r>
-              <a:rPr lang="en-US" baseline="-25000" dirty="0"/>
-              <a:t>0</a:t>
-            </a:r>
-            <a:r>
-              <a:rPr lang="en-US" dirty="0"/>
-              <a:t> = 0.01 and β</a:t>
-            </a:r>
-            <a:r>
-              <a:rPr lang="en-US" baseline="-25000" dirty="0"/>
-              <a:t>D</a:t>
-            </a:r>
-            <a:r>
-              <a:rPr lang="en-US" dirty="0"/>
-              <a:t> = 5 MWD/</a:t>
-            </a:r>
-            <a:r>
-              <a:rPr lang="en-US" dirty="0" err="1"/>
-              <a:t>kgU</a:t>
-            </a:r>
-            <a:endParaRPr lang="en-US" dirty="0"/>
-          </a:p>
-          <a:p>
-            <a:pPr lvl="1"/>
-            <a:r>
-              <a:rPr lang="en-US" dirty="0"/>
-              <a:t>Total time: 2 weeks</a:t>
-            </a:r>
-          </a:p>
-        </p:txBody>
-      </p:sp>
-      <p:sp>
-        <p:nvSpPr>
-          <p:cNvPr id="4" name="Slide Number Placeholder 3">
-            <a:extLst>
-              <a:ext uri="{FF2B5EF4-FFF2-40B4-BE49-F238E27FC236}">
-                <a16:creationId xmlns:a16="http://schemas.microsoft.com/office/drawing/2014/main" id="{6C2FC51A-63B1-C24F-ACE9-D05FD828F1AD}"/>
-              </a:ext>
-            </a:extLst>
-          </p:cNvPr>
-          <p:cNvSpPr>
-            <a:spLocks noGrp="1"/>
-          </p:cNvSpPr>
-          <p:nvPr>
-            <p:ph type="sldNum" sz="quarter" idx="12"/>
-          </p:nvPr>
-        </p:nvSpPr>
-        <p:spPr/>
-        <p:txBody>
-          <a:bodyPr/>
-          <a:lstStyle/>
-          <a:p>
-            <a:pPr>
-              <a:defRPr/>
-            </a:pPr>
-            <a:fld id="{3FF2C605-4958-CF43-AA48-80339EFDB0AF}" type="slidenum">
-              <a:rPr lang="en-US" smtClean="0"/>
-              <a:pPr>
-                <a:defRPr/>
-              </a:pPr>
-              <a:t>9</a:t>
-            </a:fld>
-            <a:endParaRPr lang="en-US"/>
-          </a:p>
-        </p:txBody>
-      </p:sp>
-    </p:spTree>
-    <p:extLst>
-      <p:ext uri="{BB962C8B-B14F-4D97-AF65-F5344CB8AC3E}">
-        <p14:creationId xmlns:p14="http://schemas.microsoft.com/office/powerpoint/2010/main" val="3799386309"/>
       </p:ext>
     </p:extLst>
   </p:cSld>

--- a/Nuclear_Fuel_Performance/NE533_Spring2022/section3/Lec14_swelling.pptx
+++ b/Nuclear_Fuel_Performance/NE533_Spring2022/section3/Lec14_swelling.pptx
@@ -9,26 +9,33 @@
     <p:sldId id="328" r:id="rId3"/>
     <p:sldId id="546" r:id="rId4"/>
     <p:sldId id="278" r:id="rId5"/>
-    <p:sldId id="545" r:id="rId6"/>
-    <p:sldId id="306" r:id="rId7"/>
-    <p:sldId id="307" r:id="rId8"/>
-    <p:sldId id="308" r:id="rId9"/>
-    <p:sldId id="310" r:id="rId10"/>
-    <p:sldId id="311" r:id="rId11"/>
-    <p:sldId id="312" r:id="rId12"/>
-    <p:sldId id="313" r:id="rId13"/>
-    <p:sldId id="309" r:id="rId14"/>
-    <p:sldId id="314" r:id="rId15"/>
-    <p:sldId id="316" r:id="rId16"/>
-    <p:sldId id="317" r:id="rId17"/>
-    <p:sldId id="315" r:id="rId18"/>
-    <p:sldId id="318" r:id="rId19"/>
-    <p:sldId id="319" r:id="rId20"/>
-    <p:sldId id="320" r:id="rId21"/>
-    <p:sldId id="321" r:id="rId22"/>
-    <p:sldId id="322" r:id="rId23"/>
-    <p:sldId id="323" r:id="rId24"/>
-    <p:sldId id="539" r:id="rId25"/>
+    <p:sldId id="407" r:id="rId6"/>
+    <p:sldId id="284" r:id="rId7"/>
+    <p:sldId id="544" r:id="rId8"/>
+    <p:sldId id="543" r:id="rId9"/>
+    <p:sldId id="548" r:id="rId10"/>
+    <p:sldId id="540" r:id="rId11"/>
+    <p:sldId id="541" r:id="rId12"/>
+    <p:sldId id="545" r:id="rId13"/>
+    <p:sldId id="306" r:id="rId14"/>
+    <p:sldId id="307" r:id="rId15"/>
+    <p:sldId id="308" r:id="rId16"/>
+    <p:sldId id="310" r:id="rId17"/>
+    <p:sldId id="311" r:id="rId18"/>
+    <p:sldId id="312" r:id="rId19"/>
+    <p:sldId id="313" r:id="rId20"/>
+    <p:sldId id="309" r:id="rId21"/>
+    <p:sldId id="314" r:id="rId22"/>
+    <p:sldId id="316" r:id="rId23"/>
+    <p:sldId id="317" r:id="rId24"/>
+    <p:sldId id="315" r:id="rId25"/>
+    <p:sldId id="318" r:id="rId26"/>
+    <p:sldId id="319" r:id="rId27"/>
+    <p:sldId id="320" r:id="rId28"/>
+    <p:sldId id="321" r:id="rId29"/>
+    <p:sldId id="322" r:id="rId30"/>
+    <p:sldId id="323" r:id="rId31"/>
+    <p:sldId id="539" r:id="rId32"/>
   </p:sldIdLst>
   <p:sldSz cx="12192000" cy="6858000"/>
   <p:notesSz cx="6858000" cy="9144000"/>
@@ -323,7 +330,7 @@
             </a:pPr>
             <a:fld id="{D6F3A803-A045-354B-887A-01433CE46FC2}" type="datetime1">
               <a:rPr lang="en-US" smtClean="0"/>
-              <a:t>3/3/22</a:t>
+              <a:t>3/8/22</a:t>
             </a:fld>
             <a:endParaRPr lang="en-US"/>
           </a:p>
@@ -516,7 +523,7 @@
             </a:pPr>
             <a:fld id="{A8B33C1D-C2E2-1049-AA3F-CD6E91052752}" type="datetime1">
               <a:rPr lang="en-US" smtClean="0"/>
-              <a:t>3/3/22</a:t>
+              <a:t>3/8/22</a:t>
             </a:fld>
             <a:endParaRPr lang="en-US"/>
           </a:p>
@@ -718,7 +725,7 @@
             </a:pPr>
             <a:fld id="{2791AD68-B60C-4542-BDDD-2074DE6DE828}" type="datetime1">
               <a:rPr lang="en-US" smtClean="0"/>
-              <a:t>3/3/22</a:t>
+              <a:t>3/8/22</a:t>
             </a:fld>
             <a:endParaRPr lang="en-US"/>
           </a:p>
@@ -917,7 +924,7 @@
             </a:pPr>
             <a:fld id="{C5BD04BF-9DC2-6341-92B2-BD109A2EF3B1}" type="datetime1">
               <a:rPr lang="en-US" smtClean="0"/>
-              <a:t>3/3/22</a:t>
+              <a:t>3/8/22</a:t>
             </a:fld>
             <a:endParaRPr lang="en-US"/>
           </a:p>
@@ -1187,7 +1194,7 @@
             </a:pPr>
             <a:fld id="{FB0FFBC7-3028-644D-986B-D9855CB74B38}" type="datetime1">
               <a:rPr lang="en-US" smtClean="0"/>
-              <a:t>3/3/22</a:t>
+              <a:t>3/8/22</a:t>
             </a:fld>
             <a:endParaRPr lang="en-US"/>
           </a:p>
@@ -1498,7 +1505,7 @@
             </a:pPr>
             <a:fld id="{2C3B8AE4-01F5-CC42-9C62-61BC6528368B}" type="datetime1">
               <a:rPr lang="en-US" smtClean="0"/>
-              <a:t>3/3/22</a:t>
+              <a:t>3/8/22</a:t>
             </a:fld>
             <a:endParaRPr lang="en-US"/>
           </a:p>
@@ -1941,7 +1948,7 @@
             </a:pPr>
             <a:fld id="{77E49314-4A78-2444-9569-44EB70168344}" type="datetime1">
               <a:rPr lang="en-US" smtClean="0"/>
-              <a:t>3/3/22</a:t>
+              <a:t>3/8/22</a:t>
             </a:fld>
             <a:endParaRPr lang="en-US"/>
           </a:p>
@@ -2082,7 +2089,7 @@
             </a:pPr>
             <a:fld id="{5BC22837-4683-B242-B000-BCEE30621787}" type="datetime1">
               <a:rPr lang="en-US" smtClean="0"/>
-              <a:t>3/3/22</a:t>
+              <a:t>3/8/22</a:t>
             </a:fld>
             <a:endParaRPr lang="en-US"/>
           </a:p>
@@ -2201,7 +2208,7 @@
             </a:pPr>
             <a:fld id="{DCDAE926-7EF1-0B40-B57E-417D188A609C}" type="datetime1">
               <a:rPr lang="en-US" smtClean="0"/>
-              <a:t>3/3/22</a:t>
+              <a:t>3/8/22</a:t>
             </a:fld>
             <a:endParaRPr lang="en-US"/>
           </a:p>
@@ -2500,7 +2507,7 @@
             </a:pPr>
             <a:fld id="{518D107B-B9C7-5B41-A168-55258AB95F52}" type="datetime1">
               <a:rPr lang="en-US" smtClean="0"/>
-              <a:t>3/3/22</a:t>
+              <a:t>3/8/22</a:t>
             </a:fld>
             <a:endParaRPr lang="en-US"/>
           </a:p>
@@ -2784,7 +2791,7 @@
             </a:pPr>
             <a:fld id="{3AD92D36-EE82-3142-B011-9831FB5E702F}" type="datetime1">
               <a:rPr lang="en-US" smtClean="0"/>
-              <a:t>3/3/22</a:t>
+              <a:t>3/8/22</a:t>
             </a:fld>
             <a:endParaRPr lang="en-US"/>
           </a:p>
@@ -2925,7 +2932,7 @@
               </a14:hiddenLine>
             </a:ext>
             <a:ext uri="{FAA26D3D-D897-4be2-8F04-BA451C77F1D7}">
-              <ma14:placeholderFlag xmlns="" xmlns:ma14="http://schemas.microsoft.com/office/mac/drawingml/2011/main" val="1"/>
+              <ma14:placeholderFlag xmlns:ma14="http://schemas.microsoft.com/office/mac/drawingml/2011/main" xmlns="" val="1"/>
             </a:ext>
           </a:extLst>
         </p:spPr>
@@ -2993,7 +3000,7 @@
               </a14:hiddenLine>
             </a:ext>
             <a:ext uri="{FAA26D3D-D897-4be2-8F04-BA451C77F1D7}">
-              <ma14:placeholderFlag xmlns="" xmlns:ma14="http://schemas.microsoft.com/office/mac/drawingml/2011/main" val="1"/>
+              <ma14:placeholderFlag xmlns:ma14="http://schemas.microsoft.com/office/mac/drawingml/2011/main" xmlns="" val="1"/>
             </a:ext>
           </a:extLst>
         </p:spPr>
@@ -3089,7 +3096,7 @@
             </a:pPr>
             <a:fld id="{3EE08B4B-7256-494F-A90D-3891BD685F4A}" type="datetime1">
               <a:rPr lang="en-US" smtClean="0"/>
-              <a:t>3/3/22</a:t>
+              <a:t>3/8/22</a:t>
             </a:fld>
             <a:endParaRPr lang="en-US" dirty="0"/>
           </a:p>
@@ -3791,7 +3798,7 @@
           <p:cNvPr id="2" name="Title 1">
             <a:extLst>
               <a:ext uri="{FF2B5EF4-FFF2-40B4-BE49-F238E27FC236}">
-                <a16:creationId xmlns:a16="http://schemas.microsoft.com/office/drawing/2014/main" id="{D5E58D87-1841-BA4C-AF81-D5A04583D727}"/>
+                <a16:creationId xmlns:a16="http://schemas.microsoft.com/office/drawing/2014/main" id="{3E7C4137-2FA5-1F48-812B-C159F973251C}"/>
               </a:ext>
             </a:extLst>
           </p:cNvPr>
@@ -3809,7 +3816,7 @@
           <a:p>
             <a:r>
               <a:rPr lang="en-US" dirty="0"/>
-              <a:t>Gaseous fission product swelling</a:t>
+              <a:t>Fission Product Segregation</a:t>
             </a:r>
           </a:p>
         </p:txBody>
@@ -3819,159 +3826,518 @@
           <p:cNvPr id="3" name="Content Placeholder 2">
             <a:extLst>
               <a:ext uri="{FF2B5EF4-FFF2-40B4-BE49-F238E27FC236}">
-                <a16:creationId xmlns:a16="http://schemas.microsoft.com/office/drawing/2014/main" id="{A29A34F9-4FFB-A145-A3F7-D2E75D9EF8DA}"/>
-              </a:ext>
-            </a:extLst>
-          </p:cNvPr>
-          <p:cNvSpPr>
-            <a:spLocks noGrp="1"/>
-          </p:cNvSpPr>
-          <p:nvPr>
-            <p:ph idx="1"/>
+                <a16:creationId xmlns:a16="http://schemas.microsoft.com/office/drawing/2014/main" id="{451A2455-2421-D246-AEC9-2FF827FE6D57}"/>
+              </a:ext>
+            </a:extLst>
+          </p:cNvPr>
+          <p:cNvSpPr>
+            <a:spLocks noGrp="1"/>
+          </p:cNvSpPr>
+          <p:nvPr>
+            <p:ph sz="half" idx="1"/>
+          </p:nvPr>
+        </p:nvSpPr>
+        <p:spPr/>
+        <p:txBody>
+          <a:bodyPr/>
+          <a:lstStyle/>
+          <a:p>
+            <a:r>
+              <a:rPr lang="en-US" sz="2000" dirty="0"/>
+              <a:t>Fission products can be segregated because of their migration to specific locations such as intragranular segregations, grain boundaries, or pellet surfaces</a:t>
+            </a:r>
+          </a:p>
+          <a:p>
+            <a:r>
+              <a:rPr lang="en-US" sz="2000" dirty="0"/>
+              <a:t>Metallic inclusions are commonly observed in </a:t>
+            </a:r>
+            <a:r>
+              <a:rPr lang="en-US" sz="2000" dirty="0" err="1"/>
+              <a:t>ceramographs</a:t>
+            </a:r>
+            <a:r>
+              <a:rPr lang="en-US" sz="2000" dirty="0"/>
+              <a:t> from irradiated samples</a:t>
+            </a:r>
+          </a:p>
+          <a:p>
+            <a:r>
+              <a:rPr lang="en-US" sz="2000" dirty="0"/>
+              <a:t>They are formed by isotopes of Mo, Tc, Ru, Rh, Pd, Ag, Cd, In, Sn, Sb, and </a:t>
+            </a:r>
+            <a:r>
+              <a:rPr lang="en-US" sz="2000" dirty="0" err="1"/>
+              <a:t>Te</a:t>
+            </a:r>
+            <a:endParaRPr lang="en-US" sz="2000" dirty="0"/>
+          </a:p>
+          <a:p>
+            <a:r>
+              <a:rPr lang="en-US" sz="2000" dirty="0"/>
+              <a:t>These inclusions are found at the surface of the grain boundaries and are associated, in general, with grain boundary and intragranular bubbles</a:t>
+            </a:r>
+          </a:p>
+          <a:p>
+            <a:endParaRPr lang="en-US" sz="2000" dirty="0"/>
+          </a:p>
+          <a:p>
+            <a:endParaRPr lang="en-US" sz="2000" dirty="0"/>
+          </a:p>
+        </p:txBody>
+      </p:sp>
+      <p:sp>
+        <p:nvSpPr>
+          <p:cNvPr id="4" name="Content Placeholder 3">
+            <a:extLst>
+              <a:ext uri="{FF2B5EF4-FFF2-40B4-BE49-F238E27FC236}">
+                <a16:creationId xmlns:a16="http://schemas.microsoft.com/office/drawing/2014/main" id="{7D015A0E-6DAE-0843-A920-8EDE866A9558}"/>
+              </a:ext>
+            </a:extLst>
+          </p:cNvPr>
+          <p:cNvSpPr>
+            <a:spLocks noGrp="1"/>
+          </p:cNvSpPr>
+          <p:nvPr>
+            <p:ph sz="half" idx="2"/>
+          </p:nvPr>
+        </p:nvSpPr>
+        <p:spPr/>
+        <p:txBody>
+          <a:bodyPr/>
+          <a:lstStyle/>
+          <a:p>
+            <a:r>
+              <a:rPr lang="en-US" sz="2000" dirty="0"/>
+              <a:t>Some of the components of these precipitates can be oxidized or reduced forming other compounds of high volatility that can be released from the fuel matrix</a:t>
+            </a:r>
+          </a:p>
+          <a:p>
+            <a:r>
+              <a:rPr lang="en-US" sz="2000" dirty="0"/>
+              <a:t>Cs, Ru, </a:t>
+            </a:r>
+            <a:r>
+              <a:rPr lang="en-US" sz="2000" dirty="0" err="1"/>
+              <a:t>Te</a:t>
+            </a:r>
+            <a:r>
+              <a:rPr lang="en-US" sz="2000" dirty="0"/>
+              <a:t>, and Ba have been consistently found at the cracks in the pellet and on the clad inner surface</a:t>
+            </a:r>
+          </a:p>
+          <a:p>
+            <a:r>
+              <a:rPr lang="en-US" sz="2000" dirty="0"/>
+              <a:t>The white inclusions are metallic precipitates, which are composed of Mo, Tc, Rh, Ru, and Pd, form a quinary alloy in an hcp structure</a:t>
+            </a:r>
+          </a:p>
+          <a:p>
+            <a:r>
+              <a:rPr lang="en-US" sz="2000" dirty="0"/>
+              <a:t>A “gray oxide phase” perovskite structure containing different combinations of Ba, Cs, Zr, Mo, and U can also form</a:t>
+            </a:r>
+          </a:p>
+          <a:p>
+            <a:endParaRPr lang="en-US" sz="2000" dirty="0"/>
+          </a:p>
+        </p:txBody>
+      </p:sp>
+      <p:sp>
+        <p:nvSpPr>
+          <p:cNvPr id="5" name="Slide Number Placeholder 4">
+            <a:extLst>
+              <a:ext uri="{FF2B5EF4-FFF2-40B4-BE49-F238E27FC236}">
+                <a16:creationId xmlns:a16="http://schemas.microsoft.com/office/drawing/2014/main" id="{F41B936A-4A3D-5240-8E54-0520C8FA15E0}"/>
+              </a:ext>
+            </a:extLst>
+          </p:cNvPr>
+          <p:cNvSpPr>
+            <a:spLocks noGrp="1"/>
+          </p:cNvSpPr>
+          <p:nvPr>
+            <p:ph type="sldNum" sz="quarter" idx="12"/>
+          </p:nvPr>
+        </p:nvSpPr>
+        <p:spPr/>
+        <p:txBody>
+          <a:bodyPr/>
+          <a:lstStyle/>
+          <a:p>
+            <a:pPr>
+              <a:defRPr/>
+            </a:pPr>
+            <a:fld id="{EC35E9FC-F6D5-0349-BBED-EA7D7A9BC49B}" type="slidenum">
+              <a:rPr lang="en-US" smtClean="0"/>
+              <a:pPr>
+                <a:defRPr/>
+              </a:pPr>
+              <a:t>10</a:t>
+            </a:fld>
+            <a:endParaRPr lang="en-US"/>
+          </a:p>
+        </p:txBody>
+      </p:sp>
+    </p:spTree>
+    <p:extLst>
+      <p:ext uri="{BB962C8B-B14F-4D97-AF65-F5344CB8AC3E}">
+        <p14:creationId xmlns:p14="http://schemas.microsoft.com/office/powerpoint/2010/main" val="82555698"/>
+      </p:ext>
+    </p:extLst>
+  </p:cSld>
+  <p:clrMapOvr>
+    <a:masterClrMapping/>
+  </p:clrMapOvr>
+</p:sld>
+</file>
+
+<file path=ppt/slides/slide11.xml><?xml version="1.0" encoding="utf-8"?>
+<p:sld xmlns:a="http://schemas.openxmlformats.org/drawingml/2006/main" xmlns:r="http://schemas.openxmlformats.org/officeDocument/2006/relationships" xmlns:p="http://schemas.openxmlformats.org/presentationml/2006/main">
+  <p:cSld>
+    <p:spTree>
+      <p:nvGrpSpPr>
+        <p:cNvPr id="1" name=""/>
+        <p:cNvGrpSpPr/>
+        <p:nvPr/>
+      </p:nvGrpSpPr>
+      <p:grpSpPr>
+        <a:xfrm>
+          <a:off x="0" y="0"/>
+          <a:ext cx="0" cy="0"/>
+          <a:chOff x="0" y="0"/>
+          <a:chExt cx="0" cy="0"/>
+        </a:xfrm>
+      </p:grpSpPr>
+      <p:sp>
+        <p:nvSpPr>
+          <p:cNvPr id="2" name="Title 1">
+            <a:extLst>
+              <a:ext uri="{FF2B5EF4-FFF2-40B4-BE49-F238E27FC236}">
+                <a16:creationId xmlns:a16="http://schemas.microsoft.com/office/drawing/2014/main" id="{2B887590-2875-4049-ADF3-6ADCF07B0ABE}"/>
+              </a:ext>
+            </a:extLst>
+          </p:cNvPr>
+          <p:cNvSpPr>
+            <a:spLocks noGrp="1"/>
+          </p:cNvSpPr>
+          <p:nvPr>
+            <p:ph type="title"/>
+          </p:nvPr>
+        </p:nvSpPr>
+        <p:spPr/>
+        <p:txBody>
+          <a:bodyPr/>
+          <a:lstStyle/>
+          <a:p>
+            <a:r>
+              <a:rPr lang="en-US" dirty="0"/>
+              <a:t>FP Interaction with Zr Cladding</a:t>
+            </a:r>
+          </a:p>
+        </p:txBody>
+      </p:sp>
+      <p:sp>
+        <p:nvSpPr>
+          <p:cNvPr id="3" name="Content Placeholder 2">
+            <a:extLst>
+              <a:ext uri="{FF2B5EF4-FFF2-40B4-BE49-F238E27FC236}">
+                <a16:creationId xmlns:a16="http://schemas.microsoft.com/office/drawing/2014/main" id="{F237D8D9-540A-644B-869B-A782454B082D}"/>
+              </a:ext>
+            </a:extLst>
+          </p:cNvPr>
+          <p:cNvSpPr>
+            <a:spLocks noGrp="1"/>
+          </p:cNvSpPr>
+          <p:nvPr>
+            <p:ph sz="half" idx="1"/>
+          </p:nvPr>
+        </p:nvSpPr>
+        <p:spPr/>
+        <p:txBody>
+          <a:bodyPr/>
+          <a:lstStyle/>
+          <a:p>
+            <a:r>
+              <a:rPr lang="en-US" sz="2000" dirty="0"/>
+              <a:t>Fission fragments will deposit on the inner surface of the cladding</a:t>
+            </a:r>
+          </a:p>
+          <a:p>
+            <a:r>
+              <a:rPr lang="en-US" sz="2000" dirty="0"/>
+              <a:t>Some of these species can diffuse into the clad, while others can attack the clad thereby initiating cracks that can later progress with the formation of through-wall cracks</a:t>
+            </a:r>
+          </a:p>
+          <a:p>
+            <a:r>
+              <a:rPr lang="en-US" sz="2000" dirty="0"/>
+              <a:t>Oxygen will diffuse into the cladding and contribute to its oxidation state</a:t>
+            </a:r>
+          </a:p>
+          <a:p>
+            <a:r>
+              <a:rPr lang="en-US" sz="2000" dirty="0"/>
+              <a:t>Measurements have shown deposits of Sr, Cs, Pu, and Am</a:t>
+            </a:r>
+          </a:p>
+          <a:p>
+            <a:endParaRPr lang="en-US" sz="2000" dirty="0"/>
+          </a:p>
+        </p:txBody>
+      </p:sp>
+      <p:sp>
+        <p:nvSpPr>
+          <p:cNvPr id="4" name="Content Placeholder 3">
+            <a:extLst>
+              <a:ext uri="{FF2B5EF4-FFF2-40B4-BE49-F238E27FC236}">
+                <a16:creationId xmlns:a16="http://schemas.microsoft.com/office/drawing/2014/main" id="{2D7A0382-82F4-AC4C-B83F-0CD592D8FF21}"/>
+              </a:ext>
+            </a:extLst>
+          </p:cNvPr>
+          <p:cNvSpPr>
+            <a:spLocks noGrp="1"/>
+          </p:cNvSpPr>
+          <p:nvPr>
+            <p:ph sz="half" idx="2"/>
+          </p:nvPr>
+        </p:nvSpPr>
+        <p:spPr/>
+        <p:txBody>
+          <a:bodyPr/>
+          <a:lstStyle/>
+          <a:p>
+            <a:r>
+              <a:rPr lang="en-US" sz="2000" dirty="0"/>
+              <a:t>The corrosion behavior of zirconium by </a:t>
+            </a:r>
+            <a:r>
+              <a:rPr lang="en-US" sz="2000" dirty="0" err="1"/>
+              <a:t>Te</a:t>
+            </a:r>
+            <a:r>
+              <a:rPr lang="en-US" sz="2000" dirty="0"/>
+              <a:t> has been reported </a:t>
+            </a:r>
+          </a:p>
+          <a:p>
+            <a:r>
+              <a:rPr lang="en-US" sz="2000" dirty="0"/>
+              <a:t>The chemical reaction between some corrosive fission products and the cladding can lead to PCI</a:t>
+            </a:r>
+          </a:p>
+          <a:p>
+            <a:r>
+              <a:rPr lang="en-US" sz="2000" dirty="0"/>
+              <a:t>Fission products such as Cs, Cd, or I can attack the cladding inducing crack initiation, which then progress through the cladding by intragranular and </a:t>
+            </a:r>
+            <a:r>
+              <a:rPr lang="en-US" sz="2000" dirty="0" err="1"/>
+              <a:t>transgranular</a:t>
+            </a:r>
+            <a:r>
+              <a:rPr lang="en-US" sz="2000" dirty="0"/>
+              <a:t> cracking modes</a:t>
+            </a:r>
+          </a:p>
+          <a:p>
+            <a:endParaRPr lang="en-US" sz="2000" dirty="0"/>
+          </a:p>
+          <a:p>
+            <a:endParaRPr lang="en-US" sz="2000" dirty="0"/>
+          </a:p>
+          <a:p>
+            <a:endParaRPr lang="en-US" sz="2000" dirty="0"/>
+          </a:p>
+        </p:txBody>
+      </p:sp>
+      <p:sp>
+        <p:nvSpPr>
+          <p:cNvPr id="5" name="Slide Number Placeholder 4">
+            <a:extLst>
+              <a:ext uri="{FF2B5EF4-FFF2-40B4-BE49-F238E27FC236}">
+                <a16:creationId xmlns:a16="http://schemas.microsoft.com/office/drawing/2014/main" id="{51A2F79E-24F4-C845-A1A0-75956FDFE6E1}"/>
+              </a:ext>
+            </a:extLst>
+          </p:cNvPr>
+          <p:cNvSpPr>
+            <a:spLocks noGrp="1"/>
+          </p:cNvSpPr>
+          <p:nvPr>
+            <p:ph type="sldNum" sz="quarter" idx="12"/>
+          </p:nvPr>
+        </p:nvSpPr>
+        <p:spPr/>
+        <p:txBody>
+          <a:bodyPr/>
+          <a:lstStyle/>
+          <a:p>
+            <a:pPr>
+              <a:defRPr/>
+            </a:pPr>
+            <a:fld id="{EC35E9FC-F6D5-0349-BBED-EA7D7A9BC49B}" type="slidenum">
+              <a:rPr lang="en-US" smtClean="0"/>
+              <a:pPr>
+                <a:defRPr/>
+              </a:pPr>
+              <a:t>11</a:t>
+            </a:fld>
+            <a:endParaRPr lang="en-US" dirty="0"/>
+          </a:p>
+        </p:txBody>
+      </p:sp>
+    </p:spTree>
+    <p:extLst>
+      <p:ext uri="{BB962C8B-B14F-4D97-AF65-F5344CB8AC3E}">
+        <p14:creationId xmlns:p14="http://schemas.microsoft.com/office/powerpoint/2010/main" val="2217628786"/>
+      </p:ext>
+    </p:extLst>
+  </p:cSld>
+  <p:clrMapOvr>
+    <a:masterClrMapping/>
+  </p:clrMapOvr>
+</p:sld>
+</file>
+
+<file path=ppt/slides/slide12.xml><?xml version="1.0" encoding="utf-8"?>
+<p:sld xmlns:a="http://schemas.openxmlformats.org/drawingml/2006/main" xmlns:r="http://schemas.openxmlformats.org/officeDocument/2006/relationships" xmlns:p="http://schemas.openxmlformats.org/presentationml/2006/main">
+  <p:cSld>
+    <p:spTree>
+      <p:nvGrpSpPr>
+        <p:cNvPr id="1" name=""/>
+        <p:cNvGrpSpPr/>
+        <p:nvPr/>
+      </p:nvGrpSpPr>
+      <p:grpSpPr>
+        <a:xfrm>
+          <a:off x="0" y="0"/>
+          <a:ext cx="0" cy="0"/>
+          <a:chOff x="0" y="0"/>
+          <a:chExt cx="0" cy="0"/>
+        </a:xfrm>
+      </p:grpSpPr>
+      <p:sp>
+        <p:nvSpPr>
+          <p:cNvPr id="2" name="Title 1">
+            <a:extLst>
+              <a:ext uri="{FF2B5EF4-FFF2-40B4-BE49-F238E27FC236}">
+                <a16:creationId xmlns:a16="http://schemas.microsoft.com/office/drawing/2014/main" id="{96329CC1-34E4-A34F-8621-801D8886CE7C}"/>
+              </a:ext>
+            </a:extLst>
+          </p:cNvPr>
+          <p:cNvSpPr>
+            <a:spLocks noGrp="1"/>
+          </p:cNvSpPr>
+          <p:nvPr>
+            <p:ph type="title"/>
           </p:nvPr>
         </p:nvSpPr>
         <p:spPr>
           <a:xfrm>
-            <a:off x="609600" y="2160495"/>
-            <a:ext cx="6239435" cy="3965670"/>
+            <a:off x="963084" y="1234721"/>
+            <a:ext cx="10363200" cy="1362075"/>
           </a:xfrm>
         </p:spPr>
         <p:txBody>
-          <a:bodyPr>
-            <a:normAutofit fontScale="77500" lnSpcReduction="20000"/>
-          </a:bodyPr>
+          <a:bodyPr/>
           <a:lstStyle/>
           <a:p>
+            <a:r>
+              <a:rPr lang="en-US" dirty="0"/>
+              <a:t>Fuel Swelling/Dimensional Change</a:t>
+            </a:r>
+          </a:p>
+        </p:txBody>
+      </p:sp>
+      <p:sp>
+        <p:nvSpPr>
+          <p:cNvPr id="4" name="Slide Number Placeholder 3">
+            <a:extLst>
+              <a:ext uri="{FF2B5EF4-FFF2-40B4-BE49-F238E27FC236}">
+                <a16:creationId xmlns:a16="http://schemas.microsoft.com/office/drawing/2014/main" id="{2BFF06B0-02C9-F34D-82A4-D2D5BBAF6842}"/>
+              </a:ext>
+            </a:extLst>
+          </p:cNvPr>
+          <p:cNvSpPr>
+            <a:spLocks noGrp="1"/>
+          </p:cNvSpPr>
+          <p:nvPr>
+            <p:ph type="sldNum" sz="quarter" idx="12"/>
+          </p:nvPr>
+        </p:nvSpPr>
+        <p:spPr/>
+        <p:txBody>
+          <a:bodyPr/>
+          <a:lstStyle/>
+          <a:p>
             <a:pPr>
-              <a:spcBef>
-                <a:spcPts val="800"/>
-              </a:spcBef>
+              <a:defRPr/>
             </a:pPr>
-            <a:r>
-              <a:rPr lang="en-US" sz="2000" dirty="0"/>
-              <a:t>Gaseous swelling varies strongly with temperature, fission rate and stress</a:t>
-            </a:r>
-          </a:p>
-          <a:p>
-            <a:pPr>
-              <a:spcBef>
-                <a:spcPts val="800"/>
-              </a:spcBef>
-            </a:pPr>
-            <a:r>
-              <a:rPr lang="en-US" sz="2000" dirty="0"/>
-              <a:t>T &lt; 1000K</a:t>
-            </a:r>
-          </a:p>
-          <a:p>
-            <a:pPr lvl="1">
-              <a:spcBef>
-                <a:spcPts val="800"/>
-              </a:spcBef>
-            </a:pPr>
-            <a:r>
-              <a:rPr lang="en-US" sz="1600" dirty="0"/>
-              <a:t>Fission gas atoms remain in fuel matrix or collect in small, isolated, intragranular pores (&lt;1 nm)</a:t>
-            </a:r>
-          </a:p>
-          <a:p>
-            <a:pPr lvl="1">
-              <a:spcBef>
-                <a:spcPts val="800"/>
-              </a:spcBef>
-            </a:pPr>
-            <a:r>
-              <a:rPr lang="en-US" sz="1600" dirty="0"/>
-              <a:t>Intragranular pore size limited by fission spikes that drive gas back into fuel matrix </a:t>
-            </a:r>
-          </a:p>
-          <a:p>
-            <a:pPr lvl="1">
-              <a:spcBef>
-                <a:spcPts val="800"/>
-              </a:spcBef>
-            </a:pPr>
-            <a:r>
-              <a:rPr lang="en-US" sz="1600" dirty="0"/>
-              <a:t>Gaseous swelling constrained by fission gas release</a:t>
-            </a:r>
-          </a:p>
-          <a:p>
-            <a:pPr>
-              <a:spcBef>
-                <a:spcPts val="800"/>
-              </a:spcBef>
-            </a:pPr>
-            <a:r>
-              <a:rPr lang="en-US" sz="2000" dirty="0"/>
-              <a:t>T = 1000 to 1700 K</a:t>
-            </a:r>
-          </a:p>
-          <a:p>
-            <a:pPr lvl="1">
-              <a:spcBef>
-                <a:spcPts val="800"/>
-              </a:spcBef>
-            </a:pPr>
-            <a:r>
-              <a:rPr lang="en-US" sz="1600" dirty="0"/>
-              <a:t>Swelling takes place at hot interior of pellet</a:t>
-            </a:r>
-          </a:p>
-          <a:p>
-            <a:pPr lvl="1">
-              <a:spcBef>
-                <a:spcPts val="800"/>
-              </a:spcBef>
-            </a:pPr>
-            <a:r>
-              <a:rPr lang="en-US" sz="1600" dirty="0"/>
-              <a:t>Gas atoms in fuel matrix diffuse to grain boundaries and collect in pores</a:t>
-            </a:r>
-          </a:p>
-          <a:p>
-            <a:pPr lvl="1">
-              <a:spcBef>
-                <a:spcPts val="800"/>
-              </a:spcBef>
-            </a:pPr>
-            <a:r>
-              <a:rPr lang="en-US" sz="1600" dirty="0"/>
-              <a:t>Gas pressure causes bubbles to increase in size and to coalesce into larger pores </a:t>
-            </a:r>
-          </a:p>
-          <a:p>
-            <a:pPr lvl="1">
-              <a:spcBef>
-                <a:spcPts val="800"/>
-              </a:spcBef>
-            </a:pPr>
-            <a:r>
-              <a:rPr lang="en-US" sz="1600" dirty="0"/>
-              <a:t>Gaseous swelling opposed by applied stress</a:t>
-            </a:r>
-          </a:p>
-          <a:p>
-            <a:pPr lvl="1">
-              <a:spcBef>
-                <a:spcPts val="800"/>
-              </a:spcBef>
-            </a:pPr>
-            <a:r>
-              <a:rPr lang="en-US" sz="1600" dirty="0"/>
-              <a:t>Gaseous swelling also constrained by fission gas release</a:t>
-            </a:r>
-          </a:p>
-          <a:p>
-            <a:pPr>
-              <a:spcBef>
-                <a:spcPts val="800"/>
-              </a:spcBef>
-            </a:pPr>
-            <a:endParaRPr lang="en-US" sz="1600" dirty="0"/>
-          </a:p>
-          <a:p>
-            <a:endParaRPr lang="en-US" dirty="0"/>
+            <a:fld id="{0DA6BD0F-ABBC-C14D-BC96-77BE126A748B}" type="slidenum">
+              <a:rPr lang="en-US" smtClean="0"/>
+              <a:pPr>
+                <a:defRPr/>
+              </a:pPr>
+              <a:t>12</a:t>
+            </a:fld>
+            <a:endParaRPr lang="en-US"/>
+          </a:p>
+        </p:txBody>
+      </p:sp>
+    </p:spTree>
+    <p:extLst>
+      <p:ext uri="{BB962C8B-B14F-4D97-AF65-F5344CB8AC3E}">
+        <p14:creationId xmlns:p14="http://schemas.microsoft.com/office/powerpoint/2010/main" val="1704851804"/>
+      </p:ext>
+    </p:extLst>
+  </p:cSld>
+  <p:clrMapOvr>
+    <a:masterClrMapping/>
+  </p:clrMapOvr>
+</p:sld>
+</file>
+
+<file path=ppt/slides/slide13.xml><?xml version="1.0" encoding="utf-8"?>
+<p:sld xmlns:a="http://schemas.openxmlformats.org/drawingml/2006/main" xmlns:r="http://schemas.openxmlformats.org/officeDocument/2006/relationships" xmlns:p="http://schemas.openxmlformats.org/presentationml/2006/main">
+  <p:cSld>
+    <p:spTree>
+      <p:nvGrpSpPr>
+        <p:cNvPr id="1" name=""/>
+        <p:cNvGrpSpPr/>
+        <p:nvPr/>
+      </p:nvGrpSpPr>
+      <p:grpSpPr>
+        <a:xfrm>
+          <a:off x="0" y="0"/>
+          <a:ext cx="0" cy="0"/>
+          <a:chOff x="0" y="0"/>
+          <a:chExt cx="0" cy="0"/>
+        </a:xfrm>
+      </p:grpSpPr>
+      <p:sp>
+        <p:nvSpPr>
+          <p:cNvPr id="2" name="Title 1">
+            <a:extLst>
+              <a:ext uri="{FF2B5EF4-FFF2-40B4-BE49-F238E27FC236}">
+                <a16:creationId xmlns:a16="http://schemas.microsoft.com/office/drawing/2014/main" id="{2C221306-1998-BA45-A870-95ADBDD5A19C}"/>
+              </a:ext>
+            </a:extLst>
+          </p:cNvPr>
+          <p:cNvSpPr>
+            <a:spLocks noGrp="1"/>
+          </p:cNvSpPr>
+          <p:nvPr>
+            <p:ph type="title"/>
+          </p:nvPr>
+        </p:nvSpPr>
+        <p:spPr/>
+        <p:txBody>
+          <a:bodyPr/>
+          <a:lstStyle/>
+          <a:p>
+            <a:r>
+              <a:rPr lang="en-US" dirty="0"/>
+              <a:t>Fuel changes size and shape under reactor operation</a:t>
+            </a:r>
           </a:p>
         </p:txBody>
       </p:sp>
@@ -3980,7 +4346,7 @@
           <p:cNvPr id="4" name="Slide Number Placeholder 3">
             <a:extLst>
               <a:ext uri="{FF2B5EF4-FFF2-40B4-BE49-F238E27FC236}">
-                <a16:creationId xmlns:a16="http://schemas.microsoft.com/office/drawing/2014/main" id="{03117967-2B2D-7B41-9E76-1DD1F351BF6B}"/>
+                <a16:creationId xmlns:a16="http://schemas.microsoft.com/office/drawing/2014/main" id="{A9E983E7-B7C1-CE4D-8056-000119106C75}"/>
               </a:ext>
             </a:extLst>
           </p:cNvPr>
@@ -4004,7 +4370,1313 @@
               <a:pPr>
                 <a:defRPr/>
               </a:pPr>
-              <a:t>10</a:t>
+              <a:t>13</a:t>
+            </a:fld>
+            <a:endParaRPr lang="en-US"/>
+          </a:p>
+        </p:txBody>
+      </p:sp>
+      <p:pic>
+        <p:nvPicPr>
+          <p:cNvPr id="33" name="Picture 32">
+            <a:extLst>
+              <a:ext uri="{FF2B5EF4-FFF2-40B4-BE49-F238E27FC236}">
+                <a16:creationId xmlns:a16="http://schemas.microsoft.com/office/drawing/2014/main" id="{DD0E39FB-9EFD-BA4A-AFCE-9B2924E0AEC1}"/>
+              </a:ext>
+            </a:extLst>
+          </p:cNvPr>
+          <p:cNvPicPr>
+            <a:picLocks noChangeAspect="1"/>
+          </p:cNvPicPr>
+          <p:nvPr/>
+        </p:nvPicPr>
+        <p:blipFill>
+          <a:blip r:embed="rId2"/>
+          <a:stretch>
+            <a:fillRect/>
+          </a:stretch>
+        </p:blipFill>
+        <p:spPr>
+          <a:xfrm>
+            <a:off x="5271246" y="5366477"/>
+            <a:ext cx="5486400" cy="1134794"/>
+          </a:xfrm>
+          <a:prstGeom prst="rect">
+            <a:avLst/>
+          </a:prstGeom>
+        </p:spPr>
+      </p:pic>
+      <p:pic>
+        <p:nvPicPr>
+          <p:cNvPr id="44" name="Picture 43">
+            <a:extLst>
+              <a:ext uri="{FF2B5EF4-FFF2-40B4-BE49-F238E27FC236}">
+                <a16:creationId xmlns:a16="http://schemas.microsoft.com/office/drawing/2014/main" id="{A9C04CCD-EBC1-A74E-AA4A-D2F3C8FD877B}"/>
+              </a:ext>
+            </a:extLst>
+          </p:cNvPr>
+          <p:cNvPicPr>
+            <a:picLocks noChangeAspect="1"/>
+          </p:cNvPicPr>
+          <p:nvPr/>
+        </p:nvPicPr>
+        <p:blipFill>
+          <a:blip r:embed="rId3"/>
+          <a:stretch>
+            <a:fillRect/>
+          </a:stretch>
+        </p:blipFill>
+        <p:spPr>
+          <a:xfrm>
+            <a:off x="3765176" y="4240060"/>
+            <a:ext cx="5486400" cy="1039233"/>
+          </a:xfrm>
+          <a:prstGeom prst="rect">
+            <a:avLst/>
+          </a:prstGeom>
+        </p:spPr>
+      </p:pic>
+      <p:pic>
+        <p:nvPicPr>
+          <p:cNvPr id="55" name="Picture 54">
+            <a:extLst>
+              <a:ext uri="{FF2B5EF4-FFF2-40B4-BE49-F238E27FC236}">
+                <a16:creationId xmlns:a16="http://schemas.microsoft.com/office/drawing/2014/main" id="{91A262FD-D365-244E-98FE-FE50A16B6053}"/>
+              </a:ext>
+            </a:extLst>
+          </p:cNvPr>
+          <p:cNvPicPr>
+            <a:picLocks noChangeAspect="1"/>
+          </p:cNvPicPr>
+          <p:nvPr/>
+        </p:nvPicPr>
+        <p:blipFill>
+          <a:blip r:embed="rId4"/>
+          <a:stretch>
+            <a:fillRect/>
+          </a:stretch>
+        </p:blipFill>
+        <p:spPr>
+          <a:xfrm>
+            <a:off x="2528046" y="3104281"/>
+            <a:ext cx="5486400" cy="1048595"/>
+          </a:xfrm>
+          <a:prstGeom prst="rect">
+            <a:avLst/>
+          </a:prstGeom>
+        </p:spPr>
+      </p:pic>
+      <p:pic>
+        <p:nvPicPr>
+          <p:cNvPr id="61" name="Picture 60">
+            <a:extLst>
+              <a:ext uri="{FF2B5EF4-FFF2-40B4-BE49-F238E27FC236}">
+                <a16:creationId xmlns:a16="http://schemas.microsoft.com/office/drawing/2014/main" id="{379B99F8-28A7-FD40-AB5D-982FA71BDDBA}"/>
+              </a:ext>
+            </a:extLst>
+          </p:cNvPr>
+          <p:cNvPicPr>
+            <a:picLocks noChangeAspect="1"/>
+          </p:cNvPicPr>
+          <p:nvPr/>
+        </p:nvPicPr>
+        <p:blipFill>
+          <a:blip r:embed="rId5"/>
+          <a:stretch>
+            <a:fillRect/>
+          </a:stretch>
+        </p:blipFill>
+        <p:spPr>
+          <a:xfrm>
+            <a:off x="1559111" y="1968501"/>
+            <a:ext cx="5486400" cy="1048596"/>
+          </a:xfrm>
+          <a:prstGeom prst="rect">
+            <a:avLst/>
+          </a:prstGeom>
+        </p:spPr>
+      </p:pic>
+    </p:spTree>
+    <p:extLst>
+      <p:ext uri="{BB962C8B-B14F-4D97-AF65-F5344CB8AC3E}">
+        <p14:creationId xmlns:p14="http://schemas.microsoft.com/office/powerpoint/2010/main" val="4035377464"/>
+      </p:ext>
+    </p:extLst>
+  </p:cSld>
+  <p:clrMapOvr>
+    <a:masterClrMapping/>
+  </p:clrMapOvr>
+</p:sld>
+</file>
+
+<file path=ppt/slides/slide14.xml><?xml version="1.0" encoding="utf-8"?>
+<p:sld xmlns:a="http://schemas.openxmlformats.org/drawingml/2006/main" xmlns:r="http://schemas.openxmlformats.org/officeDocument/2006/relationships" xmlns:p="http://schemas.openxmlformats.org/presentationml/2006/main">
+  <p:cSld>
+    <p:spTree>
+      <p:nvGrpSpPr>
+        <p:cNvPr id="1" name=""/>
+        <p:cNvGrpSpPr/>
+        <p:nvPr/>
+      </p:nvGrpSpPr>
+      <p:grpSpPr>
+        <a:xfrm>
+          <a:off x="0" y="0"/>
+          <a:ext cx="0" cy="0"/>
+          <a:chOff x="0" y="0"/>
+          <a:chExt cx="0" cy="0"/>
+        </a:xfrm>
+      </p:grpSpPr>
+      <p:sp>
+        <p:nvSpPr>
+          <p:cNvPr id="2" name="Title 1">
+            <a:extLst>
+              <a:ext uri="{FF2B5EF4-FFF2-40B4-BE49-F238E27FC236}">
+                <a16:creationId xmlns:a16="http://schemas.microsoft.com/office/drawing/2014/main" id="{4A5D28ED-1B8F-5D42-B5A7-254661FFC3E3}"/>
+              </a:ext>
+            </a:extLst>
+          </p:cNvPr>
+          <p:cNvSpPr>
+            <a:spLocks noGrp="1"/>
+          </p:cNvSpPr>
+          <p:nvPr>
+            <p:ph type="title"/>
+          </p:nvPr>
+        </p:nvSpPr>
+        <p:spPr/>
+        <p:txBody>
+          <a:bodyPr/>
+          <a:lstStyle/>
+          <a:p>
+            <a:r>
+              <a:rPr lang="en-US" dirty="0"/>
+              <a:t>Densification</a:t>
+            </a:r>
+          </a:p>
+        </p:txBody>
+      </p:sp>
+      <p:sp>
+        <p:nvSpPr>
+          <p:cNvPr id="3" name="Content Placeholder 2">
+            <a:extLst>
+              <a:ext uri="{FF2B5EF4-FFF2-40B4-BE49-F238E27FC236}">
+                <a16:creationId xmlns:a16="http://schemas.microsoft.com/office/drawing/2014/main" id="{583CDF0E-08CF-4D41-A772-2638CA007EAE}"/>
+              </a:ext>
+            </a:extLst>
+          </p:cNvPr>
+          <p:cNvSpPr>
+            <a:spLocks noGrp="1"/>
+          </p:cNvSpPr>
+          <p:nvPr>
+            <p:ph idx="1"/>
+          </p:nvPr>
+        </p:nvSpPr>
+        <p:spPr>
+          <a:xfrm>
+            <a:off x="609599" y="2160495"/>
+            <a:ext cx="6150429" cy="3764056"/>
+          </a:xfrm>
+        </p:spPr>
+        <p:txBody>
+          <a:bodyPr>
+            <a:normAutofit fontScale="77500" lnSpcReduction="20000"/>
+          </a:bodyPr>
+          <a:lstStyle/>
+          <a:p>
+            <a:r>
+              <a:rPr lang="en-US" sz="2300" dirty="0"/>
+              <a:t>Densification takes place during initial 5 - 10 </a:t>
+            </a:r>
+            <a:r>
+              <a:rPr lang="en-US" sz="2300" dirty="0" err="1"/>
+              <a:t>MWd</a:t>
+            </a:r>
+            <a:r>
+              <a:rPr lang="en-US" sz="2300" dirty="0"/>
+              <a:t>/</a:t>
+            </a:r>
+            <a:r>
+              <a:rPr lang="en-US" sz="2300" dirty="0" err="1"/>
+              <a:t>kgU</a:t>
+            </a:r>
+            <a:endParaRPr lang="en-US" sz="2300" dirty="0"/>
+          </a:p>
+          <a:p>
+            <a:pPr lvl="1"/>
+            <a:r>
+              <a:rPr lang="en-US" sz="2300" dirty="0"/>
+              <a:t>Small, as-built pores close due to effects of fission spikes and vacancy diffusion</a:t>
+            </a:r>
+          </a:p>
+          <a:p>
+            <a:pPr lvl="1"/>
+            <a:r>
+              <a:rPr lang="en-US" sz="2300" dirty="0"/>
+              <a:t>Large pores stable (in absence of large hydrostatic stress)</a:t>
+            </a:r>
+          </a:p>
+          <a:p>
+            <a:r>
+              <a:rPr lang="en-US" sz="2300" dirty="0"/>
+              <a:t>Empirical correlation for densification is a function of </a:t>
+            </a:r>
+          </a:p>
+          <a:p>
+            <a:pPr lvl="1"/>
+            <a:r>
+              <a:rPr lang="en-US" sz="2300" dirty="0"/>
+              <a:t>β - Burnup (in FIMA)</a:t>
+            </a:r>
+          </a:p>
+          <a:p>
+            <a:pPr lvl="1"/>
+            <a:r>
+              <a:rPr lang="en-US" sz="2300" dirty="0"/>
+              <a:t>Δρ</a:t>
+            </a:r>
+            <a:r>
+              <a:rPr lang="en-US" sz="2300" baseline="-25000" dirty="0"/>
+              <a:t>0</a:t>
+            </a:r>
+            <a:r>
+              <a:rPr lang="en-US" sz="2300" dirty="0"/>
+              <a:t> – Total densification that can occur (a common value is 0.01)</a:t>
+            </a:r>
+          </a:p>
+          <a:p>
+            <a:pPr lvl="1"/>
+            <a:r>
+              <a:rPr lang="en-US" sz="2300" dirty="0"/>
+              <a:t>β</a:t>
+            </a:r>
+            <a:r>
+              <a:rPr lang="en-US" sz="2300" baseline="-25000" dirty="0"/>
+              <a:t>D</a:t>
+            </a:r>
+            <a:r>
+              <a:rPr lang="en-US" sz="2300" dirty="0"/>
+              <a:t> – Burnup at which densification stops ( a common value is 5 MWD/</a:t>
+            </a:r>
+            <a:r>
+              <a:rPr lang="en-US" sz="2300" dirty="0" err="1"/>
+              <a:t>kgU</a:t>
+            </a:r>
+            <a:r>
+              <a:rPr lang="en-US" sz="2300" dirty="0"/>
+              <a:t>)</a:t>
+            </a:r>
+          </a:p>
+          <a:p>
+            <a:pPr lvl="1"/>
+            <a:r>
+              <a:rPr lang="en-US" sz="2300" dirty="0"/>
+              <a:t>C</a:t>
+            </a:r>
+            <a:r>
+              <a:rPr lang="en-US" sz="2300" baseline="-25000" dirty="0"/>
+              <a:t>D</a:t>
+            </a:r>
+            <a:r>
+              <a:rPr lang="en-US" sz="2300" dirty="0"/>
+              <a:t> = </a:t>
+            </a:r>
+            <a:r>
+              <a:rPr lang="is-IS" sz="2300" dirty="0"/>
+              <a:t>7.235 − 0.0086 (T(°C) − 25) for T &lt; 750°C and CD = 1 for T ≥ 750 °C</a:t>
+            </a:r>
+          </a:p>
+          <a:p>
+            <a:endParaRPr lang="en-US" dirty="0"/>
+          </a:p>
+          <a:p>
+            <a:endParaRPr lang="en-US" dirty="0"/>
+          </a:p>
+          <a:p>
+            <a:endParaRPr lang="en-US" dirty="0"/>
+          </a:p>
+        </p:txBody>
+      </p:sp>
+      <p:sp>
+        <p:nvSpPr>
+          <p:cNvPr id="4" name="Slide Number Placeholder 3">
+            <a:extLst>
+              <a:ext uri="{FF2B5EF4-FFF2-40B4-BE49-F238E27FC236}">
+                <a16:creationId xmlns:a16="http://schemas.microsoft.com/office/drawing/2014/main" id="{F8AACB51-0287-B54B-A474-23236198007F}"/>
+              </a:ext>
+            </a:extLst>
+          </p:cNvPr>
+          <p:cNvSpPr>
+            <a:spLocks noGrp="1"/>
+          </p:cNvSpPr>
+          <p:nvPr>
+            <p:ph type="sldNum" sz="quarter" idx="12"/>
+          </p:nvPr>
+        </p:nvSpPr>
+        <p:spPr/>
+        <p:txBody>
+          <a:bodyPr/>
+          <a:lstStyle/>
+          <a:p>
+            <a:pPr>
+              <a:defRPr/>
+            </a:pPr>
+            <a:fld id="{3FF2C605-4958-CF43-AA48-80339EFDB0AF}" type="slidenum">
+              <a:rPr lang="en-US" smtClean="0"/>
+              <a:pPr>
+                <a:defRPr/>
+              </a:pPr>
+              <a:t>14</a:t>
+            </a:fld>
+            <a:endParaRPr lang="en-US"/>
+          </a:p>
+        </p:txBody>
+      </p:sp>
+      <p:grpSp>
+        <p:nvGrpSpPr>
+          <p:cNvPr id="5" name="Group 4">
+            <a:extLst>
+              <a:ext uri="{FF2B5EF4-FFF2-40B4-BE49-F238E27FC236}">
+                <a16:creationId xmlns:a16="http://schemas.microsoft.com/office/drawing/2014/main" id="{EE7421AC-EFC4-3E47-BB37-8008B94FEE3B}"/>
+              </a:ext>
+            </a:extLst>
+          </p:cNvPr>
+          <p:cNvGrpSpPr/>
+          <p:nvPr/>
+        </p:nvGrpSpPr>
+        <p:grpSpPr>
+          <a:xfrm>
+            <a:off x="7566212" y="1801906"/>
+            <a:ext cx="3650539" cy="2384613"/>
+            <a:chOff x="713509" y="1042555"/>
+            <a:chExt cx="3858491" cy="2386445"/>
+          </a:xfrm>
+        </p:grpSpPr>
+        <p:pic>
+          <p:nvPicPr>
+            <p:cNvPr id="6" name="Picture 1">
+              <a:extLst>
+                <a:ext uri="{FF2B5EF4-FFF2-40B4-BE49-F238E27FC236}">
+                  <a16:creationId xmlns:a16="http://schemas.microsoft.com/office/drawing/2014/main" id="{EB6D5403-E702-A046-9244-5FA312D23CDB}"/>
+                </a:ext>
+              </a:extLst>
+            </p:cNvPr>
+            <p:cNvPicPr>
+              <a:picLocks noChangeAspect="1" noChangeArrowheads="1"/>
+            </p:cNvPicPr>
+            <p:nvPr/>
+          </p:nvPicPr>
+          <p:blipFill>
+            <a:blip r:embed="rId2" cstate="screen">
+              <a:extLst>
+                <a:ext uri="{28A0092B-C50C-407E-A947-70E740481C1C}">
+                  <a14:useLocalDpi xmlns:a14="http://schemas.microsoft.com/office/drawing/2010/main"/>
+                </a:ext>
+              </a:extLst>
+            </a:blip>
+            <a:srcRect/>
+            <a:stretch>
+              <a:fillRect/>
+            </a:stretch>
+          </p:blipFill>
+          <p:spPr bwMode="auto">
+            <a:xfrm>
+              <a:off x="713509" y="1042555"/>
+              <a:ext cx="3858491" cy="2386445"/>
+            </a:xfrm>
+            <a:prstGeom prst="rect">
+              <a:avLst/>
+            </a:prstGeom>
+            <a:noFill/>
+            <a:ln w="6350">
+              <a:solidFill>
+                <a:srgbClr val="D4AD6F"/>
+              </a:solidFill>
+              <a:miter lim="800000"/>
+              <a:headEnd/>
+              <a:tailEnd/>
+            </a:ln>
+          </p:spPr>
+        </p:pic>
+        <p:sp>
+          <p:nvSpPr>
+            <p:cNvPr id="7" name="Rectangle 6">
+              <a:extLst>
+                <a:ext uri="{FF2B5EF4-FFF2-40B4-BE49-F238E27FC236}">
+                  <a16:creationId xmlns:a16="http://schemas.microsoft.com/office/drawing/2014/main" id="{87479BE7-BCD4-7C49-99D3-56FEC0A5DDAE}"/>
+                </a:ext>
+              </a:extLst>
+            </p:cNvPr>
+            <p:cNvSpPr/>
+            <p:nvPr/>
+          </p:nvSpPr>
+          <p:spPr>
+            <a:xfrm>
+              <a:off x="3059831" y="2780928"/>
+              <a:ext cx="1206672" cy="296632"/>
+            </a:xfrm>
+            <a:prstGeom prst="rect">
+              <a:avLst/>
+            </a:prstGeom>
+          </p:spPr>
+          <p:txBody>
+            <a:bodyPr wrap="none">
+              <a:spAutoFit/>
+            </a:bodyPr>
+            <a:lstStyle/>
+            <a:p>
+              <a:r>
+                <a:rPr lang="en-GB" sz="1100" dirty="0">
+                  <a:latin typeface="Arial Narrow" pitchFamily="34" charset="0"/>
+                </a:rPr>
+                <a:t>[Maier et al, 1988]</a:t>
+              </a:r>
+              <a:endParaRPr lang="en-US" sz="1100" dirty="0">
+                <a:latin typeface="Arial Narrow" pitchFamily="34" charset="0"/>
+              </a:endParaRPr>
+            </a:p>
+          </p:txBody>
+        </p:sp>
+      </p:grpSp>
+      <p:pic>
+        <p:nvPicPr>
+          <p:cNvPr id="8" name="Picture 7">
+            <a:extLst>
+              <a:ext uri="{FF2B5EF4-FFF2-40B4-BE49-F238E27FC236}">
+                <a16:creationId xmlns:a16="http://schemas.microsoft.com/office/drawing/2014/main" id="{FCD3924E-BDB9-5B4D-9220-7CEA535A0139}"/>
+              </a:ext>
+            </a:extLst>
+          </p:cNvPr>
+          <p:cNvPicPr>
+            <a:picLocks noChangeAspect="1"/>
+          </p:cNvPicPr>
+          <p:nvPr/>
+        </p:nvPicPr>
+        <p:blipFill>
+          <a:blip r:embed="rId3" cstate="screen">
+            <a:extLst>
+              <a:ext uri="{28A0092B-C50C-407E-A947-70E740481C1C}">
+                <a14:useLocalDpi xmlns:a14="http://schemas.microsoft.com/office/drawing/2010/main"/>
+              </a:ext>
+            </a:extLst>
+          </a:blip>
+          <a:stretch>
+            <a:fillRect/>
+          </a:stretch>
+        </p:blipFill>
+        <p:spPr>
+          <a:xfrm>
+            <a:off x="7783932" y="4186519"/>
+            <a:ext cx="3322674" cy="2492006"/>
+          </a:xfrm>
+          <a:prstGeom prst="rect">
+            <a:avLst/>
+          </a:prstGeom>
+        </p:spPr>
+      </p:pic>
+      <p:pic>
+        <p:nvPicPr>
+          <p:cNvPr id="9" name="Picture 8" descr="latex-image-1.pdf">
+            <a:extLst>
+              <a:ext uri="{FF2B5EF4-FFF2-40B4-BE49-F238E27FC236}">
+                <a16:creationId xmlns:a16="http://schemas.microsoft.com/office/drawing/2014/main" id="{F902FE23-709D-A44E-AE43-D2045E1C7C10}"/>
+              </a:ext>
+            </a:extLst>
+          </p:cNvPr>
+          <p:cNvPicPr>
+            <a:picLocks noChangeAspect="1"/>
+          </p:cNvPicPr>
+          <p:nvPr/>
+        </p:nvPicPr>
+        <p:blipFill>
+          <a:blip r:embed="rId4">
+            <a:extLst>
+              <a:ext uri="{28A0092B-C50C-407E-A947-70E740481C1C}">
+                <a14:useLocalDpi xmlns:a14="http://schemas.microsoft.com/office/drawing/2010/main"/>
+              </a:ext>
+            </a:extLst>
+          </a:blip>
+          <a:stretch>
+            <a:fillRect/>
+          </a:stretch>
+        </p:blipFill>
+        <p:spPr>
+          <a:xfrm>
+            <a:off x="2108239" y="5708651"/>
+            <a:ext cx="2374900" cy="431800"/>
+          </a:xfrm>
+          <a:prstGeom prst="rect">
+            <a:avLst/>
+          </a:prstGeom>
+        </p:spPr>
+      </p:pic>
+    </p:spTree>
+    <p:extLst>
+      <p:ext uri="{BB962C8B-B14F-4D97-AF65-F5344CB8AC3E}">
+        <p14:creationId xmlns:p14="http://schemas.microsoft.com/office/powerpoint/2010/main" val="1248904528"/>
+      </p:ext>
+    </p:extLst>
+  </p:cSld>
+  <p:clrMapOvr>
+    <a:masterClrMapping/>
+  </p:clrMapOvr>
+</p:sld>
+</file>
+
+<file path=ppt/slides/slide15.xml><?xml version="1.0" encoding="utf-8"?>
+<p:sld xmlns:a="http://schemas.openxmlformats.org/drawingml/2006/main" xmlns:r="http://schemas.openxmlformats.org/officeDocument/2006/relationships" xmlns:p="http://schemas.openxmlformats.org/presentationml/2006/main">
+  <p:cSld>
+    <p:spTree>
+      <p:nvGrpSpPr>
+        <p:cNvPr id="1" name=""/>
+        <p:cNvGrpSpPr/>
+        <p:nvPr/>
+      </p:nvGrpSpPr>
+      <p:grpSpPr>
+        <a:xfrm>
+          <a:off x="0" y="0"/>
+          <a:ext cx="0" cy="0"/>
+          <a:chOff x="0" y="0"/>
+          <a:chExt cx="0" cy="0"/>
+        </a:xfrm>
+      </p:grpSpPr>
+      <p:sp>
+        <p:nvSpPr>
+          <p:cNvPr id="2" name="Title 1">
+            <a:extLst>
+              <a:ext uri="{FF2B5EF4-FFF2-40B4-BE49-F238E27FC236}">
+                <a16:creationId xmlns:a16="http://schemas.microsoft.com/office/drawing/2014/main" id="{47C41E4E-2D4A-2F48-8F8A-47CC1CA4B238}"/>
+              </a:ext>
+            </a:extLst>
+          </p:cNvPr>
+          <p:cNvSpPr>
+            <a:spLocks noGrp="1"/>
+          </p:cNvSpPr>
+          <p:nvPr>
+            <p:ph type="title"/>
+          </p:nvPr>
+        </p:nvSpPr>
+        <p:spPr/>
+        <p:txBody>
+          <a:bodyPr/>
+          <a:lstStyle/>
+          <a:p>
+            <a:r>
+              <a:rPr lang="en-US" dirty="0"/>
+              <a:t>Fission product induced swelling</a:t>
+            </a:r>
+          </a:p>
+        </p:txBody>
+      </p:sp>
+      <p:sp>
+        <p:nvSpPr>
+          <p:cNvPr id="3" name="Content Placeholder 2">
+            <a:extLst>
+              <a:ext uri="{FF2B5EF4-FFF2-40B4-BE49-F238E27FC236}">
+                <a16:creationId xmlns:a16="http://schemas.microsoft.com/office/drawing/2014/main" id="{AC3A0371-949B-614E-98BF-28DDBEF1FFD8}"/>
+              </a:ext>
+            </a:extLst>
+          </p:cNvPr>
+          <p:cNvSpPr>
+            <a:spLocks noGrp="1"/>
+          </p:cNvSpPr>
+          <p:nvPr>
+            <p:ph idx="1"/>
+          </p:nvPr>
+        </p:nvSpPr>
+        <p:spPr>
+          <a:xfrm>
+            <a:off x="609600" y="2160495"/>
+            <a:ext cx="4760259" cy="3965670"/>
+          </a:xfrm>
+        </p:spPr>
+        <p:txBody>
+          <a:bodyPr/>
+          <a:lstStyle/>
+          <a:p>
+            <a:r>
+              <a:rPr lang="en-US" sz="2000" dirty="0"/>
+              <a:t>Fission product swelling results from three changes in the fuel microstructure</a:t>
+            </a:r>
+          </a:p>
+          <a:p>
+            <a:pPr lvl="1"/>
+            <a:r>
+              <a:rPr lang="en-US" sz="1600" u="sng" dirty="0"/>
+              <a:t>Solid swelling</a:t>
+            </a:r>
+            <a:r>
+              <a:rPr lang="en-US" sz="1600" dirty="0"/>
+              <a:t>:  Accumulation of soluble and insoluble fission products in fuel matrix </a:t>
+            </a:r>
+          </a:p>
+          <a:p>
+            <a:pPr lvl="1"/>
+            <a:r>
+              <a:rPr lang="en-US" sz="1600" u="sng" dirty="0"/>
+              <a:t>Gaseous swelling</a:t>
+            </a:r>
+            <a:r>
+              <a:rPr lang="en-US" sz="1600" dirty="0"/>
+              <a:t>:  Accumulation of gaseous and volatile fission products in intragranular and intergranular pores</a:t>
+            </a:r>
+          </a:p>
+          <a:p>
+            <a:pPr lvl="1"/>
+            <a:r>
+              <a:rPr lang="en-US" sz="1600" u="sng" dirty="0"/>
+              <a:t>High burnup swelling</a:t>
+            </a:r>
+            <a:r>
+              <a:rPr lang="en-US" sz="1600" dirty="0"/>
+              <a:t>:  Restructuring of pellet rim with the accumulation of fission gas in a large number of small pores </a:t>
+            </a:r>
+          </a:p>
+          <a:p>
+            <a:endParaRPr lang="en-US" dirty="0"/>
+          </a:p>
+        </p:txBody>
+      </p:sp>
+      <p:sp>
+        <p:nvSpPr>
+          <p:cNvPr id="4" name="Slide Number Placeholder 3">
+            <a:extLst>
+              <a:ext uri="{FF2B5EF4-FFF2-40B4-BE49-F238E27FC236}">
+                <a16:creationId xmlns:a16="http://schemas.microsoft.com/office/drawing/2014/main" id="{FA746D49-F9C9-334B-BE14-10384EAC270C}"/>
+              </a:ext>
+            </a:extLst>
+          </p:cNvPr>
+          <p:cNvSpPr>
+            <a:spLocks noGrp="1"/>
+          </p:cNvSpPr>
+          <p:nvPr>
+            <p:ph type="sldNum" sz="quarter" idx="12"/>
+          </p:nvPr>
+        </p:nvSpPr>
+        <p:spPr/>
+        <p:txBody>
+          <a:bodyPr/>
+          <a:lstStyle/>
+          <a:p>
+            <a:pPr>
+              <a:defRPr/>
+            </a:pPr>
+            <a:fld id="{3FF2C605-4958-CF43-AA48-80339EFDB0AF}" type="slidenum">
+              <a:rPr lang="en-US" smtClean="0"/>
+              <a:pPr>
+                <a:defRPr/>
+              </a:pPr>
+              <a:t>15</a:t>
+            </a:fld>
+            <a:endParaRPr lang="en-US"/>
+          </a:p>
+        </p:txBody>
+      </p:sp>
+      <p:grpSp>
+        <p:nvGrpSpPr>
+          <p:cNvPr id="5" name="Group 4">
+            <a:extLst>
+              <a:ext uri="{FF2B5EF4-FFF2-40B4-BE49-F238E27FC236}">
+                <a16:creationId xmlns:a16="http://schemas.microsoft.com/office/drawing/2014/main" id="{FFAF0D06-840B-DA41-8537-5EF9878C5211}"/>
+              </a:ext>
+            </a:extLst>
+          </p:cNvPr>
+          <p:cNvGrpSpPr>
+            <a:grpSpLocks noChangeAspect="1"/>
+          </p:cNvGrpSpPr>
+          <p:nvPr/>
+        </p:nvGrpSpPr>
+        <p:grpSpPr>
+          <a:xfrm>
+            <a:off x="6334440" y="2337616"/>
+            <a:ext cx="4511662" cy="3112926"/>
+            <a:chOff x="2288767" y="836712"/>
+            <a:chExt cx="4566465" cy="3099693"/>
+          </a:xfrm>
+        </p:grpSpPr>
+        <p:pic>
+          <p:nvPicPr>
+            <p:cNvPr id="6" name="Picture 2">
+              <a:extLst>
+                <a:ext uri="{FF2B5EF4-FFF2-40B4-BE49-F238E27FC236}">
+                  <a16:creationId xmlns:a16="http://schemas.microsoft.com/office/drawing/2014/main" id="{32134FA4-6D98-874C-BEE1-7FBAB23E965F}"/>
+                </a:ext>
+              </a:extLst>
+            </p:cNvPr>
+            <p:cNvPicPr>
+              <a:picLocks noChangeAspect="1" noChangeArrowheads="1"/>
+            </p:cNvPicPr>
+            <p:nvPr/>
+          </p:nvPicPr>
+          <p:blipFill>
+            <a:blip r:embed="rId2" cstate="screen">
+              <a:extLst>
+                <a:ext uri="{28A0092B-C50C-407E-A947-70E740481C1C}">
+                  <a14:useLocalDpi xmlns:a14="http://schemas.microsoft.com/office/drawing/2010/main"/>
+                </a:ext>
+              </a:extLst>
+            </a:blip>
+            <a:srcRect/>
+            <a:stretch>
+              <a:fillRect/>
+            </a:stretch>
+          </p:blipFill>
+          <p:spPr bwMode="auto">
+            <a:xfrm>
+              <a:off x="2288767" y="836712"/>
+              <a:ext cx="4566465" cy="3099693"/>
+            </a:xfrm>
+            <a:prstGeom prst="rect">
+              <a:avLst/>
+            </a:prstGeom>
+            <a:noFill/>
+            <a:ln w="6350">
+              <a:solidFill>
+                <a:srgbClr val="D4AD6F"/>
+              </a:solidFill>
+              <a:miter lim="800000"/>
+              <a:headEnd/>
+              <a:tailEnd/>
+            </a:ln>
+          </p:spPr>
+        </p:pic>
+        <p:sp>
+          <p:nvSpPr>
+            <p:cNvPr id="7" name="TextBox 6">
+              <a:extLst>
+                <a:ext uri="{FF2B5EF4-FFF2-40B4-BE49-F238E27FC236}">
+                  <a16:creationId xmlns:a16="http://schemas.microsoft.com/office/drawing/2014/main" id="{9E9F4F15-0CB9-AC4E-927A-88AC5D6895C9}"/>
+                </a:ext>
+              </a:extLst>
+            </p:cNvPr>
+            <p:cNvSpPr txBox="1"/>
+            <p:nvPr/>
+          </p:nvSpPr>
+          <p:spPr>
+            <a:xfrm>
+              <a:off x="4067944" y="3265686"/>
+              <a:ext cx="2659702" cy="307777"/>
+            </a:xfrm>
+            <a:prstGeom prst="rect">
+              <a:avLst/>
+            </a:prstGeom>
+            <a:noFill/>
+          </p:spPr>
+          <p:txBody>
+            <a:bodyPr wrap="none" rtlCol="0">
+              <a:spAutoFit/>
+            </a:bodyPr>
+            <a:lstStyle/>
+            <a:p>
+              <a:r>
+                <a:rPr lang="en-US" sz="1400" dirty="0">
+                  <a:latin typeface="Arial Narrow" pitchFamily="34" charset="0"/>
+                </a:rPr>
+                <a:t>after </a:t>
+              </a:r>
+              <a:r>
+                <a:rPr lang="en-US" sz="1400" dirty="0" err="1">
+                  <a:latin typeface="Arial Narrow" pitchFamily="34" charset="0"/>
+                </a:rPr>
+                <a:t>Garzarolli</a:t>
+              </a:r>
+              <a:r>
+                <a:rPr lang="en-US" sz="1400" dirty="0">
+                  <a:latin typeface="Arial Narrow" pitchFamily="34" charset="0"/>
+                </a:rPr>
+                <a:t> in [Rudling et al, 2007]</a:t>
+              </a:r>
+            </a:p>
+          </p:txBody>
+        </p:sp>
+      </p:grpSp>
+    </p:spTree>
+    <p:extLst>
+      <p:ext uri="{BB962C8B-B14F-4D97-AF65-F5344CB8AC3E}">
+        <p14:creationId xmlns:p14="http://schemas.microsoft.com/office/powerpoint/2010/main" val="385135632"/>
+      </p:ext>
+    </p:extLst>
+  </p:cSld>
+  <p:clrMapOvr>
+    <a:masterClrMapping/>
+  </p:clrMapOvr>
+</p:sld>
+</file>
+
+<file path=ppt/slides/slide16.xml><?xml version="1.0" encoding="utf-8"?>
+<p:sld xmlns:a="http://schemas.openxmlformats.org/drawingml/2006/main" xmlns:r="http://schemas.openxmlformats.org/officeDocument/2006/relationships" xmlns:p="http://schemas.openxmlformats.org/presentationml/2006/main">
+  <p:cSld>
+    <p:spTree>
+      <p:nvGrpSpPr>
+        <p:cNvPr id="1" name=""/>
+        <p:cNvGrpSpPr/>
+        <p:nvPr/>
+      </p:nvGrpSpPr>
+      <p:grpSpPr>
+        <a:xfrm>
+          <a:off x="0" y="0"/>
+          <a:ext cx="0" cy="0"/>
+          <a:chOff x="0" y="0"/>
+          <a:chExt cx="0" cy="0"/>
+        </a:xfrm>
+      </p:grpSpPr>
+      <p:sp>
+        <p:nvSpPr>
+          <p:cNvPr id="2" name="Title 1">
+            <a:extLst>
+              <a:ext uri="{FF2B5EF4-FFF2-40B4-BE49-F238E27FC236}">
+                <a16:creationId xmlns:a16="http://schemas.microsoft.com/office/drawing/2014/main" id="{44347938-61CC-C14E-9425-BBAE3A8E5CE0}"/>
+              </a:ext>
+            </a:extLst>
+          </p:cNvPr>
+          <p:cNvSpPr>
+            <a:spLocks noGrp="1"/>
+          </p:cNvSpPr>
+          <p:nvPr>
+            <p:ph type="title"/>
+          </p:nvPr>
+        </p:nvSpPr>
+        <p:spPr/>
+        <p:txBody>
+          <a:bodyPr/>
+          <a:lstStyle/>
+          <a:p>
+            <a:r>
+              <a:rPr lang="en-US" dirty="0"/>
+              <a:t>Solid fission product swelling</a:t>
+            </a:r>
+          </a:p>
+        </p:txBody>
+      </p:sp>
+      <p:sp>
+        <p:nvSpPr>
+          <p:cNvPr id="3" name="Content Placeholder 2">
+            <a:extLst>
+              <a:ext uri="{FF2B5EF4-FFF2-40B4-BE49-F238E27FC236}">
+                <a16:creationId xmlns:a16="http://schemas.microsoft.com/office/drawing/2014/main" id="{C365267D-4E80-7140-BD5C-1A8E987CDC01}"/>
+              </a:ext>
+            </a:extLst>
+          </p:cNvPr>
+          <p:cNvSpPr>
+            <a:spLocks noGrp="1"/>
+          </p:cNvSpPr>
+          <p:nvPr>
+            <p:ph idx="1"/>
+          </p:nvPr>
+        </p:nvSpPr>
+        <p:spPr>
+          <a:xfrm>
+            <a:off x="609600" y="2160495"/>
+            <a:ext cx="5585012" cy="3965670"/>
+          </a:xfrm>
+        </p:spPr>
+        <p:txBody>
+          <a:bodyPr/>
+          <a:lstStyle/>
+          <a:p>
+            <a:pPr>
+              <a:spcBef>
+                <a:spcPts val="800"/>
+              </a:spcBef>
+            </a:pPr>
+            <a:r>
+              <a:rPr lang="en-US" dirty="0">
+                <a:sym typeface="Symbol"/>
+              </a:rPr>
+              <a:t>The solid fission product swelling model is a function of:</a:t>
+            </a:r>
+          </a:p>
+          <a:p>
+            <a:pPr lvl="1"/>
+            <a:r>
+              <a:rPr lang="el-GR" sz="1600" dirty="0"/>
+              <a:t>Β</a:t>
+            </a:r>
+            <a:r>
+              <a:rPr lang="en-US" sz="1600" dirty="0"/>
+              <a:t> – Burnup (in FIMA)</a:t>
+            </a:r>
+          </a:p>
+          <a:p>
+            <a:pPr lvl="1"/>
+            <a:r>
+              <a:rPr lang="en-US" sz="1600" dirty="0" err="1"/>
+              <a:t>ρ</a:t>
+            </a:r>
+            <a:r>
+              <a:rPr lang="en-US" sz="1600" dirty="0"/>
+              <a:t> – Initial UO</a:t>
+            </a:r>
+            <a:r>
+              <a:rPr lang="en-US" sz="1600" baseline="-25000" dirty="0"/>
+              <a:t>2</a:t>
+            </a:r>
+            <a:r>
+              <a:rPr lang="en-US" sz="1600" dirty="0"/>
+              <a:t> density (g/cm</a:t>
+            </a:r>
+            <a:r>
+              <a:rPr lang="en-US" sz="1600" baseline="30000" dirty="0"/>
+              <a:t>3</a:t>
+            </a:r>
+            <a:r>
+              <a:rPr lang="en-US" sz="1600" dirty="0"/>
+              <a:t>)</a:t>
+            </a:r>
+          </a:p>
+          <a:p>
+            <a:endParaRPr lang="en-US" dirty="0"/>
+          </a:p>
+        </p:txBody>
+      </p:sp>
+      <p:sp>
+        <p:nvSpPr>
+          <p:cNvPr id="4" name="Slide Number Placeholder 3">
+            <a:extLst>
+              <a:ext uri="{FF2B5EF4-FFF2-40B4-BE49-F238E27FC236}">
+                <a16:creationId xmlns:a16="http://schemas.microsoft.com/office/drawing/2014/main" id="{C344F1F0-8FFC-7142-B143-9DB9D2C0FD30}"/>
+              </a:ext>
+            </a:extLst>
+          </p:cNvPr>
+          <p:cNvSpPr>
+            <a:spLocks noGrp="1"/>
+          </p:cNvSpPr>
+          <p:nvPr>
+            <p:ph type="sldNum" sz="quarter" idx="12"/>
+          </p:nvPr>
+        </p:nvSpPr>
+        <p:spPr/>
+        <p:txBody>
+          <a:bodyPr/>
+          <a:lstStyle/>
+          <a:p>
+            <a:pPr>
+              <a:defRPr/>
+            </a:pPr>
+            <a:fld id="{3FF2C605-4958-CF43-AA48-80339EFDB0AF}" type="slidenum">
+              <a:rPr lang="en-US" smtClean="0"/>
+              <a:pPr>
+                <a:defRPr/>
+              </a:pPr>
+              <a:t>16</a:t>
+            </a:fld>
+            <a:endParaRPr lang="en-US"/>
+          </a:p>
+        </p:txBody>
+      </p:sp>
+      <p:pic>
+        <p:nvPicPr>
+          <p:cNvPr id="5" name="Picture 4">
+            <a:extLst>
+              <a:ext uri="{FF2B5EF4-FFF2-40B4-BE49-F238E27FC236}">
+                <a16:creationId xmlns:a16="http://schemas.microsoft.com/office/drawing/2014/main" id="{0B3330BB-506E-8445-8080-F1951EE12692}"/>
+              </a:ext>
+            </a:extLst>
+          </p:cNvPr>
+          <p:cNvPicPr>
+            <a:picLocks noChangeAspect="1"/>
+          </p:cNvPicPr>
+          <p:nvPr/>
+        </p:nvPicPr>
+        <p:blipFill>
+          <a:blip r:embed="rId2"/>
+          <a:stretch>
+            <a:fillRect/>
+          </a:stretch>
+        </p:blipFill>
+        <p:spPr>
+          <a:xfrm>
+            <a:off x="6096000" y="2160495"/>
+            <a:ext cx="5020438" cy="3765329"/>
+          </a:xfrm>
+          <a:prstGeom prst="rect">
+            <a:avLst/>
+          </a:prstGeom>
+        </p:spPr>
+      </p:pic>
+      <p:pic>
+        <p:nvPicPr>
+          <p:cNvPr id="6" name="Picture 5" descr="latex-image-1.pdf">
+            <a:extLst>
+              <a:ext uri="{FF2B5EF4-FFF2-40B4-BE49-F238E27FC236}">
+                <a16:creationId xmlns:a16="http://schemas.microsoft.com/office/drawing/2014/main" id="{5AE088D6-906A-2F4B-A505-D1463AC4362B}"/>
+              </a:ext>
+            </a:extLst>
+          </p:cNvPr>
+          <p:cNvPicPr>
+            <a:picLocks noChangeAspect="1"/>
+          </p:cNvPicPr>
+          <p:nvPr/>
+        </p:nvPicPr>
+        <p:blipFill>
+          <a:blip r:embed="rId3">
+            <a:extLst>
+              <a:ext uri="{28A0092B-C50C-407E-A947-70E740481C1C}">
+                <a14:useLocalDpi xmlns:a14="http://schemas.microsoft.com/office/drawing/2010/main"/>
+              </a:ext>
+            </a:extLst>
+          </a:blip>
+          <a:stretch>
+            <a:fillRect/>
+          </a:stretch>
+        </p:blipFill>
+        <p:spPr>
+          <a:xfrm>
+            <a:off x="1335942" y="4225656"/>
+            <a:ext cx="2222500" cy="279400"/>
+          </a:xfrm>
+          <a:prstGeom prst="rect">
+            <a:avLst/>
+          </a:prstGeom>
+        </p:spPr>
+      </p:pic>
+    </p:spTree>
+    <p:extLst>
+      <p:ext uri="{BB962C8B-B14F-4D97-AF65-F5344CB8AC3E}">
+        <p14:creationId xmlns:p14="http://schemas.microsoft.com/office/powerpoint/2010/main" val="4247769928"/>
+      </p:ext>
+    </p:extLst>
+  </p:cSld>
+  <p:clrMapOvr>
+    <a:masterClrMapping/>
+  </p:clrMapOvr>
+</p:sld>
+</file>
+
+<file path=ppt/slides/slide17.xml><?xml version="1.0" encoding="utf-8"?>
+<p:sld xmlns:a="http://schemas.openxmlformats.org/drawingml/2006/main" xmlns:r="http://schemas.openxmlformats.org/officeDocument/2006/relationships" xmlns:p="http://schemas.openxmlformats.org/presentationml/2006/main">
+  <p:cSld>
+    <p:spTree>
+      <p:nvGrpSpPr>
+        <p:cNvPr id="1" name=""/>
+        <p:cNvGrpSpPr/>
+        <p:nvPr/>
+      </p:nvGrpSpPr>
+      <p:grpSpPr>
+        <a:xfrm>
+          <a:off x="0" y="0"/>
+          <a:ext cx="0" cy="0"/>
+          <a:chOff x="0" y="0"/>
+          <a:chExt cx="0" cy="0"/>
+        </a:xfrm>
+      </p:grpSpPr>
+      <p:sp>
+        <p:nvSpPr>
+          <p:cNvPr id="2" name="Title 1">
+            <a:extLst>
+              <a:ext uri="{FF2B5EF4-FFF2-40B4-BE49-F238E27FC236}">
+                <a16:creationId xmlns:a16="http://schemas.microsoft.com/office/drawing/2014/main" id="{D5E58D87-1841-BA4C-AF81-D5A04583D727}"/>
+              </a:ext>
+            </a:extLst>
+          </p:cNvPr>
+          <p:cNvSpPr>
+            <a:spLocks noGrp="1"/>
+          </p:cNvSpPr>
+          <p:nvPr>
+            <p:ph type="title"/>
+          </p:nvPr>
+        </p:nvSpPr>
+        <p:spPr/>
+        <p:txBody>
+          <a:bodyPr/>
+          <a:lstStyle/>
+          <a:p>
+            <a:r>
+              <a:rPr lang="en-US" dirty="0"/>
+              <a:t>Gaseous fission product swelling</a:t>
+            </a:r>
+          </a:p>
+        </p:txBody>
+      </p:sp>
+      <p:sp>
+        <p:nvSpPr>
+          <p:cNvPr id="3" name="Content Placeholder 2">
+            <a:extLst>
+              <a:ext uri="{FF2B5EF4-FFF2-40B4-BE49-F238E27FC236}">
+                <a16:creationId xmlns:a16="http://schemas.microsoft.com/office/drawing/2014/main" id="{A29A34F9-4FFB-A145-A3F7-D2E75D9EF8DA}"/>
+              </a:ext>
+            </a:extLst>
+          </p:cNvPr>
+          <p:cNvSpPr>
+            <a:spLocks noGrp="1"/>
+          </p:cNvSpPr>
+          <p:nvPr>
+            <p:ph idx="1"/>
+          </p:nvPr>
+        </p:nvSpPr>
+        <p:spPr>
+          <a:xfrm>
+            <a:off x="609600" y="2160495"/>
+            <a:ext cx="6239435" cy="3965670"/>
+          </a:xfrm>
+        </p:spPr>
+        <p:txBody>
+          <a:bodyPr>
+            <a:normAutofit fontScale="77500" lnSpcReduction="20000"/>
+          </a:bodyPr>
+          <a:lstStyle/>
+          <a:p>
+            <a:pPr>
+              <a:spcBef>
+                <a:spcPts val="800"/>
+              </a:spcBef>
+            </a:pPr>
+            <a:r>
+              <a:rPr lang="en-US" sz="2000" dirty="0"/>
+              <a:t>Gaseous swelling varies strongly with temperature, fission rate and stress</a:t>
+            </a:r>
+          </a:p>
+          <a:p>
+            <a:pPr>
+              <a:spcBef>
+                <a:spcPts val="800"/>
+              </a:spcBef>
+            </a:pPr>
+            <a:r>
+              <a:rPr lang="en-US" sz="2000" dirty="0"/>
+              <a:t>T &lt; 1000K</a:t>
+            </a:r>
+          </a:p>
+          <a:p>
+            <a:pPr lvl="1">
+              <a:spcBef>
+                <a:spcPts val="800"/>
+              </a:spcBef>
+            </a:pPr>
+            <a:r>
+              <a:rPr lang="en-US" sz="1600" dirty="0"/>
+              <a:t>Fission gas atoms remain in fuel matrix or collect in small, isolated, intragranular pores (&lt;1 nm)</a:t>
+            </a:r>
+          </a:p>
+          <a:p>
+            <a:pPr lvl="1">
+              <a:spcBef>
+                <a:spcPts val="800"/>
+              </a:spcBef>
+            </a:pPr>
+            <a:r>
+              <a:rPr lang="en-US" sz="1600" dirty="0"/>
+              <a:t>Intragranular pore size limited by fission spikes that drive gas back into fuel matrix </a:t>
+            </a:r>
+          </a:p>
+          <a:p>
+            <a:pPr lvl="1">
+              <a:spcBef>
+                <a:spcPts val="800"/>
+              </a:spcBef>
+            </a:pPr>
+            <a:r>
+              <a:rPr lang="en-US" sz="1600" dirty="0"/>
+              <a:t>Gaseous swelling constrained by fission gas release</a:t>
+            </a:r>
+          </a:p>
+          <a:p>
+            <a:pPr>
+              <a:spcBef>
+                <a:spcPts val="800"/>
+              </a:spcBef>
+            </a:pPr>
+            <a:r>
+              <a:rPr lang="en-US" sz="2000" dirty="0"/>
+              <a:t>T = 1000 to 1700 K</a:t>
+            </a:r>
+          </a:p>
+          <a:p>
+            <a:pPr lvl="1">
+              <a:spcBef>
+                <a:spcPts val="800"/>
+              </a:spcBef>
+            </a:pPr>
+            <a:r>
+              <a:rPr lang="en-US" sz="1600" dirty="0"/>
+              <a:t>Swelling takes place at hot interior of pellet</a:t>
+            </a:r>
+          </a:p>
+          <a:p>
+            <a:pPr lvl="1">
+              <a:spcBef>
+                <a:spcPts val="800"/>
+              </a:spcBef>
+            </a:pPr>
+            <a:r>
+              <a:rPr lang="en-US" sz="1600" dirty="0"/>
+              <a:t>Gas atoms in fuel matrix diffuse to grain boundaries and collect in pores</a:t>
+            </a:r>
+          </a:p>
+          <a:p>
+            <a:pPr lvl="1">
+              <a:spcBef>
+                <a:spcPts val="800"/>
+              </a:spcBef>
+            </a:pPr>
+            <a:r>
+              <a:rPr lang="en-US" sz="1600" dirty="0"/>
+              <a:t>Gas pressure causes bubbles to increase in size and to coalesce into larger pores </a:t>
+            </a:r>
+          </a:p>
+          <a:p>
+            <a:pPr lvl="1">
+              <a:spcBef>
+                <a:spcPts val="800"/>
+              </a:spcBef>
+            </a:pPr>
+            <a:r>
+              <a:rPr lang="en-US" sz="1600" dirty="0"/>
+              <a:t>Gaseous swelling opposed by applied stress</a:t>
+            </a:r>
+          </a:p>
+          <a:p>
+            <a:pPr lvl="1">
+              <a:spcBef>
+                <a:spcPts val="800"/>
+              </a:spcBef>
+            </a:pPr>
+            <a:r>
+              <a:rPr lang="en-US" sz="1600" dirty="0"/>
+              <a:t>Gaseous swelling also constrained by fission gas release</a:t>
+            </a:r>
+          </a:p>
+          <a:p>
+            <a:pPr>
+              <a:spcBef>
+                <a:spcPts val="800"/>
+              </a:spcBef>
+            </a:pPr>
+            <a:endParaRPr lang="en-US" sz="1600" dirty="0"/>
+          </a:p>
+          <a:p>
+            <a:endParaRPr lang="en-US" dirty="0"/>
+          </a:p>
+        </p:txBody>
+      </p:sp>
+      <p:sp>
+        <p:nvSpPr>
+          <p:cNvPr id="4" name="Slide Number Placeholder 3">
+            <a:extLst>
+              <a:ext uri="{FF2B5EF4-FFF2-40B4-BE49-F238E27FC236}">
+                <a16:creationId xmlns:a16="http://schemas.microsoft.com/office/drawing/2014/main" id="{03117967-2B2D-7B41-9E76-1DD1F351BF6B}"/>
+              </a:ext>
+            </a:extLst>
+          </p:cNvPr>
+          <p:cNvSpPr>
+            <a:spLocks noGrp="1"/>
+          </p:cNvSpPr>
+          <p:nvPr>
+            <p:ph type="sldNum" sz="quarter" idx="12"/>
+          </p:nvPr>
+        </p:nvSpPr>
+        <p:spPr/>
+        <p:txBody>
+          <a:bodyPr/>
+          <a:lstStyle/>
+          <a:p>
+            <a:pPr>
+              <a:defRPr/>
+            </a:pPr>
+            <a:fld id="{3FF2C605-4958-CF43-AA48-80339EFDB0AF}" type="slidenum">
+              <a:rPr lang="en-US" smtClean="0"/>
+              <a:pPr>
+                <a:defRPr/>
+              </a:pPr>
+              <a:t>17</a:t>
             </a:fld>
             <a:endParaRPr lang="en-US"/>
           </a:p>
@@ -4125,7 +5797,7 @@
 </p:sld>
 </file>
 
-<file path=ppt/slides/slide11.xml><?xml version="1.0" encoding="utf-8"?>
+<file path=ppt/slides/slide18.xml><?xml version="1.0" encoding="utf-8"?>
 <p:sld xmlns:a="http://schemas.openxmlformats.org/drawingml/2006/main" xmlns:r="http://schemas.openxmlformats.org/officeDocument/2006/relationships" xmlns:p="http://schemas.openxmlformats.org/presentationml/2006/main">
   <p:cSld>
     <p:spTree>
@@ -4369,7 +6041,7 @@
               <a:pPr>
                 <a:defRPr/>
               </a:pPr>
-              <a:t>11</a:t>
+              <a:t>18</a:t>
             </a:fld>
             <a:endParaRPr lang="en-US"/>
           </a:p>
@@ -4388,7 +6060,7 @@
 </p:sld>
 </file>
 
-<file path=ppt/slides/slide12.xml><?xml version="1.0" encoding="utf-8"?>
+<file path=ppt/slides/slide19.xml><?xml version="1.0" encoding="utf-8"?>
 <p:sld xmlns:a="http://schemas.openxmlformats.org/drawingml/2006/main" xmlns:r="http://schemas.openxmlformats.org/officeDocument/2006/relationships" xmlns:p="http://schemas.openxmlformats.org/presentationml/2006/main">
   <p:cSld>
     <p:spTree>
@@ -4674,7 +6346,7 @@
               <a:pPr>
                 <a:defRPr/>
               </a:pPr>
-              <a:t>12</a:t>
+              <a:t>19</a:t>
             </a:fld>
             <a:endParaRPr lang="en-US"/>
           </a:p>
@@ -4765,7 +6437,7 @@
 </p:sld>
 </file>
 
-<file path=ppt/slides/slide13.xml><?xml version="1.0" encoding="utf-8"?>
+<file path=ppt/slides/slide2.xml><?xml version="1.0" encoding="utf-8"?>
 <p:sld xmlns:a="http://schemas.openxmlformats.org/drawingml/2006/main" xmlns:r="http://schemas.openxmlformats.org/officeDocument/2006/relationships" xmlns:p="http://schemas.openxmlformats.org/presentationml/2006/main">
   <p:cSld>
     <p:spTree>
@@ -4787,7 +6459,7 @@
           <p:cNvPr id="2" name="Title 1">
             <a:extLst>
               <a:ext uri="{FF2B5EF4-FFF2-40B4-BE49-F238E27FC236}">
-                <a16:creationId xmlns:a16="http://schemas.microsoft.com/office/drawing/2014/main" id="{84BD16E2-1BDF-284E-B4F0-71E4B41EB6CE}"/>
+                <a16:creationId xmlns:a16="http://schemas.microsoft.com/office/drawing/2014/main" id="{29AAAB87-1D92-7645-B8CE-36D4DD37B8FA}"/>
               </a:ext>
             </a:extLst>
           </p:cNvPr>
@@ -4805,7 +6477,7 @@
           <a:p>
             <a:r>
               <a:rPr lang="en-US" dirty="0"/>
-              <a:t>Change in Volume Example</a:t>
+              <a:t>Last time</a:t>
             </a:r>
           </a:p>
         </p:txBody>
@@ -4815,7 +6487,7 @@
           <p:cNvPr id="3" name="Content Placeholder 2">
             <a:extLst>
               <a:ext uri="{FF2B5EF4-FFF2-40B4-BE49-F238E27FC236}">
-                <a16:creationId xmlns:a16="http://schemas.microsoft.com/office/drawing/2014/main" id="{72205A37-6A7F-CF4F-9D34-BD8DEE5AB92E}"/>
+                <a16:creationId xmlns:a16="http://schemas.microsoft.com/office/drawing/2014/main" id="{90C7012D-6392-BE43-B942-890937DA67D3}"/>
               </a:ext>
             </a:extLst>
           </p:cNvPr>
@@ -4828,186 +6500,45 @@
         </p:nvSpPr>
         <p:spPr/>
         <p:txBody>
-          <a:bodyPr/>
+          <a:bodyPr>
+            <a:normAutofit/>
+          </a:bodyPr>
           <a:lstStyle/>
           <a:p>
             <a:r>
               <a:rPr lang="en-US" dirty="0"/>
-              <a:t>For solid fission product swelling,</a:t>
-            </a:r>
-          </a:p>
-          <a:p>
-            <a:pPr lvl="1"/>
-            <a:r>
-              <a:rPr lang="en-US" dirty="0"/>
-              <a:t>For the density of UO</a:t>
-            </a:r>
-            <a:r>
-              <a:rPr lang="en-US" baseline="-25000" dirty="0"/>
-              <a:t>2</a:t>
-            </a:r>
-            <a:r>
-              <a:rPr lang="en-US" dirty="0"/>
-              <a:t>, </a:t>
+              <a:t>Fission gas release models are used to understand fission gas experiments and to predict gas release for fuel performance codes</a:t>
+            </a:r>
+          </a:p>
+          <a:p>
+            <a:r>
+              <a:rPr lang="en-US" dirty="0"/>
+              <a:t>Spherical grain models predict a fraction of gas release for post-irradiation annealing or for in-pile gas release</a:t>
+            </a:r>
+          </a:p>
+          <a:p>
+            <a:r>
+              <a:rPr lang="en-US" dirty="0"/>
+              <a:t>Booth model takes Stage 1 into account; Forsberg-</a:t>
             </a:r>
             <a:r>
               <a:rPr lang="en-US" dirty="0" err="1"/>
-              <a:t>ρ</a:t>
-            </a:r>
-            <a:r>
-              <a:rPr lang="en-US" dirty="0"/>
-              <a:t> = 10.97 g/cm</a:t>
-            </a:r>
-            <a:r>
-              <a:rPr lang="en-US" baseline="30000" dirty="0"/>
-              <a:t>3</a:t>
-            </a:r>
+              <a:t>Massih</a:t>
+            </a:r>
+            <a:r>
+              <a:rPr lang="en-US" dirty="0"/>
+              <a:t> model takes Stage 1 and 2 into account</a:t>
+            </a:r>
+          </a:p>
+          <a:p>
+            <a:r>
+              <a:rPr lang="en-US" dirty="0"/>
+              <a:t>Fission gas diffusivity behavior changes with temperature and fission rate</a:t>
+            </a:r>
+          </a:p>
+          <a:p>
             <a:endParaRPr lang="en-US" dirty="0"/>
           </a:p>
-          <a:p>
-            <a:pPr lvl="1"/>
-            <a:r>
-              <a:rPr lang="en-US" dirty="0" err="1"/>
-              <a:t>ε</a:t>
-            </a:r>
-            <a:r>
-              <a:rPr lang="en-US" baseline="-25000" dirty="0" err="1"/>
-              <a:t>sfp</a:t>
-            </a:r>
-            <a:r>
-              <a:rPr lang="en-US" dirty="0"/>
-              <a:t> = 5.577e-2*10.97*0.0012 = 7.34e-4</a:t>
-            </a:r>
-          </a:p>
-          <a:p>
-            <a:r>
-              <a:rPr lang="en-US" dirty="0"/>
-              <a:t>Finally, gaseous fission product swelling </a:t>
-            </a:r>
-          </a:p>
-          <a:p>
-            <a:endParaRPr lang="en-US" dirty="0"/>
-          </a:p>
-          <a:p>
-            <a:pPr lvl="1"/>
-            <a:r>
-              <a:rPr lang="en-US" dirty="0" err="1"/>
-              <a:t>ε</a:t>
-            </a:r>
-            <a:r>
-              <a:rPr lang="en-US" baseline="-25000" dirty="0" err="1"/>
-              <a:t>gfp</a:t>
-            </a:r>
-            <a:r>
-              <a:rPr lang="en-US" baseline="-25000" dirty="0"/>
-              <a:t> </a:t>
-            </a:r>
-            <a:r>
-              <a:rPr lang="en-US" dirty="0"/>
-              <a:t>= 1.96e-28*10.97*0.0012*(2800 – 1400)^11.73*</a:t>
-            </a:r>
-            <a:br>
-              <a:rPr lang="en-US" dirty="0"/>
-            </a:br>
-            <a:r>
-              <a:rPr lang="en-US" dirty="0" err="1"/>
-              <a:t>exp</a:t>
-            </a:r>
-            <a:r>
-              <a:rPr lang="en-US" dirty="0"/>
-              <a:t>(-0.0162*(2800 – 1400))*</a:t>
-            </a:r>
-            <a:r>
-              <a:rPr lang="en-US" dirty="0" err="1"/>
-              <a:t>exp</a:t>
-            </a:r>
-            <a:r>
-              <a:rPr lang="en-US" dirty="0"/>
-              <a:t>(-17.8*10.97*0.0012) = 0.0023</a:t>
-            </a:r>
-          </a:p>
-          <a:p>
-            <a:r>
-              <a:rPr lang="en-US" dirty="0"/>
-              <a:t>Total:</a:t>
-            </a:r>
-          </a:p>
-          <a:p>
-            <a:pPr lvl="1"/>
-            <a:r>
-              <a:rPr lang="en-US" dirty="0" err="1"/>
-              <a:t>ε</a:t>
-            </a:r>
-            <a:r>
-              <a:rPr lang="en-US" baseline="-25000" dirty="0" err="1"/>
-              <a:t>tot</a:t>
-            </a:r>
-            <a:r>
-              <a:rPr lang="en-US" dirty="0"/>
-              <a:t> = </a:t>
-            </a:r>
-            <a:r>
-              <a:rPr lang="en-US" dirty="0" err="1"/>
-              <a:t>ε</a:t>
-            </a:r>
-            <a:r>
-              <a:rPr lang="en-US" baseline="-25000" dirty="0" err="1"/>
-              <a:t>th</a:t>
-            </a:r>
-            <a:r>
-              <a:rPr lang="en-US" dirty="0"/>
-              <a:t> + </a:t>
-            </a:r>
-            <a:r>
-              <a:rPr lang="en-US" dirty="0" err="1"/>
-              <a:t>ε</a:t>
-            </a:r>
-            <a:r>
-              <a:rPr lang="en-US" baseline="-25000" dirty="0" err="1"/>
-              <a:t>D</a:t>
-            </a:r>
-            <a:r>
-              <a:rPr lang="en-US" dirty="0"/>
-              <a:t> + </a:t>
-            </a:r>
-            <a:r>
-              <a:rPr lang="en-US" dirty="0" err="1"/>
-              <a:t>ε</a:t>
-            </a:r>
-            <a:r>
-              <a:rPr lang="en-US" baseline="-25000" dirty="0" err="1"/>
-              <a:t>sfp</a:t>
-            </a:r>
-            <a:r>
-              <a:rPr lang="en-US" dirty="0"/>
-              <a:t> + </a:t>
-            </a:r>
-            <a:r>
-              <a:rPr lang="en-US" dirty="0" err="1"/>
-              <a:t>ε</a:t>
-            </a:r>
-            <a:r>
-              <a:rPr lang="en-US" baseline="-25000" dirty="0" err="1"/>
-              <a:t>gfp</a:t>
-            </a:r>
-            <a:r>
-              <a:rPr lang="en-US" baseline="-25000" dirty="0"/>
-              <a:t> </a:t>
-            </a:r>
-            <a:r>
-              <a:rPr lang="en-US" dirty="0"/>
-              <a:t>= 0.0121 – 0.0065 + 7.34e-4 + 0.0023 = 0.0086</a:t>
-            </a:r>
-          </a:p>
-          <a:p>
-            <a:pPr marL="457200" lvl="1" indent="0">
-              <a:buNone/>
-            </a:pPr>
-            <a:endParaRPr lang="en-US" dirty="0"/>
-          </a:p>
-          <a:p>
-            <a:endParaRPr lang="en-US" dirty="0"/>
-          </a:p>
         </p:txBody>
       </p:sp>
       <p:sp>
@@ -5015,7 +6546,7 @@
           <p:cNvPr id="4" name="Slide Number Placeholder 3">
             <a:extLst>
               <a:ext uri="{FF2B5EF4-FFF2-40B4-BE49-F238E27FC236}">
-                <a16:creationId xmlns:a16="http://schemas.microsoft.com/office/drawing/2014/main" id="{1EC8239D-44FF-1447-A0FB-33C732CE9C90}"/>
+                <a16:creationId xmlns:a16="http://schemas.microsoft.com/office/drawing/2014/main" id="{2997F1BE-BD11-314B-BEBC-9290C0B364D7}"/>
               </a:ext>
             </a:extLst>
           </p:cNvPr>
@@ -5039,7 +6570,300 @@
               <a:pPr>
                 <a:defRPr/>
               </a:pPr>
-              <a:t>13</a:t>
+              <a:t>2</a:t>
+            </a:fld>
+            <a:endParaRPr lang="en-US"/>
+          </a:p>
+        </p:txBody>
+      </p:sp>
+    </p:spTree>
+    <p:extLst>
+      <p:ext uri="{BB962C8B-B14F-4D97-AF65-F5344CB8AC3E}">
+        <p14:creationId xmlns:p14="http://schemas.microsoft.com/office/powerpoint/2010/main" val="1090678195"/>
+      </p:ext>
+    </p:extLst>
+  </p:cSld>
+  <p:clrMapOvr>
+    <a:masterClrMapping/>
+  </p:clrMapOvr>
+</p:sld>
+</file>
+
+<file path=ppt/slides/slide20.xml><?xml version="1.0" encoding="utf-8"?>
+<p:sld xmlns:a="http://schemas.openxmlformats.org/drawingml/2006/main" xmlns:r="http://schemas.openxmlformats.org/officeDocument/2006/relationships" xmlns:p="http://schemas.openxmlformats.org/presentationml/2006/main">
+  <p:cSld>
+    <p:spTree>
+      <p:nvGrpSpPr>
+        <p:cNvPr id="1" name=""/>
+        <p:cNvGrpSpPr/>
+        <p:nvPr/>
+      </p:nvGrpSpPr>
+      <p:grpSpPr>
+        <a:xfrm>
+          <a:off x="0" y="0"/>
+          <a:ext cx="0" cy="0"/>
+          <a:chOff x="0" y="0"/>
+          <a:chExt cx="0" cy="0"/>
+        </a:xfrm>
+      </p:grpSpPr>
+      <p:sp>
+        <p:nvSpPr>
+          <p:cNvPr id="2" name="Title 1">
+            <a:extLst>
+              <a:ext uri="{FF2B5EF4-FFF2-40B4-BE49-F238E27FC236}">
+                <a16:creationId xmlns:a16="http://schemas.microsoft.com/office/drawing/2014/main" id="{84BD16E2-1BDF-284E-B4F0-71E4B41EB6CE}"/>
+              </a:ext>
+            </a:extLst>
+          </p:cNvPr>
+          <p:cNvSpPr>
+            <a:spLocks noGrp="1"/>
+          </p:cNvSpPr>
+          <p:nvPr>
+            <p:ph type="title"/>
+          </p:nvPr>
+        </p:nvSpPr>
+        <p:spPr/>
+        <p:txBody>
+          <a:bodyPr/>
+          <a:lstStyle/>
+          <a:p>
+            <a:r>
+              <a:rPr lang="en-US" dirty="0"/>
+              <a:t>Change in Volume Example</a:t>
+            </a:r>
+          </a:p>
+        </p:txBody>
+      </p:sp>
+      <p:sp>
+        <p:nvSpPr>
+          <p:cNvPr id="3" name="Content Placeholder 2">
+            <a:extLst>
+              <a:ext uri="{FF2B5EF4-FFF2-40B4-BE49-F238E27FC236}">
+                <a16:creationId xmlns:a16="http://schemas.microsoft.com/office/drawing/2014/main" id="{72205A37-6A7F-CF4F-9D34-BD8DEE5AB92E}"/>
+              </a:ext>
+            </a:extLst>
+          </p:cNvPr>
+          <p:cNvSpPr>
+            <a:spLocks noGrp="1"/>
+          </p:cNvSpPr>
+          <p:nvPr>
+            <p:ph idx="1"/>
+          </p:nvPr>
+        </p:nvSpPr>
+        <p:spPr/>
+        <p:txBody>
+          <a:bodyPr/>
+          <a:lstStyle/>
+          <a:p>
+            <a:r>
+              <a:rPr lang="en-US" dirty="0"/>
+              <a:t>For solid fission product swelling,</a:t>
+            </a:r>
+          </a:p>
+          <a:p>
+            <a:pPr lvl="1"/>
+            <a:r>
+              <a:rPr lang="en-US" dirty="0"/>
+              <a:t>For the density of UO</a:t>
+            </a:r>
+            <a:r>
+              <a:rPr lang="en-US" baseline="-25000" dirty="0"/>
+              <a:t>2</a:t>
+            </a:r>
+            <a:r>
+              <a:rPr lang="en-US" dirty="0"/>
+              <a:t>, </a:t>
+            </a:r>
+            <a:r>
+              <a:rPr lang="en-US" dirty="0" err="1"/>
+              <a:t>ρ</a:t>
+            </a:r>
+            <a:r>
+              <a:rPr lang="en-US" dirty="0"/>
+              <a:t> = 10.97 g/cm</a:t>
+            </a:r>
+            <a:r>
+              <a:rPr lang="en-US" baseline="30000" dirty="0"/>
+              <a:t>3</a:t>
+            </a:r>
+            <a:endParaRPr lang="en-US" dirty="0"/>
+          </a:p>
+          <a:p>
+            <a:pPr lvl="1"/>
+            <a:r>
+              <a:rPr lang="en-US" dirty="0" err="1"/>
+              <a:t>ε</a:t>
+            </a:r>
+            <a:r>
+              <a:rPr lang="en-US" baseline="-25000" dirty="0" err="1"/>
+              <a:t>sfp</a:t>
+            </a:r>
+            <a:r>
+              <a:rPr lang="en-US" dirty="0"/>
+              <a:t> = 5.577e-2*10.97*0.0012 = 7.34e-4</a:t>
+            </a:r>
+          </a:p>
+          <a:p>
+            <a:r>
+              <a:rPr lang="en-US" dirty="0"/>
+              <a:t>Finally, gaseous fission product swelling </a:t>
+            </a:r>
+          </a:p>
+          <a:p>
+            <a:endParaRPr lang="en-US" dirty="0"/>
+          </a:p>
+          <a:p>
+            <a:pPr lvl="1"/>
+            <a:r>
+              <a:rPr lang="en-US" dirty="0" err="1"/>
+              <a:t>ε</a:t>
+            </a:r>
+            <a:r>
+              <a:rPr lang="en-US" baseline="-25000" dirty="0" err="1"/>
+              <a:t>gfp</a:t>
+            </a:r>
+            <a:r>
+              <a:rPr lang="en-US" baseline="-25000" dirty="0"/>
+              <a:t> </a:t>
+            </a:r>
+            <a:r>
+              <a:rPr lang="en-US" dirty="0"/>
+              <a:t>= 1.96e-28*10.97*0.0012*(2800 – 1400)^11.73*</a:t>
+            </a:r>
+            <a:br>
+              <a:rPr lang="en-US" dirty="0"/>
+            </a:br>
+            <a:r>
+              <a:rPr lang="en-US" dirty="0" err="1"/>
+              <a:t>exp</a:t>
+            </a:r>
+            <a:r>
+              <a:rPr lang="en-US" dirty="0"/>
+              <a:t>(-0.0162*(2800 – 1400))*</a:t>
+            </a:r>
+            <a:r>
+              <a:rPr lang="en-US" dirty="0" err="1"/>
+              <a:t>exp</a:t>
+            </a:r>
+            <a:r>
+              <a:rPr lang="en-US" dirty="0"/>
+              <a:t>(-17.8*10.97*0.0012) = 0.0023</a:t>
+            </a:r>
+          </a:p>
+          <a:p>
+            <a:r>
+              <a:rPr lang="en-US" dirty="0"/>
+              <a:t>Total:</a:t>
+            </a:r>
+          </a:p>
+          <a:p>
+            <a:pPr lvl="1"/>
+            <a:r>
+              <a:rPr lang="en-US" dirty="0" err="1"/>
+              <a:t>ε</a:t>
+            </a:r>
+            <a:r>
+              <a:rPr lang="en-US" baseline="-25000" dirty="0" err="1"/>
+              <a:t>tot</a:t>
+            </a:r>
+            <a:r>
+              <a:rPr lang="en-US" dirty="0"/>
+              <a:t> = </a:t>
+            </a:r>
+            <a:r>
+              <a:rPr lang="en-US" dirty="0" err="1"/>
+              <a:t>ε</a:t>
+            </a:r>
+            <a:r>
+              <a:rPr lang="en-US" baseline="-25000" dirty="0" err="1"/>
+              <a:t>th</a:t>
+            </a:r>
+            <a:r>
+              <a:rPr lang="en-US" dirty="0"/>
+              <a:t> + </a:t>
+            </a:r>
+            <a:r>
+              <a:rPr lang="en-US" dirty="0" err="1"/>
+              <a:t>ε</a:t>
+            </a:r>
+            <a:r>
+              <a:rPr lang="en-US" baseline="-25000" dirty="0" err="1"/>
+              <a:t>D</a:t>
+            </a:r>
+            <a:r>
+              <a:rPr lang="en-US" dirty="0"/>
+              <a:t> + </a:t>
+            </a:r>
+            <a:r>
+              <a:rPr lang="en-US" dirty="0" err="1"/>
+              <a:t>ε</a:t>
+            </a:r>
+            <a:r>
+              <a:rPr lang="en-US" baseline="-25000" dirty="0" err="1"/>
+              <a:t>sfp</a:t>
+            </a:r>
+            <a:r>
+              <a:rPr lang="en-US" dirty="0"/>
+              <a:t> + </a:t>
+            </a:r>
+            <a:r>
+              <a:rPr lang="en-US" dirty="0" err="1"/>
+              <a:t>ε</a:t>
+            </a:r>
+            <a:r>
+              <a:rPr lang="en-US" baseline="-25000" dirty="0" err="1"/>
+              <a:t>gfp</a:t>
+            </a:r>
+            <a:r>
+              <a:rPr lang="en-US" baseline="-25000" dirty="0"/>
+              <a:t> </a:t>
+            </a:r>
+            <a:r>
+              <a:rPr lang="en-US" dirty="0"/>
+              <a:t>= 0.0121 – 0.0065 + 7.34e-4 + 0.0023 = 0.0086</a:t>
+            </a:r>
+          </a:p>
+          <a:p>
+            <a:pPr marL="457200" lvl="1" indent="0">
+              <a:buNone/>
+            </a:pPr>
+            <a:endParaRPr lang="en-US" dirty="0"/>
+          </a:p>
+          <a:p>
+            <a:endParaRPr lang="en-US" dirty="0"/>
+          </a:p>
+        </p:txBody>
+      </p:sp>
+      <p:sp>
+        <p:nvSpPr>
+          <p:cNvPr id="4" name="Slide Number Placeholder 3">
+            <a:extLst>
+              <a:ext uri="{FF2B5EF4-FFF2-40B4-BE49-F238E27FC236}">
+                <a16:creationId xmlns:a16="http://schemas.microsoft.com/office/drawing/2014/main" id="{1EC8239D-44FF-1447-A0FB-33C732CE9C90}"/>
+              </a:ext>
+            </a:extLst>
+          </p:cNvPr>
+          <p:cNvSpPr>
+            <a:spLocks noGrp="1"/>
+          </p:cNvSpPr>
+          <p:nvPr>
+            <p:ph type="sldNum" sz="quarter" idx="12"/>
+          </p:nvPr>
+        </p:nvSpPr>
+        <p:spPr/>
+        <p:txBody>
+          <a:bodyPr/>
+          <a:lstStyle/>
+          <a:p>
+            <a:pPr>
+              <a:defRPr/>
+            </a:pPr>
+            <a:fld id="{3FF2C605-4958-CF43-AA48-80339EFDB0AF}" type="slidenum">
+              <a:rPr lang="en-US" smtClean="0"/>
+              <a:pPr>
+                <a:defRPr/>
+              </a:pPr>
+              <a:t>20</a:t>
             </a:fld>
             <a:endParaRPr lang="en-US"/>
           </a:p>
@@ -5130,7 +6954,7 @@
 </p:sld>
 </file>
 
-<file path=ppt/slides/slide14.xml><?xml version="1.0" encoding="utf-8"?>
+<file path=ppt/slides/slide21.xml><?xml version="1.0" encoding="utf-8"?>
 <p:sld xmlns:a="http://schemas.openxmlformats.org/drawingml/2006/main" xmlns:r="http://schemas.openxmlformats.org/officeDocument/2006/relationships" xmlns:p="http://schemas.openxmlformats.org/presentationml/2006/main">
   <p:cSld>
     <p:spTree>
@@ -5204,7 +7028,7 @@
               <a:pPr>
                 <a:defRPr/>
               </a:pPr>
-              <a:t>14</a:t>
+              <a:t>21</a:t>
             </a:fld>
             <a:endParaRPr lang="en-US"/>
           </a:p>
@@ -5288,7 +7112,7 @@
 </p:sld>
 </file>
 
-<file path=ppt/slides/slide15.xml><?xml version="1.0" encoding="utf-8"?>
+<file path=ppt/slides/slide22.xml><?xml version="1.0" encoding="utf-8"?>
 <p:sld xmlns:a="http://schemas.openxmlformats.org/drawingml/2006/main" xmlns:r="http://schemas.openxmlformats.org/officeDocument/2006/relationships" xmlns:p="http://schemas.openxmlformats.org/presentationml/2006/main">
   <p:cSld>
     <p:spTree>
@@ -5517,7 +7341,7 @@
               <a:pPr>
                 <a:defRPr/>
               </a:pPr>
-              <a:t>15</a:t>
+              <a:t>22</a:t>
             </a:fld>
             <a:endParaRPr lang="en-US"/>
           </a:p>
@@ -6053,7 +7877,7 @@
 </p:sld>
 </file>
 
-<file path=ppt/slides/slide16.xml><?xml version="1.0" encoding="utf-8"?>
+<file path=ppt/slides/slide23.xml><?xml version="1.0" encoding="utf-8"?>
 <p:sld xmlns:a="http://schemas.openxmlformats.org/drawingml/2006/main" xmlns:r="http://schemas.openxmlformats.org/officeDocument/2006/relationships" xmlns:p="http://schemas.openxmlformats.org/presentationml/2006/main">
   <p:cSld>
     <p:spTree>
@@ -6236,7 +8060,7 @@
               <a:pPr>
                 <a:defRPr/>
               </a:pPr>
-              <a:t>16</a:t>
+              <a:t>23</a:t>
             </a:fld>
             <a:endParaRPr lang="en-US"/>
           </a:p>
@@ -6291,7 +8115,7 @@
 </p:sld>
 </file>
 
-<file path=ppt/slides/slide17.xml><?xml version="1.0" encoding="utf-8"?>
+<file path=ppt/slides/slide24.xml><?xml version="1.0" encoding="utf-8"?>
 <p:sld xmlns:a="http://schemas.openxmlformats.org/drawingml/2006/main" xmlns:r="http://schemas.openxmlformats.org/officeDocument/2006/relationships" xmlns:p="http://schemas.openxmlformats.org/presentationml/2006/main">
   <p:cSld>
     <p:spTree>
@@ -6365,7 +8189,7 @@
               <a:pPr>
                 <a:defRPr/>
               </a:pPr>
-              <a:t>17</a:t>
+              <a:t>24</a:t>
             </a:fld>
             <a:endParaRPr lang="en-US"/>
           </a:p>
@@ -6414,7 +8238,7 @@
 </p:sld>
 </file>
 
-<file path=ppt/slides/slide18.xml><?xml version="1.0" encoding="utf-8"?>
+<file path=ppt/slides/slide25.xml><?xml version="1.0" encoding="utf-8"?>
 <p:sld xmlns:a="http://schemas.openxmlformats.org/drawingml/2006/main" xmlns:r="http://schemas.openxmlformats.org/officeDocument/2006/relationships" xmlns:p="http://schemas.openxmlformats.org/presentationml/2006/main">
   <p:cSld>
     <p:spTree>
@@ -6488,7 +8312,7 @@
               <a:pPr>
                 <a:defRPr/>
               </a:pPr>
-              <a:t>18</a:t>
+              <a:t>25</a:t>
             </a:fld>
             <a:endParaRPr lang="en-US"/>
           </a:p>
@@ -6537,7 +8361,7 @@
 </p:sld>
 </file>
 
-<file path=ppt/slides/slide19.xml><?xml version="1.0" encoding="utf-8"?>
+<file path=ppt/slides/slide26.xml><?xml version="1.0" encoding="utf-8"?>
 <p:sld xmlns:a="http://schemas.openxmlformats.org/drawingml/2006/main" xmlns:r="http://schemas.openxmlformats.org/officeDocument/2006/relationships" xmlns:p="http://schemas.openxmlformats.org/presentationml/2006/main">
   <p:cSld>
     <p:spTree>
@@ -6724,7 +8548,7 @@
               <a:pPr>
                 <a:defRPr/>
               </a:pPr>
-              <a:t>19</a:t>
+              <a:t>26</a:t>
             </a:fld>
             <a:endParaRPr lang="en-US"/>
           </a:p>
@@ -6779,7 +8603,7 @@
 </p:sld>
 </file>
 
-<file path=ppt/slides/slide2.xml><?xml version="1.0" encoding="utf-8"?>
+<file path=ppt/slides/slide27.xml><?xml version="1.0" encoding="utf-8"?>
 <p:sld xmlns:a="http://schemas.openxmlformats.org/drawingml/2006/main" xmlns:r="http://schemas.openxmlformats.org/officeDocument/2006/relationships" xmlns:p="http://schemas.openxmlformats.org/presentationml/2006/main">
   <p:cSld>
     <p:spTree>
@@ -6801,7 +8625,7 @@
           <p:cNvPr id="2" name="Title 1">
             <a:extLst>
               <a:ext uri="{FF2B5EF4-FFF2-40B4-BE49-F238E27FC236}">
-                <a16:creationId xmlns:a16="http://schemas.microsoft.com/office/drawing/2014/main" id="{29AAAB87-1D92-7645-B8CE-36D4DD37B8FA}"/>
+                <a16:creationId xmlns:a16="http://schemas.microsoft.com/office/drawing/2014/main" id="{62778E19-1A07-DA4C-A477-9D5CEAF7A94B}"/>
               </a:ext>
             </a:extLst>
           </p:cNvPr>
@@ -6819,7 +8643,7 @@
           <a:p>
             <a:r>
               <a:rPr lang="en-US" dirty="0"/>
-              <a:t>Last time</a:t>
+              <a:t>Fuel Creep</a:t>
             </a:r>
           </a:p>
         </p:txBody>
@@ -6829,7 +8653,7 @@
           <p:cNvPr id="3" name="Content Placeholder 2">
             <a:extLst>
               <a:ext uri="{FF2B5EF4-FFF2-40B4-BE49-F238E27FC236}">
-                <a16:creationId xmlns:a16="http://schemas.microsoft.com/office/drawing/2014/main" id="{90C7012D-6392-BE43-B942-890937DA67D3}"/>
+                <a16:creationId xmlns:a16="http://schemas.microsoft.com/office/drawing/2014/main" id="{7F64138B-8E6D-1A4E-882D-3C99C7829472}"/>
               </a:ext>
             </a:extLst>
           </p:cNvPr>
@@ -6840,28 +8664,31 @@
             <p:ph idx="1"/>
           </p:nvPr>
         </p:nvSpPr>
-        <p:spPr/>
-        <p:txBody>
-          <a:bodyPr>
-            <a:normAutofit/>
-          </a:bodyPr>
+        <p:spPr>
+          <a:xfrm>
+            <a:off x="609600" y="2160495"/>
+            <a:ext cx="5513408" cy="3965670"/>
+          </a:xfrm>
+        </p:spPr>
+        <p:txBody>
+          <a:bodyPr/>
           <a:lstStyle/>
           <a:p>
             <a:r>
               <a:rPr lang="en-US" dirty="0"/>
-              <a:t>Fission gas release models are used to understand fission gas experiments and to predict gas release for fuel performance codes</a:t>
-            </a:r>
-          </a:p>
-          <a:p>
-            <a:r>
-              <a:rPr lang="en-US" dirty="0"/>
-              <a:t>Spherical grain models predict a fraction of gas release for post-irradiation annealing or for in-pile gas release</a:t>
-            </a:r>
-          </a:p>
-          <a:p>
-            <a:r>
-              <a:rPr lang="en-US" dirty="0"/>
-              <a:t>Fission gas diffusivity behavior changes with temperature and fission rate</a:t>
+              <a:t>Like other materials, the fuel also undergoes creep</a:t>
+            </a:r>
+          </a:p>
+          <a:p>
+            <a:r>
+              <a:rPr lang="en-US" dirty="0"/>
+              <a:t>The fuel creep (In UO2) is a combination of diffusion creep and irradiation creep</a:t>
+            </a:r>
+          </a:p>
+          <a:p>
+            <a:r>
+              <a:rPr lang="en-US" dirty="0"/>
+              <a:t>It is expected that fuel creep plays a major role in dimensional change in metallic fuels, largely via N-H and Coble creep, but still unproven experimentally and no good creep models exist for metallic fuels</a:t>
             </a:r>
           </a:p>
           <a:p>
@@ -6874,7 +8701,7 @@
           <p:cNvPr id="4" name="Slide Number Placeholder 3">
             <a:extLst>
               <a:ext uri="{FF2B5EF4-FFF2-40B4-BE49-F238E27FC236}">
-                <a16:creationId xmlns:a16="http://schemas.microsoft.com/office/drawing/2014/main" id="{2997F1BE-BD11-314B-BEBC-9290C0B364D7}"/>
+                <a16:creationId xmlns:a16="http://schemas.microsoft.com/office/drawing/2014/main" id="{C863DC62-EE45-7C4D-BD47-47095C4F4731}"/>
               </a:ext>
             </a:extLst>
           </p:cNvPr>
@@ -6898,148 +8725,7 @@
               <a:pPr>
                 <a:defRPr/>
               </a:pPr>
-              <a:t>2</a:t>
-            </a:fld>
-            <a:endParaRPr lang="en-US"/>
-          </a:p>
-        </p:txBody>
-      </p:sp>
-    </p:spTree>
-    <p:extLst>
-      <p:ext uri="{BB962C8B-B14F-4D97-AF65-F5344CB8AC3E}">
-        <p14:creationId xmlns:p14="http://schemas.microsoft.com/office/powerpoint/2010/main" val="1090678195"/>
-      </p:ext>
-    </p:extLst>
-  </p:cSld>
-  <p:clrMapOvr>
-    <a:masterClrMapping/>
-  </p:clrMapOvr>
-</p:sld>
-</file>
-
-<file path=ppt/slides/slide20.xml><?xml version="1.0" encoding="utf-8"?>
-<p:sld xmlns:a="http://schemas.openxmlformats.org/drawingml/2006/main" xmlns:r="http://schemas.openxmlformats.org/officeDocument/2006/relationships" xmlns:p="http://schemas.openxmlformats.org/presentationml/2006/main">
-  <p:cSld>
-    <p:spTree>
-      <p:nvGrpSpPr>
-        <p:cNvPr id="1" name=""/>
-        <p:cNvGrpSpPr/>
-        <p:nvPr/>
-      </p:nvGrpSpPr>
-      <p:grpSpPr>
-        <a:xfrm>
-          <a:off x="0" y="0"/>
-          <a:ext cx="0" cy="0"/>
-          <a:chOff x="0" y="0"/>
-          <a:chExt cx="0" cy="0"/>
-        </a:xfrm>
-      </p:grpSpPr>
-      <p:sp>
-        <p:nvSpPr>
-          <p:cNvPr id="2" name="Title 1">
-            <a:extLst>
-              <a:ext uri="{FF2B5EF4-FFF2-40B4-BE49-F238E27FC236}">
-                <a16:creationId xmlns:a16="http://schemas.microsoft.com/office/drawing/2014/main" id="{62778E19-1A07-DA4C-A477-9D5CEAF7A94B}"/>
-              </a:ext>
-            </a:extLst>
-          </p:cNvPr>
-          <p:cNvSpPr>
-            <a:spLocks noGrp="1"/>
-          </p:cNvSpPr>
-          <p:nvPr>
-            <p:ph type="title"/>
-          </p:nvPr>
-        </p:nvSpPr>
-        <p:spPr/>
-        <p:txBody>
-          <a:bodyPr/>
-          <a:lstStyle/>
-          <a:p>
-            <a:r>
-              <a:rPr lang="en-US" dirty="0"/>
-              <a:t>Fuel Creep</a:t>
-            </a:r>
-          </a:p>
-        </p:txBody>
-      </p:sp>
-      <p:sp>
-        <p:nvSpPr>
-          <p:cNvPr id="3" name="Content Placeholder 2">
-            <a:extLst>
-              <a:ext uri="{FF2B5EF4-FFF2-40B4-BE49-F238E27FC236}">
-                <a16:creationId xmlns:a16="http://schemas.microsoft.com/office/drawing/2014/main" id="{7F64138B-8E6D-1A4E-882D-3C99C7829472}"/>
-              </a:ext>
-            </a:extLst>
-          </p:cNvPr>
-          <p:cNvSpPr>
-            <a:spLocks noGrp="1"/>
-          </p:cNvSpPr>
-          <p:nvPr>
-            <p:ph idx="1"/>
-          </p:nvPr>
-        </p:nvSpPr>
-        <p:spPr>
-          <a:xfrm>
-            <a:off x="609600" y="2160495"/>
-            <a:ext cx="5513408" cy="3965670"/>
-          </a:xfrm>
-        </p:spPr>
-        <p:txBody>
-          <a:bodyPr/>
-          <a:lstStyle/>
-          <a:p>
-            <a:r>
-              <a:rPr lang="en-US" dirty="0"/>
-              <a:t>Like other materials, the fuel also undergoes creep</a:t>
-            </a:r>
-          </a:p>
-          <a:p>
-            <a:r>
-              <a:rPr lang="en-US" dirty="0"/>
-              <a:t>The fuel creep (In UO2) is a combination of diffusion creep and irradiation creep</a:t>
-            </a:r>
-          </a:p>
-          <a:p>
-            <a:r>
-              <a:rPr lang="en-US" dirty="0"/>
-              <a:t>It is expected that fuel creep plays a major role in dimensional change in metallic fuels, largely via N-H and Coble creep, but still unproven experimentally and no good creep models exist for metallic fuels</a:t>
-            </a:r>
-          </a:p>
-          <a:p>
-            <a:endParaRPr lang="en-US" dirty="0"/>
-          </a:p>
-        </p:txBody>
-      </p:sp>
-      <p:sp>
-        <p:nvSpPr>
-          <p:cNvPr id="4" name="Slide Number Placeholder 3">
-            <a:extLst>
-              <a:ext uri="{FF2B5EF4-FFF2-40B4-BE49-F238E27FC236}">
-                <a16:creationId xmlns:a16="http://schemas.microsoft.com/office/drawing/2014/main" id="{C863DC62-EE45-7C4D-BD47-47095C4F4731}"/>
-              </a:ext>
-            </a:extLst>
-          </p:cNvPr>
-          <p:cNvSpPr>
-            <a:spLocks noGrp="1"/>
-          </p:cNvSpPr>
-          <p:nvPr>
-            <p:ph type="sldNum" sz="quarter" idx="12"/>
-          </p:nvPr>
-        </p:nvSpPr>
-        <p:spPr/>
-        <p:txBody>
-          <a:bodyPr/>
-          <a:lstStyle/>
-          <a:p>
-            <a:pPr>
-              <a:defRPr/>
-            </a:pPr>
-            <a:fld id="{3FF2C605-4958-CF43-AA48-80339EFDB0AF}" type="slidenum">
-              <a:rPr lang="en-US" smtClean="0"/>
-              <a:pPr>
-                <a:defRPr/>
-              </a:pPr>
-              <a:t>20</a:t>
+              <a:t>27</a:t>
             </a:fld>
             <a:endParaRPr lang="en-US"/>
           </a:p>
@@ -7104,7 +8790,7 @@
 </p:sld>
 </file>
 
-<file path=ppt/slides/slide21.xml><?xml version="1.0" encoding="utf-8"?>
+<file path=ppt/slides/slide28.xml><?xml version="1.0" encoding="utf-8"?>
 <p:sld xmlns:a="http://schemas.openxmlformats.org/drawingml/2006/main" xmlns:r="http://schemas.openxmlformats.org/officeDocument/2006/relationships" xmlns:p="http://schemas.openxmlformats.org/presentationml/2006/main">
   <p:cSld>
     <p:spTree>
@@ -7277,7 +8963,7 @@
               <a:pPr>
                 <a:defRPr/>
               </a:pPr>
-              <a:t>21</a:t>
+              <a:t>28</a:t>
             </a:fld>
             <a:endParaRPr lang="en-US"/>
           </a:p>
@@ -7457,7 +9143,7 @@
 </p:sld>
 </file>
 
-<file path=ppt/slides/slide22.xml><?xml version="1.0" encoding="utf-8"?>
+<file path=ppt/slides/slide29.xml><?xml version="1.0" encoding="utf-8"?>
 <p:sld xmlns:a="http://schemas.openxmlformats.org/drawingml/2006/main" xmlns:r="http://schemas.openxmlformats.org/officeDocument/2006/relationships" xmlns:p="http://schemas.openxmlformats.org/presentationml/2006/main">
   <p:cSld>
     <p:spTree>
@@ -7700,7 +9386,7 @@
               <a:pPr>
                 <a:defRPr/>
               </a:pPr>
-              <a:t>22</a:t>
+              <a:t>29</a:t>
             </a:fld>
             <a:endParaRPr lang="en-US"/>
           </a:p>
@@ -7765,311 +9451,6 @@
 </p:sld>
 </file>
 
-<file path=ppt/slides/slide23.xml><?xml version="1.0" encoding="utf-8"?>
-<p:sld xmlns:a="http://schemas.openxmlformats.org/drawingml/2006/main" xmlns:r="http://schemas.openxmlformats.org/officeDocument/2006/relationships" xmlns:p="http://schemas.openxmlformats.org/presentationml/2006/main">
-  <p:cSld>
-    <p:spTree>
-      <p:nvGrpSpPr>
-        <p:cNvPr id="1" name=""/>
-        <p:cNvGrpSpPr/>
-        <p:nvPr/>
-      </p:nvGrpSpPr>
-      <p:grpSpPr>
-        <a:xfrm>
-          <a:off x="0" y="0"/>
-          <a:ext cx="0" cy="0"/>
-          <a:chOff x="0" y="0"/>
-          <a:chExt cx="0" cy="0"/>
-        </a:xfrm>
-      </p:grpSpPr>
-      <p:sp>
-        <p:nvSpPr>
-          <p:cNvPr id="2" name="Title 1">
-            <a:extLst>
-              <a:ext uri="{FF2B5EF4-FFF2-40B4-BE49-F238E27FC236}">
-                <a16:creationId xmlns:a16="http://schemas.microsoft.com/office/drawing/2014/main" id="{6493444E-F2E1-C140-819B-17F17ED135B0}"/>
-              </a:ext>
-            </a:extLst>
-          </p:cNvPr>
-          <p:cNvSpPr>
-            <a:spLocks noGrp="1"/>
-          </p:cNvSpPr>
-          <p:nvPr>
-            <p:ph type="title"/>
-          </p:nvPr>
-        </p:nvSpPr>
-        <p:spPr/>
-        <p:txBody>
-          <a:bodyPr/>
-          <a:lstStyle/>
-          <a:p>
-            <a:r>
-              <a:rPr lang="en-US" dirty="0"/>
-              <a:t>Summary</a:t>
-            </a:r>
-          </a:p>
-        </p:txBody>
-      </p:sp>
-      <p:sp>
-        <p:nvSpPr>
-          <p:cNvPr id="3" name="Content Placeholder 2">
-            <a:extLst>
-              <a:ext uri="{FF2B5EF4-FFF2-40B4-BE49-F238E27FC236}">
-                <a16:creationId xmlns:a16="http://schemas.microsoft.com/office/drawing/2014/main" id="{1C936466-268A-B042-825C-BEBA244C94F0}"/>
-              </a:ext>
-            </a:extLst>
-          </p:cNvPr>
-          <p:cNvSpPr>
-            <a:spLocks noGrp="1"/>
-          </p:cNvSpPr>
-          <p:nvPr>
-            <p:ph idx="1"/>
-          </p:nvPr>
-        </p:nvSpPr>
-        <p:spPr/>
-        <p:txBody>
-          <a:bodyPr>
-            <a:normAutofit/>
-          </a:bodyPr>
-          <a:lstStyle/>
-          <a:p>
-            <a:r>
-              <a:rPr lang="en-US" sz="2000" dirty="0"/>
-              <a:t>Many materials models for fuel are empirical and correlated to burnup</a:t>
-            </a:r>
-          </a:p>
-          <a:p>
-            <a:r>
-              <a:rPr lang="en-US" sz="2000" dirty="0"/>
-              <a:t>Fuel pellets change shape due to </a:t>
-            </a:r>
-          </a:p>
-          <a:p>
-            <a:pPr lvl="1"/>
-            <a:r>
-              <a:rPr lang="en-US" sz="2000" dirty="0"/>
-              <a:t>Thermal expansion (increase in volume)</a:t>
-            </a:r>
-          </a:p>
-          <a:p>
-            <a:pPr lvl="1"/>
-            <a:r>
-              <a:rPr lang="en-US" sz="2000" dirty="0"/>
-              <a:t>Densification (decrease in volume)</a:t>
-            </a:r>
-          </a:p>
-          <a:p>
-            <a:pPr lvl="1"/>
-            <a:r>
-              <a:rPr lang="en-US" sz="2000" dirty="0"/>
-              <a:t>Swelling (increase in volume)</a:t>
-            </a:r>
-          </a:p>
-          <a:p>
-            <a:pPr lvl="1"/>
-            <a:r>
-              <a:rPr lang="en-US" sz="2000" dirty="0"/>
-              <a:t>Creep (volume stays the same)</a:t>
-            </a:r>
-          </a:p>
-          <a:p>
-            <a:r>
-              <a:rPr lang="en-US" sz="2000" dirty="0"/>
-              <a:t>Fracture also decreases the gap, as fractures pieces shift outward</a:t>
-            </a:r>
-          </a:p>
-        </p:txBody>
-      </p:sp>
-      <p:sp>
-        <p:nvSpPr>
-          <p:cNvPr id="4" name="Slide Number Placeholder 3">
-            <a:extLst>
-              <a:ext uri="{FF2B5EF4-FFF2-40B4-BE49-F238E27FC236}">
-                <a16:creationId xmlns:a16="http://schemas.microsoft.com/office/drawing/2014/main" id="{04663BD3-A21E-B041-8B9B-3ED8023B4981}"/>
-              </a:ext>
-            </a:extLst>
-          </p:cNvPr>
-          <p:cNvSpPr>
-            <a:spLocks noGrp="1"/>
-          </p:cNvSpPr>
-          <p:nvPr>
-            <p:ph type="sldNum" sz="quarter" idx="12"/>
-          </p:nvPr>
-        </p:nvSpPr>
-        <p:spPr/>
-        <p:txBody>
-          <a:bodyPr/>
-          <a:lstStyle/>
-          <a:p>
-            <a:pPr>
-              <a:defRPr/>
-            </a:pPr>
-            <a:fld id="{3FF2C605-4958-CF43-AA48-80339EFDB0AF}" type="slidenum">
-              <a:rPr lang="en-US" smtClean="0"/>
-              <a:pPr>
-                <a:defRPr/>
-              </a:pPr>
-              <a:t>23</a:t>
-            </a:fld>
-            <a:endParaRPr lang="en-US"/>
-          </a:p>
-        </p:txBody>
-      </p:sp>
-    </p:spTree>
-    <p:extLst>
-      <p:ext uri="{BB962C8B-B14F-4D97-AF65-F5344CB8AC3E}">
-        <p14:creationId xmlns:p14="http://schemas.microsoft.com/office/powerpoint/2010/main" val="2229729180"/>
-      </p:ext>
-    </p:extLst>
-  </p:cSld>
-  <p:clrMapOvr>
-    <a:masterClrMapping/>
-  </p:clrMapOvr>
-</p:sld>
-</file>
-
-<file path=ppt/slides/slide24.xml><?xml version="1.0" encoding="utf-8"?>
-<p:sld xmlns:a="http://schemas.openxmlformats.org/drawingml/2006/main" xmlns:r="http://schemas.openxmlformats.org/officeDocument/2006/relationships" xmlns:p="http://schemas.openxmlformats.org/presentationml/2006/main">
-  <p:cSld>
-    <p:spTree>
-      <p:nvGrpSpPr>
-        <p:cNvPr id="1" name=""/>
-        <p:cNvGrpSpPr/>
-        <p:nvPr/>
-      </p:nvGrpSpPr>
-      <p:grpSpPr>
-        <a:xfrm>
-          <a:off x="0" y="0"/>
-          <a:ext cx="0" cy="0"/>
-          <a:chOff x="0" y="0"/>
-          <a:chExt cx="0" cy="0"/>
-        </a:xfrm>
-      </p:grpSpPr>
-      <p:sp>
-        <p:nvSpPr>
-          <p:cNvPr id="2" name="Title 1">
-            <a:extLst>
-              <a:ext uri="{FF2B5EF4-FFF2-40B4-BE49-F238E27FC236}">
-                <a16:creationId xmlns:a16="http://schemas.microsoft.com/office/drawing/2014/main" id="{602DCCAD-BE05-A94F-B66A-EA2D3ABF07EF}"/>
-              </a:ext>
-            </a:extLst>
-          </p:cNvPr>
-          <p:cNvSpPr>
-            <a:spLocks noGrp="1"/>
-          </p:cNvSpPr>
-          <p:nvPr>
-            <p:ph type="title"/>
-          </p:nvPr>
-        </p:nvSpPr>
-        <p:spPr/>
-        <p:txBody>
-          <a:bodyPr/>
-          <a:lstStyle/>
-          <a:p>
-            <a:r>
-              <a:rPr lang="en-US" dirty="0"/>
-              <a:t>Summary</a:t>
-            </a:r>
-          </a:p>
-        </p:txBody>
-      </p:sp>
-      <p:sp>
-        <p:nvSpPr>
-          <p:cNvPr id="3" name="Content Placeholder 2">
-            <a:extLst>
-              <a:ext uri="{FF2B5EF4-FFF2-40B4-BE49-F238E27FC236}">
-                <a16:creationId xmlns:a16="http://schemas.microsoft.com/office/drawing/2014/main" id="{C7C9A290-33D4-8D48-BEAB-3A09AD15C127}"/>
-              </a:ext>
-            </a:extLst>
-          </p:cNvPr>
-          <p:cNvSpPr>
-            <a:spLocks noGrp="1"/>
-          </p:cNvSpPr>
-          <p:nvPr>
-            <p:ph idx="1"/>
-          </p:nvPr>
-        </p:nvSpPr>
-        <p:spPr/>
-        <p:txBody>
-          <a:bodyPr/>
-          <a:lstStyle/>
-          <a:p>
-            <a:r>
-              <a:rPr lang="en-US" dirty="0"/>
-              <a:t>The fuel thermal conductivity decreases with burnup</a:t>
-            </a:r>
-          </a:p>
-          <a:p>
-            <a:r>
-              <a:rPr lang="en-US" dirty="0"/>
-              <a:t>Empirical models take into account both phonon and electron based thermal transport</a:t>
-            </a:r>
-          </a:p>
-          <a:p>
-            <a:r>
-              <a:rPr lang="en-US" dirty="0"/>
-              <a:t>BISON primarily utilizes the NFIR model to describe thermal conductivity</a:t>
-            </a:r>
-          </a:p>
-          <a:p>
-            <a:r>
-              <a:rPr lang="en-US" dirty="0"/>
-              <a:t>The NFIR model is a fairly accurate empirical model of the fuel thermal conductivity</a:t>
-            </a:r>
-          </a:p>
-          <a:p>
-            <a:endParaRPr lang="en-US" dirty="0"/>
-          </a:p>
-        </p:txBody>
-      </p:sp>
-      <p:sp>
-        <p:nvSpPr>
-          <p:cNvPr id="4" name="Slide Number Placeholder 3">
-            <a:extLst>
-              <a:ext uri="{FF2B5EF4-FFF2-40B4-BE49-F238E27FC236}">
-                <a16:creationId xmlns:a16="http://schemas.microsoft.com/office/drawing/2014/main" id="{C5080A65-7384-FF4F-94B0-F4C3AB1A3F9F}"/>
-              </a:ext>
-            </a:extLst>
-          </p:cNvPr>
-          <p:cNvSpPr>
-            <a:spLocks noGrp="1"/>
-          </p:cNvSpPr>
-          <p:nvPr>
-            <p:ph type="sldNum" sz="quarter" idx="12"/>
-          </p:nvPr>
-        </p:nvSpPr>
-        <p:spPr/>
-        <p:txBody>
-          <a:bodyPr/>
-          <a:lstStyle/>
-          <a:p>
-            <a:pPr>
-              <a:defRPr/>
-            </a:pPr>
-            <a:fld id="{3FF2C605-4958-CF43-AA48-80339EFDB0AF}" type="slidenum">
-              <a:rPr lang="en-US" smtClean="0"/>
-              <a:pPr>
-                <a:defRPr/>
-              </a:pPr>
-              <a:t>24</a:t>
-            </a:fld>
-            <a:endParaRPr lang="en-US"/>
-          </a:p>
-        </p:txBody>
-      </p:sp>
-    </p:spTree>
-    <p:extLst>
-      <p:ext uri="{BB962C8B-B14F-4D97-AF65-F5344CB8AC3E}">
-        <p14:creationId xmlns:p14="http://schemas.microsoft.com/office/powerpoint/2010/main" val="3706124868"/>
-      </p:ext>
-    </p:extLst>
-  </p:cSld>
-  <p:clrMapOvr>
-    <a:masterClrMapping/>
-  </p:clrMapOvr>
-</p:sld>
-</file>
-
 <file path=ppt/slides/slide3.xml><?xml version="1.0" encoding="utf-8"?>
 <p:sld xmlns:a="http://schemas.openxmlformats.org/drawingml/2006/main" xmlns:r="http://schemas.openxmlformats.org/officeDocument/2006/relationships" xmlns:p="http://schemas.openxmlformats.org/presentationml/2006/main">
   <p:cSld>
@@ -8156,7 +9537,7 @@
           <a:p>
             <a:r>
               <a:rPr lang="en-US" dirty="0"/>
-              <a:t>Due April 26</a:t>
+              <a:t>Due April 26 – Tuesday before Finals week</a:t>
             </a:r>
           </a:p>
           <a:p>
@@ -8212,6 +9593,311 @@
     <p:extLst>
       <p:ext uri="{BB962C8B-B14F-4D97-AF65-F5344CB8AC3E}">
         <p14:creationId xmlns:p14="http://schemas.microsoft.com/office/powerpoint/2010/main" val="4079713112"/>
+      </p:ext>
+    </p:extLst>
+  </p:cSld>
+  <p:clrMapOvr>
+    <a:masterClrMapping/>
+  </p:clrMapOvr>
+</p:sld>
+</file>
+
+<file path=ppt/slides/slide30.xml><?xml version="1.0" encoding="utf-8"?>
+<p:sld xmlns:a="http://schemas.openxmlformats.org/drawingml/2006/main" xmlns:r="http://schemas.openxmlformats.org/officeDocument/2006/relationships" xmlns:p="http://schemas.openxmlformats.org/presentationml/2006/main">
+  <p:cSld>
+    <p:spTree>
+      <p:nvGrpSpPr>
+        <p:cNvPr id="1" name=""/>
+        <p:cNvGrpSpPr/>
+        <p:nvPr/>
+      </p:nvGrpSpPr>
+      <p:grpSpPr>
+        <a:xfrm>
+          <a:off x="0" y="0"/>
+          <a:ext cx="0" cy="0"/>
+          <a:chOff x="0" y="0"/>
+          <a:chExt cx="0" cy="0"/>
+        </a:xfrm>
+      </p:grpSpPr>
+      <p:sp>
+        <p:nvSpPr>
+          <p:cNvPr id="2" name="Title 1">
+            <a:extLst>
+              <a:ext uri="{FF2B5EF4-FFF2-40B4-BE49-F238E27FC236}">
+                <a16:creationId xmlns:a16="http://schemas.microsoft.com/office/drawing/2014/main" id="{6493444E-F2E1-C140-819B-17F17ED135B0}"/>
+              </a:ext>
+            </a:extLst>
+          </p:cNvPr>
+          <p:cNvSpPr>
+            <a:spLocks noGrp="1"/>
+          </p:cNvSpPr>
+          <p:nvPr>
+            <p:ph type="title"/>
+          </p:nvPr>
+        </p:nvSpPr>
+        <p:spPr/>
+        <p:txBody>
+          <a:bodyPr/>
+          <a:lstStyle/>
+          <a:p>
+            <a:r>
+              <a:rPr lang="en-US" dirty="0"/>
+              <a:t>Summary</a:t>
+            </a:r>
+          </a:p>
+        </p:txBody>
+      </p:sp>
+      <p:sp>
+        <p:nvSpPr>
+          <p:cNvPr id="3" name="Content Placeholder 2">
+            <a:extLst>
+              <a:ext uri="{FF2B5EF4-FFF2-40B4-BE49-F238E27FC236}">
+                <a16:creationId xmlns:a16="http://schemas.microsoft.com/office/drawing/2014/main" id="{1C936466-268A-B042-825C-BEBA244C94F0}"/>
+              </a:ext>
+            </a:extLst>
+          </p:cNvPr>
+          <p:cNvSpPr>
+            <a:spLocks noGrp="1"/>
+          </p:cNvSpPr>
+          <p:nvPr>
+            <p:ph idx="1"/>
+          </p:nvPr>
+        </p:nvSpPr>
+        <p:spPr/>
+        <p:txBody>
+          <a:bodyPr>
+            <a:normAutofit/>
+          </a:bodyPr>
+          <a:lstStyle/>
+          <a:p>
+            <a:r>
+              <a:rPr lang="en-US" sz="2000" dirty="0"/>
+              <a:t>Many materials models for fuel are empirical and correlated to burnup</a:t>
+            </a:r>
+          </a:p>
+          <a:p>
+            <a:r>
+              <a:rPr lang="en-US" sz="2000" dirty="0"/>
+              <a:t>Fuel pellets change shape due to </a:t>
+            </a:r>
+          </a:p>
+          <a:p>
+            <a:pPr lvl="1"/>
+            <a:r>
+              <a:rPr lang="en-US" sz="2000" dirty="0"/>
+              <a:t>Thermal expansion (increase in volume)</a:t>
+            </a:r>
+          </a:p>
+          <a:p>
+            <a:pPr lvl="1"/>
+            <a:r>
+              <a:rPr lang="en-US" sz="2000" dirty="0"/>
+              <a:t>Densification (decrease in volume)</a:t>
+            </a:r>
+          </a:p>
+          <a:p>
+            <a:pPr lvl="1"/>
+            <a:r>
+              <a:rPr lang="en-US" sz="2000" dirty="0"/>
+              <a:t>Swelling (increase in volume)</a:t>
+            </a:r>
+          </a:p>
+          <a:p>
+            <a:pPr lvl="1"/>
+            <a:r>
+              <a:rPr lang="en-US" sz="2000" dirty="0"/>
+              <a:t>Creep (volume stays the same)</a:t>
+            </a:r>
+          </a:p>
+          <a:p>
+            <a:r>
+              <a:rPr lang="en-US" sz="2000" dirty="0"/>
+              <a:t>Fracture also decreases the gap, as fractures pieces shift outward</a:t>
+            </a:r>
+          </a:p>
+        </p:txBody>
+      </p:sp>
+      <p:sp>
+        <p:nvSpPr>
+          <p:cNvPr id="4" name="Slide Number Placeholder 3">
+            <a:extLst>
+              <a:ext uri="{FF2B5EF4-FFF2-40B4-BE49-F238E27FC236}">
+                <a16:creationId xmlns:a16="http://schemas.microsoft.com/office/drawing/2014/main" id="{04663BD3-A21E-B041-8B9B-3ED8023B4981}"/>
+              </a:ext>
+            </a:extLst>
+          </p:cNvPr>
+          <p:cNvSpPr>
+            <a:spLocks noGrp="1"/>
+          </p:cNvSpPr>
+          <p:nvPr>
+            <p:ph type="sldNum" sz="quarter" idx="12"/>
+          </p:nvPr>
+        </p:nvSpPr>
+        <p:spPr/>
+        <p:txBody>
+          <a:bodyPr/>
+          <a:lstStyle/>
+          <a:p>
+            <a:pPr>
+              <a:defRPr/>
+            </a:pPr>
+            <a:fld id="{3FF2C605-4958-CF43-AA48-80339EFDB0AF}" type="slidenum">
+              <a:rPr lang="en-US" smtClean="0"/>
+              <a:pPr>
+                <a:defRPr/>
+              </a:pPr>
+              <a:t>30</a:t>
+            </a:fld>
+            <a:endParaRPr lang="en-US"/>
+          </a:p>
+        </p:txBody>
+      </p:sp>
+    </p:spTree>
+    <p:extLst>
+      <p:ext uri="{BB962C8B-B14F-4D97-AF65-F5344CB8AC3E}">
+        <p14:creationId xmlns:p14="http://schemas.microsoft.com/office/powerpoint/2010/main" val="2229729180"/>
+      </p:ext>
+    </p:extLst>
+  </p:cSld>
+  <p:clrMapOvr>
+    <a:masterClrMapping/>
+  </p:clrMapOvr>
+</p:sld>
+</file>
+
+<file path=ppt/slides/slide31.xml><?xml version="1.0" encoding="utf-8"?>
+<p:sld xmlns:a="http://schemas.openxmlformats.org/drawingml/2006/main" xmlns:r="http://schemas.openxmlformats.org/officeDocument/2006/relationships" xmlns:p="http://schemas.openxmlformats.org/presentationml/2006/main">
+  <p:cSld>
+    <p:spTree>
+      <p:nvGrpSpPr>
+        <p:cNvPr id="1" name=""/>
+        <p:cNvGrpSpPr/>
+        <p:nvPr/>
+      </p:nvGrpSpPr>
+      <p:grpSpPr>
+        <a:xfrm>
+          <a:off x="0" y="0"/>
+          <a:ext cx="0" cy="0"/>
+          <a:chOff x="0" y="0"/>
+          <a:chExt cx="0" cy="0"/>
+        </a:xfrm>
+      </p:grpSpPr>
+      <p:sp>
+        <p:nvSpPr>
+          <p:cNvPr id="2" name="Title 1">
+            <a:extLst>
+              <a:ext uri="{FF2B5EF4-FFF2-40B4-BE49-F238E27FC236}">
+                <a16:creationId xmlns:a16="http://schemas.microsoft.com/office/drawing/2014/main" id="{602DCCAD-BE05-A94F-B66A-EA2D3ABF07EF}"/>
+              </a:ext>
+            </a:extLst>
+          </p:cNvPr>
+          <p:cNvSpPr>
+            <a:spLocks noGrp="1"/>
+          </p:cNvSpPr>
+          <p:nvPr>
+            <p:ph type="title"/>
+          </p:nvPr>
+        </p:nvSpPr>
+        <p:spPr/>
+        <p:txBody>
+          <a:bodyPr/>
+          <a:lstStyle/>
+          <a:p>
+            <a:r>
+              <a:rPr lang="en-US" dirty="0"/>
+              <a:t>Summary</a:t>
+            </a:r>
+          </a:p>
+        </p:txBody>
+      </p:sp>
+      <p:sp>
+        <p:nvSpPr>
+          <p:cNvPr id="3" name="Content Placeholder 2">
+            <a:extLst>
+              <a:ext uri="{FF2B5EF4-FFF2-40B4-BE49-F238E27FC236}">
+                <a16:creationId xmlns:a16="http://schemas.microsoft.com/office/drawing/2014/main" id="{C7C9A290-33D4-8D48-BEAB-3A09AD15C127}"/>
+              </a:ext>
+            </a:extLst>
+          </p:cNvPr>
+          <p:cNvSpPr>
+            <a:spLocks noGrp="1"/>
+          </p:cNvSpPr>
+          <p:nvPr>
+            <p:ph idx="1"/>
+          </p:nvPr>
+        </p:nvSpPr>
+        <p:spPr/>
+        <p:txBody>
+          <a:bodyPr/>
+          <a:lstStyle/>
+          <a:p>
+            <a:r>
+              <a:rPr lang="en-US" dirty="0"/>
+              <a:t>The fuel thermal conductivity decreases with burnup</a:t>
+            </a:r>
+          </a:p>
+          <a:p>
+            <a:r>
+              <a:rPr lang="en-US" dirty="0"/>
+              <a:t>Empirical models take into account both phonon and electron based thermal transport</a:t>
+            </a:r>
+          </a:p>
+          <a:p>
+            <a:r>
+              <a:rPr lang="en-US" dirty="0"/>
+              <a:t>BISON primarily utilizes the NFIR model to describe thermal conductivity</a:t>
+            </a:r>
+          </a:p>
+          <a:p>
+            <a:r>
+              <a:rPr lang="en-US" dirty="0"/>
+              <a:t>The NFIR model is a fairly accurate empirical model of the fuel thermal conductivity</a:t>
+            </a:r>
+          </a:p>
+          <a:p>
+            <a:endParaRPr lang="en-US" dirty="0"/>
+          </a:p>
+        </p:txBody>
+      </p:sp>
+      <p:sp>
+        <p:nvSpPr>
+          <p:cNvPr id="4" name="Slide Number Placeholder 3">
+            <a:extLst>
+              <a:ext uri="{FF2B5EF4-FFF2-40B4-BE49-F238E27FC236}">
+                <a16:creationId xmlns:a16="http://schemas.microsoft.com/office/drawing/2014/main" id="{C5080A65-7384-FF4F-94B0-F4C3AB1A3F9F}"/>
+              </a:ext>
+            </a:extLst>
+          </p:cNvPr>
+          <p:cNvSpPr>
+            <a:spLocks noGrp="1"/>
+          </p:cNvSpPr>
+          <p:nvPr>
+            <p:ph type="sldNum" sz="quarter" idx="12"/>
+          </p:nvPr>
+        </p:nvSpPr>
+        <p:spPr/>
+        <p:txBody>
+          <a:bodyPr/>
+          <a:lstStyle/>
+          <a:p>
+            <a:pPr>
+              <a:defRPr/>
+            </a:pPr>
+            <a:fld id="{3FF2C605-4958-CF43-AA48-80339EFDB0AF}" type="slidenum">
+              <a:rPr lang="en-US" smtClean="0"/>
+              <a:pPr>
+                <a:defRPr/>
+              </a:pPr>
+              <a:t>31</a:t>
+            </a:fld>
+            <a:endParaRPr lang="en-US"/>
+          </a:p>
+        </p:txBody>
+      </p:sp>
+    </p:spTree>
+    <p:extLst>
+      <p:ext uri="{BB962C8B-B14F-4D97-AF65-F5344CB8AC3E}">
+        <p14:creationId xmlns:p14="http://schemas.microsoft.com/office/powerpoint/2010/main" val="3706124868"/>
       </p:ext>
     </p:extLst>
   </p:cSld>
@@ -8768,7 +10454,7 @@
         <p:spPr>
           <a:xfrm>
             <a:off x="667872" y="1968501"/>
-            <a:ext cx="5257797" cy="3970318"/>
+            <a:ext cx="5257797" cy="3693319"/>
           </a:xfrm>
           <a:prstGeom prst="rect">
             <a:avLst/>
@@ -8986,33 +10672,7 @@
                 <a:ea typeface="+mn-ea"/>
                 <a:cs typeface="+mn-cs"/>
               </a:rPr>
-              <a:t>Mesh: </a:t>
-            </a:r>
-            <a:r>
-              <a:rPr lang="en-US" dirty="0">
-                <a:solidFill>
-                  <a:prstClr val="black"/>
-                </a:solidFill>
-                <a:latin typeface="Calibri"/>
-              </a:rPr>
-              <a:t>10</a:t>
-            </a:r>
-            <a:r>
-              <a:rPr kumimoji="0" lang="en-US" sz="1800" b="0" i="0" u="none" strike="noStrike" kern="1200" cap="none" spc="0" normalizeH="0" baseline="0" noProof="0" dirty="0">
-                <a:ln>
-                  <a:noFill/>
-                </a:ln>
-                <a:solidFill>
-                  <a:prstClr val="black"/>
-                </a:solidFill>
-                <a:effectLst/>
-                <a:uLnTx/>
-                <a:uFillTx/>
-                <a:latin typeface="Calibri"/>
-                <a:ea typeface="+mn-ea"/>
-                <a:cs typeface="+mn-cs"/>
-              </a:rPr>
-              <a:t>0x100; or something sufficiently converged</a:t>
+              <a:t>Mesh: something sufficiently converged</a:t>
             </a:r>
           </a:p>
           <a:p>
@@ -9791,7 +11451,7 @@
           <a:p>
             <a:r>
               <a:rPr lang="en-US" dirty="0"/>
-              <a:t>Fuel Swelling/Dimensional Change</a:t>
+              <a:t>Fission products</a:t>
             </a:r>
           </a:p>
         </p:txBody>
@@ -9817,24 +11477,82 @@
           <a:bodyPr/>
           <a:lstStyle/>
           <a:p>
-            <a:pPr>
+            <a:pPr marL="0" marR="0" lvl="0" indent="0" algn="r" defTabSz="914400" rtl="0" eaLnBrk="1" fontAlgn="auto" latinLnBrk="0" hangingPunct="1">
+              <a:lnSpc>
+                <a:spcPct val="100000"/>
+              </a:lnSpc>
+              <a:spcBef>
+                <a:spcPts val="0"/>
+              </a:spcBef>
+              <a:spcAft>
+                <a:spcPts val="0"/>
+              </a:spcAft>
+              <a:buClrTx/>
+              <a:buSzTx/>
+              <a:buFontTx/>
+              <a:buNone/>
+              <a:tabLst/>
               <a:defRPr/>
             </a:pPr>
             <a:fld id="{0DA6BD0F-ABBC-C14D-BC96-77BE126A748B}" type="slidenum">
-              <a:rPr lang="en-US" smtClean="0"/>
-              <a:pPr>
+              <a:rPr kumimoji="0" lang="en-US" sz="1200" b="0" i="0" u="none" strike="noStrike" kern="1200" cap="none" spc="0" normalizeH="0" baseline="0" noProof="0" smtClean="0">
+                <a:ln>
+                  <a:noFill/>
+                </a:ln>
+                <a:solidFill>
+                  <a:prstClr val="black">
+                    <a:tint val="75000"/>
+                  </a:prstClr>
+                </a:solidFill>
+                <a:effectLst/>
+                <a:uLnTx/>
+                <a:uFillTx/>
+                <a:latin typeface="Calibri"/>
+                <a:ea typeface="+mn-ea"/>
+                <a:cs typeface="+mn-cs"/>
+              </a:rPr>
+              <a:pPr marL="0" marR="0" lvl="0" indent="0" algn="r" defTabSz="914400" rtl="0" eaLnBrk="1" fontAlgn="auto" latinLnBrk="0" hangingPunct="1">
+                <a:lnSpc>
+                  <a:spcPct val="100000"/>
+                </a:lnSpc>
+                <a:spcBef>
+                  <a:spcPts val="0"/>
+                </a:spcBef>
+                <a:spcAft>
+                  <a:spcPts val="0"/>
+                </a:spcAft>
+                <a:buClrTx/>
+                <a:buSzTx/>
+                <a:buFontTx/>
+                <a:buNone/>
+                <a:tabLst/>
                 <a:defRPr/>
               </a:pPr>
               <a:t>5</a:t>
             </a:fld>
-            <a:endParaRPr lang="en-US"/>
+            <a:endParaRPr kumimoji="0" lang="en-US" sz="1200" b="0" i="0" u="none" strike="noStrike" kern="1200" cap="none" spc="0" normalizeH="0" baseline="0" noProof="0">
+              <a:ln>
+                <a:noFill/>
+              </a:ln>
+              <a:solidFill>
+                <a:prstClr val="black">
+                  <a:tint val="75000"/>
+                </a:prstClr>
+              </a:solidFill>
+              <a:effectLst/>
+              <a:uLnTx/>
+              <a:uFillTx/>
+              <a:latin typeface="Calibri"/>
+              <a:ea typeface="+mn-ea"/>
+              <a:cs typeface="+mn-cs"/>
+            </a:endParaRPr>
           </a:p>
         </p:txBody>
       </p:sp>
     </p:spTree>
     <p:extLst>
       <p:ext uri="{BB962C8B-B14F-4D97-AF65-F5344CB8AC3E}">
-        <p14:creationId xmlns:p14="http://schemas.microsoft.com/office/powerpoint/2010/main" val="1704851804"/>
+        <p14:creationId xmlns:p14="http://schemas.microsoft.com/office/powerpoint/2010/main" val="1665408837"/>
       </p:ext>
     </p:extLst>
   </p:cSld>
@@ -9866,7 +11584,7 @@
           <p:cNvPr id="2" name="Title 1">
             <a:extLst>
               <a:ext uri="{FF2B5EF4-FFF2-40B4-BE49-F238E27FC236}">
-                <a16:creationId xmlns:a16="http://schemas.microsoft.com/office/drawing/2014/main" id="{2C221306-1998-BA45-A870-95ADBDD5A19C}"/>
+                <a16:creationId xmlns:a16="http://schemas.microsoft.com/office/drawing/2014/main" id="{C66BA781-7ECE-6641-88BB-68160FD767F1}"/>
               </a:ext>
             </a:extLst>
           </p:cNvPr>
@@ -9884,7 +11602,7 @@
           <a:p>
             <a:r>
               <a:rPr lang="en-US" dirty="0"/>
-              <a:t>Fuel changes size and shape under reactor operation</a:t>
+              <a:t>There are various types of fission products that form in the fuel</a:t>
             </a:r>
           </a:p>
         </p:txBody>
@@ -9894,7 +11612,7 @@
           <p:cNvPr id="4" name="Slide Number Placeholder 3">
             <a:extLst>
               <a:ext uri="{FF2B5EF4-FFF2-40B4-BE49-F238E27FC236}">
-                <a16:creationId xmlns:a16="http://schemas.microsoft.com/office/drawing/2014/main" id="{A9E983E7-B7C1-CE4D-8056-000119106C75}"/>
+                <a16:creationId xmlns:a16="http://schemas.microsoft.com/office/drawing/2014/main" id="{FED3BFFA-532D-A248-A8F3-258A223465F8}"/>
               </a:ext>
             </a:extLst>
           </p:cNvPr>
@@ -9905,7 +11623,12 @@
             <p:ph type="sldNum" sz="quarter" idx="12"/>
           </p:nvPr>
         </p:nvSpPr>
-        <p:spPr/>
+        <p:spPr>
+          <a:xfrm>
+            <a:off x="8737600" y="6356351"/>
+            <a:ext cx="2844800" cy="365125"/>
+          </a:xfrm>
+        </p:spPr>
         <p:txBody>
           <a:bodyPr/>
           <a:lstStyle/>
@@ -9924,130 +11647,781 @@
           </a:p>
         </p:txBody>
       </p:sp>
-      <p:pic>
-        <p:nvPicPr>
-          <p:cNvPr id="33" name="Picture 32">
-            <a:extLst>
-              <a:ext uri="{FF2B5EF4-FFF2-40B4-BE49-F238E27FC236}">
-                <a16:creationId xmlns:a16="http://schemas.microsoft.com/office/drawing/2014/main" id="{DD0E39FB-9EFD-BA4A-AFCE-9B2924E0AEC1}"/>
-              </a:ext>
-            </a:extLst>
-          </p:cNvPr>
-          <p:cNvPicPr>
-            <a:picLocks noChangeAspect="1"/>
-          </p:cNvPicPr>
+      <p:grpSp>
+        <p:nvGrpSpPr>
+          <p:cNvPr id="21" name="Group 20">
+            <a:extLst>
+              <a:ext uri="{FF2B5EF4-FFF2-40B4-BE49-F238E27FC236}">
+                <a16:creationId xmlns:a16="http://schemas.microsoft.com/office/drawing/2014/main" id="{2BB16C56-AB5E-3345-B5D1-C17ED6ED40EF}"/>
+              </a:ext>
+            </a:extLst>
+          </p:cNvPr>
+          <p:cNvGrpSpPr/>
           <p:nvPr/>
-        </p:nvPicPr>
-        <p:blipFill>
-          <a:blip r:embed="rId2"/>
-          <a:stretch>
-            <a:fillRect/>
-          </a:stretch>
-        </p:blipFill>
-        <p:spPr>
+        </p:nvGrpSpPr>
+        <p:grpSpPr>
           <a:xfrm>
-            <a:off x="5271246" y="5366477"/>
-            <a:ext cx="5486400" cy="1134794"/>
+            <a:off x="2307822" y="2151063"/>
+            <a:ext cx="7576356" cy="4387850"/>
+            <a:chOff x="1782797" y="1146678"/>
+            <a:chExt cx="8720221" cy="5209673"/>
           </a:xfrm>
-          <a:prstGeom prst="rect">
-            <a:avLst/>
-          </a:prstGeom>
-        </p:spPr>
-      </p:pic>
-      <p:pic>
-        <p:nvPicPr>
-          <p:cNvPr id="44" name="Picture 43">
-            <a:extLst>
-              <a:ext uri="{FF2B5EF4-FFF2-40B4-BE49-F238E27FC236}">
-                <a16:creationId xmlns:a16="http://schemas.microsoft.com/office/drawing/2014/main" id="{A9C04CCD-EBC1-A74E-AA4A-D2F3C8FD877B}"/>
-              </a:ext>
-            </a:extLst>
-          </p:cNvPr>
-          <p:cNvPicPr>
-            <a:picLocks noChangeAspect="1"/>
-          </p:cNvPicPr>
-          <p:nvPr/>
-        </p:nvPicPr>
-        <p:blipFill>
-          <a:blip r:embed="rId3"/>
-          <a:stretch>
-            <a:fillRect/>
-          </a:stretch>
-        </p:blipFill>
-        <p:spPr>
-          <a:xfrm>
-            <a:off x="3765176" y="4240060"/>
-            <a:ext cx="5486400" cy="1039233"/>
-          </a:xfrm>
-          <a:prstGeom prst="rect">
-            <a:avLst/>
-          </a:prstGeom>
-        </p:spPr>
-      </p:pic>
-      <p:pic>
-        <p:nvPicPr>
-          <p:cNvPr id="55" name="Picture 54">
-            <a:extLst>
-              <a:ext uri="{FF2B5EF4-FFF2-40B4-BE49-F238E27FC236}">
-                <a16:creationId xmlns:a16="http://schemas.microsoft.com/office/drawing/2014/main" id="{91A262FD-D365-244E-98FE-FE50A16B6053}"/>
-              </a:ext>
-            </a:extLst>
-          </p:cNvPr>
-          <p:cNvPicPr>
-            <a:picLocks noChangeAspect="1"/>
-          </p:cNvPicPr>
-          <p:nvPr/>
-        </p:nvPicPr>
-        <p:blipFill>
-          <a:blip r:embed="rId4"/>
-          <a:stretch>
-            <a:fillRect/>
-          </a:stretch>
-        </p:blipFill>
-        <p:spPr>
-          <a:xfrm>
-            <a:off x="2528046" y="3104281"/>
-            <a:ext cx="5486400" cy="1048595"/>
-          </a:xfrm>
-          <a:prstGeom prst="rect">
-            <a:avLst/>
-          </a:prstGeom>
-        </p:spPr>
-      </p:pic>
-      <p:pic>
-        <p:nvPicPr>
-          <p:cNvPr id="61" name="Picture 60">
-            <a:extLst>
-              <a:ext uri="{FF2B5EF4-FFF2-40B4-BE49-F238E27FC236}">
-                <a16:creationId xmlns:a16="http://schemas.microsoft.com/office/drawing/2014/main" id="{379B99F8-28A7-FD40-AB5D-982FA71BDDBA}"/>
-              </a:ext>
-            </a:extLst>
-          </p:cNvPr>
-          <p:cNvPicPr>
-            <a:picLocks noChangeAspect="1"/>
-          </p:cNvPicPr>
-          <p:nvPr/>
-        </p:nvPicPr>
-        <p:blipFill>
-          <a:blip r:embed="rId5"/>
-          <a:stretch>
-            <a:fillRect/>
-          </a:stretch>
-        </p:blipFill>
-        <p:spPr>
-          <a:xfrm>
-            <a:off x="1559111" y="1968501"/>
-            <a:ext cx="5486400" cy="1048596"/>
-          </a:xfrm>
-          <a:prstGeom prst="rect">
-            <a:avLst/>
-          </a:prstGeom>
-        </p:spPr>
-      </p:pic>
+        </p:grpSpPr>
+        <p:pic>
+          <p:nvPicPr>
+            <p:cNvPr id="5" name="Picture 4">
+              <a:extLst>
+                <a:ext uri="{FF2B5EF4-FFF2-40B4-BE49-F238E27FC236}">
+                  <a16:creationId xmlns:a16="http://schemas.microsoft.com/office/drawing/2014/main" id="{D6CA30CB-24D3-9D42-9B49-6FF3DE94B7A6}"/>
+                </a:ext>
+              </a:extLst>
+            </p:cNvPr>
+            <p:cNvPicPr>
+              <a:picLocks noChangeAspect="1"/>
+            </p:cNvPicPr>
+            <p:nvPr/>
+          </p:nvPicPr>
+          <p:blipFill>
+            <a:blip r:embed="rId2"/>
+            <a:stretch>
+              <a:fillRect/>
+            </a:stretch>
+          </p:blipFill>
+          <p:spPr>
+            <a:xfrm>
+              <a:off x="1782797" y="2202246"/>
+              <a:ext cx="3550899" cy="3017788"/>
+            </a:xfrm>
+            <a:prstGeom prst="rect">
+              <a:avLst/>
+            </a:prstGeom>
+          </p:spPr>
+        </p:pic>
+        <p:grpSp>
+          <p:nvGrpSpPr>
+            <p:cNvPr id="6" name="Group 5">
+              <a:extLst>
+                <a:ext uri="{FF2B5EF4-FFF2-40B4-BE49-F238E27FC236}">
+                  <a16:creationId xmlns:a16="http://schemas.microsoft.com/office/drawing/2014/main" id="{80E71837-A94D-674A-B3E4-EBEE788289C3}"/>
+                </a:ext>
+              </a:extLst>
+            </p:cNvPr>
+            <p:cNvGrpSpPr/>
+            <p:nvPr/>
+          </p:nvGrpSpPr>
+          <p:grpSpPr>
+            <a:xfrm>
+              <a:off x="3344229" y="4631825"/>
+              <a:ext cx="7158789" cy="1724526"/>
+              <a:chOff x="1838158" y="5013158"/>
+              <a:chExt cx="7158789" cy="1724526"/>
+            </a:xfrm>
+          </p:grpSpPr>
+          <p:sp>
+            <p:nvSpPr>
+              <p:cNvPr id="7" name="Rounded Rectangle 6">
+                <a:extLst>
+                  <a:ext uri="{FF2B5EF4-FFF2-40B4-BE49-F238E27FC236}">
+                    <a16:creationId xmlns:a16="http://schemas.microsoft.com/office/drawing/2014/main" id="{279510D7-9F25-DE47-BCC2-A743D4394290}"/>
+                  </a:ext>
+                </a:extLst>
+              </p:cNvPr>
+              <p:cNvSpPr/>
+              <p:nvPr/>
+            </p:nvSpPr>
+            <p:spPr>
+              <a:xfrm>
+                <a:off x="3903579" y="5434263"/>
+                <a:ext cx="5093368" cy="1303421"/>
+              </a:xfrm>
+              <a:prstGeom prst="roundRect">
+                <a:avLst>
+                  <a:gd name="adj" fmla="val 10000"/>
+                </a:avLst>
+              </a:prstGeom>
+            </p:spPr>
+            <p:style>
+              <a:lnRef idx="1">
+                <a:schemeClr val="accent2"/>
+              </a:lnRef>
+              <a:fillRef idx="2">
+                <a:schemeClr val="accent2"/>
+              </a:fillRef>
+              <a:effectRef idx="1">
+                <a:schemeClr val="accent2"/>
+              </a:effectRef>
+              <a:fontRef idx="minor">
+                <a:schemeClr val="dk1"/>
+              </a:fontRef>
+            </p:style>
+            <p:txBody>
+              <a:bodyPr rtlCol="0" anchor="t"/>
+              <a:lstStyle/>
+              <a:p>
+                <a:r>
+                  <a:rPr lang="en-US" sz="1400" b="1" dirty="0"/>
+                  <a:t>Noble gases (</a:t>
+                </a:r>
+                <a:r>
+                  <a:rPr lang="en-US" sz="1400" b="1" dirty="0" err="1"/>
+                  <a:t>Xe</a:t>
+                </a:r>
+                <a:r>
+                  <a:rPr lang="en-US" sz="1400" b="1" dirty="0"/>
+                  <a:t>, Kr)</a:t>
+                </a:r>
+              </a:p>
+              <a:p>
+                <a:pPr marL="173038" indent="-173038">
+                  <a:buFont typeface="Arial"/>
+                  <a:buChar char="•"/>
+                </a:pPr>
+                <a:r>
+                  <a:rPr lang="en-US" sz="1400" dirty="0"/>
+                  <a:t>Essentially insoluble in the fuel matrix </a:t>
+                </a:r>
+              </a:p>
+              <a:p>
+                <a:pPr marL="173038" indent="-173038">
+                  <a:buFont typeface="Arial"/>
+                  <a:buChar char="•"/>
+                </a:pPr>
+                <a:r>
+                  <a:rPr lang="en-US" sz="1400" dirty="0"/>
+                  <a:t>Form either </a:t>
+                </a:r>
+                <a:r>
+                  <a:rPr lang="en-US" sz="1400" dirty="0" err="1"/>
+                  <a:t>intragranular</a:t>
+                </a:r>
+                <a:r>
+                  <a:rPr lang="en-US" sz="1400" dirty="0"/>
+                  <a:t> (within grain) voids or bubbles or </a:t>
+                </a:r>
+                <a:r>
+                  <a:rPr lang="en-US" sz="1400" dirty="0" err="1"/>
+                  <a:t>intergranular</a:t>
+                </a:r>
+                <a:r>
+                  <a:rPr lang="en-US" sz="1400" dirty="0"/>
+                  <a:t> (grain boundary) bubbles </a:t>
+                </a:r>
+              </a:p>
+              <a:p>
+                <a:pPr marL="173038" indent="-173038">
+                  <a:buFont typeface="Arial"/>
+                  <a:buChar char="•"/>
+                </a:pPr>
+                <a:endParaRPr lang="en-US" sz="1400" dirty="0"/>
+              </a:p>
+            </p:txBody>
+          </p:sp>
+          <p:cxnSp>
+            <p:nvCxnSpPr>
+              <p:cNvPr id="8" name="Straight Arrow Connector 7">
+                <a:extLst>
+                  <a:ext uri="{FF2B5EF4-FFF2-40B4-BE49-F238E27FC236}">
+                    <a16:creationId xmlns:a16="http://schemas.microsoft.com/office/drawing/2014/main" id="{ACEE9338-FC9E-844D-B777-ACB4548A3797}"/>
+                  </a:ext>
+                </a:extLst>
+              </p:cNvPr>
+              <p:cNvCxnSpPr>
+                <a:stCxn id="7" idx="1"/>
+              </p:cNvCxnSpPr>
+              <p:nvPr/>
+            </p:nvCxnSpPr>
+            <p:spPr>
+              <a:xfrm flipH="1" flipV="1">
+                <a:off x="1838158" y="5013158"/>
+                <a:ext cx="2065421" cy="1072816"/>
+              </a:xfrm>
+              <a:prstGeom prst="straightConnector1">
+                <a:avLst/>
+              </a:prstGeom>
+              <a:ln>
+                <a:tailEnd type="arrow"/>
+              </a:ln>
+            </p:spPr>
+            <p:style>
+              <a:lnRef idx="2">
+                <a:schemeClr val="accent2"/>
+              </a:lnRef>
+              <a:fillRef idx="0">
+                <a:schemeClr val="accent2"/>
+              </a:fillRef>
+              <a:effectRef idx="1">
+                <a:schemeClr val="accent2"/>
+              </a:effectRef>
+              <a:fontRef idx="minor">
+                <a:schemeClr val="tx1"/>
+              </a:fontRef>
+            </p:style>
+          </p:cxnSp>
+        </p:grpSp>
+        <p:grpSp>
+          <p:nvGrpSpPr>
+            <p:cNvPr id="9" name="Group 8">
+              <a:extLst>
+                <a:ext uri="{FF2B5EF4-FFF2-40B4-BE49-F238E27FC236}">
+                  <a16:creationId xmlns:a16="http://schemas.microsoft.com/office/drawing/2014/main" id="{F524C206-EA46-0741-9CB4-505637424DA3}"/>
+                </a:ext>
+              </a:extLst>
+            </p:cNvPr>
+            <p:cNvGrpSpPr/>
+            <p:nvPr/>
+          </p:nvGrpSpPr>
+          <p:grpSpPr>
+            <a:xfrm>
+              <a:off x="3344229" y="3667961"/>
+              <a:ext cx="7158789" cy="1303421"/>
+              <a:chOff x="1838158" y="4049294"/>
+              <a:chExt cx="7158789" cy="1303421"/>
+            </a:xfrm>
+          </p:grpSpPr>
+          <p:sp>
+            <p:nvSpPr>
+              <p:cNvPr id="10" name="Rounded Rectangle 9">
+                <a:extLst>
+                  <a:ext uri="{FF2B5EF4-FFF2-40B4-BE49-F238E27FC236}">
+                    <a16:creationId xmlns:a16="http://schemas.microsoft.com/office/drawing/2014/main" id="{00776D69-9FD5-1547-B265-F1E13ED02C3E}"/>
+                  </a:ext>
+                </a:extLst>
+              </p:cNvPr>
+              <p:cNvSpPr/>
+              <p:nvPr/>
+            </p:nvSpPr>
+            <p:spPr>
+              <a:xfrm>
+                <a:off x="3903579" y="4049294"/>
+                <a:ext cx="5093368" cy="1303421"/>
+              </a:xfrm>
+              <a:prstGeom prst="roundRect">
+                <a:avLst>
+                  <a:gd name="adj" fmla="val 10000"/>
+                </a:avLst>
+              </a:prstGeom>
+            </p:spPr>
+            <p:style>
+              <a:lnRef idx="1">
+                <a:schemeClr val="accent2"/>
+              </a:lnRef>
+              <a:fillRef idx="2">
+                <a:schemeClr val="accent2"/>
+              </a:fillRef>
+              <a:effectRef idx="1">
+                <a:schemeClr val="accent2"/>
+              </a:effectRef>
+              <a:fontRef idx="minor">
+                <a:schemeClr val="dk1"/>
+              </a:fontRef>
+            </p:style>
+            <p:txBody>
+              <a:bodyPr rtlCol="0" anchor="t"/>
+              <a:lstStyle/>
+              <a:p>
+                <a:r>
+                  <a:rPr lang="en-US" sz="1400" b="1" dirty="0"/>
+                  <a:t>Volatiles (Br, </a:t>
+                </a:r>
+                <a:r>
+                  <a:rPr lang="en-US" sz="1400" b="1" dirty="0" err="1"/>
+                  <a:t>Rb</a:t>
+                </a:r>
+                <a:r>
+                  <a:rPr lang="en-US" sz="1400" b="1" dirty="0"/>
+                  <a:t>, </a:t>
+                </a:r>
+                <a:r>
+                  <a:rPr lang="en-US" sz="1400" b="1" dirty="0" err="1"/>
+                  <a:t>Te</a:t>
+                </a:r>
+                <a:r>
+                  <a:rPr lang="en-US" sz="1400" b="1" dirty="0"/>
+                  <a:t>, I and Cs) </a:t>
+                </a:r>
+              </a:p>
+              <a:p>
+                <a:pPr marL="173038" indent="-173038">
+                  <a:buFont typeface="Arial"/>
+                  <a:buChar char="•"/>
+                </a:pPr>
+                <a:r>
+                  <a:rPr lang="en-US" sz="1400" dirty="0"/>
+                  <a:t>Exist as gases at high temperatures of the pellet interior </a:t>
+                </a:r>
+              </a:p>
+              <a:p>
+                <a:pPr marL="173038" indent="-173038">
+                  <a:buFont typeface="Arial"/>
+                  <a:buChar char="•"/>
+                </a:pPr>
+                <a:r>
+                  <a:rPr lang="en-US" sz="1400" dirty="0"/>
+                  <a:t>Also exist as solids at the cooler pellet exterior</a:t>
+                </a:r>
+              </a:p>
+            </p:txBody>
+          </p:sp>
+          <p:cxnSp>
+            <p:nvCxnSpPr>
+              <p:cNvPr id="11" name="Straight Arrow Connector 10">
+                <a:extLst>
+                  <a:ext uri="{FF2B5EF4-FFF2-40B4-BE49-F238E27FC236}">
+                    <a16:creationId xmlns:a16="http://schemas.microsoft.com/office/drawing/2014/main" id="{C0BB876E-2031-AE4C-8420-2C7E0A495BC0}"/>
+                  </a:ext>
+                </a:extLst>
+              </p:cNvPr>
+              <p:cNvCxnSpPr>
+                <a:stCxn id="10" idx="1"/>
+              </p:cNvCxnSpPr>
+              <p:nvPr/>
+            </p:nvCxnSpPr>
+            <p:spPr>
+              <a:xfrm flipH="1">
+                <a:off x="1838158" y="4701005"/>
+                <a:ext cx="2065421" cy="312153"/>
+              </a:xfrm>
+              <a:prstGeom prst="straightConnector1">
+                <a:avLst/>
+              </a:prstGeom>
+              <a:ln>
+                <a:tailEnd type="arrow"/>
+              </a:ln>
+            </p:spPr>
+            <p:style>
+              <a:lnRef idx="2">
+                <a:schemeClr val="accent2"/>
+              </a:lnRef>
+              <a:fillRef idx="0">
+                <a:schemeClr val="accent2"/>
+              </a:fillRef>
+              <a:effectRef idx="1">
+                <a:schemeClr val="accent2"/>
+              </a:effectRef>
+              <a:fontRef idx="minor">
+                <a:schemeClr val="tx1"/>
+              </a:fontRef>
+            </p:style>
+          </p:cxnSp>
+        </p:grpSp>
+        <p:grpSp>
+          <p:nvGrpSpPr>
+            <p:cNvPr id="12" name="Group 11">
+              <a:extLst>
+                <a:ext uri="{FF2B5EF4-FFF2-40B4-BE49-F238E27FC236}">
+                  <a16:creationId xmlns:a16="http://schemas.microsoft.com/office/drawing/2014/main" id="{C5BDDD7F-BCCE-FD46-9E84-0A204250B574}"/>
+                </a:ext>
+              </a:extLst>
+            </p:cNvPr>
+            <p:cNvGrpSpPr/>
+            <p:nvPr/>
+          </p:nvGrpSpPr>
+          <p:grpSpPr>
+            <a:xfrm>
+              <a:off x="3885650" y="2827088"/>
+              <a:ext cx="6617368" cy="755316"/>
+              <a:chOff x="2379579" y="3208421"/>
+              <a:chExt cx="6617368" cy="755316"/>
+            </a:xfrm>
+          </p:grpSpPr>
+          <p:sp>
+            <p:nvSpPr>
+              <p:cNvPr id="13" name="Rounded Rectangle 12">
+                <a:extLst>
+                  <a:ext uri="{FF2B5EF4-FFF2-40B4-BE49-F238E27FC236}">
+                    <a16:creationId xmlns:a16="http://schemas.microsoft.com/office/drawing/2014/main" id="{353FD2B6-2B0A-1246-9EC9-3EB0EDFD65A4}"/>
+                  </a:ext>
+                </a:extLst>
+              </p:cNvPr>
+              <p:cNvSpPr/>
+              <p:nvPr/>
+            </p:nvSpPr>
+            <p:spPr>
+              <a:xfrm>
+                <a:off x="3903579" y="3208421"/>
+                <a:ext cx="5093368" cy="755316"/>
+              </a:xfrm>
+              <a:prstGeom prst="roundRect">
+                <a:avLst/>
+              </a:prstGeom>
+            </p:spPr>
+            <p:style>
+              <a:lnRef idx="1">
+                <a:schemeClr val="accent1"/>
+              </a:lnRef>
+              <a:fillRef idx="2">
+                <a:schemeClr val="accent1"/>
+              </a:fillRef>
+              <a:effectRef idx="1">
+                <a:schemeClr val="accent1"/>
+              </a:effectRef>
+              <a:fontRef idx="minor">
+                <a:schemeClr val="dk1"/>
+              </a:fontRef>
+            </p:style>
+            <p:txBody>
+              <a:bodyPr rtlCol="0" anchor="t"/>
+              <a:lstStyle/>
+              <a:p>
+                <a:r>
+                  <a:rPr lang="en-US" sz="1400" b="1" dirty="0"/>
+                  <a:t>Metals (Mo, </a:t>
+                </a:r>
+                <a:r>
+                  <a:rPr lang="en-US" sz="1400" b="1" dirty="0" err="1"/>
+                  <a:t>Ru</a:t>
+                </a:r>
+                <a:r>
+                  <a:rPr lang="en-US" sz="1400" b="1" dirty="0"/>
+                  <a:t>, </a:t>
+                </a:r>
+                <a:r>
+                  <a:rPr lang="en-US" sz="1400" b="1" dirty="0" err="1"/>
+                  <a:t>Pd</a:t>
+                </a:r>
+                <a:r>
+                  <a:rPr lang="en-US" sz="1400" b="1" dirty="0"/>
+                  <a:t>, and </a:t>
+                </a:r>
+                <a:r>
+                  <a:rPr lang="en-US" sz="1400" b="1" dirty="0" err="1"/>
+                  <a:t>Tc</a:t>
+                </a:r>
+                <a:r>
+                  <a:rPr lang="en-US" sz="1400" b="1" dirty="0"/>
+                  <a:t>) </a:t>
+                </a:r>
+              </a:p>
+              <a:p>
+                <a:pPr marL="173038" indent="-173038">
+                  <a:buFont typeface="Arial"/>
+                  <a:buChar char="•"/>
+                </a:pPr>
+                <a:r>
+                  <a:rPr lang="en-US" sz="1400" dirty="0"/>
+                  <a:t>Form metallic precipitates</a:t>
+                </a:r>
+              </a:p>
+            </p:txBody>
+          </p:sp>
+          <p:cxnSp>
+            <p:nvCxnSpPr>
+              <p:cNvPr id="14" name="Straight Arrow Connector 13">
+                <a:extLst>
+                  <a:ext uri="{FF2B5EF4-FFF2-40B4-BE49-F238E27FC236}">
+                    <a16:creationId xmlns:a16="http://schemas.microsoft.com/office/drawing/2014/main" id="{A9EE72CD-82B6-284E-909E-18E4D3BB98EF}"/>
+                  </a:ext>
+                </a:extLst>
+              </p:cNvPr>
+              <p:cNvCxnSpPr>
+                <a:stCxn id="13" idx="1"/>
+              </p:cNvCxnSpPr>
+              <p:nvPr/>
+            </p:nvCxnSpPr>
+            <p:spPr>
+              <a:xfrm flipH="1" flipV="1">
+                <a:off x="2379579" y="3208421"/>
+                <a:ext cx="1524000" cy="377658"/>
+              </a:xfrm>
+              <a:prstGeom prst="straightConnector1">
+                <a:avLst/>
+              </a:prstGeom>
+              <a:ln>
+                <a:solidFill>
+                  <a:schemeClr val="tx2"/>
+                </a:solidFill>
+                <a:tailEnd type="arrow"/>
+              </a:ln>
+            </p:spPr>
+            <p:style>
+              <a:lnRef idx="2">
+                <a:schemeClr val="accent1"/>
+              </a:lnRef>
+              <a:fillRef idx="0">
+                <a:schemeClr val="accent1"/>
+              </a:fillRef>
+              <a:effectRef idx="1">
+                <a:schemeClr val="accent1"/>
+              </a:effectRef>
+              <a:fontRef idx="minor">
+                <a:schemeClr val="tx1"/>
+              </a:fontRef>
+            </p:style>
+          </p:cxnSp>
+        </p:grpSp>
+        <p:grpSp>
+          <p:nvGrpSpPr>
+            <p:cNvPr id="15" name="Group 14">
+              <a:extLst>
+                <a:ext uri="{FF2B5EF4-FFF2-40B4-BE49-F238E27FC236}">
+                  <a16:creationId xmlns:a16="http://schemas.microsoft.com/office/drawing/2014/main" id="{6566A03F-3F0F-9C4C-824F-17969C31C307}"/>
+                </a:ext>
+              </a:extLst>
+            </p:cNvPr>
+            <p:cNvGrpSpPr/>
+            <p:nvPr/>
+          </p:nvGrpSpPr>
+          <p:grpSpPr>
+            <a:xfrm>
+              <a:off x="4340176" y="1996909"/>
+              <a:ext cx="6162842" cy="755316"/>
+              <a:chOff x="2834105" y="2378242"/>
+              <a:chExt cx="6162842" cy="755316"/>
+            </a:xfrm>
+          </p:grpSpPr>
+          <p:sp>
+            <p:nvSpPr>
+              <p:cNvPr id="16" name="Rounded Rectangle 15">
+                <a:extLst>
+                  <a:ext uri="{FF2B5EF4-FFF2-40B4-BE49-F238E27FC236}">
+                    <a16:creationId xmlns:a16="http://schemas.microsoft.com/office/drawing/2014/main" id="{CB9CC1C6-BE85-CD49-A288-086BFB5FE403}"/>
+                  </a:ext>
+                </a:extLst>
+              </p:cNvPr>
+              <p:cNvSpPr/>
+              <p:nvPr/>
+            </p:nvSpPr>
+            <p:spPr>
+              <a:xfrm>
+                <a:off x="3903579" y="2378242"/>
+                <a:ext cx="5093368" cy="755316"/>
+              </a:xfrm>
+              <a:prstGeom prst="roundRect">
+                <a:avLst/>
+              </a:prstGeom>
+            </p:spPr>
+            <p:style>
+              <a:lnRef idx="1">
+                <a:schemeClr val="accent1"/>
+              </a:lnRef>
+              <a:fillRef idx="2">
+                <a:schemeClr val="accent1"/>
+              </a:fillRef>
+              <a:effectRef idx="1">
+                <a:schemeClr val="accent1"/>
+              </a:effectRef>
+              <a:fontRef idx="minor">
+                <a:schemeClr val="dk1"/>
+              </a:fontRef>
+            </p:style>
+            <p:txBody>
+              <a:bodyPr rtlCol="0" anchor="t"/>
+              <a:lstStyle/>
+              <a:p>
+                <a:r>
+                  <a:rPr lang="en-US" sz="1400" b="1" dirty="0"/>
+                  <a:t>Insoluble oxides (</a:t>
+                </a:r>
+                <a:r>
+                  <a:rPr lang="en-US" sz="1400" b="1" dirty="0" err="1"/>
+                  <a:t>Zr</a:t>
+                </a:r>
+                <a:r>
+                  <a:rPr lang="en-US" sz="1400" b="1" dirty="0"/>
+                  <a:t>, Ba and </a:t>
+                </a:r>
+                <a:r>
+                  <a:rPr lang="en-US" sz="1400" b="1" dirty="0" err="1"/>
+                  <a:t>Sr</a:t>
+                </a:r>
+                <a:r>
+                  <a:rPr lang="en-US" sz="1400" b="1" dirty="0"/>
+                  <a:t>) </a:t>
+                </a:r>
+              </a:p>
+              <a:p>
+                <a:pPr marL="173038" indent="-173038">
+                  <a:buFont typeface="Arial"/>
+                  <a:buChar char="•"/>
+                </a:pPr>
+                <a:r>
+                  <a:rPr lang="en-US" sz="1400" dirty="0"/>
+                  <a:t>Form insoluble oxides in the fluorite lattice</a:t>
+                </a:r>
+              </a:p>
+            </p:txBody>
+          </p:sp>
+          <p:cxnSp>
+            <p:nvCxnSpPr>
+              <p:cNvPr id="17" name="Straight Arrow Connector 16">
+                <a:extLst>
+                  <a:ext uri="{FF2B5EF4-FFF2-40B4-BE49-F238E27FC236}">
+                    <a16:creationId xmlns:a16="http://schemas.microsoft.com/office/drawing/2014/main" id="{8DA1B70E-5C6D-DE45-A2B5-BE638A5A33D6}"/>
+                  </a:ext>
+                </a:extLst>
+              </p:cNvPr>
+              <p:cNvCxnSpPr>
+                <a:stCxn id="16" idx="1"/>
+              </p:cNvCxnSpPr>
+              <p:nvPr/>
+            </p:nvCxnSpPr>
+            <p:spPr>
+              <a:xfrm flipH="1">
+                <a:off x="2834105" y="2755900"/>
+                <a:ext cx="1069474" cy="104942"/>
+              </a:xfrm>
+              <a:prstGeom prst="straightConnector1">
+                <a:avLst/>
+              </a:prstGeom>
+              <a:ln>
+                <a:solidFill>
+                  <a:schemeClr val="tx2"/>
+                </a:solidFill>
+                <a:tailEnd type="arrow"/>
+              </a:ln>
+            </p:spPr>
+            <p:style>
+              <a:lnRef idx="2">
+                <a:schemeClr val="accent1"/>
+              </a:lnRef>
+              <a:fillRef idx="0">
+                <a:schemeClr val="accent1"/>
+              </a:fillRef>
+              <a:effectRef idx="1">
+                <a:schemeClr val="accent1"/>
+              </a:effectRef>
+              <a:fontRef idx="minor">
+                <a:schemeClr val="tx1"/>
+              </a:fontRef>
+            </p:style>
+          </p:cxnSp>
+        </p:grpSp>
+        <p:grpSp>
+          <p:nvGrpSpPr>
+            <p:cNvPr id="18" name="Group 17">
+              <a:extLst>
+                <a:ext uri="{FF2B5EF4-FFF2-40B4-BE49-F238E27FC236}">
+                  <a16:creationId xmlns:a16="http://schemas.microsoft.com/office/drawing/2014/main" id="{127D186B-09FE-5445-812E-A8F63FB322B3}"/>
+                </a:ext>
+              </a:extLst>
+            </p:cNvPr>
+            <p:cNvGrpSpPr/>
+            <p:nvPr/>
+          </p:nvGrpSpPr>
+          <p:grpSpPr>
+            <a:xfrm>
+              <a:off x="3411071" y="1146678"/>
+              <a:ext cx="7091947" cy="1332831"/>
+              <a:chOff x="1905000" y="1528011"/>
+              <a:chExt cx="7091947" cy="1332831"/>
+            </a:xfrm>
+          </p:grpSpPr>
+          <p:sp>
+            <p:nvSpPr>
+              <p:cNvPr id="19" name="Rounded Rectangle 18">
+                <a:extLst>
+                  <a:ext uri="{FF2B5EF4-FFF2-40B4-BE49-F238E27FC236}">
+                    <a16:creationId xmlns:a16="http://schemas.microsoft.com/office/drawing/2014/main" id="{DF5E3AD6-3FB0-8546-833C-D67488532FF1}"/>
+                  </a:ext>
+                </a:extLst>
+              </p:cNvPr>
+              <p:cNvSpPr/>
+              <p:nvPr/>
+            </p:nvSpPr>
+            <p:spPr>
+              <a:xfrm>
+                <a:off x="3903579" y="1528011"/>
+                <a:ext cx="5093368" cy="755316"/>
+              </a:xfrm>
+              <a:prstGeom prst="roundRect">
+                <a:avLst/>
+              </a:prstGeom>
+            </p:spPr>
+            <p:style>
+              <a:lnRef idx="1">
+                <a:schemeClr val="dk1"/>
+              </a:lnRef>
+              <a:fillRef idx="2">
+                <a:schemeClr val="dk1"/>
+              </a:fillRef>
+              <a:effectRef idx="1">
+                <a:schemeClr val="dk1"/>
+              </a:effectRef>
+              <a:fontRef idx="minor">
+                <a:schemeClr val="dk1"/>
+              </a:fontRef>
+            </p:style>
+            <p:txBody>
+              <a:bodyPr rtlCol="0" anchor="t"/>
+              <a:lstStyle/>
+              <a:p>
+                <a:r>
+                  <a:rPr lang="en-US" sz="1400" b="1" dirty="0"/>
+                  <a:t>Soluble oxides (Y, La and the rare earths) </a:t>
+                </a:r>
+              </a:p>
+              <a:p>
+                <a:pPr marL="173038" indent="-173038">
+                  <a:buFont typeface="Arial"/>
+                  <a:buChar char="•"/>
+                </a:pPr>
+                <a:r>
+                  <a:rPr lang="en-US" sz="1400" dirty="0"/>
+                  <a:t>Dissolved in the </a:t>
+                </a:r>
+                <a:r>
+                  <a:rPr lang="en-US" sz="1400" dirty="0" err="1"/>
+                  <a:t>cation</a:t>
+                </a:r>
+                <a:r>
+                  <a:rPr lang="en-US" sz="1400" dirty="0"/>
+                  <a:t> </a:t>
+                </a:r>
+                <a:r>
+                  <a:rPr lang="en-US" sz="1400" dirty="0" err="1"/>
+                  <a:t>sublattice</a:t>
+                </a:r>
+                <a:endParaRPr lang="en-US" sz="1400" dirty="0"/>
+              </a:p>
+            </p:txBody>
+          </p:sp>
+          <p:cxnSp>
+            <p:nvCxnSpPr>
+              <p:cNvPr id="20" name="Straight Arrow Connector 19">
+                <a:extLst>
+                  <a:ext uri="{FF2B5EF4-FFF2-40B4-BE49-F238E27FC236}">
+                    <a16:creationId xmlns:a16="http://schemas.microsoft.com/office/drawing/2014/main" id="{8176EAFF-45AE-3447-82D4-2D53B9799433}"/>
+                  </a:ext>
+                </a:extLst>
+              </p:cNvPr>
+              <p:cNvCxnSpPr>
+                <a:stCxn id="19" idx="1"/>
+              </p:cNvCxnSpPr>
+              <p:nvPr/>
+            </p:nvCxnSpPr>
+            <p:spPr>
+              <a:xfrm flipH="1">
+                <a:off x="1905000" y="1905669"/>
+                <a:ext cx="1998579" cy="955173"/>
+              </a:xfrm>
+              <a:prstGeom prst="straightConnector1">
+                <a:avLst/>
+              </a:prstGeom>
+              <a:ln>
+                <a:tailEnd type="arrow"/>
+              </a:ln>
+            </p:spPr>
+            <p:style>
+              <a:lnRef idx="2">
+                <a:schemeClr val="dk1"/>
+              </a:lnRef>
+              <a:fillRef idx="0">
+                <a:schemeClr val="dk1"/>
+              </a:fillRef>
+              <a:effectRef idx="1">
+                <a:schemeClr val="dk1"/>
+              </a:effectRef>
+              <a:fontRef idx="minor">
+                <a:schemeClr val="tx1"/>
+              </a:fontRef>
+            </p:style>
+          </p:cxnSp>
+        </p:grpSp>
+      </p:grpSp>
     </p:spTree>
     <p:extLst>
       <p:ext uri="{BB962C8B-B14F-4D97-AF65-F5344CB8AC3E}">
-        <p14:creationId xmlns:p14="http://schemas.microsoft.com/office/powerpoint/2010/main" val="4035377464"/>
+        <p14:creationId xmlns:p14="http://schemas.microsoft.com/office/powerpoint/2010/main" val="280197639"/>
       </p:ext>
     </p:extLst>
   </p:cSld>
@@ -10079,7 +12453,7 @@
           <p:cNvPr id="2" name="Title 1">
             <a:extLst>
               <a:ext uri="{FF2B5EF4-FFF2-40B4-BE49-F238E27FC236}">
-                <a16:creationId xmlns:a16="http://schemas.microsoft.com/office/drawing/2014/main" id="{4A5D28ED-1B8F-5D42-B5A7-254661FFC3E3}"/>
+                <a16:creationId xmlns:a16="http://schemas.microsoft.com/office/drawing/2014/main" id="{D2423AF4-EB5E-7840-BE23-81DAA2FCFC18}"/>
               </a:ext>
             </a:extLst>
           </p:cNvPr>
@@ -10097,7 +12471,7 @@
           <a:p>
             <a:r>
               <a:rPr lang="en-US" dirty="0"/>
-              <a:t>Densification</a:t>
+              <a:t>Oxide Formation</a:t>
             </a:r>
           </a:p>
         </p:txBody>
@@ -10107,7 +12481,7 @@
           <p:cNvPr id="3" name="Content Placeholder 2">
             <a:extLst>
               <a:ext uri="{FF2B5EF4-FFF2-40B4-BE49-F238E27FC236}">
-                <a16:creationId xmlns:a16="http://schemas.microsoft.com/office/drawing/2014/main" id="{583CDF0E-08CF-4D41-A772-2638CA007EAE}"/>
+                <a16:creationId xmlns:a16="http://schemas.microsoft.com/office/drawing/2014/main" id="{1DD1AD57-D5D9-DB47-9E6A-2307D48DB13E}"/>
               </a:ext>
             </a:extLst>
           </p:cNvPr>
@@ -10120,126 +12494,36 @@
         </p:nvSpPr>
         <p:spPr>
           <a:xfrm>
-            <a:off x="609599" y="2160495"/>
-            <a:ext cx="6150429" cy="3764056"/>
+            <a:off x="609600" y="2160495"/>
+            <a:ext cx="6247888" cy="3965670"/>
           </a:xfrm>
         </p:spPr>
         <p:txBody>
-          <a:bodyPr>
-            <a:normAutofit fontScale="77500" lnSpcReduction="20000"/>
-          </a:bodyPr>
+          <a:bodyPr/>
           <a:lstStyle/>
           <a:p>
             <a:r>
-              <a:rPr lang="en-US" sz="2300" dirty="0"/>
-              <a:t>Densification takes place during initial 5 - 10 </a:t>
-            </a:r>
-            <a:r>
-              <a:rPr lang="en-US" sz="2300" dirty="0" err="1"/>
-              <a:t>MWd</a:t>
-            </a:r>
-            <a:r>
-              <a:rPr lang="en-US" sz="2300" dirty="0"/>
-              <a:t>/</a:t>
-            </a:r>
-            <a:r>
-              <a:rPr lang="en-US" sz="2300" dirty="0" err="1"/>
-              <a:t>kgU</a:t>
-            </a:r>
-            <a:endParaRPr lang="en-US" sz="2300" dirty="0"/>
-          </a:p>
-          <a:p>
-            <a:pPr lvl="1"/>
-            <a:r>
-              <a:rPr lang="en-US" sz="2300" dirty="0"/>
-              <a:t>Small, as-built pores close due to effects of fission spikes and vacancy diffusion</a:t>
-            </a:r>
-          </a:p>
-          <a:p>
-            <a:pPr lvl="1"/>
-            <a:r>
-              <a:rPr lang="en-US" sz="2300" dirty="0"/>
-              <a:t>Large pores stable (in absence of large hydrostatic stress)</a:t>
-            </a:r>
-          </a:p>
-          <a:p>
-            <a:r>
-              <a:rPr lang="en-US" sz="2300" dirty="0"/>
-              <a:t>Empirical correlation for densification is a function of </a:t>
-            </a:r>
-          </a:p>
-          <a:p>
-            <a:pPr lvl="1"/>
-            <a:r>
-              <a:rPr lang="en-US" sz="2300" dirty="0"/>
-              <a:t>β - Burnup (in FIMA)</a:t>
-            </a:r>
-          </a:p>
-          <a:p>
-            <a:pPr lvl="1"/>
-            <a:r>
-              <a:rPr lang="en-US" sz="2300" dirty="0"/>
-              <a:t>Δρ</a:t>
-            </a:r>
-            <a:r>
-              <a:rPr lang="en-US" sz="2300" baseline="-25000" dirty="0"/>
-              <a:t>0</a:t>
-            </a:r>
-            <a:r>
-              <a:rPr lang="en-US" sz="2300" dirty="0"/>
-              <a:t> – Total densification that can occur (a common value is 0.01)</a:t>
-            </a:r>
-          </a:p>
-          <a:p>
-            <a:pPr lvl="1"/>
-            <a:r>
-              <a:rPr lang="en-US" sz="2300" dirty="0"/>
-              <a:t>β</a:t>
-            </a:r>
-            <a:r>
-              <a:rPr lang="en-US" sz="2300" baseline="-25000" dirty="0"/>
-              <a:t>D</a:t>
-            </a:r>
-            <a:r>
-              <a:rPr lang="en-US" sz="2300" dirty="0"/>
-              <a:t> – Burnup at which densification stops ( a common value is 5 MWD/</a:t>
-            </a:r>
-            <a:r>
-              <a:rPr lang="en-US" sz="2300" dirty="0" err="1"/>
-              <a:t>kgU</a:t>
-            </a:r>
-            <a:r>
-              <a:rPr lang="en-US" sz="2300" dirty="0"/>
-              <a:t>)</a:t>
-            </a:r>
-          </a:p>
-          <a:p>
-            <a:pPr lvl="1"/>
-            <a:r>
-              <a:rPr lang="en-US" sz="2300" dirty="0"/>
-              <a:t>C</a:t>
-            </a:r>
-            <a:r>
-              <a:rPr lang="en-US" sz="2300" baseline="-25000" dirty="0"/>
-              <a:t>D</a:t>
-            </a:r>
-            <a:r>
-              <a:rPr lang="en-US" sz="2300" dirty="0"/>
-              <a:t> = </a:t>
-            </a:r>
-            <a:r>
-              <a:rPr lang="is-IS" sz="2300" dirty="0"/>
-              <a:t>7.235 − 0.0086 (T(°C) − 25) for T &lt; 750°C and CD = 1 for T ≥ 750 °C</a:t>
-            </a:r>
-          </a:p>
-          <a:p>
-            <a:endParaRPr lang="en-US" dirty="0"/>
-          </a:p>
-          <a:p>
-            <a:endParaRPr lang="en-US" dirty="0"/>
-          </a:p>
-          <a:p>
-            <a:endParaRPr lang="en-US" dirty="0"/>
+              <a:rPr lang="en-US" sz="2000" dirty="0"/>
+              <a:t>With burnup, the liberated oxygen will associate with U, Pu, and La but may not be in sufficient supply to combine with Pd and other less oxidizing elements</a:t>
+            </a:r>
+          </a:p>
+          <a:p>
+            <a:r>
+              <a:rPr lang="en-US" sz="2000" dirty="0"/>
+              <a:t>If the Gibbs energy of formation of the given fission product lies below the fuel oxygen potential, the element will be capable of forming an oxide</a:t>
+            </a:r>
+          </a:p>
+          <a:p>
+            <a:r>
+              <a:rPr lang="en-US" sz="2000" dirty="0"/>
+              <a:t>If the fission product point is above the chemical potential in the fuel, the fission product will exist as an element in the fuel (in a separate metallic phase) </a:t>
+            </a:r>
+          </a:p>
+          <a:p>
+            <a:endParaRPr lang="en-US" sz="2000" dirty="0"/>
+          </a:p>
+          <a:p>
+            <a:endParaRPr lang="en-US" sz="2000" dirty="0"/>
           </a:p>
         </p:txBody>
       </p:sp>
@@ -10248,7 +12532,7 @@
           <p:cNvPr id="4" name="Slide Number Placeholder 3">
             <a:extLst>
               <a:ext uri="{FF2B5EF4-FFF2-40B4-BE49-F238E27FC236}">
-                <a16:creationId xmlns:a16="http://schemas.microsoft.com/office/drawing/2014/main" id="{F8AACB51-0287-B54B-A474-23236198007F}"/>
+                <a16:creationId xmlns:a16="http://schemas.microsoft.com/office/drawing/2014/main" id="{1CCF6E32-B3C0-D541-BD27-9EBAEB217300}"/>
               </a:ext>
             </a:extLst>
           </p:cNvPr>
@@ -10278,118 +12562,12 @@
           </a:p>
         </p:txBody>
       </p:sp>
-      <p:grpSp>
-        <p:nvGrpSpPr>
-          <p:cNvPr id="5" name="Group 4">
-            <a:extLst>
-              <a:ext uri="{FF2B5EF4-FFF2-40B4-BE49-F238E27FC236}">
-                <a16:creationId xmlns:a16="http://schemas.microsoft.com/office/drawing/2014/main" id="{EE7421AC-EFC4-3E47-BB37-8008B94FEE3B}"/>
-              </a:ext>
-            </a:extLst>
-          </p:cNvPr>
-          <p:cNvGrpSpPr/>
-          <p:nvPr/>
-        </p:nvGrpSpPr>
-        <p:grpSpPr>
-          <a:xfrm>
-            <a:off x="7566212" y="1801906"/>
-            <a:ext cx="3650539" cy="2384613"/>
-            <a:chOff x="713509" y="1042555"/>
-            <a:chExt cx="3858491" cy="2386445"/>
-          </a:xfrm>
-        </p:grpSpPr>
-        <p:pic>
-          <p:nvPicPr>
-            <p:cNvPr id="6" name="Picture 1">
-              <a:extLst>
-                <a:ext uri="{FF2B5EF4-FFF2-40B4-BE49-F238E27FC236}">
-                  <a16:creationId xmlns:a16="http://schemas.microsoft.com/office/drawing/2014/main" id="{EB6D5403-E702-A046-9244-5FA312D23CDB}"/>
-                </a:ext>
-              </a:extLst>
-            </p:cNvPr>
-            <p:cNvPicPr>
-              <a:picLocks noChangeAspect="1" noChangeArrowheads="1"/>
-            </p:cNvPicPr>
-            <p:nvPr/>
-          </p:nvPicPr>
-          <p:blipFill>
-            <a:blip r:embed="rId2" cstate="screen">
-              <a:extLst>
-                <a:ext uri="{28A0092B-C50C-407E-A947-70E740481C1C}">
-                  <a14:useLocalDpi xmlns:a14="http://schemas.microsoft.com/office/drawing/2010/main"/>
-                </a:ext>
-              </a:extLst>
-            </a:blip>
-            <a:srcRect/>
-            <a:stretch>
-              <a:fillRect/>
-            </a:stretch>
-          </p:blipFill>
-          <p:spPr bwMode="auto">
-            <a:xfrm>
-              <a:off x="713509" y="1042555"/>
-              <a:ext cx="3858491" cy="2386445"/>
-            </a:xfrm>
-            <a:prstGeom prst="rect">
-              <a:avLst/>
-            </a:prstGeom>
-            <a:noFill/>
-            <a:ln w="6350">
-              <a:solidFill>
-                <a:srgbClr val="D4AD6F"/>
-              </a:solidFill>
-              <a:miter lim="800000"/>
-              <a:headEnd/>
-              <a:tailEnd/>
-            </a:ln>
-          </p:spPr>
-        </p:pic>
-        <p:sp>
-          <p:nvSpPr>
-            <p:cNvPr id="7" name="Rectangle 6">
-              <a:extLst>
-                <a:ext uri="{FF2B5EF4-FFF2-40B4-BE49-F238E27FC236}">
-                  <a16:creationId xmlns:a16="http://schemas.microsoft.com/office/drawing/2014/main" id="{87479BE7-BCD4-7C49-99D3-56FEC0A5DDAE}"/>
-                </a:ext>
-              </a:extLst>
-            </p:cNvPr>
-            <p:cNvSpPr/>
-            <p:nvPr/>
-          </p:nvSpPr>
-          <p:spPr>
-            <a:xfrm>
-              <a:off x="3059831" y="2780928"/>
-              <a:ext cx="1206672" cy="296632"/>
-            </a:xfrm>
-            <a:prstGeom prst="rect">
-              <a:avLst/>
-            </a:prstGeom>
-          </p:spPr>
-          <p:txBody>
-            <a:bodyPr wrap="none">
-              <a:spAutoFit/>
-            </a:bodyPr>
-            <a:lstStyle/>
-            <a:p>
-              <a:r>
-                <a:rPr lang="en-GB" sz="1100" dirty="0">
-                  <a:latin typeface="Arial Narrow" pitchFamily="34" charset="0"/>
-                </a:rPr>
-                <a:t>[Maier et al, 1988]</a:t>
-              </a:r>
-              <a:endParaRPr lang="en-US" sz="1100" dirty="0">
-                <a:latin typeface="Arial Narrow" pitchFamily="34" charset="0"/>
-              </a:endParaRPr>
-            </a:p>
-          </p:txBody>
-        </p:sp>
-      </p:grpSp>
       <p:pic>
         <p:nvPicPr>
-          <p:cNvPr id="8" name="Picture 7">
-            <a:extLst>
-              <a:ext uri="{FF2B5EF4-FFF2-40B4-BE49-F238E27FC236}">
-                <a16:creationId xmlns:a16="http://schemas.microsoft.com/office/drawing/2014/main" id="{FCD3924E-BDB9-5B4D-9220-7CEA535A0139}"/>
+          <p:cNvPr id="5" name="Picture 4">
+            <a:extLst>
+              <a:ext uri="{FF2B5EF4-FFF2-40B4-BE49-F238E27FC236}">
+                <a16:creationId xmlns:a16="http://schemas.microsoft.com/office/drawing/2014/main" id="{AA2580D5-3653-D04B-8C0E-AD7F33ADBA58}"/>
               </a:ext>
             </a:extLst>
           </p:cNvPr>
@@ -10399,57 +12577,15 @@
           <p:nvPr/>
         </p:nvPicPr>
         <p:blipFill>
-          <a:blip r:embed="rId3" cstate="screen">
-            <a:extLst>
-              <a:ext uri="{28A0092B-C50C-407E-A947-70E740481C1C}">
-                <a14:useLocalDpi xmlns:a14="http://schemas.microsoft.com/office/drawing/2010/main"/>
-              </a:ext>
-            </a:extLst>
-          </a:blip>
+          <a:blip r:embed="rId2"/>
           <a:stretch>
             <a:fillRect/>
           </a:stretch>
         </p:blipFill>
         <p:spPr>
           <a:xfrm>
-            <a:off x="7783932" y="4186519"/>
-            <a:ext cx="3322674" cy="2492006"/>
-          </a:xfrm>
-          <a:prstGeom prst="rect">
-            <a:avLst/>
-          </a:prstGeom>
-        </p:spPr>
-      </p:pic>
-      <p:pic>
-        <p:nvPicPr>
-          <p:cNvPr id="9" name="Picture 8" descr="latex-image-1.pdf">
-            <a:extLst>
-              <a:ext uri="{FF2B5EF4-FFF2-40B4-BE49-F238E27FC236}">
-                <a16:creationId xmlns:a16="http://schemas.microsoft.com/office/drawing/2014/main" id="{F902FE23-709D-A44E-AE43-D2045E1C7C10}"/>
-              </a:ext>
-            </a:extLst>
-          </p:cNvPr>
-          <p:cNvPicPr>
-            <a:picLocks noChangeAspect="1"/>
-          </p:cNvPicPr>
-          <p:nvPr/>
-        </p:nvPicPr>
-        <p:blipFill>
-          <a:blip r:embed="rId4">
-            <a:extLst>
-              <a:ext uri="{28A0092B-C50C-407E-A947-70E740481C1C}">
-                <a14:useLocalDpi xmlns:a14="http://schemas.microsoft.com/office/drawing/2010/main"/>
-              </a:ext>
-            </a:extLst>
-          </a:blip>
-          <a:stretch>
-            <a:fillRect/>
-          </a:stretch>
-        </p:blipFill>
-        <p:spPr>
-          <a:xfrm>
-            <a:off x="2108239" y="5708651"/>
-            <a:ext cx="2374900" cy="431800"/>
+            <a:off x="6857488" y="1664415"/>
+            <a:ext cx="4324034" cy="5057061"/>
           </a:xfrm>
           <a:prstGeom prst="rect">
             <a:avLst/>
@@ -10459,7 +12595,7 @@
     </p:spTree>
     <p:extLst>
       <p:ext uri="{BB962C8B-B14F-4D97-AF65-F5344CB8AC3E}">
-        <p14:creationId xmlns:p14="http://schemas.microsoft.com/office/powerpoint/2010/main" val="1248904528"/>
+        <p14:creationId xmlns:p14="http://schemas.microsoft.com/office/powerpoint/2010/main" val="4109001153"/>
       </p:ext>
     </p:extLst>
   </p:cSld>
@@ -10491,7 +12627,7 @@
           <p:cNvPr id="2" name="Title 1">
             <a:extLst>
               <a:ext uri="{FF2B5EF4-FFF2-40B4-BE49-F238E27FC236}">
-                <a16:creationId xmlns:a16="http://schemas.microsoft.com/office/drawing/2014/main" id="{47C41E4E-2D4A-2F48-8F8A-47CC1CA4B238}"/>
+                <a16:creationId xmlns:a16="http://schemas.microsoft.com/office/drawing/2014/main" id="{F874044D-FC32-A046-9A5D-DB6E25CEF90E}"/>
               </a:ext>
             </a:extLst>
           </p:cNvPr>
@@ -10509,7 +12645,7 @@
           <a:p>
             <a:r>
               <a:rPr lang="en-US" dirty="0"/>
-              <a:t>Fission product induced swelling</a:t>
+              <a:t>Fission Products</a:t>
             </a:r>
           </a:p>
         </p:txBody>
@@ -10519,7 +12655,7 @@
           <p:cNvPr id="3" name="Content Placeholder 2">
             <a:extLst>
               <a:ext uri="{FF2B5EF4-FFF2-40B4-BE49-F238E27FC236}">
-                <a16:creationId xmlns:a16="http://schemas.microsoft.com/office/drawing/2014/main" id="{AC3A0371-949B-614E-98BF-28DDBEF1FFD8}"/>
+                <a16:creationId xmlns:a16="http://schemas.microsoft.com/office/drawing/2014/main" id="{C9004E85-7BB8-334C-8368-9836E6D1CFAF}"/>
               </a:ext>
             </a:extLst>
           </p:cNvPr>
@@ -10533,7 +12669,7 @@
         <p:spPr>
           <a:xfrm>
             <a:off x="609600" y="2160495"/>
-            <a:ext cx="4760259" cy="3965670"/>
+            <a:ext cx="5049931" cy="3965670"/>
           </a:xfrm>
         </p:spPr>
         <p:txBody>
@@ -10542,44 +12678,35 @@
           <a:p>
             <a:r>
               <a:rPr lang="en-US" sz="2000" dirty="0"/>
-              <a:t>Fission product swelling results from three changes in the fuel microstructure</a:t>
-            </a:r>
-          </a:p>
-          <a:p>
-            <a:pPr lvl="1"/>
-            <a:r>
-              <a:rPr lang="en-US" sz="1600" u="sng" dirty="0"/>
-              <a:t>Solid swelling</a:t>
-            </a:r>
-            <a:r>
-              <a:rPr lang="en-US" sz="1600" dirty="0"/>
-              <a:t>:  Accumulation of soluble and insoluble fission products in fuel matrix </a:t>
-            </a:r>
-          </a:p>
-          <a:p>
-            <a:pPr lvl="1"/>
-            <a:r>
-              <a:rPr lang="en-US" sz="1600" u="sng" dirty="0"/>
-              <a:t>Gaseous swelling</a:t>
-            </a:r>
-            <a:r>
-              <a:rPr lang="en-US" sz="1600" dirty="0"/>
-              <a:t>:  Accumulation of gaseous and volatile fission products in intragranular and intergranular pores</a:t>
-            </a:r>
-          </a:p>
-          <a:p>
-            <a:pPr lvl="1"/>
-            <a:r>
-              <a:rPr lang="en-US" sz="1600" u="sng" dirty="0"/>
-              <a:t>High burnup swelling</a:t>
-            </a:r>
-            <a:r>
-              <a:rPr lang="en-US" sz="1600" dirty="0"/>
-              <a:t>:  Restructuring of pellet rim with the accumulation of fission gas in a large number of small pores </a:t>
-            </a:r>
-          </a:p>
-          <a:p>
-            <a:endParaRPr lang="en-US" dirty="0"/>
+              <a:t>When a 4+ valence fission product (e.g.,Zr4+) enters the lattice, there is no change in the electrical neutrality</a:t>
+            </a:r>
+          </a:p>
+          <a:p>
+            <a:r>
+              <a:rPr lang="en-US" sz="2000" dirty="0"/>
+              <a:t>If the charge of the fission-product cation is lower than U+4, the site occupancy of the lattice is altered to achieve electrical neutrality</a:t>
+            </a:r>
+          </a:p>
+          <a:p>
+            <a:r>
+              <a:rPr lang="en-US" sz="2000" dirty="0"/>
+              <a:t>The alkaline earth cations Ba+ and Sr2+ have large ionic radii and form a separate oxide phase</a:t>
+            </a:r>
+          </a:p>
+          <a:p>
+            <a:r>
+              <a:rPr lang="en-US" sz="2000" dirty="0"/>
+              <a:t>Fission products that have limited solubility in UO2 will segregate to the grain boundaries and voids</a:t>
+            </a:r>
+          </a:p>
+          <a:p>
+            <a:endParaRPr lang="en-US" sz="2000" dirty="0"/>
+          </a:p>
+          <a:p>
+            <a:endParaRPr lang="en-US" sz="2000" dirty="0"/>
+          </a:p>
+          <a:p>
+            <a:endParaRPr lang="en-US" sz="2000" dirty="0"/>
           </a:p>
         </p:txBody>
       </p:sp>
@@ -10588,7 +12715,7 @@
           <p:cNvPr id="4" name="Slide Number Placeholder 3">
             <a:extLst>
               <a:ext uri="{FF2B5EF4-FFF2-40B4-BE49-F238E27FC236}">
-                <a16:creationId xmlns:a16="http://schemas.microsoft.com/office/drawing/2014/main" id="{FA746D49-F9C9-334B-BE14-10384EAC270C}"/>
+                <a16:creationId xmlns:a16="http://schemas.microsoft.com/office/drawing/2014/main" id="{BD5E8F5B-82E8-7943-8390-95FB32716ED3}"/>
               </a:ext>
             </a:extLst>
           </p:cNvPr>
@@ -10618,128 +12745,70 @@
           </a:p>
         </p:txBody>
       </p:sp>
-      <p:grpSp>
-        <p:nvGrpSpPr>
-          <p:cNvPr id="5" name="Group 4">
-            <a:extLst>
-              <a:ext uri="{FF2B5EF4-FFF2-40B4-BE49-F238E27FC236}">
-                <a16:creationId xmlns:a16="http://schemas.microsoft.com/office/drawing/2014/main" id="{FFAF0D06-840B-DA41-8537-5EF9878C5211}"/>
-              </a:ext>
-            </a:extLst>
-          </p:cNvPr>
-          <p:cNvGrpSpPr>
-            <a:grpSpLocks noChangeAspect="1"/>
-          </p:cNvGrpSpPr>
+      <p:pic>
+        <p:nvPicPr>
+          <p:cNvPr id="5" name="Picture 4">
+            <a:extLst>
+              <a:ext uri="{FF2B5EF4-FFF2-40B4-BE49-F238E27FC236}">
+                <a16:creationId xmlns:a16="http://schemas.microsoft.com/office/drawing/2014/main" id="{35D606B6-B48E-664C-AAE4-F9AFAC5B4545}"/>
+              </a:ext>
+            </a:extLst>
+          </p:cNvPr>
+          <p:cNvPicPr>
+            <a:picLocks noChangeAspect="1"/>
+          </p:cNvPicPr>
           <p:nvPr/>
-        </p:nvGrpSpPr>
-        <p:grpSpPr>
+        </p:nvPicPr>
+        <p:blipFill>
+          <a:blip r:embed="rId2"/>
+          <a:stretch>
+            <a:fillRect/>
+          </a:stretch>
+        </p:blipFill>
+        <p:spPr>
           <a:xfrm>
-            <a:off x="6334440" y="2337616"/>
-            <a:ext cx="4511662" cy="3112926"/>
-            <a:chOff x="2288767" y="836712"/>
-            <a:chExt cx="4566465" cy="3099693"/>
+            <a:off x="5659531" y="2160495"/>
+            <a:ext cx="6332582" cy="1497105"/>
           </a:xfrm>
-        </p:grpSpPr>
-        <p:pic>
-          <p:nvPicPr>
-            <p:cNvPr id="6" name="Picture 2">
-              <a:extLst>
-                <a:ext uri="{FF2B5EF4-FFF2-40B4-BE49-F238E27FC236}">
-                  <a16:creationId xmlns:a16="http://schemas.microsoft.com/office/drawing/2014/main" id="{32134FA4-6D98-874C-BEE1-7FBAB23E965F}"/>
-                </a:ext>
-              </a:extLst>
-            </p:cNvPr>
-            <p:cNvPicPr>
-              <a:picLocks noChangeAspect="1" noChangeArrowheads="1"/>
-            </p:cNvPicPr>
-            <p:nvPr/>
-          </p:nvPicPr>
-          <p:blipFill>
-            <a:blip r:embed="rId2" cstate="screen">
-              <a:extLst>
-                <a:ext uri="{28A0092B-C50C-407E-A947-70E740481C1C}">
-                  <a14:useLocalDpi xmlns:a14="http://schemas.microsoft.com/office/drawing/2010/main"/>
-                </a:ext>
-              </a:extLst>
-            </a:blip>
-            <a:srcRect/>
-            <a:stretch>
-              <a:fillRect/>
-            </a:stretch>
-          </p:blipFill>
-          <p:spPr bwMode="auto">
-            <a:xfrm>
-              <a:off x="2288767" y="836712"/>
-              <a:ext cx="4566465" cy="3099693"/>
-            </a:xfrm>
-            <a:prstGeom prst="rect">
-              <a:avLst/>
-            </a:prstGeom>
-            <a:noFill/>
-            <a:ln w="6350">
-              <a:solidFill>
-                <a:srgbClr val="D4AD6F"/>
-              </a:solidFill>
-              <a:miter lim="800000"/>
-              <a:headEnd/>
-              <a:tailEnd/>
-            </a:ln>
-          </p:spPr>
-        </p:pic>
-        <p:sp>
-          <p:nvSpPr>
-            <p:cNvPr id="7" name="TextBox 6">
-              <a:extLst>
-                <a:ext uri="{FF2B5EF4-FFF2-40B4-BE49-F238E27FC236}">
-                  <a16:creationId xmlns:a16="http://schemas.microsoft.com/office/drawing/2014/main" id="{9E9F4F15-0CB9-AC4E-927A-88AC5D6895C9}"/>
-                </a:ext>
-              </a:extLst>
-            </p:cNvPr>
-            <p:cNvSpPr txBox="1"/>
-            <p:nvPr/>
-          </p:nvSpPr>
-          <p:spPr>
-            <a:xfrm>
-              <a:off x="4067944" y="3265686"/>
-              <a:ext cx="2659702" cy="307777"/>
-            </a:xfrm>
-            <a:prstGeom prst="rect">
-              <a:avLst/>
-            </a:prstGeom>
-            <a:noFill/>
-          </p:spPr>
-          <p:txBody>
-            <a:bodyPr wrap="none" rtlCol="0">
-              <a:spAutoFit/>
-            </a:bodyPr>
-            <a:lstStyle/>
-            <a:p>
-              <a:r>
-                <a:rPr lang="en-US" sz="1400" dirty="0">
-                  <a:latin typeface="Arial Narrow" pitchFamily="34" charset="0"/>
-                </a:rPr>
-                <a:t>after </a:t>
-              </a:r>
-              <a:r>
-                <a:rPr lang="en-US" sz="1400" dirty="0" err="1">
-                  <a:latin typeface="Arial Narrow" pitchFamily="34" charset="0"/>
-                </a:rPr>
-                <a:t>Garzarolli</a:t>
-              </a:r>
-              <a:r>
-                <a:rPr lang="en-US" sz="1400" dirty="0">
-                  <a:latin typeface="Arial Narrow" pitchFamily="34" charset="0"/>
-                </a:rPr>
-                <a:t> in [Rudling et al, 2007]</a:t>
-              </a:r>
-            </a:p>
-          </p:txBody>
-        </p:sp>
-      </p:grpSp>
+          <a:prstGeom prst="rect">
+            <a:avLst/>
+          </a:prstGeom>
+        </p:spPr>
+      </p:pic>
+      <p:pic>
+        <p:nvPicPr>
+          <p:cNvPr id="7" name="Picture 6">
+            <a:extLst>
+              <a:ext uri="{FF2B5EF4-FFF2-40B4-BE49-F238E27FC236}">
+                <a16:creationId xmlns:a16="http://schemas.microsoft.com/office/drawing/2014/main" id="{A4BC4C1A-24A1-784F-8DA5-926A774626B6}"/>
+              </a:ext>
+            </a:extLst>
+          </p:cNvPr>
+          <p:cNvPicPr>
+            <a:picLocks noChangeAspect="1"/>
+          </p:cNvPicPr>
+          <p:nvPr/>
+        </p:nvPicPr>
+        <p:blipFill>
+          <a:blip r:embed="rId3"/>
+          <a:stretch>
+            <a:fillRect/>
+          </a:stretch>
+        </p:blipFill>
+        <p:spPr>
+          <a:xfrm>
+            <a:off x="5915808" y="3846887"/>
+            <a:ext cx="5147365" cy="2509464"/>
+          </a:xfrm>
+          <a:prstGeom prst="rect">
+            <a:avLst/>
+          </a:prstGeom>
+        </p:spPr>
+      </p:pic>
     </p:spTree>
     <p:extLst>
       <p:ext uri="{BB962C8B-B14F-4D97-AF65-F5344CB8AC3E}">
-        <p14:creationId xmlns:p14="http://schemas.microsoft.com/office/powerpoint/2010/main" val="385135632"/>
+        <p14:creationId xmlns:p14="http://schemas.microsoft.com/office/powerpoint/2010/main" val="4081623066"/>
       </p:ext>
     </p:extLst>
   </p:cSld>
@@ -10771,7 +12840,7 @@
           <p:cNvPr id="2" name="Title 1">
             <a:extLst>
               <a:ext uri="{FF2B5EF4-FFF2-40B4-BE49-F238E27FC236}">
-                <a16:creationId xmlns:a16="http://schemas.microsoft.com/office/drawing/2014/main" id="{44347938-61CC-C14E-9425-BBAE3A8E5CE0}"/>
+                <a16:creationId xmlns:a16="http://schemas.microsoft.com/office/drawing/2014/main" id="{918B88C2-6F0F-D741-96F8-E12A2EB05B41}"/>
               </a:ext>
             </a:extLst>
           </p:cNvPr>
@@ -10789,7 +12858,7 @@
           <a:p>
             <a:r>
               <a:rPr lang="en-US" dirty="0"/>
-              <a:t>Solid fission product swelling</a:t>
+              <a:t>Volatile Fission Products</a:t>
             </a:r>
           </a:p>
         </p:txBody>
@@ -10799,88 +12868,67 @@
           <p:cNvPr id="3" name="Content Placeholder 2">
             <a:extLst>
               <a:ext uri="{FF2B5EF4-FFF2-40B4-BE49-F238E27FC236}">
-                <a16:creationId xmlns:a16="http://schemas.microsoft.com/office/drawing/2014/main" id="{C365267D-4E80-7140-BD5C-1A8E987CDC01}"/>
-              </a:ext>
-            </a:extLst>
-          </p:cNvPr>
-          <p:cNvSpPr>
-            <a:spLocks noGrp="1"/>
-          </p:cNvSpPr>
-          <p:nvPr>
-            <p:ph idx="1"/>
-          </p:nvPr>
-        </p:nvSpPr>
-        <p:spPr>
-          <a:xfrm>
-            <a:off x="609600" y="2160495"/>
-            <a:ext cx="5585012" cy="3965670"/>
-          </a:xfrm>
-        </p:spPr>
+                <a16:creationId xmlns:a16="http://schemas.microsoft.com/office/drawing/2014/main" id="{2B6CD458-28E9-6B4D-BA5F-1C2FBD28E31C}"/>
+              </a:ext>
+            </a:extLst>
+          </p:cNvPr>
+          <p:cNvSpPr>
+            <a:spLocks noGrp="1"/>
+          </p:cNvSpPr>
+          <p:nvPr>
+            <p:ph sz="half" idx="1"/>
+          </p:nvPr>
+        </p:nvSpPr>
+        <p:spPr/>
         <p:txBody>
           <a:bodyPr/>
           <a:lstStyle/>
           <a:p>
-            <a:pPr>
-              <a:spcBef>
-                <a:spcPts val="800"/>
-              </a:spcBef>
-            </a:pPr>
-            <a:r>
-              <a:rPr lang="en-US" dirty="0">
-                <a:sym typeface="Symbol"/>
-              </a:rPr>
-              <a:t>The solid fission product swelling model is a function of:</a:t>
-            </a:r>
-          </a:p>
-          <a:p>
-            <a:pPr lvl="1"/>
-            <a:r>
-              <a:rPr lang="el-GR" sz="1600" dirty="0"/>
-              <a:t>Β</a:t>
-            </a:r>
-            <a:r>
-              <a:rPr lang="en-US" sz="1600" dirty="0"/>
-              <a:t> – Burnup (in FIMA)</a:t>
-            </a:r>
-          </a:p>
-          <a:p>
-            <a:pPr lvl="1"/>
-            <a:r>
-              <a:rPr lang="en-US" sz="1600" dirty="0" err="1"/>
-              <a:t>ρ</a:t>
-            </a:r>
-            <a:r>
-              <a:rPr lang="en-US" sz="1600" dirty="0"/>
-              <a:t> – Initial UO</a:t>
-            </a:r>
-            <a:r>
-              <a:rPr lang="en-US" sz="1600" baseline="-25000" dirty="0"/>
-              <a:t>2</a:t>
-            </a:r>
-            <a:r>
-              <a:rPr lang="en-US" sz="1600" dirty="0"/>
-              <a:t> density (g/cm</a:t>
-            </a:r>
-            <a:r>
-              <a:rPr lang="en-US" sz="1600" baseline="30000" dirty="0"/>
-              <a:t>3</a:t>
-            </a:r>
-            <a:r>
-              <a:rPr lang="en-US" sz="1600" dirty="0"/>
-              <a:t>)</a:t>
-            </a:r>
-          </a:p>
-          <a:p>
-            <a:endParaRPr lang="en-US" dirty="0"/>
-          </a:p>
-        </p:txBody>
-      </p:sp>
-      <p:sp>
-        <p:nvSpPr>
-          <p:cNvPr id="4" name="Slide Number Placeholder 3">
-            <a:extLst>
-              <a:ext uri="{FF2B5EF4-FFF2-40B4-BE49-F238E27FC236}">
-                <a16:creationId xmlns:a16="http://schemas.microsoft.com/office/drawing/2014/main" id="{C344F1F0-8FFC-7142-B143-9DB9D2C0FD30}"/>
+            <a:r>
+              <a:rPr lang="en-US" sz="2000" dirty="0"/>
+              <a:t>Xe release occurs at the central region of the pellet where the highest temperatures were achieved during irradiation</a:t>
+            </a:r>
+          </a:p>
+          <a:p>
+            <a:r>
+              <a:rPr lang="en-US" sz="2000" dirty="0"/>
+              <a:t>Volatile FPs are released from the fuel matrix similar to that of the noble gases</a:t>
+            </a:r>
+          </a:p>
+          <a:p>
+            <a:r>
+              <a:rPr lang="en-US" sz="2000" dirty="0"/>
+              <a:t>Volatile fission products in the gap can react among themselves, resulting in a changing chemical speciation</a:t>
+            </a:r>
+          </a:p>
+          <a:p>
+            <a:r>
+              <a:rPr lang="en-US" sz="2000" dirty="0"/>
+              <a:t>The kinetics of formation/decomposition of </a:t>
+            </a:r>
+            <a:r>
+              <a:rPr lang="en-US" sz="2000" dirty="0" err="1"/>
+              <a:t>CsI</a:t>
+            </a:r>
+            <a:r>
+              <a:rPr lang="en-US" sz="2000" dirty="0"/>
+              <a:t> and Zr iodides are possible factors in the mechanism of SCC</a:t>
+            </a:r>
+          </a:p>
+          <a:p>
+            <a:endParaRPr lang="en-US" sz="2000" dirty="0"/>
+          </a:p>
+          <a:p>
+            <a:endParaRPr lang="en-US" sz="2000" dirty="0"/>
+          </a:p>
+        </p:txBody>
+      </p:sp>
+      <p:sp>
+        <p:nvSpPr>
+          <p:cNvPr id="5" name="Slide Number Placeholder 4">
+            <a:extLst>
+              <a:ext uri="{FF2B5EF4-FFF2-40B4-BE49-F238E27FC236}">
+                <a16:creationId xmlns:a16="http://schemas.microsoft.com/office/drawing/2014/main" id="{612E91A8-80B2-504D-A4D1-919FE7353535}"/>
               </a:ext>
             </a:extLst>
           </p:cNvPr>
@@ -10899,7 +12947,7 @@
             <a:pPr>
               <a:defRPr/>
             </a:pPr>
-            <a:fld id="{3FF2C605-4958-CF43-AA48-80339EFDB0AF}" type="slidenum">
+            <a:fld id="{EC35E9FC-F6D5-0349-BBED-EA7D7A9BC49B}" type="slidenum">
               <a:rPr lang="en-US" smtClean="0"/>
               <a:pPr>
                 <a:defRPr/>
@@ -10912,10 +12960,10 @@
       </p:sp>
       <p:pic>
         <p:nvPicPr>
-          <p:cNvPr id="5" name="Picture 4">
-            <a:extLst>
-              <a:ext uri="{FF2B5EF4-FFF2-40B4-BE49-F238E27FC236}">
-                <a16:creationId xmlns:a16="http://schemas.microsoft.com/office/drawing/2014/main" id="{0B3330BB-506E-8445-8080-F1951EE12692}"/>
+          <p:cNvPr id="6" name="Picture 5">
+            <a:extLst>
+              <a:ext uri="{FF2B5EF4-FFF2-40B4-BE49-F238E27FC236}">
+                <a16:creationId xmlns:a16="http://schemas.microsoft.com/office/drawing/2014/main" id="{F6F24489-6030-554B-9FF1-0A31882ED28B}"/>
               </a:ext>
             </a:extLst>
           </p:cNvPr>
@@ -10932,44 +12980,8 @@
         </p:blipFill>
         <p:spPr>
           <a:xfrm>
-            <a:off x="6096000" y="2160495"/>
-            <a:ext cx="5020438" cy="3765329"/>
-          </a:xfrm>
-          <a:prstGeom prst="rect">
-            <a:avLst/>
-          </a:prstGeom>
-        </p:spPr>
-      </p:pic>
-      <p:pic>
-        <p:nvPicPr>
-          <p:cNvPr id="6" name="Picture 5" descr="latex-image-1.pdf">
-            <a:extLst>
-              <a:ext uri="{FF2B5EF4-FFF2-40B4-BE49-F238E27FC236}">
-                <a16:creationId xmlns:a16="http://schemas.microsoft.com/office/drawing/2014/main" id="{5AE088D6-906A-2F4B-A505-D1463AC4362B}"/>
-              </a:ext>
-            </a:extLst>
-          </p:cNvPr>
-          <p:cNvPicPr>
-            <a:picLocks noChangeAspect="1"/>
-          </p:cNvPicPr>
-          <p:nvPr/>
-        </p:nvPicPr>
-        <p:blipFill>
-          <a:blip r:embed="rId3">
-            <a:extLst>
-              <a:ext uri="{28A0092B-C50C-407E-A947-70E740481C1C}">
-                <a14:useLocalDpi xmlns:a14="http://schemas.microsoft.com/office/drawing/2010/main"/>
-              </a:ext>
-            </a:extLst>
-          </a:blip>
-          <a:stretch>
-            <a:fillRect/>
-          </a:stretch>
-        </p:blipFill>
-        <p:spPr>
-          <a:xfrm>
-            <a:off x="1335942" y="4225656"/>
-            <a:ext cx="2222500" cy="279400"/>
+            <a:off x="5862038" y="2198688"/>
+            <a:ext cx="6329962" cy="3170029"/>
           </a:xfrm>
           <a:prstGeom prst="rect">
             <a:avLst/>
@@ -10979,7 +12991,7 @@
     </p:spTree>
     <p:extLst>
       <p:ext uri="{BB962C8B-B14F-4D97-AF65-F5344CB8AC3E}">
-        <p14:creationId xmlns:p14="http://schemas.microsoft.com/office/powerpoint/2010/main" val="4247769928"/>
+        <p14:creationId xmlns:p14="http://schemas.microsoft.com/office/powerpoint/2010/main" val="696199487"/>
       </p:ext>
     </p:extLst>
   </p:cSld>

--- a/Nuclear_Fuel_Performance/NE533_Spring2022/section3/Lec14_swelling.pptx
+++ b/Nuclear_Fuel_Performance/NE533_Spring2022/section3/Lec14_swelling.pptx
@@ -35,7 +35,6 @@
     <p:sldId id="321" r:id="rId29"/>
     <p:sldId id="322" r:id="rId30"/>
     <p:sldId id="323" r:id="rId31"/>
-    <p:sldId id="539" r:id="rId32"/>
   </p:sldIdLst>
   <p:sldSz cx="12192000" cy="6858000"/>
   <p:notesSz cx="6858000" cy="9144000"/>
@@ -330,7 +329,7 @@
             </a:pPr>
             <a:fld id="{D6F3A803-A045-354B-887A-01433CE46FC2}" type="datetime1">
               <a:rPr lang="en-US" smtClean="0"/>
-              <a:t>3/8/22</a:t>
+              <a:t>3/22/22</a:t>
             </a:fld>
             <a:endParaRPr lang="en-US"/>
           </a:p>
@@ -523,7 +522,7 @@
             </a:pPr>
             <a:fld id="{A8B33C1D-C2E2-1049-AA3F-CD6E91052752}" type="datetime1">
               <a:rPr lang="en-US" smtClean="0"/>
-              <a:t>3/8/22</a:t>
+              <a:t>3/22/22</a:t>
             </a:fld>
             <a:endParaRPr lang="en-US"/>
           </a:p>
@@ -725,7 +724,7 @@
             </a:pPr>
             <a:fld id="{2791AD68-B60C-4542-BDDD-2074DE6DE828}" type="datetime1">
               <a:rPr lang="en-US" smtClean="0"/>
-              <a:t>3/8/22</a:t>
+              <a:t>3/22/22</a:t>
             </a:fld>
             <a:endParaRPr lang="en-US"/>
           </a:p>
@@ -924,7 +923,7 @@
             </a:pPr>
             <a:fld id="{C5BD04BF-9DC2-6341-92B2-BD109A2EF3B1}" type="datetime1">
               <a:rPr lang="en-US" smtClean="0"/>
-              <a:t>3/8/22</a:t>
+              <a:t>3/22/22</a:t>
             </a:fld>
             <a:endParaRPr lang="en-US"/>
           </a:p>
@@ -1194,7 +1193,7 @@
             </a:pPr>
             <a:fld id="{FB0FFBC7-3028-644D-986B-D9855CB74B38}" type="datetime1">
               <a:rPr lang="en-US" smtClean="0"/>
-              <a:t>3/8/22</a:t>
+              <a:t>3/22/22</a:t>
             </a:fld>
             <a:endParaRPr lang="en-US"/>
           </a:p>
@@ -1505,7 +1504,7 @@
             </a:pPr>
             <a:fld id="{2C3B8AE4-01F5-CC42-9C62-61BC6528368B}" type="datetime1">
               <a:rPr lang="en-US" smtClean="0"/>
-              <a:t>3/8/22</a:t>
+              <a:t>3/22/22</a:t>
             </a:fld>
             <a:endParaRPr lang="en-US"/>
           </a:p>
@@ -1948,7 +1947,7 @@
             </a:pPr>
             <a:fld id="{77E49314-4A78-2444-9569-44EB70168344}" type="datetime1">
               <a:rPr lang="en-US" smtClean="0"/>
-              <a:t>3/8/22</a:t>
+              <a:t>3/22/22</a:t>
             </a:fld>
             <a:endParaRPr lang="en-US"/>
           </a:p>
@@ -2089,7 +2088,7 @@
             </a:pPr>
             <a:fld id="{5BC22837-4683-B242-B000-BCEE30621787}" type="datetime1">
               <a:rPr lang="en-US" smtClean="0"/>
-              <a:t>3/8/22</a:t>
+              <a:t>3/22/22</a:t>
             </a:fld>
             <a:endParaRPr lang="en-US"/>
           </a:p>
@@ -2208,7 +2207,7 @@
             </a:pPr>
             <a:fld id="{DCDAE926-7EF1-0B40-B57E-417D188A609C}" type="datetime1">
               <a:rPr lang="en-US" smtClean="0"/>
-              <a:t>3/8/22</a:t>
+              <a:t>3/22/22</a:t>
             </a:fld>
             <a:endParaRPr lang="en-US"/>
           </a:p>
@@ -2507,7 +2506,7 @@
             </a:pPr>
             <a:fld id="{518D107B-B9C7-5B41-A168-55258AB95F52}" type="datetime1">
               <a:rPr lang="en-US" smtClean="0"/>
-              <a:t>3/8/22</a:t>
+              <a:t>3/22/22</a:t>
             </a:fld>
             <a:endParaRPr lang="en-US"/>
           </a:p>
@@ -2791,7 +2790,7 @@
             </a:pPr>
             <a:fld id="{3AD92D36-EE82-3142-B011-9831FB5E702F}" type="datetime1">
               <a:rPr lang="en-US" smtClean="0"/>
-              <a:t>3/8/22</a:t>
+              <a:t>3/22/22</a:t>
             </a:fld>
             <a:endParaRPr lang="en-US"/>
           </a:p>
@@ -2932,7 +2931,7 @@
               </a14:hiddenLine>
             </a:ext>
             <a:ext uri="{FAA26D3D-D897-4be2-8F04-BA451C77F1D7}">
-              <ma14:placeholderFlag xmlns:ma14="http://schemas.microsoft.com/office/mac/drawingml/2011/main" xmlns="" val="1"/>
+              <ma14:placeholderFlag xmlns="" xmlns:ma14="http://schemas.microsoft.com/office/mac/drawingml/2011/main" val="1"/>
             </a:ext>
           </a:extLst>
         </p:spPr>
@@ -3000,7 +2999,7 @@
               </a14:hiddenLine>
             </a:ext>
             <a:ext uri="{FAA26D3D-D897-4be2-8F04-BA451C77F1D7}">
-              <ma14:placeholderFlag xmlns:ma14="http://schemas.microsoft.com/office/mac/drawingml/2011/main" xmlns="" val="1"/>
+              <ma14:placeholderFlag xmlns="" xmlns:ma14="http://schemas.microsoft.com/office/mac/drawingml/2011/main" val="1"/>
             </a:ext>
           </a:extLst>
         </p:spPr>
@@ -3096,7 +3095,7 @@
             </a:pPr>
             <a:fld id="{3EE08B4B-7256-494F-A90D-3891BD685F4A}" type="datetime1">
               <a:rPr lang="en-US" smtClean="0"/>
-              <a:t>3/8/22</a:t>
+              <a:t>3/22/22</a:t>
             </a:fld>
             <a:endParaRPr lang="en-US" dirty="0"/>
           </a:p>
@@ -9756,148 +9755,6 @@
     <p:extLst>
       <p:ext uri="{BB962C8B-B14F-4D97-AF65-F5344CB8AC3E}">
         <p14:creationId xmlns:p14="http://schemas.microsoft.com/office/powerpoint/2010/main" val="2229729180"/>
-      </p:ext>
-    </p:extLst>
-  </p:cSld>
-  <p:clrMapOvr>
-    <a:masterClrMapping/>
-  </p:clrMapOvr>
-</p:sld>
-</file>
-
-<file path=ppt/slides/slide31.xml><?xml version="1.0" encoding="utf-8"?>
-<p:sld xmlns:a="http://schemas.openxmlformats.org/drawingml/2006/main" xmlns:r="http://schemas.openxmlformats.org/officeDocument/2006/relationships" xmlns:p="http://schemas.openxmlformats.org/presentationml/2006/main">
-  <p:cSld>
-    <p:spTree>
-      <p:nvGrpSpPr>
-        <p:cNvPr id="1" name=""/>
-        <p:cNvGrpSpPr/>
-        <p:nvPr/>
-      </p:nvGrpSpPr>
-      <p:grpSpPr>
-        <a:xfrm>
-          <a:off x="0" y="0"/>
-          <a:ext cx="0" cy="0"/>
-          <a:chOff x="0" y="0"/>
-          <a:chExt cx="0" cy="0"/>
-        </a:xfrm>
-      </p:grpSpPr>
-      <p:sp>
-        <p:nvSpPr>
-          <p:cNvPr id="2" name="Title 1">
-            <a:extLst>
-              <a:ext uri="{FF2B5EF4-FFF2-40B4-BE49-F238E27FC236}">
-                <a16:creationId xmlns:a16="http://schemas.microsoft.com/office/drawing/2014/main" id="{602DCCAD-BE05-A94F-B66A-EA2D3ABF07EF}"/>
-              </a:ext>
-            </a:extLst>
-          </p:cNvPr>
-          <p:cNvSpPr>
-            <a:spLocks noGrp="1"/>
-          </p:cNvSpPr>
-          <p:nvPr>
-            <p:ph type="title"/>
-          </p:nvPr>
-        </p:nvSpPr>
-        <p:spPr/>
-        <p:txBody>
-          <a:bodyPr/>
-          <a:lstStyle/>
-          <a:p>
-            <a:r>
-              <a:rPr lang="en-US" dirty="0"/>
-              <a:t>Summary</a:t>
-            </a:r>
-          </a:p>
-        </p:txBody>
-      </p:sp>
-      <p:sp>
-        <p:nvSpPr>
-          <p:cNvPr id="3" name="Content Placeholder 2">
-            <a:extLst>
-              <a:ext uri="{FF2B5EF4-FFF2-40B4-BE49-F238E27FC236}">
-                <a16:creationId xmlns:a16="http://schemas.microsoft.com/office/drawing/2014/main" id="{C7C9A290-33D4-8D48-BEAB-3A09AD15C127}"/>
-              </a:ext>
-            </a:extLst>
-          </p:cNvPr>
-          <p:cNvSpPr>
-            <a:spLocks noGrp="1"/>
-          </p:cNvSpPr>
-          <p:nvPr>
-            <p:ph idx="1"/>
-          </p:nvPr>
-        </p:nvSpPr>
-        <p:spPr/>
-        <p:txBody>
-          <a:bodyPr/>
-          <a:lstStyle/>
-          <a:p>
-            <a:r>
-              <a:rPr lang="en-US" dirty="0"/>
-              <a:t>The fuel thermal conductivity decreases with burnup</a:t>
-            </a:r>
-          </a:p>
-          <a:p>
-            <a:r>
-              <a:rPr lang="en-US" dirty="0"/>
-              <a:t>Empirical models take into account both phonon and electron based thermal transport</a:t>
-            </a:r>
-          </a:p>
-          <a:p>
-            <a:r>
-              <a:rPr lang="en-US" dirty="0"/>
-              <a:t>BISON primarily utilizes the NFIR model to describe thermal conductivity</a:t>
-            </a:r>
-          </a:p>
-          <a:p>
-            <a:r>
-              <a:rPr lang="en-US" dirty="0"/>
-              <a:t>The NFIR model is a fairly accurate empirical model of the fuel thermal conductivity</a:t>
-            </a:r>
-          </a:p>
-          <a:p>
-            <a:endParaRPr lang="en-US" dirty="0"/>
-          </a:p>
-        </p:txBody>
-      </p:sp>
-      <p:sp>
-        <p:nvSpPr>
-          <p:cNvPr id="4" name="Slide Number Placeholder 3">
-            <a:extLst>
-              <a:ext uri="{FF2B5EF4-FFF2-40B4-BE49-F238E27FC236}">
-                <a16:creationId xmlns:a16="http://schemas.microsoft.com/office/drawing/2014/main" id="{C5080A65-7384-FF4F-94B0-F4C3AB1A3F9F}"/>
-              </a:ext>
-            </a:extLst>
-          </p:cNvPr>
-          <p:cNvSpPr>
-            <a:spLocks noGrp="1"/>
-          </p:cNvSpPr>
-          <p:nvPr>
-            <p:ph type="sldNum" sz="quarter" idx="12"/>
-          </p:nvPr>
-        </p:nvSpPr>
-        <p:spPr/>
-        <p:txBody>
-          <a:bodyPr/>
-          <a:lstStyle/>
-          <a:p>
-            <a:pPr>
-              <a:defRPr/>
-            </a:pPr>
-            <a:fld id="{3FF2C605-4958-CF43-AA48-80339EFDB0AF}" type="slidenum">
-              <a:rPr lang="en-US" smtClean="0"/>
-              <a:pPr>
-                <a:defRPr/>
-              </a:pPr>
-              <a:t>31</a:t>
-            </a:fld>
-            <a:endParaRPr lang="en-US"/>
-          </a:p>
-        </p:txBody>
-      </p:sp>
-    </p:spTree>
-    <p:extLst>
-      <p:ext uri="{BB962C8B-B14F-4D97-AF65-F5344CB8AC3E}">
-        <p14:creationId xmlns:p14="http://schemas.microsoft.com/office/powerpoint/2010/main" val="3706124868"/>
       </p:ext>
     </p:extLst>
   </p:cSld>
